--- a/ProjetFinalAAA-Factory.pptx
+++ b/ProjetFinalAAA-Factory.pptx
@@ -5,7 +5,7 @@
     <p:sldMasterId id="2147483873" r:id="rId1"/>
   </p:sldMasterIdLst>
   <p:notesMasterIdLst>
-    <p:notesMasterId r:id="rId23"/>
+    <p:notesMasterId r:id="rId27"/>
   </p:notesMasterIdLst>
   <p:sldIdLst>
     <p:sldId id="256" r:id="rId2"/>
@@ -29,6 +29,10 @@
     <p:sldId id="277" r:id="rId20"/>
     <p:sldId id="275" r:id="rId21"/>
     <p:sldId id="276" r:id="rId22"/>
+    <p:sldId id="278" r:id="rId23"/>
+    <p:sldId id="279" r:id="rId24"/>
+    <p:sldId id="280" r:id="rId25"/>
+    <p:sldId id="281" r:id="rId26"/>
   </p:sldIdLst>
   <p:sldSz cx="12192000" cy="6858000"/>
   <p:notesSz cx="6858000" cy="9144000"/>
@@ -127,6 +131,11 @@
       </a:defRPr>
     </a:lvl9pPr>
   </p:defaultTextStyle>
+  <p:extLst>
+    <p:ext uri="{EFAFB233-063F-42B5-8137-9DF3F51BA10A}">
+      <p15:sldGuideLst xmlns:p15="http://schemas.microsoft.com/office/powerpoint/2012/main"/>
+    </p:ext>
+  </p:extLst>
 </p:presentation>
 </file>
 
@@ -1154,11 +1163,7 @@
           </a:r>
           <a:r>
             <a:rPr lang="fr-FR" dirty="0" smtClean="0"/>
-            <a:t> boot et </a:t>
-          </a:r>
-          <a:r>
-            <a:rPr lang="fr-FR" dirty="0" smtClean="0"/>
-            <a:t>Projet </a:t>
+            <a:t> boot et Projet </a:t>
           </a:r>
           <a:r>
             <a:rPr lang="fr-FR" dirty="0" err="1" smtClean="0"/>
@@ -1546,6 +1551,13 @@
         </dgm:presLayoutVars>
       </dgm:prSet>
       <dgm:spPr/>
+      <dgm:t>
+        <a:bodyPr/>
+        <a:lstStyle/>
+        <a:p>
+          <a:endParaRPr lang="fr-FR"/>
+        </a:p>
+      </dgm:t>
     </dgm:pt>
     <dgm:pt modelId="{5BEF11AD-C49B-4EC6-988C-1507779FE156}" type="pres">
       <dgm:prSet presAssocID="{88BEFF7C-4F72-4639-A6CA-E9DBDA746140}" presName="composite" presStyleCnt="0"/>
@@ -1559,6 +1571,13 @@
         </dgm:presLayoutVars>
       </dgm:prSet>
       <dgm:spPr/>
+      <dgm:t>
+        <a:bodyPr/>
+        <a:lstStyle/>
+        <a:p>
+          <a:endParaRPr lang="fr-FR"/>
+        </a:p>
+      </dgm:t>
     </dgm:pt>
     <dgm:pt modelId="{CDA8CC48-33EC-43A4-820C-229A4A1E8895}" type="pres">
       <dgm:prSet presAssocID="{88BEFF7C-4F72-4639-A6CA-E9DBDA746140}" presName="descendantText" presStyleLbl="alignAcc1" presStyleIdx="0" presStyleCnt="4">
@@ -1591,6 +1610,13 @@
         </dgm:presLayoutVars>
       </dgm:prSet>
       <dgm:spPr/>
+      <dgm:t>
+        <a:bodyPr/>
+        <a:lstStyle/>
+        <a:p>
+          <a:endParaRPr lang="fr-FR"/>
+        </a:p>
+      </dgm:t>
     </dgm:pt>
     <dgm:pt modelId="{EB42497A-1B47-4808-A1CF-B43120F3D0A5}" type="pres">
       <dgm:prSet presAssocID="{BDA997D8-FF1D-42DD-9F71-3E4DDCEFA335}" presName="descendantText" presStyleLbl="alignAcc1" presStyleIdx="1" presStyleCnt="4">
@@ -1638,6 +1664,13 @@
         </dgm:presLayoutVars>
       </dgm:prSet>
       <dgm:spPr/>
+      <dgm:t>
+        <a:bodyPr/>
+        <a:lstStyle/>
+        <a:p>
+          <a:endParaRPr lang="fr-FR"/>
+        </a:p>
+      </dgm:t>
     </dgm:pt>
     <dgm:pt modelId="{9498939C-51D4-437F-AFC9-63DFEF529459}" type="pres">
       <dgm:prSet presAssocID="{5629D3AF-F6ED-462C-8138-C82F0DD84B5C}" presName="sp" presStyleCnt="0"/>
@@ -1655,6 +1688,13 @@
         </dgm:presLayoutVars>
       </dgm:prSet>
       <dgm:spPr/>
+      <dgm:t>
+        <a:bodyPr/>
+        <a:lstStyle/>
+        <a:p>
+          <a:endParaRPr lang="fr-FR"/>
+        </a:p>
+      </dgm:t>
     </dgm:pt>
     <dgm:pt modelId="{44CDBF3E-36FA-4499-8E30-0704634193D8}" type="pres">
       <dgm:prSet presAssocID="{0EE3B280-D93A-49CF-8EF6-293ABC3164BF}" presName="descendantText" presStyleLbl="alignAcc1" presStyleIdx="3" presStyleCnt="4">
@@ -1673,17 +1713,17 @@
     </dgm:pt>
   </dgm:ptLst>
   <dgm:cxnLst>
+    <dgm:cxn modelId="{7990BA21-400D-4BEA-9B66-866FD929A426}" srcId="{D9440792-DE9D-4E7A-A6F3-9D85C9A2B7C1}" destId="{0EE3B280-D93A-49CF-8EF6-293ABC3164BF}" srcOrd="3" destOrd="0" parTransId="{0E71EA9D-AD96-48A1-9008-B9379A0DA3F0}" sibTransId="{7326B631-5DB8-4729-9769-D77ECCE0CCB4}"/>
     <dgm:cxn modelId="{C64C0D91-3CE1-4B50-99FE-843094C9C399}" type="presOf" srcId="{2DF6D162-72A5-4F3A-8FD3-A0A409DFAE83}" destId="{2E548686-55A4-41C7-B3D7-EDE9244C4123}" srcOrd="0" destOrd="0" presId="urn:microsoft.com/office/officeart/2005/8/layout/chevron2"/>
-    <dgm:cxn modelId="{7990BA21-400D-4BEA-9B66-866FD929A426}" srcId="{D9440792-DE9D-4E7A-A6F3-9D85C9A2B7C1}" destId="{0EE3B280-D93A-49CF-8EF6-293ABC3164BF}" srcOrd="3" destOrd="0" parTransId="{0E71EA9D-AD96-48A1-9008-B9379A0DA3F0}" sibTransId="{7326B631-5DB8-4729-9769-D77ECCE0CCB4}"/>
     <dgm:cxn modelId="{D43031E4-8E4F-46D6-8746-3211AE57C7C2}" srcId="{0EE3B280-D93A-49CF-8EF6-293ABC3164BF}" destId="{6B31023D-8314-440D-9058-24CAB51DE770}" srcOrd="0" destOrd="0" parTransId="{FA1C998B-FFA3-424F-A9BC-12A4682F0AEE}" sibTransId="{C0A36493-C2D3-484A-8FEE-2A02B6EBFF12}"/>
     <dgm:cxn modelId="{C22D2723-291C-42D4-872C-EAF5B50C920A}" srcId="{2DF6D162-72A5-4F3A-8FD3-A0A409DFAE83}" destId="{FBDE3E6D-884F-4885-A143-06FED84BC05C}" srcOrd="1" destOrd="0" parTransId="{537CB0AF-66A4-4C59-B530-8CC567BC476D}" sibTransId="{F616CF1C-AD2E-4A40-ADA5-A135C7F953F6}"/>
     <dgm:cxn modelId="{6F4BBBC0-0154-4464-B3AC-CEFF7FAEA641}" srcId="{D9440792-DE9D-4E7A-A6F3-9D85C9A2B7C1}" destId="{2DF6D162-72A5-4F3A-8FD3-A0A409DFAE83}" srcOrd="2" destOrd="0" parTransId="{500F1E95-4A9B-4F69-A696-4EC67EFA4537}" sibTransId="{5629D3AF-F6ED-462C-8138-C82F0DD84B5C}"/>
+    <dgm:cxn modelId="{2A4E1244-6DB0-4344-B790-F1D2E9B6A8CE}" srcId="{D9440792-DE9D-4E7A-A6F3-9D85C9A2B7C1}" destId="{88BEFF7C-4F72-4639-A6CA-E9DBDA746140}" srcOrd="0" destOrd="0" parTransId="{E72F6B6F-83D1-4DBC-A258-B401AA7AE010}" sibTransId="{22CA0198-3089-4ADA-9577-6146681FC49F}"/>
     <dgm:cxn modelId="{8BE8ED6B-72E8-4DF4-A14A-5014F4588E2C}" type="presOf" srcId="{A6A03147-8FB2-4606-ADB1-71F59CBFCEC4}" destId="{CDA8CC48-33EC-43A4-820C-229A4A1E8895}" srcOrd="0" destOrd="0" presId="urn:microsoft.com/office/officeart/2005/8/layout/chevron2"/>
-    <dgm:cxn modelId="{2A4E1244-6DB0-4344-B790-F1D2E9B6A8CE}" srcId="{D9440792-DE9D-4E7A-A6F3-9D85C9A2B7C1}" destId="{88BEFF7C-4F72-4639-A6CA-E9DBDA746140}" srcOrd="0" destOrd="0" parTransId="{E72F6B6F-83D1-4DBC-A258-B401AA7AE010}" sibTransId="{22CA0198-3089-4ADA-9577-6146681FC49F}"/>
     <dgm:cxn modelId="{90A9466E-19BA-4B24-8563-245E80266796}" type="presOf" srcId="{88BEFF7C-4F72-4639-A6CA-E9DBDA746140}" destId="{D7E5B174-AC4B-4F3C-8EFE-A2DBA916427B}" srcOrd="0" destOrd="0" presId="urn:microsoft.com/office/officeart/2005/8/layout/chevron2"/>
     <dgm:cxn modelId="{59B434C2-5DC1-49AE-9BD3-4A50E9CF3EAD}" type="presOf" srcId="{6B67A59A-4BC1-486F-AEAF-C06DE09BA808}" destId="{EB42497A-1B47-4808-A1CF-B43120F3D0A5}" srcOrd="0" destOrd="1" presId="urn:microsoft.com/office/officeart/2005/8/layout/chevron2"/>
+    <dgm:cxn modelId="{FFB86F78-4A54-41BD-9681-9F005BED492A}" type="presOf" srcId="{6B31023D-8314-440D-9058-24CAB51DE770}" destId="{44CDBF3E-36FA-4499-8E30-0704634193D8}" srcOrd="0" destOrd="0" presId="urn:microsoft.com/office/officeart/2005/8/layout/chevron2"/>
     <dgm:cxn modelId="{D599A3E3-7165-484F-9B13-E728D61DC823}" srcId="{2DF6D162-72A5-4F3A-8FD3-A0A409DFAE83}" destId="{5838C88E-663D-4C2E-80A0-DD2364208C43}" srcOrd="0" destOrd="0" parTransId="{32EE27A5-903A-4ED1-880C-D00D4BC42824}" sibTransId="{2EFFB200-779C-47EC-B950-68656F9CE6FC}"/>
-    <dgm:cxn modelId="{FFB86F78-4A54-41BD-9681-9F005BED492A}" type="presOf" srcId="{6B31023D-8314-440D-9058-24CAB51DE770}" destId="{44CDBF3E-36FA-4499-8E30-0704634193D8}" srcOrd="0" destOrd="0" presId="urn:microsoft.com/office/officeart/2005/8/layout/chevron2"/>
     <dgm:cxn modelId="{907CFFEB-82D7-4442-AFBD-FB08E1361F1C}" type="presOf" srcId="{0EE3B280-D93A-49CF-8EF6-293ABC3164BF}" destId="{C5EB81DF-8EE5-474A-9DAB-DF07577F553D}" srcOrd="0" destOrd="0" presId="urn:microsoft.com/office/officeart/2005/8/layout/chevron2"/>
     <dgm:cxn modelId="{ED2369B0-8F1F-4C82-BD1F-D331D7484F98}" srcId="{88BEFF7C-4F72-4639-A6CA-E9DBDA746140}" destId="{A6A03147-8FB2-4606-ADB1-71F59CBFCEC4}" srcOrd="0" destOrd="0" parTransId="{9FDAAED9-60AB-4F11-9EB4-93296AD7F9B0}" sibTransId="{29D6A1D9-100C-4577-B56B-8EF0DF76790A}"/>
     <dgm:cxn modelId="{95945DF4-F4E3-4D2F-8780-8B211C6B9CBE}" srcId="{BDA997D8-FF1D-42DD-9F71-3E4DDCEFA335}" destId="{6B67A59A-4BC1-486F-AEAF-C06DE09BA808}" srcOrd="1" destOrd="0" parTransId="{6B985E36-FDDB-4762-AD8C-D159AE5EB7D5}" sibTransId="{B15E8FB7-DCFB-43F2-8AC7-1FC3B7E9F9BD}"/>
@@ -1732,742 +1772,6 @@
       <dsp:cNvGrpSpPr/>
     </dsp:nvGrpSpPr>
     <dsp:grpSpPr/>
-    <dsp:sp modelId="{D7E5B174-AC4B-4F3C-8EFE-A2DBA916427B}">
-      <dsp:nvSpPr>
-        <dsp:cNvPr id="0" name=""/>
-        <dsp:cNvSpPr/>
-      </dsp:nvSpPr>
-      <dsp:spPr>
-        <a:xfrm rot="5400000">
-          <a:off x="-167351" y="170210"/>
-          <a:ext cx="1115677" cy="780974"/>
-        </a:xfrm>
-        <a:prstGeom prst="chevron">
-          <a:avLst/>
-        </a:prstGeom>
-        <a:solidFill>
-          <a:schemeClr val="accent2">
-            <a:hueOff val="0"/>
-            <a:satOff val="0"/>
-            <a:lumOff val="0"/>
-            <a:alphaOff val="0"/>
-          </a:schemeClr>
-        </a:solidFill>
-        <a:ln w="15875" cap="flat" cmpd="sng" algn="ctr">
-          <a:solidFill>
-            <a:schemeClr val="accent2">
-              <a:hueOff val="0"/>
-              <a:satOff val="0"/>
-              <a:lumOff val="0"/>
-              <a:alphaOff val="0"/>
-            </a:schemeClr>
-          </a:solidFill>
-          <a:prstDash val="solid"/>
-        </a:ln>
-        <a:effectLst/>
-      </dsp:spPr>
-      <dsp:style>
-        <a:lnRef idx="2">
-          <a:scrgbClr r="0" g="0" b="0"/>
-        </a:lnRef>
-        <a:fillRef idx="1">
-          <a:scrgbClr r="0" g="0" b="0"/>
-        </a:fillRef>
-        <a:effectRef idx="0">
-          <a:scrgbClr r="0" g="0" b="0"/>
-        </a:effectRef>
-        <a:fontRef idx="minor">
-          <a:schemeClr val="lt1"/>
-        </a:fontRef>
-      </dsp:style>
-      <dsp:txBody>
-        <a:bodyPr spcFirstLastPara="0" vert="horz" wrap="square" lIns="13335" tIns="13335" rIns="13335" bIns="13335" numCol="1" spcCol="1270" anchor="ctr" anchorCtr="0">
-          <a:noAutofit/>
-        </a:bodyPr>
-        <a:lstStyle/>
-        <a:p>
-          <a:pPr lvl="0" algn="ctr" defTabSz="933450">
-            <a:lnSpc>
-              <a:spcPct val="90000"/>
-            </a:lnSpc>
-            <a:spcBef>
-              <a:spcPct val="0"/>
-            </a:spcBef>
-            <a:spcAft>
-              <a:spcPct val="35000"/>
-            </a:spcAft>
-          </a:pPr>
-          <a:r>
-            <a:rPr lang="fr-FR" sz="2100" kern="1200" dirty="0" smtClean="0"/>
-            <a:t>30%</a:t>
-          </a:r>
-          <a:endParaRPr lang="fr-FR" sz="2100" kern="1200" dirty="0"/>
-        </a:p>
-      </dsp:txBody>
-      <dsp:txXfrm rot="-5400000">
-        <a:off x="1" y="393345"/>
-        <a:ext cx="780974" cy="334703"/>
-      </dsp:txXfrm>
-    </dsp:sp>
-    <dsp:sp modelId="{CDA8CC48-33EC-43A4-820C-229A4A1E8895}">
-      <dsp:nvSpPr>
-        <dsp:cNvPr id="0" name=""/>
-        <dsp:cNvSpPr/>
-      </dsp:nvSpPr>
-      <dsp:spPr>
-        <a:xfrm rot="5400000">
-          <a:off x="5057091" y="-4273259"/>
-          <a:ext cx="725190" cy="9277425"/>
-        </a:xfrm>
-        <a:prstGeom prst="round2SameRect">
-          <a:avLst/>
-        </a:prstGeom>
-        <a:solidFill>
-          <a:schemeClr val="lt1">
-            <a:alpha val="90000"/>
-            <a:hueOff val="0"/>
-            <a:satOff val="0"/>
-            <a:lumOff val="0"/>
-            <a:alphaOff val="0"/>
-          </a:schemeClr>
-        </a:solidFill>
-        <a:ln w="15875" cap="flat" cmpd="sng" algn="ctr">
-          <a:solidFill>
-            <a:schemeClr val="accent2">
-              <a:hueOff val="0"/>
-              <a:satOff val="0"/>
-              <a:lumOff val="0"/>
-              <a:alphaOff val="0"/>
-            </a:schemeClr>
-          </a:solidFill>
-          <a:prstDash val="solid"/>
-        </a:ln>
-        <a:effectLst/>
-      </dsp:spPr>
-      <dsp:style>
-        <a:lnRef idx="2">
-          <a:scrgbClr r="0" g="0" b="0"/>
-        </a:lnRef>
-        <a:fillRef idx="1">
-          <a:scrgbClr r="0" g="0" b="0"/>
-        </a:fillRef>
-        <a:effectRef idx="0">
-          <a:scrgbClr r="0" g="0" b="0"/>
-        </a:effectRef>
-        <a:fontRef idx="minor"/>
-      </dsp:style>
-      <dsp:txBody>
-        <a:bodyPr spcFirstLastPara="0" vert="horz" wrap="square" lIns="142240" tIns="12700" rIns="12700" bIns="12700" numCol="1" spcCol="1270" anchor="ctr" anchorCtr="0">
-          <a:noAutofit/>
-        </a:bodyPr>
-        <a:lstStyle/>
-        <a:p>
-          <a:pPr marL="228600" lvl="1" indent="-228600" algn="l" defTabSz="889000">
-            <a:lnSpc>
-              <a:spcPct val="90000"/>
-            </a:lnSpc>
-            <a:spcBef>
-              <a:spcPct val="0"/>
-            </a:spcBef>
-            <a:spcAft>
-              <a:spcPct val="15000"/>
-            </a:spcAft>
-            <a:buChar char="••"/>
-          </a:pPr>
-          <a:r>
-            <a:rPr lang="fr-FR" sz="2000" b="1" u="sng" kern="1200" dirty="0" smtClean="0"/>
-            <a:t>LE DEVELOPPEMENT</a:t>
-          </a:r>
-          <a:endParaRPr lang="fr-FR" sz="2000" b="1" u="sng" kern="1200" dirty="0"/>
-        </a:p>
-        <a:p>
-          <a:pPr marL="228600" lvl="1" indent="-228600" algn="l" defTabSz="889000">
-            <a:lnSpc>
-              <a:spcPct val="90000"/>
-            </a:lnSpc>
-            <a:spcBef>
-              <a:spcPct val="0"/>
-            </a:spcBef>
-            <a:spcAft>
-              <a:spcPct val="15000"/>
-            </a:spcAft>
-            <a:buChar char="••"/>
-          </a:pPr>
-          <a:r>
-            <a:rPr lang="fr-FR" sz="2000" kern="1200" dirty="0" smtClean="0"/>
-            <a:t>Projet </a:t>
-          </a:r>
-          <a:r>
-            <a:rPr lang="fr-FR" sz="2000" kern="1200" dirty="0" err="1" smtClean="0"/>
-            <a:t>Spring</a:t>
-          </a:r>
-          <a:r>
-            <a:rPr lang="fr-FR" sz="2000" kern="1200" dirty="0" smtClean="0"/>
-            <a:t> boot et </a:t>
-          </a:r>
-          <a:r>
-            <a:rPr lang="fr-FR" sz="2000" kern="1200" dirty="0" smtClean="0"/>
-            <a:t>Projet </a:t>
-          </a:r>
-          <a:r>
-            <a:rPr lang="fr-FR" sz="2000" kern="1200" dirty="0" err="1" smtClean="0"/>
-            <a:t>Angular</a:t>
-          </a:r>
-          <a:endParaRPr lang="fr-FR" sz="2000" kern="1200" dirty="0"/>
-        </a:p>
-      </dsp:txBody>
-      <dsp:txXfrm rot="-5400000">
-        <a:off x="780974" y="38259"/>
-        <a:ext cx="9242024" cy="654388"/>
-      </dsp:txXfrm>
-    </dsp:sp>
-    <dsp:sp modelId="{1177879C-8872-46E7-885A-FD73DC31CC88}">
-      <dsp:nvSpPr>
-        <dsp:cNvPr id="0" name=""/>
-        <dsp:cNvSpPr/>
-      </dsp:nvSpPr>
-      <dsp:spPr>
-        <a:xfrm rot="5400000">
-          <a:off x="-167351" y="1137320"/>
-          <a:ext cx="1115677" cy="780974"/>
-        </a:xfrm>
-        <a:prstGeom prst="chevron">
-          <a:avLst/>
-        </a:prstGeom>
-        <a:solidFill>
-          <a:schemeClr val="accent3">
-            <a:hueOff val="0"/>
-            <a:satOff val="0"/>
-            <a:lumOff val="0"/>
-            <a:alphaOff val="0"/>
-          </a:schemeClr>
-        </a:solidFill>
-        <a:ln w="15875" cap="flat" cmpd="sng" algn="ctr">
-          <a:solidFill>
-            <a:schemeClr val="accent3">
-              <a:hueOff val="0"/>
-              <a:satOff val="0"/>
-              <a:lumOff val="0"/>
-              <a:alphaOff val="0"/>
-            </a:schemeClr>
-          </a:solidFill>
-          <a:prstDash val="solid"/>
-        </a:ln>
-        <a:effectLst/>
-      </dsp:spPr>
-      <dsp:style>
-        <a:lnRef idx="2">
-          <a:scrgbClr r="0" g="0" b="0"/>
-        </a:lnRef>
-        <a:fillRef idx="1">
-          <a:scrgbClr r="0" g="0" b="0"/>
-        </a:fillRef>
-        <a:effectRef idx="0">
-          <a:scrgbClr r="0" g="0" b="0"/>
-        </a:effectRef>
-        <a:fontRef idx="minor">
-          <a:schemeClr val="lt1"/>
-        </a:fontRef>
-      </dsp:style>
-      <dsp:txBody>
-        <a:bodyPr spcFirstLastPara="0" vert="horz" wrap="square" lIns="13335" tIns="13335" rIns="13335" bIns="13335" numCol="1" spcCol="1270" anchor="ctr" anchorCtr="0">
-          <a:noAutofit/>
-        </a:bodyPr>
-        <a:lstStyle/>
-        <a:p>
-          <a:pPr lvl="0" algn="ctr" defTabSz="933450">
-            <a:lnSpc>
-              <a:spcPct val="90000"/>
-            </a:lnSpc>
-            <a:spcBef>
-              <a:spcPct val="0"/>
-            </a:spcBef>
-            <a:spcAft>
-              <a:spcPct val="35000"/>
-            </a:spcAft>
-          </a:pPr>
-          <a:r>
-            <a:rPr lang="fr-FR" sz="2100" kern="1200" dirty="0" smtClean="0"/>
-            <a:t>30%</a:t>
-          </a:r>
-          <a:endParaRPr lang="fr-FR" sz="2100" kern="1200" dirty="0"/>
-        </a:p>
-      </dsp:txBody>
-      <dsp:txXfrm rot="-5400000">
-        <a:off x="1" y="1360455"/>
-        <a:ext cx="780974" cy="334703"/>
-      </dsp:txXfrm>
-    </dsp:sp>
-    <dsp:sp modelId="{EB42497A-1B47-4808-A1CF-B43120F3D0A5}">
-      <dsp:nvSpPr>
-        <dsp:cNvPr id="0" name=""/>
-        <dsp:cNvSpPr/>
-      </dsp:nvSpPr>
-      <dsp:spPr>
-        <a:xfrm rot="5400000">
-          <a:off x="5057091" y="-3306148"/>
-          <a:ext cx="725190" cy="9277425"/>
-        </a:xfrm>
-        <a:prstGeom prst="round2SameRect">
-          <a:avLst/>
-        </a:prstGeom>
-        <a:solidFill>
-          <a:schemeClr val="lt1">
-            <a:alpha val="90000"/>
-            <a:hueOff val="0"/>
-            <a:satOff val="0"/>
-            <a:lumOff val="0"/>
-            <a:alphaOff val="0"/>
-          </a:schemeClr>
-        </a:solidFill>
-        <a:ln w="15875" cap="flat" cmpd="sng" algn="ctr">
-          <a:solidFill>
-            <a:schemeClr val="accent3">
-              <a:hueOff val="0"/>
-              <a:satOff val="0"/>
-              <a:lumOff val="0"/>
-              <a:alphaOff val="0"/>
-            </a:schemeClr>
-          </a:solidFill>
-          <a:prstDash val="solid"/>
-        </a:ln>
-        <a:effectLst/>
-      </dsp:spPr>
-      <dsp:style>
-        <a:lnRef idx="2">
-          <a:scrgbClr r="0" g="0" b="0"/>
-        </a:lnRef>
-        <a:fillRef idx="1">
-          <a:scrgbClr r="0" g="0" b="0"/>
-        </a:fillRef>
-        <a:effectRef idx="0">
-          <a:scrgbClr r="0" g="0" b="0"/>
-        </a:effectRef>
-        <a:fontRef idx="minor"/>
-      </dsp:style>
-      <dsp:txBody>
-        <a:bodyPr spcFirstLastPara="0" vert="horz" wrap="square" lIns="142240" tIns="12700" rIns="12700" bIns="12700" numCol="1" spcCol="1270" anchor="ctr" anchorCtr="0">
-          <a:noAutofit/>
-        </a:bodyPr>
-        <a:lstStyle/>
-        <a:p>
-          <a:pPr marL="228600" lvl="1" indent="-228600" algn="l" defTabSz="889000">
-            <a:lnSpc>
-              <a:spcPct val="90000"/>
-            </a:lnSpc>
-            <a:spcBef>
-              <a:spcPct val="0"/>
-            </a:spcBef>
-            <a:spcAft>
-              <a:spcPct val="15000"/>
-            </a:spcAft>
-            <a:buChar char="••"/>
-          </a:pPr>
-          <a:r>
-            <a:rPr lang="fr-FR" sz="2000" b="1" u="sng" kern="1200" dirty="0" smtClean="0"/>
-            <a:t>LES TESTS </a:t>
-          </a:r>
-          <a:endParaRPr lang="fr-FR" sz="2000" b="1" u="sng" kern="1200" dirty="0"/>
-        </a:p>
-        <a:p>
-          <a:pPr marL="228600" lvl="1" indent="-228600" algn="l" defTabSz="889000">
-            <a:lnSpc>
-              <a:spcPct val="90000"/>
-            </a:lnSpc>
-            <a:spcBef>
-              <a:spcPct val="0"/>
-            </a:spcBef>
-            <a:spcAft>
-              <a:spcPct val="15000"/>
-            </a:spcAft>
-            <a:buChar char="••"/>
-          </a:pPr>
-          <a:r>
-            <a:rPr lang="fr-FR" sz="2000" kern="1200" dirty="0" smtClean="0"/>
-            <a:t>Test </a:t>
-          </a:r>
-          <a:r>
-            <a:rPr lang="fr-FR" sz="2000" kern="1200" dirty="0" err="1" smtClean="0"/>
-            <a:t>DataBase</a:t>
-          </a:r>
-          <a:r>
-            <a:rPr lang="fr-FR" sz="2000" kern="1200" dirty="0" smtClean="0"/>
-            <a:t>, </a:t>
-          </a:r>
-          <a:r>
-            <a:rPr lang="fr-FR" sz="2000" kern="1200" dirty="0" err="1" smtClean="0"/>
-            <a:t>Spring</a:t>
-          </a:r>
-          <a:r>
-            <a:rPr lang="fr-FR" sz="2000" kern="1200" dirty="0" smtClean="0"/>
-            <a:t> Boot, Test </a:t>
-          </a:r>
-          <a:r>
-            <a:rPr lang="fr-FR" sz="2000" kern="1200" dirty="0" err="1" smtClean="0"/>
-            <a:t>Angular</a:t>
-          </a:r>
-          <a:r>
-            <a:rPr lang="fr-FR" sz="2000" kern="1200" dirty="0" smtClean="0"/>
-            <a:t>, web et connexion avec le projet précédent</a:t>
-          </a:r>
-          <a:endParaRPr lang="fr-FR" sz="2000" kern="1200" dirty="0"/>
-        </a:p>
-      </dsp:txBody>
-      <dsp:txXfrm rot="-5400000">
-        <a:off x="780974" y="1005370"/>
-        <a:ext cx="9242024" cy="654388"/>
-      </dsp:txXfrm>
-    </dsp:sp>
-    <dsp:sp modelId="{2E548686-55A4-41C7-B3D7-EDE9244C4123}">
-      <dsp:nvSpPr>
-        <dsp:cNvPr id="0" name=""/>
-        <dsp:cNvSpPr/>
-      </dsp:nvSpPr>
-      <dsp:spPr>
-        <a:xfrm rot="5400000">
-          <a:off x="-167351" y="2104430"/>
-          <a:ext cx="1115677" cy="780974"/>
-        </a:xfrm>
-        <a:prstGeom prst="chevron">
-          <a:avLst/>
-        </a:prstGeom>
-        <a:solidFill>
-          <a:schemeClr val="accent4">
-            <a:hueOff val="0"/>
-            <a:satOff val="0"/>
-            <a:lumOff val="0"/>
-            <a:alphaOff val="0"/>
-          </a:schemeClr>
-        </a:solidFill>
-        <a:ln w="15875" cap="flat" cmpd="sng" algn="ctr">
-          <a:solidFill>
-            <a:schemeClr val="accent4">
-              <a:hueOff val="0"/>
-              <a:satOff val="0"/>
-              <a:lumOff val="0"/>
-              <a:alphaOff val="0"/>
-            </a:schemeClr>
-          </a:solidFill>
-          <a:prstDash val="solid"/>
-        </a:ln>
-        <a:effectLst/>
-      </dsp:spPr>
-      <dsp:style>
-        <a:lnRef idx="2">
-          <a:scrgbClr r="0" g="0" b="0"/>
-        </a:lnRef>
-        <a:fillRef idx="1">
-          <a:scrgbClr r="0" g="0" b="0"/>
-        </a:fillRef>
-        <a:effectRef idx="0">
-          <a:scrgbClr r="0" g="0" b="0"/>
-        </a:effectRef>
-        <a:fontRef idx="minor">
-          <a:schemeClr val="lt1"/>
-        </a:fontRef>
-      </dsp:style>
-      <dsp:txBody>
-        <a:bodyPr spcFirstLastPara="0" vert="horz" wrap="square" lIns="13335" tIns="13335" rIns="13335" bIns="13335" numCol="1" spcCol="1270" anchor="ctr" anchorCtr="0">
-          <a:noAutofit/>
-        </a:bodyPr>
-        <a:lstStyle/>
-        <a:p>
-          <a:pPr lvl="0" algn="ctr" defTabSz="933450">
-            <a:lnSpc>
-              <a:spcPct val="90000"/>
-            </a:lnSpc>
-            <a:spcBef>
-              <a:spcPct val="0"/>
-            </a:spcBef>
-            <a:spcAft>
-              <a:spcPct val="35000"/>
-            </a:spcAft>
-          </a:pPr>
-          <a:r>
-            <a:rPr lang="fr-FR" sz="2100" kern="1200" dirty="0" smtClean="0"/>
-            <a:t>25%</a:t>
-          </a:r>
-          <a:endParaRPr lang="fr-FR" sz="2100" kern="1200" dirty="0"/>
-        </a:p>
-      </dsp:txBody>
-      <dsp:txXfrm rot="-5400000">
-        <a:off x="1" y="2327565"/>
-        <a:ext cx="780974" cy="334703"/>
-      </dsp:txXfrm>
-    </dsp:sp>
-    <dsp:sp modelId="{F52ADA67-E94C-4552-BFAF-85B0AB32CEBC}">
-      <dsp:nvSpPr>
-        <dsp:cNvPr id="0" name=""/>
-        <dsp:cNvSpPr/>
-      </dsp:nvSpPr>
-      <dsp:spPr>
-        <a:xfrm rot="5400000">
-          <a:off x="5057091" y="-2339038"/>
-          <a:ext cx="725190" cy="9277425"/>
-        </a:xfrm>
-        <a:prstGeom prst="round2SameRect">
-          <a:avLst/>
-        </a:prstGeom>
-        <a:solidFill>
-          <a:schemeClr val="lt1">
-            <a:alpha val="90000"/>
-            <a:hueOff val="0"/>
-            <a:satOff val="0"/>
-            <a:lumOff val="0"/>
-            <a:alphaOff val="0"/>
-          </a:schemeClr>
-        </a:solidFill>
-        <a:ln w="15875" cap="flat" cmpd="sng" algn="ctr">
-          <a:solidFill>
-            <a:schemeClr val="accent4">
-              <a:hueOff val="0"/>
-              <a:satOff val="0"/>
-              <a:lumOff val="0"/>
-              <a:alphaOff val="0"/>
-            </a:schemeClr>
-          </a:solidFill>
-          <a:prstDash val="solid"/>
-        </a:ln>
-        <a:effectLst/>
-      </dsp:spPr>
-      <dsp:style>
-        <a:lnRef idx="2">
-          <a:scrgbClr r="0" g="0" b="0"/>
-        </a:lnRef>
-        <a:fillRef idx="1">
-          <a:scrgbClr r="0" g="0" b="0"/>
-        </a:fillRef>
-        <a:effectRef idx="0">
-          <a:scrgbClr r="0" g="0" b="0"/>
-        </a:effectRef>
-        <a:fontRef idx="minor"/>
-      </dsp:style>
-      <dsp:txBody>
-        <a:bodyPr spcFirstLastPara="0" vert="horz" wrap="square" lIns="142240" tIns="12700" rIns="12700" bIns="12700" numCol="1" spcCol="1270" anchor="ctr" anchorCtr="0">
-          <a:noAutofit/>
-        </a:bodyPr>
-        <a:lstStyle/>
-        <a:p>
-          <a:pPr marL="228600" lvl="1" indent="-228600" algn="l" defTabSz="889000">
-            <a:lnSpc>
-              <a:spcPct val="90000"/>
-            </a:lnSpc>
-            <a:spcBef>
-              <a:spcPct val="0"/>
-            </a:spcBef>
-            <a:spcAft>
-              <a:spcPct val="15000"/>
-            </a:spcAft>
-            <a:buChar char="••"/>
-          </a:pPr>
-          <a:r>
-            <a:rPr lang="fr-FR" sz="2000" b="1" u="sng" kern="1200" dirty="0" smtClean="0"/>
-            <a:t>LE DESIGN</a:t>
-          </a:r>
-          <a:endParaRPr lang="fr-FR" sz="2000" b="1" u="sng" kern="1200" dirty="0"/>
-        </a:p>
-        <a:p>
-          <a:pPr marL="228600" lvl="1" indent="-228600" algn="l" defTabSz="889000">
-            <a:lnSpc>
-              <a:spcPct val="90000"/>
-            </a:lnSpc>
-            <a:spcBef>
-              <a:spcPct val="0"/>
-            </a:spcBef>
-            <a:spcAft>
-              <a:spcPct val="15000"/>
-            </a:spcAft>
-            <a:buChar char="••"/>
-          </a:pPr>
-          <a:r>
-            <a:rPr lang="fr-FR" sz="2000" kern="1200" dirty="0" smtClean="0"/>
-            <a:t>Design du site, disposition, </a:t>
-          </a:r>
-          <a:r>
-            <a:rPr lang="fr-FR" sz="2000" kern="1200" dirty="0" err="1" smtClean="0"/>
-            <a:t>bootstrap</a:t>
-          </a:r>
-          <a:endParaRPr lang="fr-FR" sz="2000" kern="1200" dirty="0"/>
-        </a:p>
-      </dsp:txBody>
-      <dsp:txXfrm rot="-5400000">
-        <a:off x="780974" y="1972480"/>
-        <a:ext cx="9242024" cy="654388"/>
-      </dsp:txXfrm>
-    </dsp:sp>
-    <dsp:sp modelId="{C5EB81DF-8EE5-474A-9DAB-DF07577F553D}">
-      <dsp:nvSpPr>
-        <dsp:cNvPr id="0" name=""/>
-        <dsp:cNvSpPr/>
-      </dsp:nvSpPr>
-      <dsp:spPr>
-        <a:xfrm rot="5400000">
-          <a:off x="-167351" y="3071540"/>
-          <a:ext cx="1115677" cy="780974"/>
-        </a:xfrm>
-        <a:prstGeom prst="chevron">
-          <a:avLst/>
-        </a:prstGeom>
-        <a:solidFill>
-          <a:schemeClr val="accent5">
-            <a:hueOff val="0"/>
-            <a:satOff val="0"/>
-            <a:lumOff val="0"/>
-            <a:alphaOff val="0"/>
-          </a:schemeClr>
-        </a:solidFill>
-        <a:ln w="15875" cap="flat" cmpd="sng" algn="ctr">
-          <a:solidFill>
-            <a:schemeClr val="accent5">
-              <a:hueOff val="0"/>
-              <a:satOff val="0"/>
-              <a:lumOff val="0"/>
-              <a:alphaOff val="0"/>
-            </a:schemeClr>
-          </a:solidFill>
-          <a:prstDash val="solid"/>
-        </a:ln>
-        <a:effectLst/>
-      </dsp:spPr>
-      <dsp:style>
-        <a:lnRef idx="2">
-          <a:scrgbClr r="0" g="0" b="0"/>
-        </a:lnRef>
-        <a:fillRef idx="1">
-          <a:scrgbClr r="0" g="0" b="0"/>
-        </a:fillRef>
-        <a:effectRef idx="0">
-          <a:scrgbClr r="0" g="0" b="0"/>
-        </a:effectRef>
-        <a:fontRef idx="minor">
-          <a:schemeClr val="lt1"/>
-        </a:fontRef>
-      </dsp:style>
-      <dsp:txBody>
-        <a:bodyPr spcFirstLastPara="0" vert="horz" wrap="square" lIns="13335" tIns="13335" rIns="13335" bIns="13335" numCol="1" spcCol="1270" anchor="ctr" anchorCtr="0">
-          <a:noAutofit/>
-        </a:bodyPr>
-        <a:lstStyle/>
-        <a:p>
-          <a:pPr lvl="0" algn="ctr" defTabSz="933450">
-            <a:lnSpc>
-              <a:spcPct val="90000"/>
-            </a:lnSpc>
-            <a:spcBef>
-              <a:spcPct val="0"/>
-            </a:spcBef>
-            <a:spcAft>
-              <a:spcPct val="35000"/>
-            </a:spcAft>
-          </a:pPr>
-          <a:r>
-            <a:rPr lang="fr-FR" sz="2100" kern="1200" dirty="0" smtClean="0"/>
-            <a:t>15%</a:t>
-          </a:r>
-          <a:endParaRPr lang="fr-FR" sz="2100" kern="1200" dirty="0"/>
-        </a:p>
-      </dsp:txBody>
-      <dsp:txXfrm rot="-5400000">
-        <a:off x="1" y="3294675"/>
-        <a:ext cx="780974" cy="334703"/>
-      </dsp:txXfrm>
-    </dsp:sp>
-    <dsp:sp modelId="{44CDBF3E-36FA-4499-8E30-0704634193D8}">
-      <dsp:nvSpPr>
-        <dsp:cNvPr id="0" name=""/>
-        <dsp:cNvSpPr/>
-      </dsp:nvSpPr>
-      <dsp:spPr>
-        <a:xfrm rot="5400000">
-          <a:off x="5057091" y="-1371928"/>
-          <a:ext cx="725190" cy="9277425"/>
-        </a:xfrm>
-        <a:prstGeom prst="round2SameRect">
-          <a:avLst/>
-        </a:prstGeom>
-        <a:solidFill>
-          <a:schemeClr val="lt1">
-            <a:alpha val="90000"/>
-            <a:hueOff val="0"/>
-            <a:satOff val="0"/>
-            <a:lumOff val="0"/>
-            <a:alphaOff val="0"/>
-          </a:schemeClr>
-        </a:solidFill>
-        <a:ln w="15875" cap="flat" cmpd="sng" algn="ctr">
-          <a:solidFill>
-            <a:schemeClr val="accent5">
-              <a:hueOff val="0"/>
-              <a:satOff val="0"/>
-              <a:lumOff val="0"/>
-              <a:alphaOff val="0"/>
-            </a:schemeClr>
-          </a:solidFill>
-          <a:prstDash val="solid"/>
-        </a:ln>
-        <a:effectLst/>
-      </dsp:spPr>
-      <dsp:style>
-        <a:lnRef idx="2">
-          <a:scrgbClr r="0" g="0" b="0"/>
-        </a:lnRef>
-        <a:fillRef idx="1">
-          <a:scrgbClr r="0" g="0" b="0"/>
-        </a:fillRef>
-        <a:effectRef idx="0">
-          <a:scrgbClr r="0" g="0" b="0"/>
-        </a:effectRef>
-        <a:fontRef idx="minor"/>
-      </dsp:style>
-      <dsp:txBody>
-        <a:bodyPr spcFirstLastPara="0" vert="horz" wrap="square" lIns="142240" tIns="12700" rIns="12700" bIns="12700" numCol="1" spcCol="1270" anchor="ctr" anchorCtr="0">
-          <a:noAutofit/>
-        </a:bodyPr>
-        <a:lstStyle/>
-        <a:p>
-          <a:pPr marL="228600" lvl="1" indent="-228600" algn="l" defTabSz="889000">
-            <a:lnSpc>
-              <a:spcPct val="90000"/>
-            </a:lnSpc>
-            <a:spcBef>
-              <a:spcPct val="0"/>
-            </a:spcBef>
-            <a:spcAft>
-              <a:spcPct val="15000"/>
-            </a:spcAft>
-            <a:buChar char="••"/>
-          </a:pPr>
-          <a:r>
-            <a:rPr lang="fr-FR" sz="2000" b="1" u="sng" kern="1200" dirty="0" smtClean="0"/>
-            <a:t>LA PRESENTATION</a:t>
-          </a:r>
-          <a:endParaRPr lang="fr-FR" sz="2000" kern="1200" dirty="0"/>
-        </a:p>
-        <a:p>
-          <a:pPr marL="228600" lvl="1" indent="-228600" algn="l" defTabSz="889000">
-            <a:lnSpc>
-              <a:spcPct val="90000"/>
-            </a:lnSpc>
-            <a:spcBef>
-              <a:spcPct val="0"/>
-            </a:spcBef>
-            <a:spcAft>
-              <a:spcPct val="15000"/>
-            </a:spcAft>
-            <a:buChar char="••"/>
-          </a:pPr>
-          <a:r>
-            <a:rPr lang="fr-FR" sz="2000" kern="1200" dirty="0" smtClean="0"/>
-            <a:t>Préparation du support et présentation</a:t>
-          </a:r>
-          <a:endParaRPr lang="fr-FR" sz="2000" kern="1200" dirty="0"/>
-        </a:p>
-      </dsp:txBody>
-      <dsp:txXfrm rot="-5400000">
-        <a:off x="780974" y="2939590"/>
-        <a:ext cx="9242024" cy="654388"/>
-      </dsp:txXfrm>
-    </dsp:sp>
   </dsp:spTree>
 </dsp:drawing>
 </file>
@@ -3844,7 +3148,7 @@
           <a:p>
             <a:fld id="{979F468F-C888-48AD-8C07-72FA67343D9A}" type="datetimeFigureOut">
               <a:rPr lang="fr-FR" smtClean="0"/>
-              <a:t>11/06/2018</a:t>
+              <a:t>12/06/2018</a:t>
             </a:fld>
             <a:endParaRPr lang="fr-FR"/>
           </a:p>
@@ -4422,7 +3726,7 @@
           <a:p>
             <a:fld id="{4D9158D4-3035-49F9-8FDA-6C8CAD146FC7}" type="datetime1">
               <a:rPr lang="fr-FR" smtClean="0"/>
-              <a:t>11/06/2018</a:t>
+              <a:t>12/06/2018</a:t>
             </a:fld>
             <a:endParaRPr lang="en-US" dirty="0"/>
           </a:p>
@@ -4642,7 +3946,7 @@
           <a:p>
             <a:fld id="{B54DC1AB-27F3-46BF-A0B5-85C53B84A5D9}" type="datetime1">
               <a:rPr lang="fr-FR" smtClean="0"/>
-              <a:t>11/06/2018</a:t>
+              <a:t>12/06/2018</a:t>
             </a:fld>
             <a:endParaRPr lang="fr-FR"/>
           </a:p>
@@ -4909,7 +4213,7 @@
           <a:p>
             <a:fld id="{919D1F21-7821-43D3-9451-6427C4F495EB}" type="datetime1">
               <a:rPr lang="fr-FR" smtClean="0"/>
-              <a:t>11/06/2018</a:t>
+              <a:t>12/06/2018</a:t>
             </a:fld>
             <a:endParaRPr lang="fr-FR"/>
           </a:p>
@@ -5094,7 +4398,7 @@
           <a:p>
             <a:fld id="{BDB15C81-58F2-43AA-9262-CA7775F4E737}" type="datetime1">
               <a:rPr lang="fr-FR" smtClean="0"/>
-              <a:t>11/06/2018</a:t>
+              <a:t>12/06/2018</a:t>
             </a:fld>
             <a:endParaRPr lang="fr-FR"/>
           </a:p>
@@ -5448,7 +4752,7 @@
           <a:p>
             <a:fld id="{E5F2D851-7EC9-4A45-BF52-9B95B5FB1037}" type="datetime1">
               <a:rPr lang="fr-FR" smtClean="0"/>
-              <a:t>11/06/2018</a:t>
+              <a:t>12/06/2018</a:t>
             </a:fld>
             <a:endParaRPr lang="fr-FR"/>
           </a:p>
@@ -5734,7 +5038,7 @@
           <a:p>
             <a:fld id="{CA628EE8-AF64-47AA-8D55-AAEF7FF37B90}" type="datetime1">
               <a:rPr lang="fr-FR" smtClean="0"/>
-              <a:t>11/06/2018</a:t>
+              <a:t>12/06/2018</a:t>
             </a:fld>
             <a:endParaRPr lang="fr-FR"/>
           </a:p>
@@ -6124,7 +5428,7 @@
           <a:p>
             <a:fld id="{56349D2F-C90F-45CD-A4DF-DBA4C996898C}" type="datetime1">
               <a:rPr lang="fr-FR" smtClean="0"/>
-              <a:t>11/06/2018</a:t>
+              <a:t>12/06/2018</a:t>
             </a:fld>
             <a:endParaRPr lang="fr-FR"/>
           </a:p>
@@ -6253,7 +5557,7 @@
           <a:p>
             <a:fld id="{3D28039D-AA1A-4F06-8FC5-FBB4EF086866}" type="datetime1">
               <a:rPr lang="fr-FR" smtClean="0"/>
-              <a:t>11/06/2018</a:t>
+              <a:t>12/06/2018</a:t>
             </a:fld>
             <a:endParaRPr lang="fr-FR"/>
           </a:p>
@@ -6435,7 +5739,7 @@
           <a:p>
             <a:fld id="{09B13A9A-1B01-4A5A-89D1-75AD7DB2C262}" type="datetime1">
               <a:rPr lang="fr-FR" smtClean="0"/>
-              <a:t>11/06/2018</a:t>
+              <a:t>12/06/2018</a:t>
             </a:fld>
             <a:endParaRPr lang="fr-FR"/>
           </a:p>
@@ -6800,7 +6104,7 @@
           <a:p>
             <a:fld id="{6E8A17D8-4B44-4BCF-B598-7D4735E79704}" type="datetime1">
               <a:rPr lang="fr-FR" smtClean="0"/>
-              <a:t>11/06/2018</a:t>
+              <a:t>12/06/2018</a:t>
             </a:fld>
             <a:endParaRPr lang="fr-FR"/>
           </a:p>
@@ -7193,7 +6497,7 @@
           <a:p>
             <a:fld id="{2AE8C0E0-866D-4CD7-A82B-EF59815C7147}" type="datetime1">
               <a:rPr lang="fr-FR" smtClean="0"/>
-              <a:t>11/06/2018</a:t>
+              <a:t>12/06/2018</a:t>
             </a:fld>
             <a:endParaRPr lang="fr-FR"/>
           </a:p>
@@ -7491,7 +6795,7 @@
           <a:p>
             <a:fld id="{4753F0BB-33C7-4AF4-BE31-B2DB387FCBFD}" type="datetime1">
               <a:rPr lang="fr-FR" smtClean="0"/>
-              <a:t>11/06/2018</a:t>
+              <a:t>12/06/2018</a:t>
             </a:fld>
             <a:endParaRPr lang="fr-FR"/>
           </a:p>
@@ -8186,7 +7490,7 @@
           <a:p>
             <a:fld id="{8AD70027-AB3E-4AD1-A2AB-98958D1008A5}" type="datetime1">
               <a:rPr lang="fr-FR" smtClean="0"/>
-              <a:t>11/06/2018</a:t>
+              <a:t>12/06/2018</a:t>
             </a:fld>
             <a:endParaRPr lang="fr-FR"/>
           </a:p>
@@ -8459,7 +7763,7 @@
           <a:p>
             <a:fld id="{267AF66D-EC5F-4029-B364-EF0FFFBA07D4}" type="datetime1">
               <a:rPr lang="fr-FR" smtClean="0"/>
-              <a:t>11/06/2018</a:t>
+              <a:t>12/06/2018</a:t>
             </a:fld>
             <a:endParaRPr lang="fr-FR"/>
           </a:p>
@@ -8631,7 +7935,7 @@
           <a:p>
             <a:fld id="{8A59720C-55C2-4AF8-9B89-89BF7AE78BB1}" type="datetime1">
               <a:rPr lang="fr-FR" smtClean="0"/>
-              <a:t>11/06/2018</a:t>
+              <a:t>12/06/2018</a:t>
             </a:fld>
             <a:endParaRPr lang="fr-FR"/>
           </a:p>
@@ -9111,7 +8415,7 @@
           <a:p>
             <a:fld id="{75C504BD-BB09-4F07-A52C-F5B65DEE3B68}" type="datetime1">
               <a:rPr lang="fr-FR" smtClean="0"/>
-              <a:t>11/06/2018</a:t>
+              <a:t>12/06/2018</a:t>
             </a:fld>
             <a:endParaRPr lang="fr-FR"/>
           </a:p>
@@ -9217,7 +8521,7 @@
           <p:nvPr>
             <p:extLst>
               <p:ext uri="{D42A27DB-BD31-4B8C-83A1-F6EECF244321}">
-                <p14:modId xmlns:p14="http://schemas.microsoft.com/office/powerpoint/2010/main" val="3847789901"/>
+                <p14:modId xmlns:p14="http://schemas.microsoft.com/office/powerpoint/2010/main" val="100513468"/>
               </p:ext>
             </p:extLst>
           </p:nvPr>
@@ -9331,8 +8635,19 @@
                     <a:lstStyle/>
                     <a:p>
                       <a:r>
+                        <a:rPr lang="fr-FR" sz="1600" b="1" kern="1200" dirty="0" smtClean="0">
+                          <a:solidFill>
+                            <a:schemeClr val="dk1"/>
+                          </a:solidFill>
+                          <a:latin typeface="+mn-lt"/>
+                          <a:ea typeface="+mn-ea"/>
+                          <a:cs typeface="+mn-cs"/>
+                        </a:rPr>
+                        <a:t>Gestionnaire</a:t>
+                      </a:r>
+                      <a:r>
                         <a:rPr lang="fr-FR" sz="1600" dirty="0" smtClean="0"/>
-                        <a:t>Gestionnaire : je souhaite que les salles soient adaptées au nombre de stagiaire</a:t>
+                        <a:t> : je souhaite que les salles soient adaptées au nombre de stagiaire</a:t>
                       </a:r>
                       <a:endParaRPr lang="fr-FR" sz="1600" dirty="0"/>
                     </a:p>
@@ -9346,7 +8661,18 @@
                     <a:p>
                       <a:r>
                         <a:rPr lang="fr-FR" sz="1600" dirty="0" smtClean="0"/>
-                        <a:t> Technicien</a:t>
+                        <a:t> </a:t>
+                      </a:r>
+                      <a:r>
+                        <a:rPr lang="fr-FR" sz="1600" b="1" kern="1200" dirty="0" smtClean="0">
+                          <a:solidFill>
+                            <a:schemeClr val="dk1"/>
+                          </a:solidFill>
+                          <a:latin typeface="+mn-lt"/>
+                          <a:ea typeface="+mn-ea"/>
+                          <a:cs typeface="+mn-cs"/>
+                        </a:rPr>
+                        <a:t>Technicien</a:t>
                       </a:r>
                       <a:r>
                         <a:rPr lang="fr-FR" sz="1600" baseline="0" dirty="0" smtClean="0"/>
@@ -9367,8 +8693,19 @@
                     <a:lstStyle/>
                     <a:p>
                       <a:r>
+                        <a:rPr lang="fr-FR" sz="1600" b="1" kern="1200" dirty="0" smtClean="0">
+                          <a:solidFill>
+                            <a:schemeClr val="dk1"/>
+                          </a:solidFill>
+                          <a:latin typeface="+mn-lt"/>
+                          <a:ea typeface="+mn-ea"/>
+                          <a:cs typeface="+mn-cs"/>
+                        </a:rPr>
+                        <a:t>Gestionnaire</a:t>
+                      </a:r>
+                      <a:r>
                         <a:rPr lang="fr-FR" sz="1600" dirty="0" smtClean="0"/>
-                        <a:t>Gestionnaire je veux avoir accès aux emplois du temps  et aux compétences du formateur pour planifier les semaines à venir </a:t>
+                        <a:t> je veux avoir accès aux emplois du temps  et aux compétences du formateur pour planifier les semaines à venir </a:t>
                       </a:r>
                       <a:endParaRPr lang="fr-FR" sz="1600" dirty="0"/>
                     </a:p>
@@ -9382,7 +8719,15 @@
                     <a:p>
                       <a:r>
                         <a:rPr lang="fr-FR" sz="1600" dirty="0" smtClean="0"/>
-                        <a:t> Stagiaire : je veux que le planning soit clair</a:t>
+                        <a:t> </a:t>
+                      </a:r>
+                      <a:r>
+                        <a:rPr lang="fr-FR" sz="1600" b="1" dirty="0" smtClean="0"/>
+                        <a:t>Stagiaire</a:t>
+                      </a:r>
+                      <a:r>
+                        <a:rPr lang="fr-FR" sz="1600" dirty="0" smtClean="0"/>
+                        <a:t> : je veux que le planning soit clair</a:t>
                       </a:r>
                       <a:endParaRPr lang="fr-FR" sz="1600" dirty="0"/>
                     </a:p>
@@ -9395,7 +8740,14 @@
                     <a:lstStyle/>
                     <a:p>
                       <a:r>
-                        <a:rPr lang="fr-FR" sz="1600" dirty="0" smtClean="0"/>
+                        <a:rPr lang="fr-FR" sz="1600" b="1" kern="1200" dirty="0" smtClean="0">
+                          <a:solidFill>
+                            <a:schemeClr val="dk1"/>
+                          </a:solidFill>
+                          <a:latin typeface="+mn-lt"/>
+                          <a:ea typeface="+mn-ea"/>
+                          <a:cs typeface="+mn-cs"/>
+                        </a:rPr>
                         <a:t>Formateur</a:t>
                       </a:r>
                       <a:r>
@@ -9417,7 +8769,14 @@
                     <a:lstStyle/>
                     <a:p>
                       <a:r>
-                        <a:rPr lang="fr-FR" sz="1600" dirty="0" smtClean="0"/>
+                        <a:rPr lang="fr-FR" sz="1600" b="1" kern="1200" dirty="0" smtClean="0">
+                          <a:solidFill>
+                            <a:schemeClr val="dk1"/>
+                          </a:solidFill>
+                          <a:latin typeface="+mn-lt"/>
+                          <a:ea typeface="+mn-ea"/>
+                          <a:cs typeface="+mn-cs"/>
+                        </a:rPr>
                         <a:t>Technicien</a:t>
                       </a:r>
                       <a:r>
@@ -9437,8 +8796,19 @@
                     <a:lstStyle/>
                     <a:p>
                       <a:r>
+                        <a:rPr lang="fr-FR" sz="1600" b="1" kern="1200" dirty="0" smtClean="0">
+                          <a:solidFill>
+                            <a:schemeClr val="dk1"/>
+                          </a:solidFill>
+                          <a:latin typeface="+mn-lt"/>
+                          <a:ea typeface="+mn-ea"/>
+                          <a:cs typeface="+mn-cs"/>
+                        </a:rPr>
+                        <a:t>Administrateur</a:t>
+                      </a:r>
+                      <a:r>
                         <a:rPr lang="fr-FR" sz="1600" dirty="0" smtClean="0"/>
-                        <a:t>Administrateur : je souhaite pouvoir organiser un planning afin de répartir mes différents formateurs</a:t>
+                        <a:t> : je souhaite pouvoir organiser un planning afin de répartir mes différents formateurs</a:t>
                       </a:r>
                       <a:endParaRPr lang="fr-FR" sz="1600" dirty="0"/>
                     </a:p>
@@ -9451,7 +8821,14 @@
                     <a:lstStyle/>
                     <a:p>
                       <a:r>
-                        <a:rPr lang="fr-FR" sz="1600" dirty="0" smtClean="0"/>
+                        <a:rPr lang="fr-FR" sz="1600" b="1" kern="1200" dirty="0" smtClean="0">
+                          <a:solidFill>
+                            <a:schemeClr val="dk1"/>
+                          </a:solidFill>
+                          <a:latin typeface="+mn-lt"/>
+                          <a:ea typeface="+mn-ea"/>
+                          <a:cs typeface="+mn-cs"/>
+                        </a:rPr>
                         <a:t>Technicien</a:t>
                       </a:r>
                       <a:r>
@@ -9473,7 +8850,14 @@
                     <a:lstStyle/>
                     <a:p>
                       <a:r>
-                        <a:rPr lang="fr-FR" sz="1600" dirty="0" smtClean="0"/>
+                        <a:rPr lang="fr-FR" sz="1600" b="1" kern="1200" dirty="0" smtClean="0">
+                          <a:solidFill>
+                            <a:schemeClr val="dk1"/>
+                          </a:solidFill>
+                          <a:latin typeface="+mn-lt"/>
+                          <a:ea typeface="+mn-ea"/>
+                          <a:cs typeface="+mn-cs"/>
+                        </a:rPr>
                         <a:t>Formateur</a:t>
                       </a:r>
                       <a:r>
@@ -9495,7 +8879,7 @@
                     <a:lstStyle/>
                     <a:p>
                       <a:r>
-                        <a:rPr lang="fr-FR" sz="1600" dirty="0" smtClean="0"/>
+                        <a:rPr lang="fr-FR" sz="1600" b="1" dirty="0" smtClean="0"/>
                         <a:t>Technicien</a:t>
                       </a:r>
                       <a:r>
@@ -9517,12 +8901,19 @@
                     <a:lstStyle/>
                     <a:p>
                       <a:r>
-                        <a:rPr lang="fr-FR" sz="1600" dirty="0" smtClean="0"/>
-                        <a:t>Stagiaire : </a:t>
+                        <a:rPr lang="fr-FR" sz="1600" b="1" kern="1200" dirty="0" smtClean="0">
+                          <a:solidFill>
+                            <a:schemeClr val="dk1"/>
+                          </a:solidFill>
+                          <a:latin typeface="+mn-lt"/>
+                          <a:ea typeface="+mn-ea"/>
+                          <a:cs typeface="+mn-cs"/>
+                        </a:rPr>
+                        <a:t>Stagiaire</a:t>
                       </a:r>
                       <a:r>
                         <a:rPr lang="fr-FR" sz="1600" dirty="0" smtClean="0"/>
-                        <a:t>je veux avoir accès à l'emploi du temps ainsi qu'aux salles pour les jours à venir afin d'organiser </a:t>
+                        <a:t> : je veux avoir accès à l'emploi du temps ainsi qu'aux salles pour les jours à venir afin d'organiser </a:t>
                       </a:r>
                       <a:endParaRPr lang="fr-FR" sz="1600" dirty="0"/>
                     </a:p>
@@ -9535,8 +8926,19 @@
                     <a:lstStyle/>
                     <a:p>
                       <a:r>
+                        <a:rPr lang="fr-FR" sz="1600" b="1" kern="1200" dirty="0" smtClean="0">
+                          <a:solidFill>
+                            <a:schemeClr val="dk1"/>
+                          </a:solidFill>
+                          <a:latin typeface="+mn-lt"/>
+                          <a:ea typeface="+mn-ea"/>
+                          <a:cs typeface="+mn-cs"/>
+                        </a:rPr>
+                        <a:t>Administrateur</a:t>
+                      </a:r>
+                      <a:r>
                         <a:rPr lang="fr-FR" sz="1600" dirty="0" smtClean="0"/>
-                        <a:t>Administrateur : je veux que l'ensemble des fonctionnalités du site soit accessibles en 3 cliques ou moins</a:t>
+                        <a:t> : je veux que l'ensemble des fonctionnalités du site soit accessibles en 3 cliques ou moins</a:t>
                       </a:r>
                     </a:p>
                     <a:p>
@@ -9714,7 +9116,7 @@
           <a:p>
             <a:fld id="{A713B6B1-7ADC-4691-A993-9482B087ACF4}" type="datetime1">
               <a:rPr lang="fr-FR" smtClean="0"/>
-              <a:t>11/06/2018</a:t>
+              <a:t>12/06/2018</a:t>
             </a:fld>
             <a:endParaRPr lang="fr-FR"/>
           </a:p>
@@ -9868,7 +9270,7 @@
           <a:p>
             <a:fld id="{09B2C9BE-8FD3-472A-BB58-9DCE8DE85A1D}" type="datetime1">
               <a:rPr lang="fr-FR" smtClean="0"/>
-              <a:t>11/06/2018</a:t>
+              <a:t>12/06/2018</a:t>
             </a:fld>
             <a:endParaRPr lang="fr-FR"/>
           </a:p>
@@ -10051,7 +9453,7 @@
           <a:p>
             <a:fld id="{4969F939-0106-47E5-8F87-FC2BF224D715}" type="datetime1">
               <a:rPr lang="fr-FR" smtClean="0"/>
-              <a:t>11/06/2018</a:t>
+              <a:t>12/06/2018</a:t>
             </a:fld>
             <a:endParaRPr lang="fr-FR"/>
           </a:p>
@@ -10186,7 +9588,7 @@
           <a:p>
             <a:fld id="{758E437D-8252-4E7B-B451-100F1811EA1E}" type="datetime1">
               <a:rPr lang="fr-FR" smtClean="0"/>
-              <a:t>11/06/2018</a:t>
+              <a:t>12/06/2018</a:t>
             </a:fld>
             <a:endParaRPr lang="fr-FR"/>
           </a:p>
@@ -10400,7 +9802,7 @@
           <a:p>
             <a:fld id="{510357E5-46F9-45C7-98C1-560182AD338A}" type="datetime1">
               <a:rPr lang="fr-FR" smtClean="0"/>
-              <a:t>11/06/2018</a:t>
+              <a:t>12/06/2018</a:t>
             </a:fld>
             <a:endParaRPr lang="fr-FR"/>
           </a:p>
@@ -10868,7 +10270,7 @@
           <a:p>
             <a:fld id="{8AD70027-AB3E-4AD1-A2AB-98958D1008A5}" type="datetime1">
               <a:rPr lang="fr-FR" smtClean="0"/>
-              <a:t>11/06/2018</a:t>
+              <a:t>12/06/2018</a:t>
             </a:fld>
             <a:endParaRPr lang="fr-FR"/>
           </a:p>
@@ -11373,7 +10775,7 @@
           <a:p>
             <a:fld id="{58F1CF23-8438-4C8D-95AD-C632371C995F}" type="datetime1">
               <a:rPr lang="fr-FR" smtClean="0"/>
-              <a:t>11/06/2018</a:t>
+              <a:t>12/06/2018</a:t>
             </a:fld>
             <a:endParaRPr lang="fr-FR"/>
           </a:p>
@@ -11518,7 +10920,11 @@
           <a:bodyPr/>
           <a:lstStyle/>
           <a:p>
-            <a:endParaRPr lang="fr-FR"/>
+            <a:r>
+              <a:rPr lang="fr-FR" dirty="0" smtClean="0"/>
+              <a:t>Sprint 1 : </a:t>
+            </a:r>
+            <a:endParaRPr lang="fr-FR" dirty="0"/>
           </a:p>
         </p:txBody>
       </p:sp>
@@ -11539,7 +10945,7 @@
           <a:p>
             <a:fld id="{203A6D72-7833-440B-BF42-0A202C9F9BA8}" type="datetime1">
               <a:rPr lang="fr-FR" smtClean="0"/>
-              <a:t>11/06/2018</a:t>
+              <a:t>12/06/2018</a:t>
             </a:fld>
             <a:endParaRPr lang="fr-FR"/>
           </a:p>
@@ -11606,7 +11012,89 @@
           <a:bodyPr/>
           <a:lstStyle/>
           <a:p>
-            <a:endParaRPr lang="fr-FR"/>
+            <a:pPr>
+              <a:buFont typeface="Wingdings" panose="05000000000000000000" pitchFamily="2" charset="2"/>
+              <a:buChar char="q"/>
+            </a:pPr>
+            <a:r>
+              <a:rPr lang="fr-FR" dirty="0"/>
+              <a:t> </a:t>
+            </a:r>
+            <a:r>
+              <a:rPr lang="fr-FR" dirty="0" smtClean="0"/>
+              <a:t>Partie </a:t>
+            </a:r>
+            <a:r>
+              <a:rPr lang="fr-FR" dirty="0" err="1" smtClean="0"/>
+              <a:t>SpringBoot</a:t>
+            </a:r>
+            <a:r>
+              <a:rPr lang="fr-FR" dirty="0" smtClean="0"/>
+              <a:t> </a:t>
+            </a:r>
+          </a:p>
+          <a:p>
+            <a:pPr>
+              <a:buFont typeface="Wingdings" panose="05000000000000000000" pitchFamily="2" charset="2"/>
+              <a:buChar char="q"/>
+            </a:pPr>
+            <a:r>
+              <a:rPr lang="fr-FR" dirty="0"/>
+              <a:t> </a:t>
+            </a:r>
+            <a:r>
+              <a:rPr lang="fr-FR" dirty="0" smtClean="0"/>
+              <a:t>Création des classes/entités</a:t>
+            </a:r>
+          </a:p>
+          <a:p>
+            <a:pPr>
+              <a:buFont typeface="Wingdings" panose="05000000000000000000" pitchFamily="2" charset="2"/>
+              <a:buChar char="q"/>
+            </a:pPr>
+            <a:r>
+              <a:rPr lang="fr-FR" dirty="0"/>
+              <a:t> </a:t>
+            </a:r>
+            <a:r>
+              <a:rPr lang="fr-FR" dirty="0" smtClean="0"/>
+              <a:t>Annotations pour rendre le code fonctionnel</a:t>
+            </a:r>
+          </a:p>
+          <a:p>
+            <a:pPr>
+              <a:buFont typeface="Wingdings" panose="05000000000000000000" pitchFamily="2" charset="2"/>
+              <a:buChar char="q"/>
+            </a:pPr>
+            <a:r>
+              <a:rPr lang="fr-FR" dirty="0"/>
+              <a:t> </a:t>
+            </a:r>
+            <a:r>
+              <a:rPr lang="fr-FR" dirty="0" smtClean="0"/>
+              <a:t>Vérification des liens et héritages</a:t>
+            </a:r>
+          </a:p>
+          <a:p>
+            <a:pPr>
+              <a:buFont typeface="Wingdings" panose="05000000000000000000" pitchFamily="2" charset="2"/>
+              <a:buChar char="q"/>
+            </a:pPr>
+            <a:r>
+              <a:rPr lang="fr-FR" dirty="0"/>
+              <a:t> </a:t>
+            </a:r>
+            <a:r>
+              <a:rPr lang="fr-FR" dirty="0" smtClean="0"/>
+              <a:t>Création BDD automatique </a:t>
+            </a:r>
+          </a:p>
+          <a:p>
+            <a:pPr>
+              <a:buFont typeface="Wingdings" panose="05000000000000000000" pitchFamily="2" charset="2"/>
+              <a:buChar char="q"/>
+            </a:pPr>
+            <a:endParaRPr lang="fr-FR" dirty="0"/>
           </a:p>
         </p:txBody>
       </p:sp>
@@ -11662,7 +11150,11 @@
           <a:bodyPr/>
           <a:lstStyle/>
           <a:p>
-            <a:endParaRPr lang="fr-FR"/>
+            <a:r>
+              <a:rPr lang="fr-FR" dirty="0" smtClean="0"/>
+              <a:t>Sprint 2 </a:t>
+            </a:r>
+            <a:endParaRPr lang="fr-FR" dirty="0"/>
           </a:p>
         </p:txBody>
       </p:sp>
@@ -11681,7 +11173,118 @@
           <a:bodyPr/>
           <a:lstStyle/>
           <a:p>
-            <a:endParaRPr lang="fr-FR"/>
+            <a:pPr>
+              <a:buFont typeface="Wingdings" panose="05000000000000000000" pitchFamily="2" charset="2"/>
+              <a:buChar char="q"/>
+            </a:pPr>
+            <a:r>
+              <a:rPr lang="fr-FR" dirty="0" smtClean="0"/>
+              <a:t> Phase </a:t>
+            </a:r>
+            <a:r>
+              <a:rPr lang="fr-FR" dirty="0" err="1" smtClean="0"/>
+              <a:t>angular</a:t>
+            </a:r>
+            <a:r>
+              <a:rPr lang="fr-FR" dirty="0" smtClean="0"/>
+              <a:t>  </a:t>
+            </a:r>
+          </a:p>
+          <a:p>
+            <a:pPr>
+              <a:buFont typeface="Wingdings" panose="05000000000000000000" pitchFamily="2" charset="2"/>
+              <a:buChar char="q"/>
+            </a:pPr>
+            <a:r>
+              <a:rPr lang="fr-FR" dirty="0"/>
+              <a:t> </a:t>
+            </a:r>
+            <a:r>
+              <a:rPr lang="fr-FR" dirty="0" smtClean="0"/>
+              <a:t>Mise en place de la partie Web </a:t>
+            </a:r>
+          </a:p>
+          <a:p>
+            <a:pPr>
+              <a:buFont typeface="Wingdings" panose="05000000000000000000" pitchFamily="2" charset="2"/>
+              <a:buChar char="q"/>
+            </a:pPr>
+            <a:r>
+              <a:rPr lang="fr-FR" dirty="0"/>
+              <a:t> </a:t>
+            </a:r>
+            <a:r>
+              <a:rPr lang="fr-FR" dirty="0" smtClean="0"/>
+              <a:t>Vérification des liens et chemins </a:t>
+            </a:r>
+          </a:p>
+          <a:p>
+            <a:pPr>
+              <a:buFont typeface="Wingdings" panose="05000000000000000000" pitchFamily="2" charset="2"/>
+              <a:buChar char="q"/>
+            </a:pPr>
+            <a:r>
+              <a:rPr lang="fr-FR" dirty="0" smtClean="0"/>
+              <a:t> Mise en place de l’identification/login </a:t>
+            </a:r>
+          </a:p>
+          <a:p>
+            <a:pPr marL="91440" lvl="1" indent="-91440">
+              <a:spcBef>
+                <a:spcPts val="1200"/>
+              </a:spcBef>
+              <a:spcAft>
+                <a:spcPts val="200"/>
+              </a:spcAft>
+              <a:buSzPct val="100000"/>
+              <a:buFont typeface="Wingdings" panose="05000000000000000000" pitchFamily="2" charset="2"/>
+              <a:buChar char="q"/>
+            </a:pPr>
+            <a:r>
+              <a:rPr lang="fr-FR" dirty="0"/>
+              <a:t> </a:t>
+            </a:r>
+            <a:r>
+              <a:rPr lang="fr-FR" dirty="0" smtClean="0"/>
+              <a:t>Possibilité d’aj</a:t>
+            </a:r>
+            <a:r>
+              <a:rPr lang="fr-FR" sz="2000" dirty="0" smtClean="0"/>
+              <a:t>outer</a:t>
+            </a:r>
+            <a:r>
+              <a:rPr lang="fr-FR" sz="2000" dirty="0"/>
+              <a:t>, éditer ou supprimer des éléments dans les différents </a:t>
+            </a:r>
+            <a:r>
+              <a:rPr lang="fr-FR" sz="2000" dirty="0" smtClean="0"/>
+              <a:t>modules (avec impact dans la BDD précédente)</a:t>
+            </a:r>
+          </a:p>
+          <a:p>
+            <a:pPr marL="91440" lvl="1" indent="-91440">
+              <a:spcBef>
+                <a:spcPts val="1200"/>
+              </a:spcBef>
+              <a:spcAft>
+                <a:spcPts val="200"/>
+              </a:spcAft>
+              <a:buSzPct val="100000"/>
+              <a:buFont typeface="Wingdings" panose="05000000000000000000" pitchFamily="2" charset="2"/>
+              <a:buChar char="q"/>
+            </a:pPr>
+            <a:r>
+              <a:rPr lang="fr-FR" sz="2000" dirty="0"/>
+              <a:t> </a:t>
+            </a:r>
+            <a:endParaRPr lang="fr-FR" sz="2000" dirty="0"/>
+          </a:p>
+          <a:p>
+            <a:pPr>
+              <a:buFont typeface="Wingdings" panose="05000000000000000000" pitchFamily="2" charset="2"/>
+              <a:buChar char="q"/>
+            </a:pPr>
+            <a:endParaRPr lang="fr-FR" dirty="0"/>
           </a:p>
         </p:txBody>
       </p:sp>
@@ -11702,7 +11305,7 @@
           <a:p>
             <a:fld id="{0404E54D-9CCE-47CC-9DEB-569167FF892E}" type="datetime1">
               <a:rPr lang="fr-FR" smtClean="0"/>
-              <a:t>11/06/2018</a:t>
+              <a:t>12/06/2018</a:t>
             </a:fld>
             <a:endParaRPr lang="fr-FR"/>
           </a:p>
@@ -11774,6 +11377,788 @@
 </p:sld>
 </file>
 
+<file path=ppt/slides/slide22.xml><?xml version="1.0" encoding="utf-8"?>
+<p:sld xmlns:a="http://schemas.openxmlformats.org/drawingml/2006/main" xmlns:r="http://schemas.openxmlformats.org/officeDocument/2006/relationships" xmlns:p="http://schemas.openxmlformats.org/presentationml/2006/main">
+  <p:cSld>
+    <p:spTree>
+      <p:nvGrpSpPr>
+        <p:cNvPr id="1" name=""/>
+        <p:cNvGrpSpPr/>
+        <p:nvPr/>
+      </p:nvGrpSpPr>
+      <p:grpSpPr>
+        <a:xfrm>
+          <a:off x="0" y="0"/>
+          <a:ext cx="0" cy="0"/>
+          <a:chOff x="0" y="0"/>
+          <a:chExt cx="0" cy="0"/>
+        </a:xfrm>
+      </p:grpSpPr>
+      <p:sp>
+        <p:nvSpPr>
+          <p:cNvPr id="2" name="Titre 1"/>
+          <p:cNvSpPr>
+            <a:spLocks noGrp="1"/>
+          </p:cNvSpPr>
+          <p:nvPr>
+            <p:ph type="title"/>
+          </p:nvPr>
+        </p:nvSpPr>
+        <p:spPr/>
+        <p:txBody>
+          <a:bodyPr/>
+          <a:lstStyle/>
+          <a:p>
+            <a:r>
+              <a:rPr lang="fr-FR" dirty="0" err="1" smtClean="0"/>
+              <a:t>Presentation</a:t>
+            </a:r>
+            <a:r>
+              <a:rPr lang="fr-FR" dirty="0" smtClean="0"/>
+              <a:t> login </a:t>
+            </a:r>
+            <a:endParaRPr lang="fr-FR" dirty="0"/>
+          </a:p>
+        </p:txBody>
+      </p:sp>
+      <p:sp>
+        <p:nvSpPr>
+          <p:cNvPr id="3" name="Espace réservé du contenu 2"/>
+          <p:cNvSpPr>
+            <a:spLocks noGrp="1"/>
+          </p:cNvSpPr>
+          <p:nvPr>
+            <p:ph idx="1"/>
+          </p:nvPr>
+        </p:nvSpPr>
+        <p:spPr/>
+        <p:txBody>
+          <a:bodyPr numCol="2"/>
+          <a:lstStyle/>
+          <a:p>
+            <a:pPr>
+              <a:buFont typeface="Wingdings" panose="05000000000000000000" pitchFamily="2" charset="2"/>
+              <a:buChar char="q"/>
+            </a:pPr>
+            <a:r>
+              <a:rPr lang="fr-FR" dirty="0" smtClean="0"/>
+              <a:t> Données erronées </a:t>
+            </a:r>
+          </a:p>
+          <a:p>
+            <a:pPr>
+              <a:buFont typeface="Wingdings" panose="05000000000000000000" pitchFamily="2" charset="2"/>
+              <a:buChar char="q"/>
+            </a:pPr>
+            <a:r>
+              <a:rPr lang="fr-FR" dirty="0"/>
+              <a:t> </a:t>
+            </a:r>
+            <a:r>
+              <a:rPr lang="fr-FR" dirty="0" smtClean="0"/>
+              <a:t>Données correctes </a:t>
+            </a:r>
+            <a:endParaRPr lang="fr-FR" dirty="0"/>
+          </a:p>
+        </p:txBody>
+      </p:sp>
+      <p:sp>
+        <p:nvSpPr>
+          <p:cNvPr id="4" name="Espace réservé de la date 3"/>
+          <p:cNvSpPr>
+            <a:spLocks noGrp="1"/>
+          </p:cNvSpPr>
+          <p:nvPr>
+            <p:ph type="dt" sz="half" idx="10"/>
+          </p:nvPr>
+        </p:nvSpPr>
+        <p:spPr/>
+        <p:txBody>
+          <a:bodyPr/>
+          <a:lstStyle/>
+          <a:p>
+            <a:fld id="{BDB15C81-58F2-43AA-9262-CA7775F4E737}" type="datetime1">
+              <a:rPr lang="fr-FR" smtClean="0"/>
+              <a:t>12/06/2018</a:t>
+            </a:fld>
+            <a:endParaRPr lang="fr-FR"/>
+          </a:p>
+        </p:txBody>
+      </p:sp>
+      <p:sp>
+        <p:nvSpPr>
+          <p:cNvPr id="5" name="Espace réservé du pied de page 4"/>
+          <p:cNvSpPr>
+            <a:spLocks noGrp="1"/>
+          </p:cNvSpPr>
+          <p:nvPr>
+            <p:ph type="ftr" sz="quarter" idx="11"/>
+          </p:nvPr>
+        </p:nvSpPr>
+        <p:spPr/>
+        <p:txBody>
+          <a:bodyPr/>
+          <a:lstStyle/>
+          <a:p>
+            <a:r>
+              <a:rPr lang="en-US" smtClean="0"/>
+              <a:t>Projet Factory 2018  - SOPRA STERIA</a:t>
+            </a:r>
+            <a:endParaRPr lang="fr-FR"/>
+          </a:p>
+        </p:txBody>
+      </p:sp>
+      <p:sp>
+        <p:nvSpPr>
+          <p:cNvPr id="6" name="Espace réservé du numéro de diapositive 5"/>
+          <p:cNvSpPr>
+            <a:spLocks noGrp="1"/>
+          </p:cNvSpPr>
+          <p:nvPr>
+            <p:ph type="sldNum" sz="quarter" idx="12"/>
+          </p:nvPr>
+        </p:nvSpPr>
+        <p:spPr/>
+        <p:txBody>
+          <a:bodyPr/>
+          <a:lstStyle/>
+          <a:p>
+            <a:fld id="{E506C3F7-4F35-43F5-8795-B10B1BF3F7E2}" type="slidenum">
+              <a:rPr lang="fr-FR" smtClean="0"/>
+              <a:t>22</a:t>
+            </a:fld>
+            <a:endParaRPr lang="fr-FR"/>
+          </a:p>
+        </p:txBody>
+      </p:sp>
+    </p:spTree>
+    <p:extLst>
+      <p:ext uri="{BB962C8B-B14F-4D97-AF65-F5344CB8AC3E}">
+        <p14:creationId xmlns:p14="http://schemas.microsoft.com/office/powerpoint/2010/main" val="3991285735"/>
+      </p:ext>
+    </p:extLst>
+  </p:cSld>
+  <p:clrMapOvr>
+    <a:masterClrMapping/>
+  </p:clrMapOvr>
+</p:sld>
+</file>
+
+<file path=ppt/slides/slide23.xml><?xml version="1.0" encoding="utf-8"?>
+<p:sld xmlns:a="http://schemas.openxmlformats.org/drawingml/2006/main" xmlns:r="http://schemas.openxmlformats.org/officeDocument/2006/relationships" xmlns:p="http://schemas.openxmlformats.org/presentationml/2006/main">
+  <p:cSld>
+    <p:spTree>
+      <p:nvGrpSpPr>
+        <p:cNvPr id="1" name=""/>
+        <p:cNvGrpSpPr/>
+        <p:nvPr/>
+      </p:nvGrpSpPr>
+      <p:grpSpPr>
+        <a:xfrm>
+          <a:off x="0" y="0"/>
+          <a:ext cx="0" cy="0"/>
+          <a:chOff x="0" y="0"/>
+          <a:chExt cx="0" cy="0"/>
+        </a:xfrm>
+      </p:grpSpPr>
+      <p:sp>
+        <p:nvSpPr>
+          <p:cNvPr id="2" name="Titre 1"/>
+          <p:cNvSpPr>
+            <a:spLocks noGrp="1"/>
+          </p:cNvSpPr>
+          <p:nvPr>
+            <p:ph type="title"/>
+          </p:nvPr>
+        </p:nvSpPr>
+        <p:spPr/>
+        <p:txBody>
+          <a:bodyPr/>
+          <a:lstStyle/>
+          <a:p>
+            <a:r>
+              <a:rPr lang="fr-FR" dirty="0" smtClean="0"/>
+              <a:t>Page d’accueil </a:t>
+            </a:r>
+            <a:endParaRPr lang="fr-FR" dirty="0"/>
+          </a:p>
+        </p:txBody>
+      </p:sp>
+      <p:sp>
+        <p:nvSpPr>
+          <p:cNvPr id="3" name="Espace réservé du contenu 2"/>
+          <p:cNvSpPr>
+            <a:spLocks noGrp="1"/>
+          </p:cNvSpPr>
+          <p:nvPr>
+            <p:ph idx="1"/>
+          </p:nvPr>
+        </p:nvSpPr>
+        <p:spPr/>
+        <p:txBody>
+          <a:bodyPr/>
+          <a:lstStyle/>
+          <a:p>
+            <a:pPr>
+              <a:buFont typeface="Wingdings" panose="05000000000000000000" pitchFamily="2" charset="2"/>
+              <a:buChar char="q"/>
+            </a:pPr>
+            <a:r>
+              <a:rPr lang="fr-FR" dirty="0" smtClean="0"/>
+              <a:t> </a:t>
+            </a:r>
+            <a:r>
+              <a:rPr lang="fr-FR" dirty="0" err="1" smtClean="0"/>
+              <a:t>Admin</a:t>
+            </a:r>
+            <a:r>
+              <a:rPr lang="fr-FR" dirty="0" smtClean="0"/>
+              <a:t> </a:t>
+            </a:r>
+          </a:p>
+          <a:p>
+            <a:pPr>
+              <a:buFont typeface="Wingdings" panose="05000000000000000000" pitchFamily="2" charset="2"/>
+              <a:buChar char="q"/>
+            </a:pPr>
+            <a:r>
+              <a:rPr lang="fr-FR" dirty="0"/>
+              <a:t> </a:t>
+            </a:r>
+            <a:r>
+              <a:rPr lang="fr-FR" dirty="0" smtClean="0"/>
+              <a:t>Utilisateur </a:t>
+            </a:r>
+            <a:endParaRPr lang="fr-FR" dirty="0"/>
+          </a:p>
+        </p:txBody>
+      </p:sp>
+      <p:sp>
+        <p:nvSpPr>
+          <p:cNvPr id="4" name="Espace réservé de la date 3"/>
+          <p:cNvSpPr>
+            <a:spLocks noGrp="1"/>
+          </p:cNvSpPr>
+          <p:nvPr>
+            <p:ph type="dt" sz="half" idx="10"/>
+          </p:nvPr>
+        </p:nvSpPr>
+        <p:spPr/>
+        <p:txBody>
+          <a:bodyPr/>
+          <a:lstStyle/>
+          <a:p>
+            <a:fld id="{BDB15C81-58F2-43AA-9262-CA7775F4E737}" type="datetime1">
+              <a:rPr lang="fr-FR" smtClean="0"/>
+              <a:t>12/06/2018</a:t>
+            </a:fld>
+            <a:endParaRPr lang="fr-FR"/>
+          </a:p>
+        </p:txBody>
+      </p:sp>
+      <p:sp>
+        <p:nvSpPr>
+          <p:cNvPr id="5" name="Espace réservé du pied de page 4"/>
+          <p:cNvSpPr>
+            <a:spLocks noGrp="1"/>
+          </p:cNvSpPr>
+          <p:nvPr>
+            <p:ph type="ftr" sz="quarter" idx="11"/>
+          </p:nvPr>
+        </p:nvSpPr>
+        <p:spPr/>
+        <p:txBody>
+          <a:bodyPr/>
+          <a:lstStyle/>
+          <a:p>
+            <a:r>
+              <a:rPr lang="en-US" smtClean="0"/>
+              <a:t>Projet Factory 2018  - SOPRA STERIA</a:t>
+            </a:r>
+            <a:endParaRPr lang="fr-FR"/>
+          </a:p>
+        </p:txBody>
+      </p:sp>
+      <p:sp>
+        <p:nvSpPr>
+          <p:cNvPr id="6" name="Espace réservé du numéro de diapositive 5"/>
+          <p:cNvSpPr>
+            <a:spLocks noGrp="1"/>
+          </p:cNvSpPr>
+          <p:nvPr>
+            <p:ph type="sldNum" sz="quarter" idx="12"/>
+          </p:nvPr>
+        </p:nvSpPr>
+        <p:spPr/>
+        <p:txBody>
+          <a:bodyPr/>
+          <a:lstStyle/>
+          <a:p>
+            <a:fld id="{E506C3F7-4F35-43F5-8795-B10B1BF3F7E2}" type="slidenum">
+              <a:rPr lang="fr-FR" smtClean="0"/>
+              <a:t>23</a:t>
+            </a:fld>
+            <a:endParaRPr lang="fr-FR"/>
+          </a:p>
+        </p:txBody>
+      </p:sp>
+    </p:spTree>
+    <p:extLst>
+      <p:ext uri="{BB962C8B-B14F-4D97-AF65-F5344CB8AC3E}">
+        <p14:creationId xmlns:p14="http://schemas.microsoft.com/office/powerpoint/2010/main" val="1322793882"/>
+      </p:ext>
+    </p:extLst>
+  </p:cSld>
+  <p:clrMapOvr>
+    <a:masterClrMapping/>
+  </p:clrMapOvr>
+</p:sld>
+</file>
+
+<file path=ppt/slides/slide24.xml><?xml version="1.0" encoding="utf-8"?>
+<p:sld xmlns:a="http://schemas.openxmlformats.org/drawingml/2006/main" xmlns:r="http://schemas.openxmlformats.org/officeDocument/2006/relationships" xmlns:p="http://schemas.openxmlformats.org/presentationml/2006/main">
+  <p:cSld>
+    <p:spTree>
+      <p:nvGrpSpPr>
+        <p:cNvPr id="1" name=""/>
+        <p:cNvGrpSpPr/>
+        <p:nvPr/>
+      </p:nvGrpSpPr>
+      <p:grpSpPr>
+        <a:xfrm>
+          <a:off x="0" y="0"/>
+          <a:ext cx="0" cy="0"/>
+          <a:chOff x="0" y="0"/>
+          <a:chExt cx="0" cy="0"/>
+        </a:xfrm>
+      </p:grpSpPr>
+      <p:sp>
+        <p:nvSpPr>
+          <p:cNvPr id="2" name="Titre 1"/>
+          <p:cNvSpPr>
+            <a:spLocks noGrp="1"/>
+          </p:cNvSpPr>
+          <p:nvPr>
+            <p:ph type="title"/>
+          </p:nvPr>
+        </p:nvSpPr>
+        <p:spPr/>
+        <p:txBody>
+          <a:bodyPr/>
+          <a:lstStyle/>
+          <a:p>
+            <a:r>
+              <a:rPr lang="fr-FR" dirty="0" smtClean="0"/>
+              <a:t>Exemple fonctionnalité : </a:t>
+            </a:r>
+            <a:endParaRPr lang="fr-FR" dirty="0"/>
+          </a:p>
+        </p:txBody>
+      </p:sp>
+      <p:sp>
+        <p:nvSpPr>
+          <p:cNvPr id="3" name="Espace réservé du contenu 2"/>
+          <p:cNvSpPr>
+            <a:spLocks noGrp="1"/>
+          </p:cNvSpPr>
+          <p:nvPr>
+            <p:ph idx="1"/>
+          </p:nvPr>
+        </p:nvSpPr>
+        <p:spPr/>
+        <p:txBody>
+          <a:bodyPr/>
+          <a:lstStyle/>
+          <a:p>
+            <a:pPr>
+              <a:buFont typeface="Wingdings" panose="05000000000000000000" pitchFamily="2" charset="2"/>
+              <a:buChar char="q"/>
+            </a:pPr>
+            <a:r>
+              <a:rPr lang="fr-FR" dirty="0" smtClean="0"/>
+              <a:t> User Story : en tant que </a:t>
+            </a:r>
+            <a:r>
+              <a:rPr lang="fr-FR" b="1" dirty="0" smtClean="0">
+                <a:solidFill>
+                  <a:schemeClr val="dk1"/>
+                </a:solidFill>
+              </a:rPr>
+              <a:t>Formateur</a:t>
+            </a:r>
+            <a:r>
+              <a:rPr lang="fr-FR" dirty="0" smtClean="0"/>
+              <a:t> </a:t>
+            </a:r>
+            <a:r>
+              <a:rPr lang="fr-FR" dirty="0"/>
+              <a:t>: je souhaite avoir accès à mon planning de cours afin d'organiser mon temps et mes </a:t>
+            </a:r>
+            <a:r>
+              <a:rPr lang="fr-FR" dirty="0" smtClean="0"/>
+              <a:t>disponibilités</a:t>
+            </a:r>
+          </a:p>
+          <a:p>
+            <a:pPr>
+              <a:buFont typeface="Wingdings" panose="05000000000000000000" pitchFamily="2" charset="2"/>
+              <a:buChar char="q"/>
+            </a:pPr>
+            <a:endParaRPr lang="fr-FR" dirty="0"/>
+          </a:p>
+          <a:p>
+            <a:pPr>
+              <a:buFont typeface="Wingdings" panose="05000000000000000000" pitchFamily="2" charset="2"/>
+              <a:buChar char="q"/>
+            </a:pPr>
+            <a:endParaRPr lang="fr-FR" dirty="0" smtClean="0"/>
+          </a:p>
+          <a:p>
+            <a:pPr>
+              <a:buFont typeface="Wingdings" panose="05000000000000000000" pitchFamily="2" charset="2"/>
+              <a:buChar char="q"/>
+            </a:pPr>
+            <a:r>
+              <a:rPr lang="fr-FR" dirty="0" smtClean="0"/>
+              <a:t>Critères d’acceptation : possibilité d’afficher le planning pour les semaines à venir.</a:t>
+            </a:r>
+            <a:endParaRPr lang="fr-FR" dirty="0"/>
+          </a:p>
+          <a:p>
+            <a:pPr>
+              <a:buFont typeface="Wingdings" panose="05000000000000000000" pitchFamily="2" charset="2"/>
+              <a:buChar char="q"/>
+            </a:pPr>
+            <a:endParaRPr lang="fr-FR" dirty="0"/>
+          </a:p>
+        </p:txBody>
+      </p:sp>
+      <p:sp>
+        <p:nvSpPr>
+          <p:cNvPr id="4" name="Espace réservé de la date 3"/>
+          <p:cNvSpPr>
+            <a:spLocks noGrp="1"/>
+          </p:cNvSpPr>
+          <p:nvPr>
+            <p:ph type="dt" sz="half" idx="10"/>
+          </p:nvPr>
+        </p:nvSpPr>
+        <p:spPr/>
+        <p:txBody>
+          <a:bodyPr/>
+          <a:lstStyle/>
+          <a:p>
+            <a:fld id="{BDB15C81-58F2-43AA-9262-CA7775F4E737}" type="datetime1">
+              <a:rPr lang="fr-FR" smtClean="0"/>
+              <a:t>12/06/2018</a:t>
+            </a:fld>
+            <a:endParaRPr lang="fr-FR"/>
+          </a:p>
+        </p:txBody>
+      </p:sp>
+      <p:sp>
+        <p:nvSpPr>
+          <p:cNvPr id="5" name="Espace réservé du pied de page 4"/>
+          <p:cNvSpPr>
+            <a:spLocks noGrp="1"/>
+          </p:cNvSpPr>
+          <p:nvPr>
+            <p:ph type="ftr" sz="quarter" idx="11"/>
+          </p:nvPr>
+        </p:nvSpPr>
+        <p:spPr/>
+        <p:txBody>
+          <a:bodyPr/>
+          <a:lstStyle/>
+          <a:p>
+            <a:r>
+              <a:rPr lang="en-US" smtClean="0"/>
+              <a:t>Projet Factory 2018  - SOPRA STERIA</a:t>
+            </a:r>
+            <a:endParaRPr lang="fr-FR"/>
+          </a:p>
+        </p:txBody>
+      </p:sp>
+      <p:sp>
+        <p:nvSpPr>
+          <p:cNvPr id="6" name="Espace réservé du numéro de diapositive 5"/>
+          <p:cNvSpPr>
+            <a:spLocks noGrp="1"/>
+          </p:cNvSpPr>
+          <p:nvPr>
+            <p:ph type="sldNum" sz="quarter" idx="12"/>
+          </p:nvPr>
+        </p:nvSpPr>
+        <p:spPr/>
+        <p:txBody>
+          <a:bodyPr/>
+          <a:lstStyle/>
+          <a:p>
+            <a:fld id="{E506C3F7-4F35-43F5-8795-B10B1BF3F7E2}" type="slidenum">
+              <a:rPr lang="fr-FR" smtClean="0"/>
+              <a:t>24</a:t>
+            </a:fld>
+            <a:endParaRPr lang="fr-FR"/>
+          </a:p>
+        </p:txBody>
+      </p:sp>
+    </p:spTree>
+    <p:extLst>
+      <p:ext uri="{BB962C8B-B14F-4D97-AF65-F5344CB8AC3E}">
+        <p14:creationId xmlns:p14="http://schemas.microsoft.com/office/powerpoint/2010/main" val="3430099927"/>
+      </p:ext>
+    </p:extLst>
+  </p:cSld>
+  <p:clrMapOvr>
+    <a:masterClrMapping/>
+  </p:clrMapOvr>
+</p:sld>
+</file>
+
+<file path=ppt/slides/slide25.xml><?xml version="1.0" encoding="utf-8"?>
+<p:sld xmlns:a="http://schemas.openxmlformats.org/drawingml/2006/main" xmlns:r="http://schemas.openxmlformats.org/officeDocument/2006/relationships" xmlns:p="http://schemas.openxmlformats.org/presentationml/2006/main">
+  <p:cSld>
+    <p:spTree>
+      <p:nvGrpSpPr>
+        <p:cNvPr id="1" name=""/>
+        <p:cNvGrpSpPr/>
+        <p:nvPr/>
+      </p:nvGrpSpPr>
+      <p:grpSpPr>
+        <a:xfrm>
+          <a:off x="0" y="0"/>
+          <a:ext cx="0" cy="0"/>
+          <a:chOff x="0" y="0"/>
+          <a:chExt cx="0" cy="0"/>
+        </a:xfrm>
+      </p:grpSpPr>
+      <p:sp>
+        <p:nvSpPr>
+          <p:cNvPr id="2" name="Titre 1"/>
+          <p:cNvSpPr>
+            <a:spLocks noGrp="1"/>
+          </p:cNvSpPr>
+          <p:nvPr>
+            <p:ph type="title"/>
+          </p:nvPr>
+        </p:nvSpPr>
+        <p:spPr/>
+        <p:txBody>
+          <a:bodyPr/>
+          <a:lstStyle/>
+          <a:p>
+            <a:r>
+              <a:rPr lang="fr-FR" dirty="0" smtClean="0"/>
+              <a:t>Exemple édition d’un module </a:t>
+            </a:r>
+            <a:endParaRPr lang="fr-FR" dirty="0"/>
+          </a:p>
+        </p:txBody>
+      </p:sp>
+      <p:sp>
+        <p:nvSpPr>
+          <p:cNvPr id="3" name="Espace réservé du contenu 2"/>
+          <p:cNvSpPr>
+            <a:spLocks noGrp="1"/>
+          </p:cNvSpPr>
+          <p:nvPr>
+            <p:ph idx="1"/>
+          </p:nvPr>
+        </p:nvSpPr>
+        <p:spPr/>
+        <p:txBody>
+          <a:bodyPr/>
+          <a:lstStyle/>
+          <a:p>
+            <a:r>
+              <a:rPr lang="fr-FR" dirty="0" smtClean="0"/>
+              <a:t>Capture d’écran avec la possibilité de : </a:t>
+            </a:r>
+          </a:p>
+          <a:p>
+            <a:pPr>
+              <a:buFont typeface="Arial" panose="020B0604020202020204" pitchFamily="34" charset="0"/>
+              <a:buChar char="•"/>
+            </a:pPr>
+            <a:r>
+              <a:rPr lang="fr-FR" dirty="0"/>
+              <a:t> </a:t>
+            </a:r>
+            <a:r>
+              <a:rPr lang="fr-FR" dirty="0" smtClean="0"/>
+              <a:t>choisir le prof associé,</a:t>
+            </a:r>
+          </a:p>
+          <a:p>
+            <a:pPr>
+              <a:buFont typeface="Arial" panose="020B0604020202020204" pitchFamily="34" charset="0"/>
+              <a:buChar char="•"/>
+            </a:pPr>
+            <a:r>
+              <a:rPr lang="fr-FR" dirty="0" smtClean="0"/>
+              <a:t>Choisir la salle </a:t>
+            </a:r>
+          </a:p>
+          <a:p>
+            <a:pPr>
+              <a:buFont typeface="Arial" panose="020B0604020202020204" pitchFamily="34" charset="0"/>
+              <a:buChar char="•"/>
+            </a:pPr>
+            <a:r>
+              <a:rPr lang="fr-FR" dirty="0" smtClean="0"/>
+              <a:t>Choisir les élèves </a:t>
+            </a:r>
+          </a:p>
+          <a:p>
+            <a:pPr>
+              <a:buFont typeface="Arial" panose="020B0604020202020204" pitchFamily="34" charset="0"/>
+              <a:buChar char="•"/>
+            </a:pPr>
+            <a:r>
+              <a:rPr lang="fr-FR" dirty="0"/>
+              <a:t> </a:t>
+            </a:r>
+            <a:r>
+              <a:rPr lang="fr-FR" dirty="0" smtClean="0"/>
+              <a:t>choisir la matière </a:t>
+            </a:r>
+          </a:p>
+          <a:p>
+            <a:pPr>
+              <a:buFont typeface="Arial" panose="020B0604020202020204" pitchFamily="34" charset="0"/>
+              <a:buChar char="•"/>
+            </a:pPr>
+            <a:r>
+              <a:rPr lang="fr-FR" dirty="0"/>
+              <a:t> </a:t>
+            </a:r>
+            <a:r>
+              <a:rPr lang="fr-FR" dirty="0" smtClean="0"/>
+              <a:t>associer un </a:t>
+            </a:r>
+            <a:r>
+              <a:rPr lang="fr-FR" dirty="0" err="1" smtClean="0"/>
+              <a:t>rétropro</a:t>
+            </a:r>
+            <a:r>
+              <a:rPr lang="fr-FR" smtClean="0"/>
+              <a:t> </a:t>
+            </a:r>
+            <a:endParaRPr lang="fr-FR" dirty="0" smtClean="0"/>
+          </a:p>
+          <a:p>
+            <a:pPr>
+              <a:buFont typeface="Arial" panose="020B0604020202020204" pitchFamily="34" charset="0"/>
+              <a:buChar char="•"/>
+            </a:pPr>
+            <a:r>
+              <a:rPr lang="fr-FR" dirty="0"/>
+              <a:t> </a:t>
+            </a:r>
+            <a:r>
+              <a:rPr lang="fr-FR" dirty="0" smtClean="0"/>
+              <a:t>définir les dates de début et fin </a:t>
+            </a:r>
+          </a:p>
+          <a:p>
+            <a:pPr>
+              <a:buFont typeface="Arial" panose="020B0604020202020204" pitchFamily="34" charset="0"/>
+              <a:buChar char="•"/>
+            </a:pPr>
+            <a:r>
+              <a:rPr lang="fr-FR" dirty="0"/>
+              <a:t> </a:t>
+            </a:r>
+            <a:r>
+              <a:rPr lang="fr-FR" dirty="0" smtClean="0"/>
+              <a:t>définir à quelle formation le module appartient. </a:t>
+            </a:r>
+            <a:endParaRPr lang="fr-FR" dirty="0"/>
+          </a:p>
+        </p:txBody>
+      </p:sp>
+      <p:sp>
+        <p:nvSpPr>
+          <p:cNvPr id="4" name="Espace réservé de la date 3"/>
+          <p:cNvSpPr>
+            <a:spLocks noGrp="1"/>
+          </p:cNvSpPr>
+          <p:nvPr>
+            <p:ph type="dt" sz="half" idx="10"/>
+          </p:nvPr>
+        </p:nvSpPr>
+        <p:spPr/>
+        <p:txBody>
+          <a:bodyPr/>
+          <a:lstStyle/>
+          <a:p>
+            <a:fld id="{BDB15C81-58F2-43AA-9262-CA7775F4E737}" type="datetime1">
+              <a:rPr lang="fr-FR" smtClean="0"/>
+              <a:t>12/06/2018</a:t>
+            </a:fld>
+            <a:endParaRPr lang="fr-FR"/>
+          </a:p>
+        </p:txBody>
+      </p:sp>
+      <p:sp>
+        <p:nvSpPr>
+          <p:cNvPr id="5" name="Espace réservé du pied de page 4"/>
+          <p:cNvSpPr>
+            <a:spLocks noGrp="1"/>
+          </p:cNvSpPr>
+          <p:nvPr>
+            <p:ph type="ftr" sz="quarter" idx="11"/>
+          </p:nvPr>
+        </p:nvSpPr>
+        <p:spPr/>
+        <p:txBody>
+          <a:bodyPr/>
+          <a:lstStyle/>
+          <a:p>
+            <a:r>
+              <a:rPr lang="en-US" smtClean="0"/>
+              <a:t>Projet Factory 2018  - SOPRA STERIA</a:t>
+            </a:r>
+            <a:endParaRPr lang="fr-FR"/>
+          </a:p>
+        </p:txBody>
+      </p:sp>
+      <p:sp>
+        <p:nvSpPr>
+          <p:cNvPr id="6" name="Espace réservé du numéro de diapositive 5"/>
+          <p:cNvSpPr>
+            <a:spLocks noGrp="1"/>
+          </p:cNvSpPr>
+          <p:nvPr>
+            <p:ph type="sldNum" sz="quarter" idx="12"/>
+          </p:nvPr>
+        </p:nvSpPr>
+        <p:spPr/>
+        <p:txBody>
+          <a:bodyPr/>
+          <a:lstStyle/>
+          <a:p>
+            <a:fld id="{E506C3F7-4F35-43F5-8795-B10B1BF3F7E2}" type="slidenum">
+              <a:rPr lang="fr-FR" smtClean="0"/>
+              <a:t>25</a:t>
+            </a:fld>
+            <a:endParaRPr lang="fr-FR"/>
+          </a:p>
+        </p:txBody>
+      </p:sp>
+    </p:spTree>
+    <p:extLst>
+      <p:ext uri="{BB962C8B-B14F-4D97-AF65-F5344CB8AC3E}">
+        <p14:creationId xmlns:p14="http://schemas.microsoft.com/office/powerpoint/2010/main" val="3750280687"/>
+      </p:ext>
+    </p:extLst>
+  </p:cSld>
+  <p:clrMapOvr>
+    <a:masterClrMapping/>
+  </p:clrMapOvr>
+</p:sld>
+</file>
+
 <file path=ppt/slides/slide3.xml><?xml version="1.0" encoding="utf-8"?>
 <p:sld xmlns:a="http://schemas.openxmlformats.org/drawingml/2006/main" xmlns:r="http://schemas.openxmlformats.org/officeDocument/2006/relationships" xmlns:p="http://schemas.openxmlformats.org/presentationml/2006/main">
   <p:cSld>
@@ -12001,7 +12386,7 @@
           <a:p>
             <a:fld id="{51370182-7E74-4E80-8AD0-669478F1EFFA}" type="datetime1">
               <a:rPr lang="fr-FR" smtClean="0"/>
-              <a:t>11/06/2018</a:t>
+              <a:t>12/06/2018</a:t>
             </a:fld>
             <a:endParaRPr lang="fr-FR"/>
           </a:p>
@@ -12143,7 +12528,7 @@
           <a:p>
             <a:fld id="{F5520EF4-BD81-468D-A505-02BA056FED9E}" type="datetime1">
               <a:rPr lang="fr-FR" smtClean="0"/>
-              <a:t>11/06/2018</a:t>
+              <a:t>12/06/2018</a:t>
             </a:fld>
             <a:endParaRPr lang="fr-FR"/>
           </a:p>
@@ -12284,13 +12669,8 @@
             </a:r>
             <a:r>
               <a:rPr lang="fr-FR" sz="2800" dirty="0"/>
-              <a:t>de formation professionnelle </a:t>
-            </a:r>
-            <a:r>
-              <a:rPr lang="fr-FR" sz="2800" dirty="0"/>
-              <a:t>.</a:t>
-            </a:r>
-            <a:endParaRPr lang="fr-FR" sz="2800" dirty="0"/>
+              <a:t>de formation professionnelle .</a:t>
+            </a:r>
           </a:p>
           <a:p>
             <a:pPr>
@@ -12370,7 +12750,7 @@
           <a:p>
             <a:fld id="{709942CD-7A76-4ADB-AEE2-5513CD7D5B28}" type="datetime1">
               <a:rPr lang="fr-FR" smtClean="0"/>
-              <a:t>11/06/2018</a:t>
+              <a:t>12/06/2018</a:t>
             </a:fld>
             <a:endParaRPr lang="fr-FR"/>
           </a:p>
@@ -12611,7 +12991,7 @@
           <a:p>
             <a:fld id="{735DA9B3-37F2-43C1-AF9E-3607DC1981A4}" type="datetime1">
               <a:rPr lang="fr-FR" smtClean="0"/>
-              <a:t>11/06/2018</a:t>
+              <a:t>12/06/2018</a:t>
             </a:fld>
             <a:endParaRPr lang="fr-FR"/>
           </a:p>
@@ -12927,7 +13307,7 @@
           <a:p>
             <a:fld id="{303909ED-43CC-431B-9325-E2536E4B4DCE}" type="datetime1">
               <a:rPr lang="fr-FR" smtClean="0"/>
-              <a:t>11/06/2018</a:t>
+              <a:t>12/06/2018</a:t>
             </a:fld>
             <a:endParaRPr lang="fr-FR"/>
           </a:p>
@@ -13127,7 +13507,7 @@
           <a:p>
             <a:fld id="{AE5DF892-7EB5-477D-A5C0-5F0CD5DAE477}" type="datetime1">
               <a:rPr lang="fr-FR" smtClean="0"/>
-              <a:t>11/06/2018</a:t>
+              <a:t>12/06/2018</a:t>
             </a:fld>
             <a:endParaRPr lang="fr-FR"/>
           </a:p>
@@ -13440,7 +13820,7 @@
           <a:p>
             <a:fld id="{AD75710E-CB32-49E8-AA84-7E5AD91BEC32}" type="datetime1">
               <a:rPr lang="fr-FR" smtClean="0"/>
-              <a:t>11/06/2018</a:t>
+              <a:t>12/06/2018</a:t>
             </a:fld>
             <a:endParaRPr lang="fr-FR"/>
           </a:p>

--- a/ProjetFinalAAA-Factory.pptx
+++ b/ProjetFinalAAA-Factory.pptx
@@ -5,7 +5,7 @@
     <p:sldMasterId id="2147483873" r:id="rId1"/>
   </p:sldMasterIdLst>
   <p:notesMasterIdLst>
-    <p:notesMasterId r:id="rId27"/>
+    <p:notesMasterId r:id="rId36"/>
   </p:notesMasterIdLst>
   <p:sldIdLst>
     <p:sldId id="256" r:id="rId2"/>
@@ -33,6 +33,15 @@
     <p:sldId id="279" r:id="rId24"/>
     <p:sldId id="280" r:id="rId25"/>
     <p:sldId id="281" r:id="rId26"/>
+    <p:sldId id="286" r:id="rId27"/>
+    <p:sldId id="282" r:id="rId28"/>
+    <p:sldId id="283" r:id="rId29"/>
+    <p:sldId id="285" r:id="rId30"/>
+    <p:sldId id="287" r:id="rId31"/>
+    <p:sldId id="293" r:id="rId32"/>
+    <p:sldId id="288" r:id="rId33"/>
+    <p:sldId id="289" r:id="rId34"/>
+    <p:sldId id="292" r:id="rId35"/>
   </p:sldIdLst>
   <p:sldSz cx="12192000" cy="6858000"/>
   <p:notesSz cx="6858000" cy="9144000"/>
@@ -140,6 +149,925 @@
 </file>
 
 <file path=ppt/diagrams/colors1.xml><?xml version="1.0" encoding="utf-8"?>
+<dgm:colorsDef xmlns:dgm="http://schemas.openxmlformats.org/drawingml/2006/diagram" xmlns:a="http://schemas.openxmlformats.org/drawingml/2006/main" uniqueId="urn:microsoft.com/office/officeart/2005/8/colors/colorful1">
+  <dgm:title val=""/>
+  <dgm:desc val=""/>
+  <dgm:catLst>
+    <dgm:cat type="colorful" pri="10100"/>
+  </dgm:catLst>
+  <dgm:styleLbl name="node0">
+    <dgm:fillClrLst meth="repeat">
+      <a:schemeClr val="accent1"/>
+    </dgm:fillClrLst>
+    <dgm:linClrLst meth="repeat">
+      <a:schemeClr val="lt1"/>
+    </dgm:linClrLst>
+    <dgm:effectClrLst/>
+    <dgm:txLinClrLst/>
+    <dgm:txFillClrLst/>
+    <dgm:txEffectClrLst/>
+  </dgm:styleLbl>
+  <dgm:styleLbl name="node1">
+    <dgm:fillClrLst meth="repeat">
+      <a:schemeClr val="accent2"/>
+      <a:schemeClr val="accent3"/>
+      <a:schemeClr val="accent4"/>
+      <a:schemeClr val="accent5"/>
+      <a:schemeClr val="accent6"/>
+    </dgm:fillClrLst>
+    <dgm:linClrLst meth="repeat">
+      <a:schemeClr val="lt1"/>
+    </dgm:linClrLst>
+    <dgm:effectClrLst/>
+    <dgm:txLinClrLst/>
+    <dgm:txFillClrLst/>
+    <dgm:txEffectClrLst/>
+  </dgm:styleLbl>
+  <dgm:styleLbl name="alignNode1">
+    <dgm:fillClrLst meth="repeat">
+      <a:schemeClr val="accent2"/>
+      <a:schemeClr val="accent3"/>
+      <a:schemeClr val="accent4"/>
+      <a:schemeClr val="accent5"/>
+      <a:schemeClr val="accent6"/>
+    </dgm:fillClrLst>
+    <dgm:linClrLst meth="repeat">
+      <a:schemeClr val="accent2"/>
+      <a:schemeClr val="accent3"/>
+      <a:schemeClr val="accent4"/>
+      <a:schemeClr val="accent5"/>
+      <a:schemeClr val="accent6"/>
+    </dgm:linClrLst>
+    <dgm:effectClrLst/>
+    <dgm:txLinClrLst/>
+    <dgm:txFillClrLst/>
+    <dgm:txEffectClrLst/>
+  </dgm:styleLbl>
+  <dgm:styleLbl name="lnNode1">
+    <dgm:fillClrLst meth="repeat">
+      <a:schemeClr val="accent2"/>
+      <a:schemeClr val="accent3"/>
+      <a:schemeClr val="accent4"/>
+      <a:schemeClr val="accent5"/>
+      <a:schemeClr val="accent6"/>
+    </dgm:fillClrLst>
+    <dgm:linClrLst meth="repeat">
+      <a:schemeClr val="lt1"/>
+    </dgm:linClrLst>
+    <dgm:effectClrLst/>
+    <dgm:txLinClrLst/>
+    <dgm:txFillClrLst/>
+    <dgm:txEffectClrLst/>
+  </dgm:styleLbl>
+  <dgm:styleLbl name="vennNode1">
+    <dgm:fillClrLst meth="repeat">
+      <a:schemeClr val="accent2">
+        <a:alpha val="50000"/>
+      </a:schemeClr>
+      <a:schemeClr val="accent3">
+        <a:alpha val="50000"/>
+      </a:schemeClr>
+      <a:schemeClr val="accent4">
+        <a:alpha val="50000"/>
+      </a:schemeClr>
+      <a:schemeClr val="accent5">
+        <a:alpha val="50000"/>
+      </a:schemeClr>
+      <a:schemeClr val="accent6">
+        <a:alpha val="50000"/>
+      </a:schemeClr>
+    </dgm:fillClrLst>
+    <dgm:linClrLst meth="repeat">
+      <a:schemeClr val="lt1"/>
+    </dgm:linClrLst>
+    <dgm:effectClrLst/>
+    <dgm:txLinClrLst/>
+    <dgm:txFillClrLst/>
+    <dgm:txEffectClrLst/>
+  </dgm:styleLbl>
+  <dgm:styleLbl name="node2">
+    <dgm:fillClrLst>
+      <a:schemeClr val="accent2"/>
+    </dgm:fillClrLst>
+    <dgm:linClrLst meth="repeat">
+      <a:schemeClr val="lt1"/>
+    </dgm:linClrLst>
+    <dgm:effectClrLst/>
+    <dgm:txLinClrLst/>
+    <dgm:txFillClrLst/>
+    <dgm:txEffectClrLst/>
+  </dgm:styleLbl>
+  <dgm:styleLbl name="node3">
+    <dgm:fillClrLst>
+      <a:schemeClr val="accent3"/>
+    </dgm:fillClrLst>
+    <dgm:linClrLst meth="repeat">
+      <a:schemeClr val="lt1"/>
+    </dgm:linClrLst>
+    <dgm:effectClrLst/>
+    <dgm:txLinClrLst/>
+    <dgm:txFillClrLst/>
+    <dgm:txEffectClrLst/>
+  </dgm:styleLbl>
+  <dgm:styleLbl name="node4">
+    <dgm:fillClrLst>
+      <a:schemeClr val="accent4"/>
+    </dgm:fillClrLst>
+    <dgm:linClrLst meth="repeat">
+      <a:schemeClr val="lt1"/>
+    </dgm:linClrLst>
+    <dgm:effectClrLst/>
+    <dgm:txLinClrLst/>
+    <dgm:txFillClrLst/>
+    <dgm:txEffectClrLst/>
+  </dgm:styleLbl>
+  <dgm:styleLbl name="fgImgPlace1">
+    <dgm:fillClrLst meth="repeat">
+      <a:schemeClr val="accent2">
+        <a:tint val="50000"/>
+      </a:schemeClr>
+      <a:schemeClr val="accent3">
+        <a:tint val="50000"/>
+      </a:schemeClr>
+      <a:schemeClr val="accent4">
+        <a:tint val="50000"/>
+      </a:schemeClr>
+      <a:schemeClr val="accent5">
+        <a:tint val="50000"/>
+      </a:schemeClr>
+      <a:schemeClr val="accent6">
+        <a:tint val="50000"/>
+      </a:schemeClr>
+    </dgm:fillClrLst>
+    <dgm:linClrLst meth="repeat">
+      <a:schemeClr val="lt1"/>
+    </dgm:linClrLst>
+    <dgm:effectClrLst/>
+    <dgm:txLinClrLst/>
+    <dgm:txFillClrLst meth="repeat">
+      <a:schemeClr val="lt1"/>
+    </dgm:txFillClrLst>
+    <dgm:txEffectClrLst/>
+  </dgm:styleLbl>
+  <dgm:styleLbl name="alignImgPlace1">
+    <dgm:fillClrLst>
+      <a:schemeClr val="accent1">
+        <a:tint val="50000"/>
+      </a:schemeClr>
+      <a:schemeClr val="accent2">
+        <a:tint val="20000"/>
+      </a:schemeClr>
+    </dgm:fillClrLst>
+    <dgm:linClrLst meth="repeat">
+      <a:schemeClr val="lt1"/>
+    </dgm:linClrLst>
+    <dgm:effectClrLst/>
+    <dgm:txLinClrLst/>
+    <dgm:txFillClrLst meth="repeat">
+      <a:schemeClr val="lt1"/>
+    </dgm:txFillClrLst>
+    <dgm:txEffectClrLst/>
+  </dgm:styleLbl>
+  <dgm:styleLbl name="bgImgPlace1">
+    <dgm:fillClrLst>
+      <a:schemeClr val="accent1">
+        <a:tint val="50000"/>
+      </a:schemeClr>
+      <a:schemeClr val="accent2">
+        <a:tint val="20000"/>
+      </a:schemeClr>
+    </dgm:fillClrLst>
+    <dgm:linClrLst meth="repeat">
+      <a:schemeClr val="lt1"/>
+    </dgm:linClrLst>
+    <dgm:effectClrLst/>
+    <dgm:txLinClrLst/>
+    <dgm:txFillClrLst meth="repeat">
+      <a:schemeClr val="lt1"/>
+    </dgm:txFillClrLst>
+    <dgm:txEffectClrLst/>
+  </dgm:styleLbl>
+  <dgm:styleLbl name="sibTrans2D1">
+    <dgm:fillClrLst meth="repeat">
+      <a:schemeClr val="accent2"/>
+      <a:schemeClr val="accent3"/>
+      <a:schemeClr val="accent4"/>
+      <a:schemeClr val="accent5"/>
+      <a:schemeClr val="accent6"/>
+    </dgm:fillClrLst>
+    <dgm:linClrLst meth="cycle">
+      <a:schemeClr val="lt1"/>
+    </dgm:linClrLst>
+    <dgm:effectClrLst/>
+    <dgm:txLinClrLst/>
+    <dgm:txFillClrLst/>
+    <dgm:txEffectClrLst/>
+  </dgm:styleLbl>
+  <dgm:styleLbl name="fgSibTrans2D1">
+    <dgm:fillClrLst meth="repeat">
+      <a:schemeClr val="accent2"/>
+      <a:schemeClr val="accent3"/>
+      <a:schemeClr val="accent4"/>
+      <a:schemeClr val="accent5"/>
+      <a:schemeClr val="accent6"/>
+    </dgm:fillClrLst>
+    <dgm:linClrLst meth="cycle">
+      <a:schemeClr val="lt1"/>
+    </dgm:linClrLst>
+    <dgm:effectClrLst/>
+    <dgm:txLinClrLst/>
+    <dgm:txFillClrLst meth="repeat">
+      <a:schemeClr val="lt1"/>
+    </dgm:txFillClrLst>
+    <dgm:txEffectClrLst/>
+  </dgm:styleLbl>
+  <dgm:styleLbl name="bgSibTrans2D1">
+    <dgm:fillClrLst meth="repeat">
+      <a:schemeClr val="accent2"/>
+      <a:schemeClr val="accent3"/>
+      <a:schemeClr val="accent4"/>
+      <a:schemeClr val="accent5"/>
+      <a:schemeClr val="accent6"/>
+    </dgm:fillClrLst>
+    <dgm:linClrLst meth="cycle">
+      <a:schemeClr val="lt1"/>
+    </dgm:linClrLst>
+    <dgm:effectClrLst/>
+    <dgm:txLinClrLst/>
+    <dgm:txFillClrLst meth="repeat">
+      <a:schemeClr val="lt1"/>
+    </dgm:txFillClrLst>
+    <dgm:txEffectClrLst/>
+  </dgm:styleLbl>
+  <dgm:styleLbl name="sibTrans1D1">
+    <dgm:fillClrLst meth="repeat">
+      <a:schemeClr val="accent2"/>
+      <a:schemeClr val="accent3"/>
+      <a:schemeClr val="accent4"/>
+      <a:schemeClr val="accent5"/>
+      <a:schemeClr val="accent6"/>
+    </dgm:fillClrLst>
+    <dgm:linClrLst meth="repeat">
+      <a:schemeClr val="accent2"/>
+      <a:schemeClr val="accent3"/>
+      <a:schemeClr val="accent4"/>
+      <a:schemeClr val="accent5"/>
+      <a:schemeClr val="accent6"/>
+    </dgm:linClrLst>
+    <dgm:effectClrLst/>
+    <dgm:txLinClrLst/>
+    <dgm:txFillClrLst meth="repeat">
+      <a:schemeClr val="tx1"/>
+    </dgm:txFillClrLst>
+    <dgm:txEffectClrLst/>
+  </dgm:styleLbl>
+  <dgm:styleLbl name="callout">
+    <dgm:fillClrLst meth="repeat">
+      <a:schemeClr val="accent2"/>
+    </dgm:fillClrLst>
+    <dgm:linClrLst meth="repeat">
+      <a:schemeClr val="accent2">
+        <a:tint val="50000"/>
+      </a:schemeClr>
+    </dgm:linClrLst>
+    <dgm:effectClrLst/>
+    <dgm:txLinClrLst/>
+    <dgm:txFillClrLst meth="repeat">
+      <a:schemeClr val="tx1"/>
+    </dgm:txFillClrLst>
+    <dgm:txEffectClrLst/>
+  </dgm:styleLbl>
+  <dgm:styleLbl name="asst0">
+    <dgm:fillClrLst meth="repeat">
+      <a:schemeClr val="accent1"/>
+    </dgm:fillClrLst>
+    <dgm:linClrLst meth="repeat">
+      <a:schemeClr val="lt1"/>
+    </dgm:linClrLst>
+    <dgm:effectClrLst/>
+    <dgm:txLinClrLst/>
+    <dgm:txFillClrLst/>
+    <dgm:txEffectClrLst/>
+  </dgm:styleLbl>
+  <dgm:styleLbl name="asst1">
+    <dgm:fillClrLst meth="repeat">
+      <a:schemeClr val="accent2"/>
+    </dgm:fillClrLst>
+    <dgm:linClrLst meth="repeat">
+      <a:schemeClr val="lt1"/>
+    </dgm:linClrLst>
+    <dgm:effectClrLst/>
+    <dgm:txLinClrLst/>
+    <dgm:txFillClrLst/>
+    <dgm:txEffectClrLst/>
+  </dgm:styleLbl>
+  <dgm:styleLbl name="asst2">
+    <dgm:fillClrLst>
+      <a:schemeClr val="accent3"/>
+    </dgm:fillClrLst>
+    <dgm:linClrLst meth="repeat">
+      <a:schemeClr val="lt1"/>
+    </dgm:linClrLst>
+    <dgm:effectClrLst/>
+    <dgm:txLinClrLst/>
+    <dgm:txFillClrLst/>
+    <dgm:txEffectClrLst/>
+  </dgm:styleLbl>
+  <dgm:styleLbl name="asst3">
+    <dgm:fillClrLst>
+      <a:schemeClr val="accent4"/>
+    </dgm:fillClrLst>
+    <dgm:linClrLst meth="repeat">
+      <a:schemeClr val="lt1"/>
+    </dgm:linClrLst>
+    <dgm:effectClrLst/>
+    <dgm:txLinClrLst/>
+    <dgm:txFillClrLst/>
+    <dgm:txEffectClrLst/>
+  </dgm:styleLbl>
+  <dgm:styleLbl name="asst4">
+    <dgm:fillClrLst>
+      <a:schemeClr val="accent5"/>
+    </dgm:fillClrLst>
+    <dgm:linClrLst meth="repeat">
+      <a:schemeClr val="lt1"/>
+    </dgm:linClrLst>
+    <dgm:effectClrLst/>
+    <dgm:txLinClrLst/>
+    <dgm:txFillClrLst/>
+    <dgm:txEffectClrLst/>
+  </dgm:styleLbl>
+  <dgm:styleLbl name="parChTrans2D1">
+    <dgm:fillClrLst meth="repeat">
+      <a:schemeClr val="accent2"/>
+    </dgm:fillClrLst>
+    <dgm:linClrLst meth="repeat">
+      <a:schemeClr val="lt1"/>
+    </dgm:linClrLst>
+    <dgm:effectClrLst/>
+    <dgm:txLinClrLst/>
+    <dgm:txFillClrLst meth="repeat">
+      <a:schemeClr val="lt1"/>
+    </dgm:txFillClrLst>
+    <dgm:txEffectClrLst/>
+  </dgm:styleLbl>
+  <dgm:styleLbl name="parChTrans2D2">
+    <dgm:fillClrLst meth="repeat">
+      <a:schemeClr val="accent3"/>
+    </dgm:fillClrLst>
+    <dgm:linClrLst meth="repeat">
+      <a:schemeClr val="lt1"/>
+    </dgm:linClrLst>
+    <dgm:effectClrLst/>
+    <dgm:txLinClrLst/>
+    <dgm:txFillClrLst/>
+    <dgm:txEffectClrLst/>
+  </dgm:styleLbl>
+  <dgm:styleLbl name="parChTrans2D3">
+    <dgm:fillClrLst meth="repeat">
+      <a:schemeClr val="accent4"/>
+    </dgm:fillClrLst>
+    <dgm:linClrLst meth="repeat">
+      <a:schemeClr val="lt1"/>
+    </dgm:linClrLst>
+    <dgm:effectClrLst/>
+    <dgm:txLinClrLst/>
+    <dgm:txFillClrLst/>
+    <dgm:txEffectClrLst/>
+  </dgm:styleLbl>
+  <dgm:styleLbl name="parChTrans2D4">
+    <dgm:fillClrLst meth="repeat">
+      <a:schemeClr val="accent5"/>
+    </dgm:fillClrLst>
+    <dgm:linClrLst meth="repeat">
+      <a:schemeClr val="lt1"/>
+    </dgm:linClrLst>
+    <dgm:effectClrLst/>
+    <dgm:txLinClrLst/>
+    <dgm:txFillClrLst meth="repeat">
+      <a:schemeClr val="lt1"/>
+    </dgm:txFillClrLst>
+    <dgm:txEffectClrLst/>
+  </dgm:styleLbl>
+  <dgm:styleLbl name="parChTrans1D1">
+    <dgm:fillClrLst meth="repeat">
+      <a:schemeClr val="accent2"/>
+    </dgm:fillClrLst>
+    <dgm:linClrLst meth="repeat">
+      <a:schemeClr val="accent1"/>
+    </dgm:linClrLst>
+    <dgm:effectClrLst/>
+    <dgm:txLinClrLst/>
+    <dgm:txFillClrLst meth="repeat">
+      <a:schemeClr val="tx1"/>
+    </dgm:txFillClrLst>
+    <dgm:txEffectClrLst/>
+  </dgm:styleLbl>
+  <dgm:styleLbl name="parChTrans1D2">
+    <dgm:fillClrLst meth="repeat">
+      <a:schemeClr val="accent3">
+        <a:tint val="90000"/>
+      </a:schemeClr>
+    </dgm:fillClrLst>
+    <dgm:linClrLst meth="repeat">
+      <a:schemeClr val="accent2"/>
+    </dgm:linClrLst>
+    <dgm:effectClrLst/>
+    <dgm:txLinClrLst/>
+    <dgm:txFillClrLst meth="repeat">
+      <a:schemeClr val="tx1"/>
+    </dgm:txFillClrLst>
+    <dgm:txEffectClrLst/>
+  </dgm:styleLbl>
+  <dgm:styleLbl name="parChTrans1D3">
+    <dgm:fillClrLst meth="repeat">
+      <a:schemeClr val="accent4">
+        <a:tint val="70000"/>
+      </a:schemeClr>
+    </dgm:fillClrLst>
+    <dgm:linClrLst meth="repeat">
+      <a:schemeClr val="accent3"/>
+    </dgm:linClrLst>
+    <dgm:effectClrLst/>
+    <dgm:txLinClrLst/>
+    <dgm:txFillClrLst meth="repeat">
+      <a:schemeClr val="tx1"/>
+    </dgm:txFillClrLst>
+    <dgm:txEffectClrLst/>
+  </dgm:styleLbl>
+  <dgm:styleLbl name="parChTrans1D4">
+    <dgm:fillClrLst meth="repeat">
+      <a:schemeClr val="accent5">
+        <a:tint val="50000"/>
+      </a:schemeClr>
+    </dgm:fillClrLst>
+    <dgm:linClrLst meth="repeat">
+      <a:schemeClr val="accent4"/>
+    </dgm:linClrLst>
+    <dgm:effectClrLst/>
+    <dgm:txLinClrLst/>
+    <dgm:txFillClrLst meth="repeat">
+      <a:schemeClr val="tx1"/>
+    </dgm:txFillClrLst>
+    <dgm:txEffectClrLst/>
+  </dgm:styleLbl>
+  <dgm:styleLbl name="fgAcc1">
+    <dgm:fillClrLst meth="repeat">
+      <a:schemeClr val="lt1">
+        <a:alpha val="90000"/>
+      </a:schemeClr>
+    </dgm:fillClrLst>
+    <dgm:linClrLst meth="repeat">
+      <a:schemeClr val="accent2"/>
+      <a:schemeClr val="accent3"/>
+      <a:schemeClr val="accent4"/>
+      <a:schemeClr val="accent5"/>
+      <a:schemeClr val="accent6"/>
+    </dgm:linClrLst>
+    <dgm:effectClrLst/>
+    <dgm:txLinClrLst/>
+    <dgm:txFillClrLst meth="repeat">
+      <a:schemeClr val="dk1"/>
+    </dgm:txFillClrLst>
+    <dgm:txEffectClrLst/>
+  </dgm:styleLbl>
+  <dgm:styleLbl name="conFgAcc1">
+    <dgm:fillClrLst meth="repeat">
+      <a:schemeClr val="lt1">
+        <a:alpha val="90000"/>
+      </a:schemeClr>
+    </dgm:fillClrLst>
+    <dgm:linClrLst meth="repeat">
+      <a:schemeClr val="accent2"/>
+      <a:schemeClr val="accent3"/>
+      <a:schemeClr val="accent4"/>
+      <a:schemeClr val="accent5"/>
+      <a:schemeClr val="accent6"/>
+    </dgm:linClrLst>
+    <dgm:effectClrLst/>
+    <dgm:txLinClrLst/>
+    <dgm:txFillClrLst meth="repeat">
+      <a:schemeClr val="dk1"/>
+    </dgm:txFillClrLst>
+    <dgm:txEffectClrLst/>
+  </dgm:styleLbl>
+  <dgm:styleLbl name="alignAcc1">
+    <dgm:fillClrLst meth="repeat">
+      <a:schemeClr val="lt1">
+        <a:alpha val="90000"/>
+      </a:schemeClr>
+    </dgm:fillClrLst>
+    <dgm:linClrLst meth="repeat">
+      <a:schemeClr val="accent2"/>
+      <a:schemeClr val="accent3"/>
+      <a:schemeClr val="accent4"/>
+      <a:schemeClr val="accent5"/>
+      <a:schemeClr val="accent6"/>
+    </dgm:linClrLst>
+    <dgm:effectClrLst/>
+    <dgm:txLinClrLst/>
+    <dgm:txFillClrLst meth="repeat">
+      <a:schemeClr val="dk1"/>
+    </dgm:txFillClrLst>
+    <dgm:txEffectClrLst/>
+  </dgm:styleLbl>
+  <dgm:styleLbl name="trAlignAcc1">
+    <dgm:fillClrLst meth="repeat">
+      <a:schemeClr val="lt1">
+        <a:alpha val="40000"/>
+      </a:schemeClr>
+    </dgm:fillClrLst>
+    <dgm:linClrLst meth="repeat">
+      <a:schemeClr val="accent1"/>
+    </dgm:linClrLst>
+    <dgm:effectClrLst/>
+    <dgm:txLinClrLst/>
+    <dgm:txFillClrLst meth="repeat">
+      <a:schemeClr val="dk1"/>
+    </dgm:txFillClrLst>
+    <dgm:txEffectClrLst/>
+  </dgm:styleLbl>
+  <dgm:styleLbl name="bgAcc1">
+    <dgm:fillClrLst meth="repeat">
+      <a:schemeClr val="lt1">
+        <a:alpha val="90000"/>
+      </a:schemeClr>
+    </dgm:fillClrLst>
+    <dgm:linClrLst meth="repeat">
+      <a:schemeClr val="accent2"/>
+      <a:schemeClr val="accent3"/>
+      <a:schemeClr val="accent4"/>
+      <a:schemeClr val="accent5"/>
+      <a:schemeClr val="accent6"/>
+    </dgm:linClrLst>
+    <dgm:effectClrLst/>
+    <dgm:txLinClrLst/>
+    <dgm:txFillClrLst meth="repeat">
+      <a:schemeClr val="dk1"/>
+    </dgm:txFillClrLst>
+    <dgm:txEffectClrLst/>
+  </dgm:styleLbl>
+  <dgm:styleLbl name="solidFgAcc1">
+    <dgm:fillClrLst meth="repeat">
+      <a:schemeClr val="lt1"/>
+    </dgm:fillClrLst>
+    <dgm:linClrLst meth="repeat">
+      <a:schemeClr val="accent2"/>
+      <a:schemeClr val="accent3"/>
+      <a:schemeClr val="accent4"/>
+      <a:schemeClr val="accent5"/>
+      <a:schemeClr val="accent6"/>
+    </dgm:linClrLst>
+    <dgm:effectClrLst/>
+    <dgm:txLinClrLst/>
+    <dgm:txFillClrLst meth="repeat">
+      <a:schemeClr val="dk1"/>
+    </dgm:txFillClrLst>
+    <dgm:txEffectClrLst/>
+  </dgm:styleLbl>
+  <dgm:styleLbl name="solidAlignAcc1">
+    <dgm:fillClrLst meth="repeat">
+      <a:schemeClr val="lt1"/>
+    </dgm:fillClrLst>
+    <dgm:linClrLst meth="repeat">
+      <a:schemeClr val="accent2"/>
+      <a:schemeClr val="accent3"/>
+      <a:schemeClr val="accent4"/>
+      <a:schemeClr val="accent5"/>
+      <a:schemeClr val="accent6"/>
+    </dgm:linClrLst>
+    <dgm:effectClrLst/>
+    <dgm:txLinClrLst/>
+    <dgm:txFillClrLst meth="repeat">
+      <a:schemeClr val="dk1"/>
+    </dgm:txFillClrLst>
+    <dgm:txEffectClrLst/>
+  </dgm:styleLbl>
+  <dgm:styleLbl name="solidBgAcc1">
+    <dgm:fillClrLst meth="repeat">
+      <a:schemeClr val="lt1"/>
+    </dgm:fillClrLst>
+    <dgm:linClrLst meth="repeat">
+      <a:schemeClr val="accent2"/>
+      <a:schemeClr val="accent3"/>
+      <a:schemeClr val="accent4"/>
+      <a:schemeClr val="accent5"/>
+      <a:schemeClr val="accent6"/>
+    </dgm:linClrLst>
+    <dgm:effectClrLst/>
+    <dgm:txLinClrLst/>
+    <dgm:txFillClrLst meth="repeat">
+      <a:schemeClr val="dk1"/>
+    </dgm:txFillClrLst>
+    <dgm:txEffectClrLst/>
+  </dgm:styleLbl>
+  <dgm:styleLbl name="fgAccFollowNode1">
+    <dgm:fillClrLst meth="repeat">
+      <a:schemeClr val="accent2">
+        <a:tint val="40000"/>
+        <a:alpha val="90000"/>
+      </a:schemeClr>
+      <a:schemeClr val="accent3">
+        <a:tint val="40000"/>
+        <a:alpha val="90000"/>
+      </a:schemeClr>
+      <a:schemeClr val="accent4">
+        <a:tint val="40000"/>
+        <a:alpha val="90000"/>
+      </a:schemeClr>
+      <a:schemeClr val="accent5">
+        <a:tint val="40000"/>
+        <a:alpha val="90000"/>
+      </a:schemeClr>
+      <a:schemeClr val="accent6">
+        <a:tint val="40000"/>
+        <a:alpha val="90000"/>
+      </a:schemeClr>
+    </dgm:fillClrLst>
+    <dgm:linClrLst meth="repeat">
+      <a:schemeClr val="accent2">
+        <a:tint val="40000"/>
+        <a:alpha val="90000"/>
+      </a:schemeClr>
+      <a:schemeClr val="accent3">
+        <a:tint val="40000"/>
+        <a:alpha val="90000"/>
+      </a:schemeClr>
+      <a:schemeClr val="accent4">
+        <a:tint val="40000"/>
+        <a:alpha val="90000"/>
+      </a:schemeClr>
+      <a:schemeClr val="accent5">
+        <a:tint val="40000"/>
+        <a:alpha val="90000"/>
+      </a:schemeClr>
+      <a:schemeClr val="accent6">
+        <a:tint val="40000"/>
+        <a:alpha val="90000"/>
+      </a:schemeClr>
+    </dgm:linClrLst>
+    <dgm:effectClrLst/>
+    <dgm:txLinClrLst/>
+    <dgm:txFillClrLst meth="repeat">
+      <a:schemeClr val="dk1"/>
+    </dgm:txFillClrLst>
+    <dgm:txEffectClrLst/>
+  </dgm:styleLbl>
+  <dgm:styleLbl name="alignAccFollowNode1">
+    <dgm:fillClrLst meth="repeat">
+      <a:schemeClr val="accent2">
+        <a:tint val="40000"/>
+        <a:alpha val="90000"/>
+      </a:schemeClr>
+      <a:schemeClr val="accent3">
+        <a:tint val="40000"/>
+        <a:alpha val="90000"/>
+      </a:schemeClr>
+      <a:schemeClr val="accent4">
+        <a:tint val="40000"/>
+        <a:alpha val="90000"/>
+      </a:schemeClr>
+      <a:schemeClr val="accent5">
+        <a:tint val="40000"/>
+        <a:alpha val="90000"/>
+      </a:schemeClr>
+      <a:schemeClr val="accent6">
+        <a:tint val="40000"/>
+        <a:alpha val="90000"/>
+      </a:schemeClr>
+    </dgm:fillClrLst>
+    <dgm:linClrLst meth="repeat">
+      <a:schemeClr val="accent2">
+        <a:tint val="40000"/>
+        <a:alpha val="90000"/>
+      </a:schemeClr>
+      <a:schemeClr val="accent3">
+        <a:tint val="40000"/>
+        <a:alpha val="90000"/>
+      </a:schemeClr>
+      <a:schemeClr val="accent4">
+        <a:tint val="40000"/>
+        <a:alpha val="90000"/>
+      </a:schemeClr>
+      <a:schemeClr val="accent5">
+        <a:tint val="40000"/>
+        <a:alpha val="90000"/>
+      </a:schemeClr>
+      <a:schemeClr val="accent6">
+        <a:tint val="40000"/>
+        <a:alpha val="90000"/>
+      </a:schemeClr>
+    </dgm:linClrLst>
+    <dgm:effectClrLst/>
+    <dgm:txLinClrLst/>
+    <dgm:txFillClrLst meth="repeat">
+      <a:schemeClr val="dk1"/>
+    </dgm:txFillClrLst>
+    <dgm:txEffectClrLst/>
+  </dgm:styleLbl>
+  <dgm:styleLbl name="bgAccFollowNode1">
+    <dgm:fillClrLst meth="repeat">
+      <a:schemeClr val="accent2">
+        <a:tint val="40000"/>
+        <a:alpha val="90000"/>
+      </a:schemeClr>
+      <a:schemeClr val="accent3">
+        <a:tint val="40000"/>
+        <a:alpha val="90000"/>
+      </a:schemeClr>
+      <a:schemeClr val="accent4">
+        <a:tint val="40000"/>
+        <a:alpha val="90000"/>
+      </a:schemeClr>
+      <a:schemeClr val="accent5">
+        <a:tint val="40000"/>
+        <a:alpha val="90000"/>
+      </a:schemeClr>
+      <a:schemeClr val="accent6">
+        <a:tint val="40000"/>
+        <a:alpha val="90000"/>
+      </a:schemeClr>
+    </dgm:fillClrLst>
+    <dgm:linClrLst meth="repeat">
+      <a:schemeClr val="accent2">
+        <a:tint val="40000"/>
+        <a:alpha val="90000"/>
+      </a:schemeClr>
+      <a:schemeClr val="accent3">
+        <a:tint val="40000"/>
+        <a:alpha val="90000"/>
+      </a:schemeClr>
+      <a:schemeClr val="accent4">
+        <a:tint val="40000"/>
+        <a:alpha val="90000"/>
+      </a:schemeClr>
+      <a:schemeClr val="accent5">
+        <a:tint val="40000"/>
+        <a:alpha val="90000"/>
+      </a:schemeClr>
+      <a:schemeClr val="accent6">
+        <a:tint val="40000"/>
+        <a:alpha val="90000"/>
+      </a:schemeClr>
+    </dgm:linClrLst>
+    <dgm:effectClrLst/>
+    <dgm:txLinClrLst/>
+    <dgm:txFillClrLst meth="repeat">
+      <a:schemeClr val="dk1"/>
+    </dgm:txFillClrLst>
+    <dgm:txEffectClrLst/>
+  </dgm:styleLbl>
+  <dgm:styleLbl name="fgAcc0">
+    <dgm:fillClrLst meth="repeat">
+      <a:schemeClr val="lt1">
+        <a:alpha val="90000"/>
+      </a:schemeClr>
+    </dgm:fillClrLst>
+    <dgm:linClrLst>
+      <a:schemeClr val="accent1"/>
+    </dgm:linClrLst>
+    <dgm:effectClrLst/>
+    <dgm:txLinClrLst/>
+    <dgm:txFillClrLst meth="repeat">
+      <a:schemeClr val="dk1"/>
+    </dgm:txFillClrLst>
+    <dgm:txEffectClrLst/>
+  </dgm:styleLbl>
+  <dgm:styleLbl name="fgAcc2">
+    <dgm:fillClrLst meth="repeat">
+      <a:schemeClr val="lt1">
+        <a:alpha val="90000"/>
+      </a:schemeClr>
+    </dgm:fillClrLst>
+    <dgm:linClrLst>
+      <a:schemeClr val="accent2"/>
+    </dgm:linClrLst>
+    <dgm:effectClrLst/>
+    <dgm:txLinClrLst/>
+    <dgm:txFillClrLst meth="repeat">
+      <a:schemeClr val="dk1"/>
+    </dgm:txFillClrLst>
+    <dgm:txEffectClrLst/>
+  </dgm:styleLbl>
+  <dgm:styleLbl name="fgAcc3">
+    <dgm:fillClrLst meth="repeat">
+      <a:schemeClr val="lt1">
+        <a:alpha val="90000"/>
+      </a:schemeClr>
+    </dgm:fillClrLst>
+    <dgm:linClrLst>
+      <a:schemeClr val="accent3"/>
+    </dgm:linClrLst>
+    <dgm:effectClrLst/>
+    <dgm:txLinClrLst/>
+    <dgm:txFillClrLst meth="repeat">
+      <a:schemeClr val="dk1"/>
+    </dgm:txFillClrLst>
+    <dgm:txEffectClrLst/>
+  </dgm:styleLbl>
+  <dgm:styleLbl name="fgAcc4">
+    <dgm:fillClrLst meth="repeat">
+      <a:schemeClr val="lt1">
+        <a:alpha val="90000"/>
+      </a:schemeClr>
+    </dgm:fillClrLst>
+    <dgm:linClrLst>
+      <a:schemeClr val="accent4"/>
+    </dgm:linClrLst>
+    <dgm:effectClrLst/>
+    <dgm:txLinClrLst/>
+    <dgm:txFillClrLst meth="repeat">
+      <a:schemeClr val="dk1"/>
+    </dgm:txFillClrLst>
+    <dgm:txEffectClrLst/>
+  </dgm:styleLbl>
+  <dgm:styleLbl name="bgShp">
+    <dgm:fillClrLst meth="repeat">
+      <a:schemeClr val="accent2">
+        <a:tint val="40000"/>
+      </a:schemeClr>
+    </dgm:fillClrLst>
+    <dgm:linClrLst meth="repeat">
+      <a:schemeClr val="dk1"/>
+    </dgm:linClrLst>
+    <dgm:effectClrLst/>
+    <dgm:txLinClrLst/>
+    <dgm:txFillClrLst meth="repeat">
+      <a:schemeClr val="dk1"/>
+    </dgm:txFillClrLst>
+    <dgm:txEffectClrLst/>
+  </dgm:styleLbl>
+  <dgm:styleLbl name="dkBgShp">
+    <dgm:fillClrLst meth="repeat">
+      <a:schemeClr val="accent2">
+        <a:shade val="90000"/>
+      </a:schemeClr>
+    </dgm:fillClrLst>
+    <dgm:linClrLst meth="repeat">
+      <a:schemeClr val="dk1"/>
+    </dgm:linClrLst>
+    <dgm:effectClrLst/>
+    <dgm:txLinClrLst/>
+    <dgm:txFillClrLst meth="repeat">
+      <a:schemeClr val="lt1"/>
+    </dgm:txFillClrLst>
+    <dgm:txEffectClrLst/>
+  </dgm:styleLbl>
+  <dgm:styleLbl name="trBgShp">
+    <dgm:fillClrLst meth="repeat">
+      <a:schemeClr val="accent1">
+        <a:tint val="50000"/>
+        <a:alpha val="40000"/>
+      </a:schemeClr>
+    </dgm:fillClrLst>
+    <dgm:linClrLst meth="repeat">
+      <a:schemeClr val="accent2"/>
+    </dgm:linClrLst>
+    <dgm:effectClrLst/>
+    <dgm:txLinClrLst/>
+    <dgm:txFillClrLst meth="repeat">
+      <a:schemeClr val="lt1"/>
+    </dgm:txFillClrLst>
+    <dgm:txEffectClrLst/>
+  </dgm:styleLbl>
+  <dgm:styleLbl name="fgShp">
+    <dgm:fillClrLst meth="repeat">
+      <a:schemeClr val="accent2">
+        <a:tint val="40000"/>
+      </a:schemeClr>
+    </dgm:fillClrLst>
+    <dgm:linClrLst meth="repeat">
+      <a:schemeClr val="lt1"/>
+    </dgm:linClrLst>
+    <dgm:effectClrLst/>
+    <dgm:txLinClrLst/>
+    <dgm:txFillClrLst meth="repeat">
+      <a:schemeClr val="dk1"/>
+    </dgm:txFillClrLst>
+    <dgm:txEffectClrLst/>
+  </dgm:styleLbl>
+  <dgm:styleLbl name="revTx">
+    <dgm:fillClrLst meth="repeat">
+      <a:schemeClr val="lt1">
+        <a:alpha val="0"/>
+      </a:schemeClr>
+    </dgm:fillClrLst>
+    <dgm:linClrLst meth="repeat">
+      <a:schemeClr val="dk1">
+        <a:alpha val="0"/>
+      </a:schemeClr>
+    </dgm:linClrLst>
+    <dgm:effectClrLst/>
+    <dgm:txLinClrLst/>
+    <dgm:txFillClrLst meth="repeat">
+      <a:schemeClr val="tx1"/>
+    </dgm:txFillClrLst>
+    <dgm:txEffectClrLst/>
+  </dgm:styleLbl>
+</dgm:colorsDef>
+</file>
+
+<file path=ppt/diagrams/colors2.xml><?xml version="1.0" encoding="utf-8"?>
 <dgm:colorsDef xmlns:dgm="http://schemas.openxmlformats.org/drawingml/2006/diagram" xmlns:a="http://schemas.openxmlformats.org/drawingml/2006/main" uniqueId="urn:microsoft.com/office/officeart/2005/8/colors/colorful1">
   <dgm:title val=""/>
   <dgm:desc val=""/>
@@ -1764,6 +2692,405 @@
 </dgm:dataModel>
 </file>
 
+<file path=ppt/diagrams/data2.xml><?xml version="1.0" encoding="utf-8"?>
+<dgm:dataModel xmlns:dgm="http://schemas.openxmlformats.org/drawingml/2006/diagram" xmlns:a="http://schemas.openxmlformats.org/drawingml/2006/main">
+  <dgm:ptLst>
+    <dgm:pt modelId="{4177FFBB-23CA-45E1-B627-C5F7C6799BFB}" type="doc">
+      <dgm:prSet loTypeId="urn:microsoft.com/office/officeart/2005/8/layout/cycle5" loCatId="cycle" qsTypeId="urn:microsoft.com/office/officeart/2005/8/quickstyle/simple1" qsCatId="simple" csTypeId="urn:microsoft.com/office/officeart/2005/8/colors/colorful1" csCatId="colorful" phldr="1"/>
+      <dgm:spPr/>
+      <dgm:t>
+        <a:bodyPr/>
+        <a:lstStyle/>
+        <a:p>
+          <a:endParaRPr lang="fr-FR"/>
+        </a:p>
+      </dgm:t>
+    </dgm:pt>
+    <dgm:pt modelId="{55D3D3DB-0D61-4C32-B60D-CBB37922CDC3}">
+      <dgm:prSet phldrT="[Texte]" custT="1"/>
+      <dgm:spPr/>
+      <dgm:t>
+        <a:bodyPr/>
+        <a:lstStyle/>
+        <a:p>
+          <a:r>
+            <a:rPr lang="fr-FR" sz="1400" b="0" dirty="0" smtClean="0"/>
+            <a:t>Etape 1 : </a:t>
+          </a:r>
+        </a:p>
+        <a:p>
+          <a:r>
+            <a:rPr lang="fr-FR" sz="1400" b="0" dirty="0" smtClean="0"/>
+            <a:t>Authentification </a:t>
+          </a:r>
+          <a:endParaRPr lang="fr-FR" sz="1400" b="0" dirty="0"/>
+        </a:p>
+      </dgm:t>
+    </dgm:pt>
+    <dgm:pt modelId="{A326D792-3737-4D07-9573-BE80B3C50B93}" type="parTrans" cxnId="{24D59356-A001-47B8-A776-790198E6010F}">
+      <dgm:prSet/>
+      <dgm:spPr/>
+      <dgm:t>
+        <a:bodyPr/>
+        <a:lstStyle/>
+        <a:p>
+          <a:endParaRPr lang="fr-FR" sz="3200" b="0"/>
+        </a:p>
+      </dgm:t>
+    </dgm:pt>
+    <dgm:pt modelId="{4E4523FC-6E69-448E-A75E-B0E9CD61F327}" type="sibTrans" cxnId="{24D59356-A001-47B8-A776-790198E6010F}">
+      <dgm:prSet/>
+      <dgm:spPr/>
+      <dgm:t>
+        <a:bodyPr/>
+        <a:lstStyle/>
+        <a:p>
+          <a:endParaRPr lang="fr-FR" sz="3200" b="0"/>
+        </a:p>
+      </dgm:t>
+    </dgm:pt>
+    <dgm:pt modelId="{4CB8AD81-66C2-4411-8349-B5787E9929B3}">
+      <dgm:prSet phldrT="[Texte]" custT="1"/>
+      <dgm:spPr/>
+      <dgm:t>
+        <a:bodyPr/>
+        <a:lstStyle/>
+        <a:p>
+          <a:r>
+            <a:rPr lang="fr-FR" sz="1400" b="0" dirty="0" smtClean="0"/>
+            <a:t>Etape 2 : </a:t>
+          </a:r>
+        </a:p>
+        <a:p>
+          <a:r>
+            <a:rPr lang="fr-FR" sz="1400" b="0" dirty="0" smtClean="0"/>
+            <a:t>choix via menu (consultation ou </a:t>
+          </a:r>
+          <a:r>
+            <a:rPr lang="fr-FR" sz="1400" b="0" dirty="0" err="1" smtClean="0"/>
+            <a:t>modif</a:t>
+          </a:r>
+          <a:r>
+            <a:rPr lang="fr-FR" sz="1400" b="0" dirty="0" smtClean="0"/>
+            <a:t>)</a:t>
+          </a:r>
+          <a:endParaRPr lang="fr-FR" sz="1400" b="0" dirty="0"/>
+        </a:p>
+      </dgm:t>
+    </dgm:pt>
+    <dgm:pt modelId="{EBAD4486-681A-499E-BBE1-00ABAAE733BE}" type="parTrans" cxnId="{DA42673A-0056-4677-95BF-ABAA44780ABD}">
+      <dgm:prSet/>
+      <dgm:spPr/>
+      <dgm:t>
+        <a:bodyPr/>
+        <a:lstStyle/>
+        <a:p>
+          <a:endParaRPr lang="fr-FR" sz="3200" b="0"/>
+        </a:p>
+      </dgm:t>
+    </dgm:pt>
+    <dgm:pt modelId="{0103F8B2-6859-4388-B94A-F97A23161528}" type="sibTrans" cxnId="{DA42673A-0056-4677-95BF-ABAA44780ABD}">
+      <dgm:prSet/>
+      <dgm:spPr/>
+      <dgm:t>
+        <a:bodyPr/>
+        <a:lstStyle/>
+        <a:p>
+          <a:endParaRPr lang="fr-FR" sz="3200" b="0"/>
+        </a:p>
+      </dgm:t>
+    </dgm:pt>
+    <dgm:pt modelId="{AFE49074-0156-416F-BAD6-090469212887}">
+      <dgm:prSet phldrT="[Texte]" custT="1"/>
+      <dgm:spPr/>
+      <dgm:t>
+        <a:bodyPr/>
+        <a:lstStyle/>
+        <a:p>
+          <a:r>
+            <a:rPr lang="fr-FR" sz="1400" b="0" dirty="0" smtClean="0"/>
+            <a:t>Etape 3 : </a:t>
+          </a:r>
+        </a:p>
+        <a:p>
+          <a:r>
+            <a:rPr lang="fr-FR" sz="1400" b="0" dirty="0" smtClean="0"/>
+            <a:t>Cliquer sur ce que l’on veut modifier</a:t>
+          </a:r>
+          <a:endParaRPr lang="fr-FR" sz="1400" b="0" dirty="0"/>
+        </a:p>
+      </dgm:t>
+    </dgm:pt>
+    <dgm:pt modelId="{AEF57AF7-1E96-4F96-AB14-B89493680AD3}" type="parTrans" cxnId="{909A9D6D-C58F-43DF-81F5-CD9A31180D33}">
+      <dgm:prSet/>
+      <dgm:spPr/>
+      <dgm:t>
+        <a:bodyPr/>
+        <a:lstStyle/>
+        <a:p>
+          <a:endParaRPr lang="fr-FR" sz="3200" b="0"/>
+        </a:p>
+      </dgm:t>
+    </dgm:pt>
+    <dgm:pt modelId="{49770C90-8E90-470D-B5B5-82DA1C4B15AA}" type="sibTrans" cxnId="{909A9D6D-C58F-43DF-81F5-CD9A31180D33}">
+      <dgm:prSet/>
+      <dgm:spPr/>
+      <dgm:t>
+        <a:bodyPr/>
+        <a:lstStyle/>
+        <a:p>
+          <a:endParaRPr lang="fr-FR" sz="3200" b="0"/>
+        </a:p>
+      </dgm:t>
+    </dgm:pt>
+    <dgm:pt modelId="{B4737E85-D5A2-4228-ADBC-DDD44E3D7C23}">
+      <dgm:prSet phldrT="[Texte]" custT="1"/>
+      <dgm:spPr/>
+      <dgm:t>
+        <a:bodyPr/>
+        <a:lstStyle/>
+        <a:p>
+          <a:r>
+            <a:rPr lang="fr-FR" sz="1400" b="0" dirty="0" smtClean="0"/>
+            <a:t>Etape 4 : </a:t>
+          </a:r>
+        </a:p>
+        <a:p>
+          <a:r>
+            <a:rPr lang="fr-FR" sz="1400" b="0" dirty="0" smtClean="0"/>
+            <a:t>Remplir le formulaire correctement</a:t>
+          </a:r>
+          <a:endParaRPr lang="fr-FR" sz="1400" b="0" dirty="0"/>
+        </a:p>
+      </dgm:t>
+    </dgm:pt>
+    <dgm:pt modelId="{2654C931-5442-4518-BAD6-578E895DAE40}" type="parTrans" cxnId="{84E2FDE3-82EA-43E1-BBDB-840FD350ED4E}">
+      <dgm:prSet/>
+      <dgm:spPr/>
+      <dgm:t>
+        <a:bodyPr/>
+        <a:lstStyle/>
+        <a:p>
+          <a:endParaRPr lang="fr-FR" sz="3200" b="0"/>
+        </a:p>
+      </dgm:t>
+    </dgm:pt>
+    <dgm:pt modelId="{BD8728AC-8E14-4242-8874-E0412479C45C}" type="sibTrans" cxnId="{84E2FDE3-82EA-43E1-BBDB-840FD350ED4E}">
+      <dgm:prSet/>
+      <dgm:spPr/>
+      <dgm:t>
+        <a:bodyPr/>
+        <a:lstStyle/>
+        <a:p>
+          <a:endParaRPr lang="fr-FR" sz="3200" b="0"/>
+        </a:p>
+      </dgm:t>
+    </dgm:pt>
+    <dgm:pt modelId="{98C0C2DA-B0BB-4723-A172-08F636A64777}">
+      <dgm:prSet phldrT="[Texte]" custT="1"/>
+      <dgm:spPr/>
+      <dgm:t>
+        <a:bodyPr/>
+        <a:lstStyle/>
+        <a:p>
+          <a:r>
+            <a:rPr lang="fr-FR" sz="1400" b="0" i="0" dirty="0" smtClean="0">
+              <a:effectLst/>
+            </a:rPr>
+            <a:t>Etape 5 :</a:t>
+          </a:r>
+        </a:p>
+        <a:p>
+          <a:r>
+            <a:rPr lang="fr-FR" sz="1400" b="0" i="0" dirty="0" smtClean="0">
+              <a:effectLst/>
+            </a:rPr>
+            <a:t> </a:t>
+          </a:r>
+          <a:r>
+            <a:rPr lang="fr-FR" sz="1400" b="0" dirty="0" smtClean="0"/>
+            <a:t>valider / envoyer</a:t>
+          </a:r>
+          <a:endParaRPr lang="fr-FR" sz="1400" b="0" dirty="0"/>
+        </a:p>
+      </dgm:t>
+    </dgm:pt>
+    <dgm:pt modelId="{9210CEB6-0173-4449-867A-ACCB4103C2B6}" type="parTrans" cxnId="{B3B685CA-3E10-4D8B-9E37-968D0221E629}">
+      <dgm:prSet/>
+      <dgm:spPr/>
+      <dgm:t>
+        <a:bodyPr/>
+        <a:lstStyle/>
+        <a:p>
+          <a:endParaRPr lang="fr-FR" sz="3200" b="0"/>
+        </a:p>
+      </dgm:t>
+    </dgm:pt>
+    <dgm:pt modelId="{258A2E1B-E771-4E65-991F-B1B85B8FA396}" type="sibTrans" cxnId="{B3B685CA-3E10-4D8B-9E37-968D0221E629}">
+      <dgm:prSet/>
+      <dgm:spPr/>
+      <dgm:t>
+        <a:bodyPr/>
+        <a:lstStyle/>
+        <a:p>
+          <a:endParaRPr lang="fr-FR" sz="3200" b="0"/>
+        </a:p>
+      </dgm:t>
+    </dgm:pt>
+    <dgm:pt modelId="{394D6C12-40B2-414B-A795-C4FB94286C01}" type="pres">
+      <dgm:prSet presAssocID="{4177FFBB-23CA-45E1-B627-C5F7C6799BFB}" presName="cycle" presStyleCnt="0">
+        <dgm:presLayoutVars>
+          <dgm:dir/>
+          <dgm:resizeHandles val="exact"/>
+        </dgm:presLayoutVars>
+      </dgm:prSet>
+      <dgm:spPr/>
+    </dgm:pt>
+    <dgm:pt modelId="{D8DCDB59-09B4-4DAC-8E99-2D2560692E58}" type="pres">
+      <dgm:prSet presAssocID="{55D3D3DB-0D61-4C32-B60D-CBB37922CDC3}" presName="node" presStyleLbl="node1" presStyleIdx="0" presStyleCnt="5">
+        <dgm:presLayoutVars>
+          <dgm:bulletEnabled val="1"/>
+        </dgm:presLayoutVars>
+      </dgm:prSet>
+      <dgm:spPr/>
+    </dgm:pt>
+    <dgm:pt modelId="{FB43647F-ACBB-4453-B1F0-413923F5E688}" type="pres">
+      <dgm:prSet presAssocID="{55D3D3DB-0D61-4C32-B60D-CBB37922CDC3}" presName="spNode" presStyleCnt="0"/>
+      <dgm:spPr/>
+    </dgm:pt>
+    <dgm:pt modelId="{C6B67350-5ED4-48B1-93EC-0CEE1D6AB978}" type="pres">
+      <dgm:prSet presAssocID="{4E4523FC-6E69-448E-A75E-B0E9CD61F327}" presName="sibTrans" presStyleLbl="sibTrans1D1" presStyleIdx="0" presStyleCnt="5"/>
+      <dgm:spPr/>
+    </dgm:pt>
+    <dgm:pt modelId="{27BFAB88-7517-47A8-BBB6-AC8298F1FACC}" type="pres">
+      <dgm:prSet presAssocID="{4CB8AD81-66C2-4411-8349-B5787E9929B3}" presName="node" presStyleLbl="node1" presStyleIdx="1" presStyleCnt="5" custRadScaleRad="100087" custRadScaleInc="8323">
+        <dgm:presLayoutVars>
+          <dgm:bulletEnabled val="1"/>
+        </dgm:presLayoutVars>
+      </dgm:prSet>
+      <dgm:spPr/>
+      <dgm:t>
+        <a:bodyPr/>
+        <a:lstStyle/>
+        <a:p>
+          <a:endParaRPr lang="fr-FR"/>
+        </a:p>
+      </dgm:t>
+    </dgm:pt>
+    <dgm:pt modelId="{355730E8-6552-4004-A345-581A9B2352A9}" type="pres">
+      <dgm:prSet presAssocID="{4CB8AD81-66C2-4411-8349-B5787E9929B3}" presName="spNode" presStyleCnt="0"/>
+      <dgm:spPr/>
+    </dgm:pt>
+    <dgm:pt modelId="{0630741F-6C40-4F3F-B890-314A4B79923F}" type="pres">
+      <dgm:prSet presAssocID="{0103F8B2-6859-4388-B94A-F97A23161528}" presName="sibTrans" presStyleLbl="sibTrans1D1" presStyleIdx="1" presStyleCnt="5"/>
+      <dgm:spPr/>
+    </dgm:pt>
+    <dgm:pt modelId="{C8F751D6-D82F-496C-AD58-79670C73541F}" type="pres">
+      <dgm:prSet presAssocID="{AFE49074-0156-416F-BAD6-090469212887}" presName="node" presStyleLbl="node1" presStyleIdx="2" presStyleCnt="5" custRadScaleRad="98449" custRadScaleInc="-6098">
+        <dgm:presLayoutVars>
+          <dgm:bulletEnabled val="1"/>
+        </dgm:presLayoutVars>
+      </dgm:prSet>
+      <dgm:spPr/>
+      <dgm:t>
+        <a:bodyPr/>
+        <a:lstStyle/>
+        <a:p>
+          <a:endParaRPr lang="fr-FR"/>
+        </a:p>
+      </dgm:t>
+    </dgm:pt>
+    <dgm:pt modelId="{775E4C4A-A93B-4050-9AC5-867A6EDC7040}" type="pres">
+      <dgm:prSet presAssocID="{AFE49074-0156-416F-BAD6-090469212887}" presName="spNode" presStyleCnt="0"/>
+      <dgm:spPr/>
+    </dgm:pt>
+    <dgm:pt modelId="{0185F18E-2A47-48E8-BFD5-9936BEC7A951}" type="pres">
+      <dgm:prSet presAssocID="{49770C90-8E90-470D-B5B5-82DA1C4B15AA}" presName="sibTrans" presStyleLbl="sibTrans1D1" presStyleIdx="2" presStyleCnt="5"/>
+      <dgm:spPr/>
+    </dgm:pt>
+    <dgm:pt modelId="{31A326BC-78C0-4B08-940D-EFBF215F6455}" type="pres">
+      <dgm:prSet presAssocID="{B4737E85-D5A2-4228-ADBC-DDD44E3D7C23}" presName="node" presStyleLbl="node1" presStyleIdx="3" presStyleCnt="5" custRadScaleRad="97915" custRadScaleInc="8802">
+        <dgm:presLayoutVars>
+          <dgm:bulletEnabled val="1"/>
+        </dgm:presLayoutVars>
+      </dgm:prSet>
+      <dgm:spPr/>
+      <dgm:t>
+        <a:bodyPr/>
+        <a:lstStyle/>
+        <a:p>
+          <a:endParaRPr lang="fr-FR"/>
+        </a:p>
+      </dgm:t>
+    </dgm:pt>
+    <dgm:pt modelId="{9791985A-2B4F-41B9-B6B5-0BBC74D781D0}" type="pres">
+      <dgm:prSet presAssocID="{B4737E85-D5A2-4228-ADBC-DDD44E3D7C23}" presName="spNode" presStyleCnt="0"/>
+      <dgm:spPr/>
+    </dgm:pt>
+    <dgm:pt modelId="{585D472E-44CD-4D47-8B6B-CF5DA3B83EF5}" type="pres">
+      <dgm:prSet presAssocID="{BD8728AC-8E14-4242-8874-E0412479C45C}" presName="sibTrans" presStyleLbl="sibTrans1D1" presStyleIdx="3" presStyleCnt="5"/>
+      <dgm:spPr/>
+    </dgm:pt>
+    <dgm:pt modelId="{6830C4F8-0F29-428E-9993-01945ED56F24}" type="pres">
+      <dgm:prSet presAssocID="{98C0C2DA-B0BB-4723-A172-08F636A64777}" presName="node" presStyleLbl="node1" presStyleIdx="4" presStyleCnt="5">
+        <dgm:presLayoutVars>
+          <dgm:bulletEnabled val="1"/>
+        </dgm:presLayoutVars>
+      </dgm:prSet>
+      <dgm:spPr/>
+    </dgm:pt>
+    <dgm:pt modelId="{AEF3ADAC-50F8-4E21-B2C6-8D7A17AA0D59}" type="pres">
+      <dgm:prSet presAssocID="{98C0C2DA-B0BB-4723-A172-08F636A64777}" presName="spNode" presStyleCnt="0"/>
+      <dgm:spPr/>
+    </dgm:pt>
+    <dgm:pt modelId="{BFD287F0-33B0-489A-9EEC-062382A8DE94}" type="pres">
+      <dgm:prSet presAssocID="{258A2E1B-E771-4E65-991F-B1B85B8FA396}" presName="sibTrans" presStyleLbl="sibTrans1D1" presStyleIdx="4" presStyleCnt="5"/>
+      <dgm:spPr/>
+    </dgm:pt>
+  </dgm:ptLst>
+  <dgm:cxnLst>
+    <dgm:cxn modelId="{043D9C66-C1EB-44BD-8A00-210EF62EE163}" type="presOf" srcId="{49770C90-8E90-470D-B5B5-82DA1C4B15AA}" destId="{0185F18E-2A47-48E8-BFD5-9936BEC7A951}" srcOrd="0" destOrd="0" presId="urn:microsoft.com/office/officeart/2005/8/layout/cycle5"/>
+    <dgm:cxn modelId="{38582CE7-8A33-43D1-8112-BF5AFAD785DA}" type="presOf" srcId="{258A2E1B-E771-4E65-991F-B1B85B8FA396}" destId="{BFD287F0-33B0-489A-9EEC-062382A8DE94}" srcOrd="0" destOrd="0" presId="urn:microsoft.com/office/officeart/2005/8/layout/cycle5"/>
+    <dgm:cxn modelId="{B3B685CA-3E10-4D8B-9E37-968D0221E629}" srcId="{4177FFBB-23CA-45E1-B627-C5F7C6799BFB}" destId="{98C0C2DA-B0BB-4723-A172-08F636A64777}" srcOrd="4" destOrd="0" parTransId="{9210CEB6-0173-4449-867A-ACCB4103C2B6}" sibTransId="{258A2E1B-E771-4E65-991F-B1B85B8FA396}"/>
+    <dgm:cxn modelId="{DA42673A-0056-4677-95BF-ABAA44780ABD}" srcId="{4177FFBB-23CA-45E1-B627-C5F7C6799BFB}" destId="{4CB8AD81-66C2-4411-8349-B5787E9929B3}" srcOrd="1" destOrd="0" parTransId="{EBAD4486-681A-499E-BBE1-00ABAAE733BE}" sibTransId="{0103F8B2-6859-4388-B94A-F97A23161528}"/>
+    <dgm:cxn modelId="{7AC18EF1-A72E-4DE0-B1FC-89FB891432BF}" type="presOf" srcId="{AFE49074-0156-416F-BAD6-090469212887}" destId="{C8F751D6-D82F-496C-AD58-79670C73541F}" srcOrd="0" destOrd="0" presId="urn:microsoft.com/office/officeart/2005/8/layout/cycle5"/>
+    <dgm:cxn modelId="{24D59356-A001-47B8-A776-790198E6010F}" srcId="{4177FFBB-23CA-45E1-B627-C5F7C6799BFB}" destId="{55D3D3DB-0D61-4C32-B60D-CBB37922CDC3}" srcOrd="0" destOrd="0" parTransId="{A326D792-3737-4D07-9573-BE80B3C50B93}" sibTransId="{4E4523FC-6E69-448E-A75E-B0E9CD61F327}"/>
+    <dgm:cxn modelId="{F9845767-2D4E-4C1C-8A12-24094CF59F32}" type="presOf" srcId="{0103F8B2-6859-4388-B94A-F97A23161528}" destId="{0630741F-6C40-4F3F-B890-314A4B79923F}" srcOrd="0" destOrd="0" presId="urn:microsoft.com/office/officeart/2005/8/layout/cycle5"/>
+    <dgm:cxn modelId="{D67B6C4F-1B99-44B6-BB2D-F3E6C6040FE8}" type="presOf" srcId="{BD8728AC-8E14-4242-8874-E0412479C45C}" destId="{585D472E-44CD-4D47-8B6B-CF5DA3B83EF5}" srcOrd="0" destOrd="0" presId="urn:microsoft.com/office/officeart/2005/8/layout/cycle5"/>
+    <dgm:cxn modelId="{EBB5EAB7-62FB-4F13-A162-212E3A4C649C}" type="presOf" srcId="{4177FFBB-23CA-45E1-B627-C5F7C6799BFB}" destId="{394D6C12-40B2-414B-A795-C4FB94286C01}" srcOrd="0" destOrd="0" presId="urn:microsoft.com/office/officeart/2005/8/layout/cycle5"/>
+    <dgm:cxn modelId="{02EC259D-E934-4267-A005-EE9002C47B67}" type="presOf" srcId="{B4737E85-D5A2-4228-ADBC-DDD44E3D7C23}" destId="{31A326BC-78C0-4B08-940D-EFBF215F6455}" srcOrd="0" destOrd="0" presId="urn:microsoft.com/office/officeart/2005/8/layout/cycle5"/>
+    <dgm:cxn modelId="{57D1C139-D3A7-4A7B-A4E1-C153FBC93DE2}" type="presOf" srcId="{55D3D3DB-0D61-4C32-B60D-CBB37922CDC3}" destId="{D8DCDB59-09B4-4DAC-8E99-2D2560692E58}" srcOrd="0" destOrd="0" presId="urn:microsoft.com/office/officeart/2005/8/layout/cycle5"/>
+    <dgm:cxn modelId="{3A0EDF15-A621-45CE-A2B0-4B34011C4339}" type="presOf" srcId="{4CB8AD81-66C2-4411-8349-B5787E9929B3}" destId="{27BFAB88-7517-47A8-BBB6-AC8298F1FACC}" srcOrd="0" destOrd="0" presId="urn:microsoft.com/office/officeart/2005/8/layout/cycle5"/>
+    <dgm:cxn modelId="{909A9D6D-C58F-43DF-81F5-CD9A31180D33}" srcId="{4177FFBB-23CA-45E1-B627-C5F7C6799BFB}" destId="{AFE49074-0156-416F-BAD6-090469212887}" srcOrd="2" destOrd="0" parTransId="{AEF57AF7-1E96-4F96-AB14-B89493680AD3}" sibTransId="{49770C90-8E90-470D-B5B5-82DA1C4B15AA}"/>
+    <dgm:cxn modelId="{4B8BF156-37FF-4C23-9C25-C4861066E905}" type="presOf" srcId="{98C0C2DA-B0BB-4723-A172-08F636A64777}" destId="{6830C4F8-0F29-428E-9993-01945ED56F24}" srcOrd="0" destOrd="0" presId="urn:microsoft.com/office/officeart/2005/8/layout/cycle5"/>
+    <dgm:cxn modelId="{9C2C7E20-C683-4826-80E2-AAD68C14E313}" type="presOf" srcId="{4E4523FC-6E69-448E-A75E-B0E9CD61F327}" destId="{C6B67350-5ED4-48B1-93EC-0CEE1D6AB978}" srcOrd="0" destOrd="0" presId="urn:microsoft.com/office/officeart/2005/8/layout/cycle5"/>
+    <dgm:cxn modelId="{84E2FDE3-82EA-43E1-BBDB-840FD350ED4E}" srcId="{4177FFBB-23CA-45E1-B627-C5F7C6799BFB}" destId="{B4737E85-D5A2-4228-ADBC-DDD44E3D7C23}" srcOrd="3" destOrd="0" parTransId="{2654C931-5442-4518-BAD6-578E895DAE40}" sibTransId="{BD8728AC-8E14-4242-8874-E0412479C45C}"/>
+    <dgm:cxn modelId="{12EDFA3F-696D-45AC-BAED-8780D5E81378}" type="presParOf" srcId="{394D6C12-40B2-414B-A795-C4FB94286C01}" destId="{D8DCDB59-09B4-4DAC-8E99-2D2560692E58}" srcOrd="0" destOrd="0" presId="urn:microsoft.com/office/officeart/2005/8/layout/cycle5"/>
+    <dgm:cxn modelId="{884A1A2B-52AF-4E2D-900D-A394D89899DF}" type="presParOf" srcId="{394D6C12-40B2-414B-A795-C4FB94286C01}" destId="{FB43647F-ACBB-4453-B1F0-413923F5E688}" srcOrd="1" destOrd="0" presId="urn:microsoft.com/office/officeart/2005/8/layout/cycle5"/>
+    <dgm:cxn modelId="{86802C5D-E392-4853-9FF7-B23B04C2FDF7}" type="presParOf" srcId="{394D6C12-40B2-414B-A795-C4FB94286C01}" destId="{C6B67350-5ED4-48B1-93EC-0CEE1D6AB978}" srcOrd="2" destOrd="0" presId="urn:microsoft.com/office/officeart/2005/8/layout/cycle5"/>
+    <dgm:cxn modelId="{CD7AA8F4-CB05-4A0C-91F4-0C30543F93DB}" type="presParOf" srcId="{394D6C12-40B2-414B-A795-C4FB94286C01}" destId="{27BFAB88-7517-47A8-BBB6-AC8298F1FACC}" srcOrd="3" destOrd="0" presId="urn:microsoft.com/office/officeart/2005/8/layout/cycle5"/>
+    <dgm:cxn modelId="{0157871C-05BE-41A2-B108-DAD61A591C4B}" type="presParOf" srcId="{394D6C12-40B2-414B-A795-C4FB94286C01}" destId="{355730E8-6552-4004-A345-581A9B2352A9}" srcOrd="4" destOrd="0" presId="urn:microsoft.com/office/officeart/2005/8/layout/cycle5"/>
+    <dgm:cxn modelId="{297DE2D6-FB06-4197-8FFA-706B4E6E4516}" type="presParOf" srcId="{394D6C12-40B2-414B-A795-C4FB94286C01}" destId="{0630741F-6C40-4F3F-B890-314A4B79923F}" srcOrd="5" destOrd="0" presId="urn:microsoft.com/office/officeart/2005/8/layout/cycle5"/>
+    <dgm:cxn modelId="{126F94AB-5778-46A7-B297-3818AEF4D622}" type="presParOf" srcId="{394D6C12-40B2-414B-A795-C4FB94286C01}" destId="{C8F751D6-D82F-496C-AD58-79670C73541F}" srcOrd="6" destOrd="0" presId="urn:microsoft.com/office/officeart/2005/8/layout/cycle5"/>
+    <dgm:cxn modelId="{68544A7C-2300-4EAA-8D7D-18BE5AC9BB83}" type="presParOf" srcId="{394D6C12-40B2-414B-A795-C4FB94286C01}" destId="{775E4C4A-A93B-4050-9AC5-867A6EDC7040}" srcOrd="7" destOrd="0" presId="urn:microsoft.com/office/officeart/2005/8/layout/cycle5"/>
+    <dgm:cxn modelId="{82E66EC3-8377-4860-8DE6-6DDF2FBC1941}" type="presParOf" srcId="{394D6C12-40B2-414B-A795-C4FB94286C01}" destId="{0185F18E-2A47-48E8-BFD5-9936BEC7A951}" srcOrd="8" destOrd="0" presId="urn:microsoft.com/office/officeart/2005/8/layout/cycle5"/>
+    <dgm:cxn modelId="{BE72FDF8-5B00-4850-B160-3E461B902056}" type="presParOf" srcId="{394D6C12-40B2-414B-A795-C4FB94286C01}" destId="{31A326BC-78C0-4B08-940D-EFBF215F6455}" srcOrd="9" destOrd="0" presId="urn:microsoft.com/office/officeart/2005/8/layout/cycle5"/>
+    <dgm:cxn modelId="{9F78DD8E-49CF-4D89-B3ED-FF2BA7E31DB4}" type="presParOf" srcId="{394D6C12-40B2-414B-A795-C4FB94286C01}" destId="{9791985A-2B4F-41B9-B6B5-0BBC74D781D0}" srcOrd="10" destOrd="0" presId="urn:microsoft.com/office/officeart/2005/8/layout/cycle5"/>
+    <dgm:cxn modelId="{E9FEB574-0BE9-4030-90E3-2BA777DD7E2A}" type="presParOf" srcId="{394D6C12-40B2-414B-A795-C4FB94286C01}" destId="{585D472E-44CD-4D47-8B6B-CF5DA3B83EF5}" srcOrd="11" destOrd="0" presId="urn:microsoft.com/office/officeart/2005/8/layout/cycle5"/>
+    <dgm:cxn modelId="{F0EAFB5A-F856-4238-A6BE-CBC394CBA2F9}" type="presParOf" srcId="{394D6C12-40B2-414B-A795-C4FB94286C01}" destId="{6830C4F8-0F29-428E-9993-01945ED56F24}" srcOrd="12" destOrd="0" presId="urn:microsoft.com/office/officeart/2005/8/layout/cycle5"/>
+    <dgm:cxn modelId="{E9A1A1C9-5422-4DD9-837C-30E51F330032}" type="presParOf" srcId="{394D6C12-40B2-414B-A795-C4FB94286C01}" destId="{AEF3ADAC-50F8-4E21-B2C6-8D7A17AA0D59}" srcOrd="13" destOrd="0" presId="urn:microsoft.com/office/officeart/2005/8/layout/cycle5"/>
+    <dgm:cxn modelId="{39D6EE2D-4974-4DC6-AF05-B126F68E5A59}" type="presParOf" srcId="{394D6C12-40B2-414B-A795-C4FB94286C01}" destId="{BFD287F0-33B0-489A-9EEC-062382A8DE94}" srcOrd="14" destOrd="0" presId="urn:microsoft.com/office/officeart/2005/8/layout/cycle5"/>
+  </dgm:cxnLst>
+  <dgm:bg/>
+  <dgm:whole/>
+  <dgm:extLst>
+    <a:ext uri="http://schemas.microsoft.com/office/drawing/2008/diagram">
+      <dsp:dataModelExt xmlns:dsp="http://schemas.microsoft.com/office/drawing/2008/diagram" relId="rId6" minVer="http://schemas.openxmlformats.org/drawingml/2006/diagram"/>
+    </a:ext>
+  </dgm:extLst>
+</dgm:dataModel>
+</file>
+
 <file path=ppt/diagrams/drawing1.xml><?xml version="1.0" encoding="utf-8"?>
 <dsp:drawing xmlns:dgm="http://schemas.openxmlformats.org/drawingml/2006/diagram" xmlns:dsp="http://schemas.microsoft.com/office/drawing/2008/diagram" xmlns:a="http://schemas.openxmlformats.org/drawingml/2006/main">
   <dsp:spTree>
@@ -1772,6 +3099,1501 @@
       <dsp:cNvGrpSpPr/>
     </dsp:nvGrpSpPr>
     <dsp:grpSpPr/>
+    <dsp:sp modelId="{D7E5B174-AC4B-4F3C-8EFE-A2DBA916427B}">
+      <dsp:nvSpPr>
+        <dsp:cNvPr id="0" name=""/>
+        <dsp:cNvSpPr/>
+      </dsp:nvSpPr>
+      <dsp:spPr>
+        <a:xfrm rot="5400000">
+          <a:off x="-167351" y="170210"/>
+          <a:ext cx="1115677" cy="780974"/>
+        </a:xfrm>
+        <a:prstGeom prst="chevron">
+          <a:avLst/>
+        </a:prstGeom>
+        <a:solidFill>
+          <a:schemeClr val="accent2">
+            <a:hueOff val="0"/>
+            <a:satOff val="0"/>
+            <a:lumOff val="0"/>
+            <a:alphaOff val="0"/>
+          </a:schemeClr>
+        </a:solidFill>
+        <a:ln w="15875" cap="flat" cmpd="sng" algn="ctr">
+          <a:solidFill>
+            <a:schemeClr val="accent2">
+              <a:hueOff val="0"/>
+              <a:satOff val="0"/>
+              <a:lumOff val="0"/>
+              <a:alphaOff val="0"/>
+            </a:schemeClr>
+          </a:solidFill>
+          <a:prstDash val="solid"/>
+        </a:ln>
+        <a:effectLst/>
+      </dsp:spPr>
+      <dsp:style>
+        <a:lnRef idx="2">
+          <a:scrgbClr r="0" g="0" b="0"/>
+        </a:lnRef>
+        <a:fillRef idx="1">
+          <a:scrgbClr r="0" g="0" b="0"/>
+        </a:fillRef>
+        <a:effectRef idx="0">
+          <a:scrgbClr r="0" g="0" b="0"/>
+        </a:effectRef>
+        <a:fontRef idx="minor">
+          <a:schemeClr val="lt1"/>
+        </a:fontRef>
+      </dsp:style>
+      <dsp:txBody>
+        <a:bodyPr spcFirstLastPara="0" vert="horz" wrap="square" lIns="13335" tIns="13335" rIns="13335" bIns="13335" numCol="1" spcCol="1270" anchor="ctr" anchorCtr="0">
+          <a:noAutofit/>
+        </a:bodyPr>
+        <a:lstStyle/>
+        <a:p>
+          <a:pPr lvl="0" algn="ctr" defTabSz="933450">
+            <a:lnSpc>
+              <a:spcPct val="90000"/>
+            </a:lnSpc>
+            <a:spcBef>
+              <a:spcPct val="0"/>
+            </a:spcBef>
+            <a:spcAft>
+              <a:spcPct val="35000"/>
+            </a:spcAft>
+          </a:pPr>
+          <a:r>
+            <a:rPr lang="fr-FR" sz="2100" kern="1200" dirty="0" smtClean="0"/>
+            <a:t>30%</a:t>
+          </a:r>
+          <a:endParaRPr lang="fr-FR" sz="2100" kern="1200" dirty="0"/>
+        </a:p>
+      </dsp:txBody>
+      <dsp:txXfrm rot="-5400000">
+        <a:off x="1" y="393345"/>
+        <a:ext cx="780974" cy="334703"/>
+      </dsp:txXfrm>
+    </dsp:sp>
+    <dsp:sp modelId="{CDA8CC48-33EC-43A4-820C-229A4A1E8895}">
+      <dsp:nvSpPr>
+        <dsp:cNvPr id="0" name=""/>
+        <dsp:cNvSpPr/>
+      </dsp:nvSpPr>
+      <dsp:spPr>
+        <a:xfrm rot="5400000">
+          <a:off x="5057091" y="-4273259"/>
+          <a:ext cx="725190" cy="9277425"/>
+        </a:xfrm>
+        <a:prstGeom prst="round2SameRect">
+          <a:avLst/>
+        </a:prstGeom>
+        <a:solidFill>
+          <a:schemeClr val="lt1">
+            <a:alpha val="90000"/>
+            <a:hueOff val="0"/>
+            <a:satOff val="0"/>
+            <a:lumOff val="0"/>
+            <a:alphaOff val="0"/>
+          </a:schemeClr>
+        </a:solidFill>
+        <a:ln w="15875" cap="flat" cmpd="sng" algn="ctr">
+          <a:solidFill>
+            <a:schemeClr val="accent2">
+              <a:hueOff val="0"/>
+              <a:satOff val="0"/>
+              <a:lumOff val="0"/>
+              <a:alphaOff val="0"/>
+            </a:schemeClr>
+          </a:solidFill>
+          <a:prstDash val="solid"/>
+        </a:ln>
+        <a:effectLst/>
+      </dsp:spPr>
+      <dsp:style>
+        <a:lnRef idx="2">
+          <a:scrgbClr r="0" g="0" b="0"/>
+        </a:lnRef>
+        <a:fillRef idx="1">
+          <a:scrgbClr r="0" g="0" b="0"/>
+        </a:fillRef>
+        <a:effectRef idx="0">
+          <a:scrgbClr r="0" g="0" b="0"/>
+        </a:effectRef>
+        <a:fontRef idx="minor"/>
+      </dsp:style>
+      <dsp:txBody>
+        <a:bodyPr spcFirstLastPara="0" vert="horz" wrap="square" lIns="142240" tIns="12700" rIns="12700" bIns="12700" numCol="1" spcCol="1270" anchor="ctr" anchorCtr="0">
+          <a:noAutofit/>
+        </a:bodyPr>
+        <a:lstStyle/>
+        <a:p>
+          <a:pPr marL="228600" lvl="1" indent="-228600" algn="l" defTabSz="889000">
+            <a:lnSpc>
+              <a:spcPct val="90000"/>
+            </a:lnSpc>
+            <a:spcBef>
+              <a:spcPct val="0"/>
+            </a:spcBef>
+            <a:spcAft>
+              <a:spcPct val="15000"/>
+            </a:spcAft>
+            <a:buChar char="••"/>
+          </a:pPr>
+          <a:r>
+            <a:rPr lang="fr-FR" sz="2000" b="1" u="sng" kern="1200" dirty="0" smtClean="0"/>
+            <a:t>LE DEVELOPPEMENT</a:t>
+          </a:r>
+          <a:endParaRPr lang="fr-FR" sz="2000" b="1" u="sng" kern="1200" dirty="0"/>
+        </a:p>
+        <a:p>
+          <a:pPr marL="228600" lvl="1" indent="-228600" algn="l" defTabSz="889000">
+            <a:lnSpc>
+              <a:spcPct val="90000"/>
+            </a:lnSpc>
+            <a:spcBef>
+              <a:spcPct val="0"/>
+            </a:spcBef>
+            <a:spcAft>
+              <a:spcPct val="15000"/>
+            </a:spcAft>
+            <a:buChar char="••"/>
+          </a:pPr>
+          <a:r>
+            <a:rPr lang="fr-FR" sz="2000" kern="1200" dirty="0" smtClean="0"/>
+            <a:t>Projet </a:t>
+          </a:r>
+          <a:r>
+            <a:rPr lang="fr-FR" sz="2000" kern="1200" dirty="0" err="1" smtClean="0"/>
+            <a:t>Spring</a:t>
+          </a:r>
+          <a:r>
+            <a:rPr lang="fr-FR" sz="2000" kern="1200" dirty="0" smtClean="0"/>
+            <a:t> boot et Projet </a:t>
+          </a:r>
+          <a:r>
+            <a:rPr lang="fr-FR" sz="2000" kern="1200" dirty="0" err="1" smtClean="0"/>
+            <a:t>Angular</a:t>
+          </a:r>
+          <a:endParaRPr lang="fr-FR" sz="2000" kern="1200" dirty="0"/>
+        </a:p>
+      </dsp:txBody>
+      <dsp:txXfrm rot="-5400000">
+        <a:off x="780974" y="38259"/>
+        <a:ext cx="9242024" cy="654388"/>
+      </dsp:txXfrm>
+    </dsp:sp>
+    <dsp:sp modelId="{1177879C-8872-46E7-885A-FD73DC31CC88}">
+      <dsp:nvSpPr>
+        <dsp:cNvPr id="0" name=""/>
+        <dsp:cNvSpPr/>
+      </dsp:nvSpPr>
+      <dsp:spPr>
+        <a:xfrm rot="5400000">
+          <a:off x="-167351" y="1137320"/>
+          <a:ext cx="1115677" cy="780974"/>
+        </a:xfrm>
+        <a:prstGeom prst="chevron">
+          <a:avLst/>
+        </a:prstGeom>
+        <a:solidFill>
+          <a:schemeClr val="accent3">
+            <a:hueOff val="0"/>
+            <a:satOff val="0"/>
+            <a:lumOff val="0"/>
+            <a:alphaOff val="0"/>
+          </a:schemeClr>
+        </a:solidFill>
+        <a:ln w="15875" cap="flat" cmpd="sng" algn="ctr">
+          <a:solidFill>
+            <a:schemeClr val="accent3">
+              <a:hueOff val="0"/>
+              <a:satOff val="0"/>
+              <a:lumOff val="0"/>
+              <a:alphaOff val="0"/>
+            </a:schemeClr>
+          </a:solidFill>
+          <a:prstDash val="solid"/>
+        </a:ln>
+        <a:effectLst/>
+      </dsp:spPr>
+      <dsp:style>
+        <a:lnRef idx="2">
+          <a:scrgbClr r="0" g="0" b="0"/>
+        </a:lnRef>
+        <a:fillRef idx="1">
+          <a:scrgbClr r="0" g="0" b="0"/>
+        </a:fillRef>
+        <a:effectRef idx="0">
+          <a:scrgbClr r="0" g="0" b="0"/>
+        </a:effectRef>
+        <a:fontRef idx="minor">
+          <a:schemeClr val="lt1"/>
+        </a:fontRef>
+      </dsp:style>
+      <dsp:txBody>
+        <a:bodyPr spcFirstLastPara="0" vert="horz" wrap="square" lIns="13335" tIns="13335" rIns="13335" bIns="13335" numCol="1" spcCol="1270" anchor="ctr" anchorCtr="0">
+          <a:noAutofit/>
+        </a:bodyPr>
+        <a:lstStyle/>
+        <a:p>
+          <a:pPr lvl="0" algn="ctr" defTabSz="933450">
+            <a:lnSpc>
+              <a:spcPct val="90000"/>
+            </a:lnSpc>
+            <a:spcBef>
+              <a:spcPct val="0"/>
+            </a:spcBef>
+            <a:spcAft>
+              <a:spcPct val="35000"/>
+            </a:spcAft>
+          </a:pPr>
+          <a:r>
+            <a:rPr lang="fr-FR" sz="2100" kern="1200" dirty="0" smtClean="0"/>
+            <a:t>30%</a:t>
+          </a:r>
+          <a:endParaRPr lang="fr-FR" sz="2100" kern="1200" dirty="0"/>
+        </a:p>
+      </dsp:txBody>
+      <dsp:txXfrm rot="-5400000">
+        <a:off x="1" y="1360455"/>
+        <a:ext cx="780974" cy="334703"/>
+      </dsp:txXfrm>
+    </dsp:sp>
+    <dsp:sp modelId="{EB42497A-1B47-4808-A1CF-B43120F3D0A5}">
+      <dsp:nvSpPr>
+        <dsp:cNvPr id="0" name=""/>
+        <dsp:cNvSpPr/>
+      </dsp:nvSpPr>
+      <dsp:spPr>
+        <a:xfrm rot="5400000">
+          <a:off x="5057091" y="-3306148"/>
+          <a:ext cx="725190" cy="9277425"/>
+        </a:xfrm>
+        <a:prstGeom prst="round2SameRect">
+          <a:avLst/>
+        </a:prstGeom>
+        <a:solidFill>
+          <a:schemeClr val="lt1">
+            <a:alpha val="90000"/>
+            <a:hueOff val="0"/>
+            <a:satOff val="0"/>
+            <a:lumOff val="0"/>
+            <a:alphaOff val="0"/>
+          </a:schemeClr>
+        </a:solidFill>
+        <a:ln w="15875" cap="flat" cmpd="sng" algn="ctr">
+          <a:solidFill>
+            <a:schemeClr val="accent3">
+              <a:hueOff val="0"/>
+              <a:satOff val="0"/>
+              <a:lumOff val="0"/>
+              <a:alphaOff val="0"/>
+            </a:schemeClr>
+          </a:solidFill>
+          <a:prstDash val="solid"/>
+        </a:ln>
+        <a:effectLst/>
+      </dsp:spPr>
+      <dsp:style>
+        <a:lnRef idx="2">
+          <a:scrgbClr r="0" g="0" b="0"/>
+        </a:lnRef>
+        <a:fillRef idx="1">
+          <a:scrgbClr r="0" g="0" b="0"/>
+        </a:fillRef>
+        <a:effectRef idx="0">
+          <a:scrgbClr r="0" g="0" b="0"/>
+        </a:effectRef>
+        <a:fontRef idx="minor"/>
+      </dsp:style>
+      <dsp:txBody>
+        <a:bodyPr spcFirstLastPara="0" vert="horz" wrap="square" lIns="142240" tIns="12700" rIns="12700" bIns="12700" numCol="1" spcCol="1270" anchor="ctr" anchorCtr="0">
+          <a:noAutofit/>
+        </a:bodyPr>
+        <a:lstStyle/>
+        <a:p>
+          <a:pPr marL="228600" lvl="1" indent="-228600" algn="l" defTabSz="889000">
+            <a:lnSpc>
+              <a:spcPct val="90000"/>
+            </a:lnSpc>
+            <a:spcBef>
+              <a:spcPct val="0"/>
+            </a:spcBef>
+            <a:spcAft>
+              <a:spcPct val="15000"/>
+            </a:spcAft>
+            <a:buChar char="••"/>
+          </a:pPr>
+          <a:r>
+            <a:rPr lang="fr-FR" sz="2000" b="1" u="sng" kern="1200" dirty="0" smtClean="0"/>
+            <a:t>LES TESTS </a:t>
+          </a:r>
+          <a:endParaRPr lang="fr-FR" sz="2000" b="1" u="sng" kern="1200" dirty="0"/>
+        </a:p>
+        <a:p>
+          <a:pPr marL="228600" lvl="1" indent="-228600" algn="l" defTabSz="889000">
+            <a:lnSpc>
+              <a:spcPct val="90000"/>
+            </a:lnSpc>
+            <a:spcBef>
+              <a:spcPct val="0"/>
+            </a:spcBef>
+            <a:spcAft>
+              <a:spcPct val="15000"/>
+            </a:spcAft>
+            <a:buChar char="••"/>
+          </a:pPr>
+          <a:r>
+            <a:rPr lang="fr-FR" sz="2000" kern="1200" dirty="0" smtClean="0"/>
+            <a:t>Test </a:t>
+          </a:r>
+          <a:r>
+            <a:rPr lang="fr-FR" sz="2000" kern="1200" dirty="0" err="1" smtClean="0"/>
+            <a:t>DataBase</a:t>
+          </a:r>
+          <a:r>
+            <a:rPr lang="fr-FR" sz="2000" kern="1200" dirty="0" smtClean="0"/>
+            <a:t>, </a:t>
+          </a:r>
+          <a:r>
+            <a:rPr lang="fr-FR" sz="2000" kern="1200" dirty="0" err="1" smtClean="0"/>
+            <a:t>Spring</a:t>
+          </a:r>
+          <a:r>
+            <a:rPr lang="fr-FR" sz="2000" kern="1200" dirty="0" smtClean="0"/>
+            <a:t> Boot, Test </a:t>
+          </a:r>
+          <a:r>
+            <a:rPr lang="fr-FR" sz="2000" kern="1200" dirty="0" err="1" smtClean="0"/>
+            <a:t>Angular</a:t>
+          </a:r>
+          <a:r>
+            <a:rPr lang="fr-FR" sz="2000" kern="1200" dirty="0" smtClean="0"/>
+            <a:t>, web et connexion avec le projet précédent</a:t>
+          </a:r>
+          <a:endParaRPr lang="fr-FR" sz="2000" kern="1200" dirty="0"/>
+        </a:p>
+      </dsp:txBody>
+      <dsp:txXfrm rot="-5400000">
+        <a:off x="780974" y="1005370"/>
+        <a:ext cx="9242024" cy="654388"/>
+      </dsp:txXfrm>
+    </dsp:sp>
+    <dsp:sp modelId="{2E548686-55A4-41C7-B3D7-EDE9244C4123}">
+      <dsp:nvSpPr>
+        <dsp:cNvPr id="0" name=""/>
+        <dsp:cNvSpPr/>
+      </dsp:nvSpPr>
+      <dsp:spPr>
+        <a:xfrm rot="5400000">
+          <a:off x="-167351" y="2104430"/>
+          <a:ext cx="1115677" cy="780974"/>
+        </a:xfrm>
+        <a:prstGeom prst="chevron">
+          <a:avLst/>
+        </a:prstGeom>
+        <a:solidFill>
+          <a:schemeClr val="accent4">
+            <a:hueOff val="0"/>
+            <a:satOff val="0"/>
+            <a:lumOff val="0"/>
+            <a:alphaOff val="0"/>
+          </a:schemeClr>
+        </a:solidFill>
+        <a:ln w="15875" cap="flat" cmpd="sng" algn="ctr">
+          <a:solidFill>
+            <a:schemeClr val="accent4">
+              <a:hueOff val="0"/>
+              <a:satOff val="0"/>
+              <a:lumOff val="0"/>
+              <a:alphaOff val="0"/>
+            </a:schemeClr>
+          </a:solidFill>
+          <a:prstDash val="solid"/>
+        </a:ln>
+        <a:effectLst/>
+      </dsp:spPr>
+      <dsp:style>
+        <a:lnRef idx="2">
+          <a:scrgbClr r="0" g="0" b="0"/>
+        </a:lnRef>
+        <a:fillRef idx="1">
+          <a:scrgbClr r="0" g="0" b="0"/>
+        </a:fillRef>
+        <a:effectRef idx="0">
+          <a:scrgbClr r="0" g="0" b="0"/>
+        </a:effectRef>
+        <a:fontRef idx="minor">
+          <a:schemeClr val="lt1"/>
+        </a:fontRef>
+      </dsp:style>
+      <dsp:txBody>
+        <a:bodyPr spcFirstLastPara="0" vert="horz" wrap="square" lIns="13335" tIns="13335" rIns="13335" bIns="13335" numCol="1" spcCol="1270" anchor="ctr" anchorCtr="0">
+          <a:noAutofit/>
+        </a:bodyPr>
+        <a:lstStyle/>
+        <a:p>
+          <a:pPr lvl="0" algn="ctr" defTabSz="933450">
+            <a:lnSpc>
+              <a:spcPct val="90000"/>
+            </a:lnSpc>
+            <a:spcBef>
+              <a:spcPct val="0"/>
+            </a:spcBef>
+            <a:spcAft>
+              <a:spcPct val="35000"/>
+            </a:spcAft>
+          </a:pPr>
+          <a:r>
+            <a:rPr lang="fr-FR" sz="2100" kern="1200" dirty="0" smtClean="0"/>
+            <a:t>25%</a:t>
+          </a:r>
+          <a:endParaRPr lang="fr-FR" sz="2100" kern="1200" dirty="0"/>
+        </a:p>
+      </dsp:txBody>
+      <dsp:txXfrm rot="-5400000">
+        <a:off x="1" y="2327565"/>
+        <a:ext cx="780974" cy="334703"/>
+      </dsp:txXfrm>
+    </dsp:sp>
+    <dsp:sp modelId="{F52ADA67-E94C-4552-BFAF-85B0AB32CEBC}">
+      <dsp:nvSpPr>
+        <dsp:cNvPr id="0" name=""/>
+        <dsp:cNvSpPr/>
+      </dsp:nvSpPr>
+      <dsp:spPr>
+        <a:xfrm rot="5400000">
+          <a:off x="5057091" y="-2339038"/>
+          <a:ext cx="725190" cy="9277425"/>
+        </a:xfrm>
+        <a:prstGeom prst="round2SameRect">
+          <a:avLst/>
+        </a:prstGeom>
+        <a:solidFill>
+          <a:schemeClr val="lt1">
+            <a:alpha val="90000"/>
+            <a:hueOff val="0"/>
+            <a:satOff val="0"/>
+            <a:lumOff val="0"/>
+            <a:alphaOff val="0"/>
+          </a:schemeClr>
+        </a:solidFill>
+        <a:ln w="15875" cap="flat" cmpd="sng" algn="ctr">
+          <a:solidFill>
+            <a:schemeClr val="accent4">
+              <a:hueOff val="0"/>
+              <a:satOff val="0"/>
+              <a:lumOff val="0"/>
+              <a:alphaOff val="0"/>
+            </a:schemeClr>
+          </a:solidFill>
+          <a:prstDash val="solid"/>
+        </a:ln>
+        <a:effectLst/>
+      </dsp:spPr>
+      <dsp:style>
+        <a:lnRef idx="2">
+          <a:scrgbClr r="0" g="0" b="0"/>
+        </a:lnRef>
+        <a:fillRef idx="1">
+          <a:scrgbClr r="0" g="0" b="0"/>
+        </a:fillRef>
+        <a:effectRef idx="0">
+          <a:scrgbClr r="0" g="0" b="0"/>
+        </a:effectRef>
+        <a:fontRef idx="minor"/>
+      </dsp:style>
+      <dsp:txBody>
+        <a:bodyPr spcFirstLastPara="0" vert="horz" wrap="square" lIns="142240" tIns="12700" rIns="12700" bIns="12700" numCol="1" spcCol="1270" anchor="ctr" anchorCtr="0">
+          <a:noAutofit/>
+        </a:bodyPr>
+        <a:lstStyle/>
+        <a:p>
+          <a:pPr marL="228600" lvl="1" indent="-228600" algn="l" defTabSz="889000">
+            <a:lnSpc>
+              <a:spcPct val="90000"/>
+            </a:lnSpc>
+            <a:spcBef>
+              <a:spcPct val="0"/>
+            </a:spcBef>
+            <a:spcAft>
+              <a:spcPct val="15000"/>
+            </a:spcAft>
+            <a:buChar char="••"/>
+          </a:pPr>
+          <a:r>
+            <a:rPr lang="fr-FR" sz="2000" b="1" u="sng" kern="1200" dirty="0" smtClean="0"/>
+            <a:t>LE DESIGN</a:t>
+          </a:r>
+          <a:endParaRPr lang="fr-FR" sz="2000" b="1" u="sng" kern="1200" dirty="0"/>
+        </a:p>
+        <a:p>
+          <a:pPr marL="228600" lvl="1" indent="-228600" algn="l" defTabSz="889000">
+            <a:lnSpc>
+              <a:spcPct val="90000"/>
+            </a:lnSpc>
+            <a:spcBef>
+              <a:spcPct val="0"/>
+            </a:spcBef>
+            <a:spcAft>
+              <a:spcPct val="15000"/>
+            </a:spcAft>
+            <a:buChar char="••"/>
+          </a:pPr>
+          <a:r>
+            <a:rPr lang="fr-FR" sz="2000" kern="1200" dirty="0" smtClean="0"/>
+            <a:t>Design du site, disposition, </a:t>
+          </a:r>
+          <a:r>
+            <a:rPr lang="fr-FR" sz="2000" kern="1200" dirty="0" err="1" smtClean="0"/>
+            <a:t>bootstrap</a:t>
+          </a:r>
+          <a:endParaRPr lang="fr-FR" sz="2000" kern="1200" dirty="0"/>
+        </a:p>
+      </dsp:txBody>
+      <dsp:txXfrm rot="-5400000">
+        <a:off x="780974" y="1972480"/>
+        <a:ext cx="9242024" cy="654388"/>
+      </dsp:txXfrm>
+    </dsp:sp>
+    <dsp:sp modelId="{C5EB81DF-8EE5-474A-9DAB-DF07577F553D}">
+      <dsp:nvSpPr>
+        <dsp:cNvPr id="0" name=""/>
+        <dsp:cNvSpPr/>
+      </dsp:nvSpPr>
+      <dsp:spPr>
+        <a:xfrm rot="5400000">
+          <a:off x="-167351" y="3071540"/>
+          <a:ext cx="1115677" cy="780974"/>
+        </a:xfrm>
+        <a:prstGeom prst="chevron">
+          <a:avLst/>
+        </a:prstGeom>
+        <a:solidFill>
+          <a:schemeClr val="accent5">
+            <a:hueOff val="0"/>
+            <a:satOff val="0"/>
+            <a:lumOff val="0"/>
+            <a:alphaOff val="0"/>
+          </a:schemeClr>
+        </a:solidFill>
+        <a:ln w="15875" cap="flat" cmpd="sng" algn="ctr">
+          <a:solidFill>
+            <a:schemeClr val="accent5">
+              <a:hueOff val="0"/>
+              <a:satOff val="0"/>
+              <a:lumOff val="0"/>
+              <a:alphaOff val="0"/>
+            </a:schemeClr>
+          </a:solidFill>
+          <a:prstDash val="solid"/>
+        </a:ln>
+        <a:effectLst/>
+      </dsp:spPr>
+      <dsp:style>
+        <a:lnRef idx="2">
+          <a:scrgbClr r="0" g="0" b="0"/>
+        </a:lnRef>
+        <a:fillRef idx="1">
+          <a:scrgbClr r="0" g="0" b="0"/>
+        </a:fillRef>
+        <a:effectRef idx="0">
+          <a:scrgbClr r="0" g="0" b="0"/>
+        </a:effectRef>
+        <a:fontRef idx="minor">
+          <a:schemeClr val="lt1"/>
+        </a:fontRef>
+      </dsp:style>
+      <dsp:txBody>
+        <a:bodyPr spcFirstLastPara="0" vert="horz" wrap="square" lIns="13335" tIns="13335" rIns="13335" bIns="13335" numCol="1" spcCol="1270" anchor="ctr" anchorCtr="0">
+          <a:noAutofit/>
+        </a:bodyPr>
+        <a:lstStyle/>
+        <a:p>
+          <a:pPr lvl="0" algn="ctr" defTabSz="933450">
+            <a:lnSpc>
+              <a:spcPct val="90000"/>
+            </a:lnSpc>
+            <a:spcBef>
+              <a:spcPct val="0"/>
+            </a:spcBef>
+            <a:spcAft>
+              <a:spcPct val="35000"/>
+            </a:spcAft>
+          </a:pPr>
+          <a:r>
+            <a:rPr lang="fr-FR" sz="2100" kern="1200" dirty="0" smtClean="0"/>
+            <a:t>15%</a:t>
+          </a:r>
+          <a:endParaRPr lang="fr-FR" sz="2100" kern="1200" dirty="0"/>
+        </a:p>
+      </dsp:txBody>
+      <dsp:txXfrm rot="-5400000">
+        <a:off x="1" y="3294675"/>
+        <a:ext cx="780974" cy="334703"/>
+      </dsp:txXfrm>
+    </dsp:sp>
+    <dsp:sp modelId="{44CDBF3E-36FA-4499-8E30-0704634193D8}">
+      <dsp:nvSpPr>
+        <dsp:cNvPr id="0" name=""/>
+        <dsp:cNvSpPr/>
+      </dsp:nvSpPr>
+      <dsp:spPr>
+        <a:xfrm rot="5400000">
+          <a:off x="5057091" y="-1371928"/>
+          <a:ext cx="725190" cy="9277425"/>
+        </a:xfrm>
+        <a:prstGeom prst="round2SameRect">
+          <a:avLst/>
+        </a:prstGeom>
+        <a:solidFill>
+          <a:schemeClr val="lt1">
+            <a:alpha val="90000"/>
+            <a:hueOff val="0"/>
+            <a:satOff val="0"/>
+            <a:lumOff val="0"/>
+            <a:alphaOff val="0"/>
+          </a:schemeClr>
+        </a:solidFill>
+        <a:ln w="15875" cap="flat" cmpd="sng" algn="ctr">
+          <a:solidFill>
+            <a:schemeClr val="accent5">
+              <a:hueOff val="0"/>
+              <a:satOff val="0"/>
+              <a:lumOff val="0"/>
+              <a:alphaOff val="0"/>
+            </a:schemeClr>
+          </a:solidFill>
+          <a:prstDash val="solid"/>
+        </a:ln>
+        <a:effectLst/>
+      </dsp:spPr>
+      <dsp:style>
+        <a:lnRef idx="2">
+          <a:scrgbClr r="0" g="0" b="0"/>
+        </a:lnRef>
+        <a:fillRef idx="1">
+          <a:scrgbClr r="0" g="0" b="0"/>
+        </a:fillRef>
+        <a:effectRef idx="0">
+          <a:scrgbClr r="0" g="0" b="0"/>
+        </a:effectRef>
+        <a:fontRef idx="minor"/>
+      </dsp:style>
+      <dsp:txBody>
+        <a:bodyPr spcFirstLastPara="0" vert="horz" wrap="square" lIns="142240" tIns="12700" rIns="12700" bIns="12700" numCol="1" spcCol="1270" anchor="ctr" anchorCtr="0">
+          <a:noAutofit/>
+        </a:bodyPr>
+        <a:lstStyle/>
+        <a:p>
+          <a:pPr marL="228600" lvl="1" indent="-228600" algn="l" defTabSz="889000">
+            <a:lnSpc>
+              <a:spcPct val="90000"/>
+            </a:lnSpc>
+            <a:spcBef>
+              <a:spcPct val="0"/>
+            </a:spcBef>
+            <a:spcAft>
+              <a:spcPct val="15000"/>
+            </a:spcAft>
+            <a:buChar char="••"/>
+          </a:pPr>
+          <a:r>
+            <a:rPr lang="fr-FR" sz="2000" b="1" u="sng" kern="1200" dirty="0" smtClean="0"/>
+            <a:t>LA PRESENTATION</a:t>
+          </a:r>
+          <a:endParaRPr lang="fr-FR" sz="2000" kern="1200" dirty="0"/>
+        </a:p>
+        <a:p>
+          <a:pPr marL="228600" lvl="1" indent="-228600" algn="l" defTabSz="889000">
+            <a:lnSpc>
+              <a:spcPct val="90000"/>
+            </a:lnSpc>
+            <a:spcBef>
+              <a:spcPct val="0"/>
+            </a:spcBef>
+            <a:spcAft>
+              <a:spcPct val="15000"/>
+            </a:spcAft>
+            <a:buChar char="••"/>
+          </a:pPr>
+          <a:r>
+            <a:rPr lang="fr-FR" sz="2000" kern="1200" dirty="0" smtClean="0"/>
+            <a:t>Préparation du support et présentation</a:t>
+          </a:r>
+          <a:endParaRPr lang="fr-FR" sz="2000" kern="1200" dirty="0"/>
+        </a:p>
+      </dsp:txBody>
+      <dsp:txXfrm rot="-5400000">
+        <a:off x="780974" y="2939590"/>
+        <a:ext cx="9242024" cy="654388"/>
+      </dsp:txXfrm>
+    </dsp:sp>
+  </dsp:spTree>
+</dsp:drawing>
+</file>
+
+<file path=ppt/diagrams/drawing2.xml><?xml version="1.0" encoding="utf-8"?>
+<dsp:drawing xmlns:dgm="http://schemas.openxmlformats.org/drawingml/2006/diagram" xmlns:dsp="http://schemas.microsoft.com/office/drawing/2008/diagram" xmlns:a="http://schemas.openxmlformats.org/drawingml/2006/main">
+  <dsp:spTree>
+    <dsp:nvGrpSpPr>
+      <dsp:cNvPr id="0" name=""/>
+      <dsp:cNvGrpSpPr/>
+    </dsp:nvGrpSpPr>
+    <dsp:grpSpPr/>
+    <dsp:sp modelId="{D8DCDB59-09B4-4DAC-8E99-2D2560692E58}">
+      <dsp:nvSpPr>
+        <dsp:cNvPr id="0" name=""/>
+        <dsp:cNvSpPr/>
+      </dsp:nvSpPr>
+      <dsp:spPr>
+        <a:xfrm>
+          <a:off x="2418062" y="1713"/>
+          <a:ext cx="1450377" cy="942745"/>
+        </a:xfrm>
+        <a:prstGeom prst="roundRect">
+          <a:avLst/>
+        </a:prstGeom>
+        <a:solidFill>
+          <a:schemeClr val="accent2">
+            <a:hueOff val="0"/>
+            <a:satOff val="0"/>
+            <a:lumOff val="0"/>
+            <a:alphaOff val="0"/>
+          </a:schemeClr>
+        </a:solidFill>
+        <a:ln w="15875" cap="flat" cmpd="sng" algn="ctr">
+          <a:solidFill>
+            <a:schemeClr val="lt1">
+              <a:hueOff val="0"/>
+              <a:satOff val="0"/>
+              <a:lumOff val="0"/>
+              <a:alphaOff val="0"/>
+            </a:schemeClr>
+          </a:solidFill>
+          <a:prstDash val="solid"/>
+        </a:ln>
+        <a:effectLst/>
+      </dsp:spPr>
+      <dsp:style>
+        <a:lnRef idx="2">
+          <a:scrgbClr r="0" g="0" b="0"/>
+        </a:lnRef>
+        <a:fillRef idx="1">
+          <a:scrgbClr r="0" g="0" b="0"/>
+        </a:fillRef>
+        <a:effectRef idx="0">
+          <a:scrgbClr r="0" g="0" b="0"/>
+        </a:effectRef>
+        <a:fontRef idx="minor">
+          <a:schemeClr val="lt1"/>
+        </a:fontRef>
+      </dsp:style>
+      <dsp:txBody>
+        <a:bodyPr spcFirstLastPara="0" vert="horz" wrap="square" lIns="53340" tIns="53340" rIns="53340" bIns="53340" numCol="1" spcCol="1270" anchor="ctr" anchorCtr="0">
+          <a:noAutofit/>
+        </a:bodyPr>
+        <a:lstStyle/>
+        <a:p>
+          <a:pPr lvl="0" algn="ctr" defTabSz="622300">
+            <a:lnSpc>
+              <a:spcPct val="90000"/>
+            </a:lnSpc>
+            <a:spcBef>
+              <a:spcPct val="0"/>
+            </a:spcBef>
+            <a:spcAft>
+              <a:spcPct val="35000"/>
+            </a:spcAft>
+          </a:pPr>
+          <a:r>
+            <a:rPr lang="fr-FR" sz="1400" b="0" kern="1200" dirty="0" smtClean="0"/>
+            <a:t>Etape 1 : </a:t>
+          </a:r>
+        </a:p>
+        <a:p>
+          <a:pPr lvl="0" algn="ctr" defTabSz="622300">
+            <a:lnSpc>
+              <a:spcPct val="90000"/>
+            </a:lnSpc>
+            <a:spcBef>
+              <a:spcPct val="0"/>
+            </a:spcBef>
+            <a:spcAft>
+              <a:spcPct val="35000"/>
+            </a:spcAft>
+          </a:pPr>
+          <a:r>
+            <a:rPr lang="fr-FR" sz="1400" b="0" kern="1200" dirty="0" smtClean="0"/>
+            <a:t>Authentification </a:t>
+          </a:r>
+          <a:endParaRPr lang="fr-FR" sz="1400" b="0" kern="1200" dirty="0"/>
+        </a:p>
+      </dsp:txBody>
+      <dsp:txXfrm>
+        <a:off x="2464083" y="47734"/>
+        <a:ext cx="1358335" cy="850703"/>
+      </dsp:txXfrm>
+    </dsp:sp>
+    <dsp:sp modelId="{C6B67350-5ED4-48B1-93EC-0CEE1D6AB978}">
+      <dsp:nvSpPr>
+        <dsp:cNvPr id="0" name=""/>
+        <dsp:cNvSpPr/>
+      </dsp:nvSpPr>
+      <dsp:spPr>
+        <a:xfrm>
+          <a:off x="1262200" y="474166"/>
+          <a:ext cx="3767293" cy="3767293"/>
+        </a:xfrm>
+        <a:custGeom>
+          <a:avLst/>
+          <a:gdLst/>
+          <a:ahLst/>
+          <a:cxnLst/>
+          <a:rect l="0" t="0" r="0" b="0"/>
+          <a:pathLst>
+            <a:path>
+              <a:moveTo>
+                <a:pt x="2813331" y="245412"/>
+              </a:moveTo>
+              <a:arcTo wR="1883646" hR="1883646" stAng="17974475" swAng="1297396"/>
+            </a:path>
+          </a:pathLst>
+        </a:custGeom>
+        <a:noFill/>
+        <a:ln w="12700" cap="flat" cmpd="sng" algn="ctr">
+          <a:solidFill>
+            <a:schemeClr val="accent2">
+              <a:hueOff val="0"/>
+              <a:satOff val="0"/>
+              <a:lumOff val="0"/>
+              <a:alphaOff val="0"/>
+            </a:schemeClr>
+          </a:solidFill>
+          <a:prstDash val="solid"/>
+          <a:tailEnd type="arrow"/>
+        </a:ln>
+        <a:effectLst/>
+      </dsp:spPr>
+      <dsp:style>
+        <a:lnRef idx="1">
+          <a:scrgbClr r="0" g="0" b="0"/>
+        </a:lnRef>
+        <a:fillRef idx="0">
+          <a:scrgbClr r="0" g="0" b="0"/>
+        </a:fillRef>
+        <a:effectRef idx="0">
+          <a:scrgbClr r="0" g="0" b="0"/>
+        </a:effectRef>
+        <a:fontRef idx="minor"/>
+      </dsp:style>
+    </dsp:sp>
+    <dsp:sp modelId="{27BFAB88-7517-47A8-BBB6-AC8298F1FACC}">
+      <dsp:nvSpPr>
+        <dsp:cNvPr id="0" name=""/>
+        <dsp:cNvSpPr/>
+      </dsp:nvSpPr>
+      <dsp:spPr>
+        <a:xfrm>
+          <a:off x="4230292" y="1365626"/>
+          <a:ext cx="1450377" cy="942745"/>
+        </a:xfrm>
+        <a:prstGeom prst="roundRect">
+          <a:avLst/>
+        </a:prstGeom>
+        <a:solidFill>
+          <a:schemeClr val="accent3">
+            <a:hueOff val="0"/>
+            <a:satOff val="0"/>
+            <a:lumOff val="0"/>
+            <a:alphaOff val="0"/>
+          </a:schemeClr>
+        </a:solidFill>
+        <a:ln w="15875" cap="flat" cmpd="sng" algn="ctr">
+          <a:solidFill>
+            <a:schemeClr val="lt1">
+              <a:hueOff val="0"/>
+              <a:satOff val="0"/>
+              <a:lumOff val="0"/>
+              <a:alphaOff val="0"/>
+            </a:schemeClr>
+          </a:solidFill>
+          <a:prstDash val="solid"/>
+        </a:ln>
+        <a:effectLst/>
+      </dsp:spPr>
+      <dsp:style>
+        <a:lnRef idx="2">
+          <a:scrgbClr r="0" g="0" b="0"/>
+        </a:lnRef>
+        <a:fillRef idx="1">
+          <a:scrgbClr r="0" g="0" b="0"/>
+        </a:fillRef>
+        <a:effectRef idx="0">
+          <a:scrgbClr r="0" g="0" b="0"/>
+        </a:effectRef>
+        <a:fontRef idx="minor">
+          <a:schemeClr val="lt1"/>
+        </a:fontRef>
+      </dsp:style>
+      <dsp:txBody>
+        <a:bodyPr spcFirstLastPara="0" vert="horz" wrap="square" lIns="53340" tIns="53340" rIns="53340" bIns="53340" numCol="1" spcCol="1270" anchor="ctr" anchorCtr="0">
+          <a:noAutofit/>
+        </a:bodyPr>
+        <a:lstStyle/>
+        <a:p>
+          <a:pPr lvl="0" algn="ctr" defTabSz="622300">
+            <a:lnSpc>
+              <a:spcPct val="90000"/>
+            </a:lnSpc>
+            <a:spcBef>
+              <a:spcPct val="0"/>
+            </a:spcBef>
+            <a:spcAft>
+              <a:spcPct val="35000"/>
+            </a:spcAft>
+          </a:pPr>
+          <a:r>
+            <a:rPr lang="fr-FR" sz="1400" b="0" kern="1200" dirty="0" smtClean="0"/>
+            <a:t>Etape 2 : </a:t>
+          </a:r>
+        </a:p>
+        <a:p>
+          <a:pPr lvl="0" algn="ctr" defTabSz="622300">
+            <a:lnSpc>
+              <a:spcPct val="90000"/>
+            </a:lnSpc>
+            <a:spcBef>
+              <a:spcPct val="0"/>
+            </a:spcBef>
+            <a:spcAft>
+              <a:spcPct val="35000"/>
+            </a:spcAft>
+          </a:pPr>
+          <a:r>
+            <a:rPr lang="fr-FR" sz="1400" b="0" kern="1200" dirty="0" smtClean="0"/>
+            <a:t>choix via menu (consultation ou </a:t>
+          </a:r>
+          <a:r>
+            <a:rPr lang="fr-FR" sz="1400" b="0" kern="1200" dirty="0" err="1" smtClean="0"/>
+            <a:t>modif</a:t>
+          </a:r>
+          <a:r>
+            <a:rPr lang="fr-FR" sz="1400" b="0" kern="1200" dirty="0" smtClean="0"/>
+            <a:t>)</a:t>
+          </a:r>
+          <a:endParaRPr lang="fr-FR" sz="1400" b="0" kern="1200" dirty="0"/>
+        </a:p>
+      </dsp:txBody>
+      <dsp:txXfrm>
+        <a:off x="4276313" y="1411647"/>
+        <a:ext cx="1358335" cy="850703"/>
+      </dsp:txXfrm>
+    </dsp:sp>
+    <dsp:sp modelId="{0630741F-6C40-4F3F-B890-314A4B79923F}">
+      <dsp:nvSpPr>
+        <dsp:cNvPr id="0" name=""/>
+        <dsp:cNvSpPr/>
+      </dsp:nvSpPr>
+      <dsp:spPr>
+        <a:xfrm>
+          <a:off x="1260633" y="418400"/>
+          <a:ext cx="3767293" cy="3767293"/>
+        </a:xfrm>
+        <a:custGeom>
+          <a:avLst/>
+          <a:gdLst/>
+          <a:ahLst/>
+          <a:cxnLst/>
+          <a:rect l="0" t="0" r="0" b="0"/>
+          <a:pathLst>
+            <a:path>
+              <a:moveTo>
+                <a:pt x="3753769" y="2108954"/>
+              </a:moveTo>
+              <a:arcTo wR="1883646" hR="1883646" stAng="412186" swAng="1231416"/>
+            </a:path>
+          </a:pathLst>
+        </a:custGeom>
+        <a:noFill/>
+        <a:ln w="12700" cap="flat" cmpd="sng" algn="ctr">
+          <a:solidFill>
+            <a:schemeClr val="accent3">
+              <a:hueOff val="0"/>
+              <a:satOff val="0"/>
+              <a:lumOff val="0"/>
+              <a:alphaOff val="0"/>
+            </a:schemeClr>
+          </a:solidFill>
+          <a:prstDash val="solid"/>
+          <a:tailEnd type="arrow"/>
+        </a:ln>
+        <a:effectLst/>
+      </dsp:spPr>
+      <dsp:style>
+        <a:lnRef idx="1">
+          <a:scrgbClr r="0" g="0" b="0"/>
+        </a:lnRef>
+        <a:fillRef idx="0">
+          <a:scrgbClr r="0" g="0" b="0"/>
+        </a:fillRef>
+        <a:effectRef idx="0">
+          <a:scrgbClr r="0" g="0" b="0"/>
+        </a:effectRef>
+        <a:fontRef idx="minor"/>
+      </dsp:style>
+    </dsp:sp>
+    <dsp:sp modelId="{C8F751D6-D82F-496C-AD58-79670C73541F}">
+      <dsp:nvSpPr>
+        <dsp:cNvPr id="0" name=""/>
+        <dsp:cNvSpPr/>
+      </dsp:nvSpPr>
+      <dsp:spPr>
+        <a:xfrm>
+          <a:off x="3546031" y="3357297"/>
+          <a:ext cx="1450377" cy="942745"/>
+        </a:xfrm>
+        <a:prstGeom prst="roundRect">
+          <a:avLst/>
+        </a:prstGeom>
+        <a:solidFill>
+          <a:schemeClr val="accent4">
+            <a:hueOff val="0"/>
+            <a:satOff val="0"/>
+            <a:lumOff val="0"/>
+            <a:alphaOff val="0"/>
+          </a:schemeClr>
+        </a:solidFill>
+        <a:ln w="15875" cap="flat" cmpd="sng" algn="ctr">
+          <a:solidFill>
+            <a:schemeClr val="lt1">
+              <a:hueOff val="0"/>
+              <a:satOff val="0"/>
+              <a:lumOff val="0"/>
+              <a:alphaOff val="0"/>
+            </a:schemeClr>
+          </a:solidFill>
+          <a:prstDash val="solid"/>
+        </a:ln>
+        <a:effectLst/>
+      </dsp:spPr>
+      <dsp:style>
+        <a:lnRef idx="2">
+          <a:scrgbClr r="0" g="0" b="0"/>
+        </a:lnRef>
+        <a:fillRef idx="1">
+          <a:scrgbClr r="0" g="0" b="0"/>
+        </a:fillRef>
+        <a:effectRef idx="0">
+          <a:scrgbClr r="0" g="0" b="0"/>
+        </a:effectRef>
+        <a:fontRef idx="minor">
+          <a:schemeClr val="lt1"/>
+        </a:fontRef>
+      </dsp:style>
+      <dsp:txBody>
+        <a:bodyPr spcFirstLastPara="0" vert="horz" wrap="square" lIns="53340" tIns="53340" rIns="53340" bIns="53340" numCol="1" spcCol="1270" anchor="ctr" anchorCtr="0">
+          <a:noAutofit/>
+        </a:bodyPr>
+        <a:lstStyle/>
+        <a:p>
+          <a:pPr lvl="0" algn="ctr" defTabSz="622300">
+            <a:lnSpc>
+              <a:spcPct val="90000"/>
+            </a:lnSpc>
+            <a:spcBef>
+              <a:spcPct val="0"/>
+            </a:spcBef>
+            <a:spcAft>
+              <a:spcPct val="35000"/>
+            </a:spcAft>
+          </a:pPr>
+          <a:r>
+            <a:rPr lang="fr-FR" sz="1400" b="0" kern="1200" dirty="0" smtClean="0"/>
+            <a:t>Etape 3 : </a:t>
+          </a:r>
+        </a:p>
+        <a:p>
+          <a:pPr lvl="0" algn="ctr" defTabSz="622300">
+            <a:lnSpc>
+              <a:spcPct val="90000"/>
+            </a:lnSpc>
+            <a:spcBef>
+              <a:spcPct val="0"/>
+            </a:spcBef>
+            <a:spcAft>
+              <a:spcPct val="35000"/>
+            </a:spcAft>
+          </a:pPr>
+          <a:r>
+            <a:rPr lang="fr-FR" sz="1400" b="0" kern="1200" dirty="0" smtClean="0"/>
+            <a:t>Cliquer sur ce que l’on veut modifier</a:t>
+          </a:r>
+          <a:endParaRPr lang="fr-FR" sz="1400" b="0" kern="1200" dirty="0"/>
+        </a:p>
+      </dsp:txBody>
+      <dsp:txXfrm>
+        <a:off x="3592052" y="3403318"/>
+        <a:ext cx="1358335" cy="850703"/>
+      </dsp:txXfrm>
+    </dsp:sp>
+    <dsp:sp modelId="{0185F18E-2A47-48E8-BFD5-9936BEC7A951}">
+      <dsp:nvSpPr>
+        <dsp:cNvPr id="0" name=""/>
+        <dsp:cNvSpPr/>
+      </dsp:nvSpPr>
+      <dsp:spPr>
+        <a:xfrm>
+          <a:off x="1282944" y="438212"/>
+          <a:ext cx="3767293" cy="3767293"/>
+        </a:xfrm>
+        <a:custGeom>
+          <a:avLst/>
+          <a:gdLst/>
+          <a:ahLst/>
+          <a:cxnLst/>
+          <a:rect l="0" t="0" r="0" b="0"/>
+          <a:pathLst>
+            <a:path>
+              <a:moveTo>
+                <a:pt x="2101999" y="3754594"/>
+              </a:moveTo>
+              <a:arcTo wR="1883646" hR="1883646" stAng="5000597" swAng="905499"/>
+            </a:path>
+          </a:pathLst>
+        </a:custGeom>
+        <a:noFill/>
+        <a:ln w="12700" cap="flat" cmpd="sng" algn="ctr">
+          <a:solidFill>
+            <a:schemeClr val="accent4">
+              <a:hueOff val="0"/>
+              <a:satOff val="0"/>
+              <a:lumOff val="0"/>
+              <a:alphaOff val="0"/>
+            </a:schemeClr>
+          </a:solidFill>
+          <a:prstDash val="solid"/>
+          <a:tailEnd type="arrow"/>
+        </a:ln>
+        <a:effectLst/>
+      </dsp:spPr>
+      <dsp:style>
+        <a:lnRef idx="1">
+          <a:scrgbClr r="0" g="0" b="0"/>
+        </a:lnRef>
+        <a:fillRef idx="0">
+          <a:scrgbClr r="0" g="0" b="0"/>
+        </a:fillRef>
+        <a:effectRef idx="0">
+          <a:scrgbClr r="0" g="0" b="0"/>
+        </a:effectRef>
+        <a:fontRef idx="minor"/>
+      </dsp:style>
+    </dsp:sp>
+    <dsp:sp modelId="{31A326BC-78C0-4B08-940D-EFBF215F6455}">
+      <dsp:nvSpPr>
+        <dsp:cNvPr id="0" name=""/>
+        <dsp:cNvSpPr/>
+      </dsp:nvSpPr>
+      <dsp:spPr>
+        <a:xfrm>
+          <a:off x="1279702" y="3336513"/>
+          <a:ext cx="1450377" cy="942745"/>
+        </a:xfrm>
+        <a:prstGeom prst="roundRect">
+          <a:avLst/>
+        </a:prstGeom>
+        <a:solidFill>
+          <a:schemeClr val="accent5">
+            <a:hueOff val="0"/>
+            <a:satOff val="0"/>
+            <a:lumOff val="0"/>
+            <a:alphaOff val="0"/>
+          </a:schemeClr>
+        </a:solidFill>
+        <a:ln w="15875" cap="flat" cmpd="sng" algn="ctr">
+          <a:solidFill>
+            <a:schemeClr val="lt1">
+              <a:hueOff val="0"/>
+              <a:satOff val="0"/>
+              <a:lumOff val="0"/>
+              <a:alphaOff val="0"/>
+            </a:schemeClr>
+          </a:solidFill>
+          <a:prstDash val="solid"/>
+        </a:ln>
+        <a:effectLst/>
+      </dsp:spPr>
+      <dsp:style>
+        <a:lnRef idx="2">
+          <a:scrgbClr r="0" g="0" b="0"/>
+        </a:lnRef>
+        <a:fillRef idx="1">
+          <a:scrgbClr r="0" g="0" b="0"/>
+        </a:fillRef>
+        <a:effectRef idx="0">
+          <a:scrgbClr r="0" g="0" b="0"/>
+        </a:effectRef>
+        <a:fontRef idx="minor">
+          <a:schemeClr val="lt1"/>
+        </a:fontRef>
+      </dsp:style>
+      <dsp:txBody>
+        <a:bodyPr spcFirstLastPara="0" vert="horz" wrap="square" lIns="53340" tIns="53340" rIns="53340" bIns="53340" numCol="1" spcCol="1270" anchor="ctr" anchorCtr="0">
+          <a:noAutofit/>
+        </a:bodyPr>
+        <a:lstStyle/>
+        <a:p>
+          <a:pPr lvl="0" algn="ctr" defTabSz="622300">
+            <a:lnSpc>
+              <a:spcPct val="90000"/>
+            </a:lnSpc>
+            <a:spcBef>
+              <a:spcPct val="0"/>
+            </a:spcBef>
+            <a:spcAft>
+              <a:spcPct val="35000"/>
+            </a:spcAft>
+          </a:pPr>
+          <a:r>
+            <a:rPr lang="fr-FR" sz="1400" b="0" kern="1200" dirty="0" smtClean="0"/>
+            <a:t>Etape 4 : </a:t>
+          </a:r>
+        </a:p>
+        <a:p>
+          <a:pPr lvl="0" algn="ctr" defTabSz="622300">
+            <a:lnSpc>
+              <a:spcPct val="90000"/>
+            </a:lnSpc>
+            <a:spcBef>
+              <a:spcPct val="0"/>
+            </a:spcBef>
+            <a:spcAft>
+              <a:spcPct val="35000"/>
+            </a:spcAft>
+          </a:pPr>
+          <a:r>
+            <a:rPr lang="fr-FR" sz="1400" b="0" kern="1200" dirty="0" smtClean="0"/>
+            <a:t>Remplir le formulaire correctement</a:t>
+          </a:r>
+          <a:endParaRPr lang="fr-FR" sz="1400" b="0" kern="1200" dirty="0"/>
+        </a:p>
+      </dsp:txBody>
+      <dsp:txXfrm>
+        <a:off x="1325723" y="3382534"/>
+        <a:ext cx="1358335" cy="850703"/>
+      </dsp:txXfrm>
+    </dsp:sp>
+    <dsp:sp modelId="{585D472E-44CD-4D47-8B6B-CF5DA3B83EF5}">
+      <dsp:nvSpPr>
+        <dsp:cNvPr id="0" name=""/>
+        <dsp:cNvSpPr/>
+      </dsp:nvSpPr>
+      <dsp:spPr>
+        <a:xfrm>
+          <a:off x="1262374" y="405145"/>
+          <a:ext cx="3767293" cy="3767293"/>
+        </a:xfrm>
+        <a:custGeom>
+          <a:avLst/>
+          <a:gdLst/>
+          <a:ahLst/>
+          <a:cxnLst/>
+          <a:rect l="0" t="0" r="0" b="0"/>
+          <a:pathLst>
+            <a:path>
+              <a:moveTo>
+                <a:pt x="203589" y="2735428"/>
+              </a:moveTo>
+              <a:arcTo wR="1883646" hR="1883646" stAng="9186911" swAng="1276552"/>
+            </a:path>
+          </a:pathLst>
+        </a:custGeom>
+        <a:noFill/>
+        <a:ln w="12700" cap="flat" cmpd="sng" algn="ctr">
+          <a:solidFill>
+            <a:schemeClr val="accent5">
+              <a:hueOff val="0"/>
+              <a:satOff val="0"/>
+              <a:lumOff val="0"/>
+              <a:alphaOff val="0"/>
+            </a:schemeClr>
+          </a:solidFill>
+          <a:prstDash val="solid"/>
+          <a:tailEnd type="arrow"/>
+        </a:ln>
+        <a:effectLst/>
+      </dsp:spPr>
+      <dsp:style>
+        <a:lnRef idx="1">
+          <a:scrgbClr r="0" g="0" b="0"/>
+        </a:lnRef>
+        <a:fillRef idx="0">
+          <a:scrgbClr r="0" g="0" b="0"/>
+        </a:fillRef>
+        <a:effectRef idx="0">
+          <a:scrgbClr r="0" g="0" b="0"/>
+        </a:effectRef>
+        <a:fontRef idx="minor"/>
+      </dsp:style>
+    </dsp:sp>
+    <dsp:sp modelId="{6830C4F8-0F29-428E-9993-01945ED56F24}">
+      <dsp:nvSpPr>
+        <dsp:cNvPr id="0" name=""/>
+        <dsp:cNvSpPr/>
+      </dsp:nvSpPr>
+      <dsp:spPr>
+        <a:xfrm>
+          <a:off x="626608" y="1303280"/>
+          <a:ext cx="1450377" cy="942745"/>
+        </a:xfrm>
+        <a:prstGeom prst="roundRect">
+          <a:avLst/>
+        </a:prstGeom>
+        <a:solidFill>
+          <a:schemeClr val="accent6">
+            <a:hueOff val="0"/>
+            <a:satOff val="0"/>
+            <a:lumOff val="0"/>
+            <a:alphaOff val="0"/>
+          </a:schemeClr>
+        </a:solidFill>
+        <a:ln w="15875" cap="flat" cmpd="sng" algn="ctr">
+          <a:solidFill>
+            <a:schemeClr val="lt1">
+              <a:hueOff val="0"/>
+              <a:satOff val="0"/>
+              <a:lumOff val="0"/>
+              <a:alphaOff val="0"/>
+            </a:schemeClr>
+          </a:solidFill>
+          <a:prstDash val="solid"/>
+        </a:ln>
+        <a:effectLst/>
+      </dsp:spPr>
+      <dsp:style>
+        <a:lnRef idx="2">
+          <a:scrgbClr r="0" g="0" b="0"/>
+        </a:lnRef>
+        <a:fillRef idx="1">
+          <a:scrgbClr r="0" g="0" b="0"/>
+        </a:fillRef>
+        <a:effectRef idx="0">
+          <a:scrgbClr r="0" g="0" b="0"/>
+        </a:effectRef>
+        <a:fontRef idx="minor">
+          <a:schemeClr val="lt1"/>
+        </a:fontRef>
+      </dsp:style>
+      <dsp:txBody>
+        <a:bodyPr spcFirstLastPara="0" vert="horz" wrap="square" lIns="53340" tIns="53340" rIns="53340" bIns="53340" numCol="1" spcCol="1270" anchor="ctr" anchorCtr="0">
+          <a:noAutofit/>
+        </a:bodyPr>
+        <a:lstStyle/>
+        <a:p>
+          <a:pPr lvl="0" algn="ctr" defTabSz="622300">
+            <a:lnSpc>
+              <a:spcPct val="90000"/>
+            </a:lnSpc>
+            <a:spcBef>
+              <a:spcPct val="0"/>
+            </a:spcBef>
+            <a:spcAft>
+              <a:spcPct val="35000"/>
+            </a:spcAft>
+          </a:pPr>
+          <a:r>
+            <a:rPr lang="fr-FR" sz="1400" b="0" i="0" kern="1200" dirty="0" smtClean="0">
+              <a:effectLst/>
+            </a:rPr>
+            <a:t>Etape 5 :</a:t>
+          </a:r>
+        </a:p>
+        <a:p>
+          <a:pPr lvl="0" algn="ctr" defTabSz="622300">
+            <a:lnSpc>
+              <a:spcPct val="90000"/>
+            </a:lnSpc>
+            <a:spcBef>
+              <a:spcPct val="0"/>
+            </a:spcBef>
+            <a:spcAft>
+              <a:spcPct val="35000"/>
+            </a:spcAft>
+          </a:pPr>
+          <a:r>
+            <a:rPr lang="fr-FR" sz="1400" b="0" i="0" kern="1200" dirty="0" smtClean="0">
+              <a:effectLst/>
+            </a:rPr>
+            <a:t> </a:t>
+          </a:r>
+          <a:r>
+            <a:rPr lang="fr-FR" sz="1400" b="0" kern="1200" dirty="0" smtClean="0"/>
+            <a:t>valider / envoyer</a:t>
+          </a:r>
+          <a:endParaRPr lang="fr-FR" sz="1400" b="0" kern="1200" dirty="0"/>
+        </a:p>
+      </dsp:txBody>
+      <dsp:txXfrm>
+        <a:off x="672629" y="1349301"/>
+        <a:ext cx="1358335" cy="850703"/>
+      </dsp:txXfrm>
+    </dsp:sp>
+    <dsp:sp modelId="{BFD287F0-33B0-489A-9EEC-062382A8DE94}">
+      <dsp:nvSpPr>
+        <dsp:cNvPr id="0" name=""/>
+        <dsp:cNvSpPr/>
+      </dsp:nvSpPr>
+      <dsp:spPr>
+        <a:xfrm>
+          <a:off x="1259604" y="473085"/>
+          <a:ext cx="3767293" cy="3767293"/>
+        </a:xfrm>
+        <a:custGeom>
+          <a:avLst/>
+          <a:gdLst/>
+          <a:ahLst/>
+          <a:cxnLst/>
+          <a:rect l="0" t="0" r="0" b="0"/>
+          <a:pathLst>
+            <a:path>
+              <a:moveTo>
+                <a:pt x="453049" y="658282"/>
+              </a:moveTo>
+              <a:arcTo wR="1883646" hR="1883646" stAng="13234883" swAng="1211926"/>
+            </a:path>
+          </a:pathLst>
+        </a:custGeom>
+        <a:noFill/>
+        <a:ln w="12700" cap="flat" cmpd="sng" algn="ctr">
+          <a:solidFill>
+            <a:schemeClr val="accent6">
+              <a:hueOff val="0"/>
+              <a:satOff val="0"/>
+              <a:lumOff val="0"/>
+              <a:alphaOff val="0"/>
+            </a:schemeClr>
+          </a:solidFill>
+          <a:prstDash val="solid"/>
+          <a:tailEnd type="arrow"/>
+        </a:ln>
+        <a:effectLst/>
+      </dsp:spPr>
+      <dsp:style>
+        <a:lnRef idx="1">
+          <a:scrgbClr r="0" g="0" b="0"/>
+        </a:lnRef>
+        <a:fillRef idx="0">
+          <a:scrgbClr r="0" g="0" b="0"/>
+        </a:fillRef>
+        <a:effectRef idx="0">
+          <a:scrgbClr r="0" g="0" b="0"/>
+        </a:effectRef>
+        <a:fontRef idx="minor"/>
+      </dsp:style>
+    </dsp:sp>
   </dsp:spTree>
 </dsp:drawing>
 </file>
@@ -2032,7 +4854,1249 @@
 </dgm:layoutDef>
 </file>
 
+<file path=ppt/diagrams/layout2.xml><?xml version="1.0" encoding="utf-8"?>
+<dgm:layoutDef xmlns:dgm="http://schemas.openxmlformats.org/drawingml/2006/diagram" xmlns:a="http://schemas.openxmlformats.org/drawingml/2006/main" uniqueId="urn:microsoft.com/office/officeart/2005/8/layout/cycle5">
+  <dgm:title val=""/>
+  <dgm:desc val=""/>
+  <dgm:catLst>
+    <dgm:cat type="cycle" pri="3000"/>
+  </dgm:catLst>
+  <dgm:sampData>
+    <dgm:dataModel>
+      <dgm:ptLst>
+        <dgm:pt modelId="0" type="doc"/>
+        <dgm:pt modelId="1">
+          <dgm:prSet phldr="1"/>
+        </dgm:pt>
+        <dgm:pt modelId="2">
+          <dgm:prSet phldr="1"/>
+        </dgm:pt>
+        <dgm:pt modelId="3">
+          <dgm:prSet phldr="1"/>
+        </dgm:pt>
+        <dgm:pt modelId="4">
+          <dgm:prSet phldr="1"/>
+        </dgm:pt>
+        <dgm:pt modelId="5">
+          <dgm:prSet phldr="1"/>
+        </dgm:pt>
+      </dgm:ptLst>
+      <dgm:cxnLst>
+        <dgm:cxn modelId="6" srcId="0" destId="1" srcOrd="0" destOrd="0"/>
+        <dgm:cxn modelId="7" srcId="0" destId="2" srcOrd="1" destOrd="0"/>
+        <dgm:cxn modelId="8" srcId="0" destId="3" srcOrd="2" destOrd="0"/>
+        <dgm:cxn modelId="9" srcId="0" destId="4" srcOrd="3" destOrd="0"/>
+        <dgm:cxn modelId="10" srcId="0" destId="5" srcOrd="4" destOrd="0"/>
+      </dgm:cxnLst>
+      <dgm:bg/>
+      <dgm:whole/>
+    </dgm:dataModel>
+  </dgm:sampData>
+  <dgm:styleData>
+    <dgm:dataModel>
+      <dgm:ptLst>
+        <dgm:pt modelId="0" type="doc"/>
+        <dgm:pt modelId="1"/>
+        <dgm:pt modelId="2"/>
+        <dgm:pt modelId="3"/>
+      </dgm:ptLst>
+      <dgm:cxnLst>
+        <dgm:cxn modelId="4" srcId="0" destId="1" srcOrd="0" destOrd="0"/>
+        <dgm:cxn modelId="5" srcId="0" destId="2" srcOrd="1" destOrd="0"/>
+        <dgm:cxn modelId="6" srcId="0" destId="3" srcOrd="2" destOrd="0"/>
+      </dgm:cxnLst>
+      <dgm:bg/>
+      <dgm:whole/>
+    </dgm:dataModel>
+  </dgm:styleData>
+  <dgm:clrData>
+    <dgm:dataModel>
+      <dgm:ptLst>
+        <dgm:pt modelId="0" type="doc"/>
+        <dgm:pt modelId="1"/>
+        <dgm:pt modelId="2"/>
+        <dgm:pt modelId="3"/>
+        <dgm:pt modelId="4"/>
+        <dgm:pt modelId="5"/>
+        <dgm:pt modelId="6"/>
+      </dgm:ptLst>
+      <dgm:cxnLst>
+        <dgm:cxn modelId="7" srcId="0" destId="1" srcOrd="0" destOrd="0"/>
+        <dgm:cxn modelId="8" srcId="0" destId="2" srcOrd="1" destOrd="0"/>
+        <dgm:cxn modelId="9" srcId="0" destId="3" srcOrd="2" destOrd="0"/>
+        <dgm:cxn modelId="10" srcId="0" destId="4" srcOrd="3" destOrd="0"/>
+        <dgm:cxn modelId="11" srcId="0" destId="5" srcOrd="4" destOrd="0"/>
+        <dgm:cxn modelId="12" srcId="0" destId="6" srcOrd="5" destOrd="0"/>
+      </dgm:cxnLst>
+      <dgm:bg/>
+      <dgm:whole/>
+    </dgm:dataModel>
+  </dgm:clrData>
+  <dgm:layoutNode name="cycle">
+    <dgm:varLst>
+      <dgm:dir/>
+      <dgm:resizeHandles val="exact"/>
+    </dgm:varLst>
+    <dgm:choose name="Name0">
+      <dgm:if name="Name1" func="var" arg="dir" op="equ" val="norm">
+        <dgm:choose name="Name2">
+          <dgm:if name="Name3" axis="ch" ptType="node" func="cnt" op="gt" val="2">
+            <dgm:alg type="cycle">
+              <dgm:param type="stAng" val="0"/>
+              <dgm:param type="spanAng" val="360"/>
+            </dgm:alg>
+          </dgm:if>
+          <dgm:else name="Name4">
+            <dgm:alg type="cycle">
+              <dgm:param type="stAng" val="-90"/>
+              <dgm:param type="spanAng" val="360"/>
+            </dgm:alg>
+          </dgm:else>
+        </dgm:choose>
+      </dgm:if>
+      <dgm:else name="Name5">
+        <dgm:choose name="Name6">
+          <dgm:if name="Name7" axis="ch" ptType="node" func="cnt" op="gt" val="2">
+            <dgm:alg type="cycle">
+              <dgm:param type="stAng" val="0"/>
+              <dgm:param type="spanAng" val="-360"/>
+            </dgm:alg>
+          </dgm:if>
+          <dgm:else name="Name8">
+            <dgm:alg type="cycle">
+              <dgm:param type="stAng" val="90"/>
+              <dgm:param type="spanAng" val="-360"/>
+            </dgm:alg>
+          </dgm:else>
+        </dgm:choose>
+      </dgm:else>
+    </dgm:choose>
+    <dgm:shape xmlns:r="http://schemas.openxmlformats.org/officeDocument/2006/relationships" r:blip="">
+      <dgm:adjLst/>
+    </dgm:shape>
+    <dgm:presOf/>
+    <dgm:choose name="Name9">
+      <dgm:if name="Name10" func="var" arg="dir" op="equ" val="norm">
+        <dgm:constrLst>
+          <dgm:constr type="w" for="ch" forName="node" refType="w"/>
+          <dgm:constr type="w" for="ch" ptType="sibTrans" refType="w" refFor="ch" refForName="node" op="equ" fact="0.3"/>
+          <dgm:constr type="diam" for="ch" ptType="sibTrans" refType="diam" op="equ"/>
+          <dgm:constr type="sibSp" refType="w" refFor="ch" refForName="node" op="equ" fact="0.15"/>
+          <dgm:constr type="w" for="ch" forName="spNode" refType="sibSp" fact="1.6"/>
+          <dgm:constr type="primFontSz" for="ch" forName="node" op="equ" val="65"/>
+        </dgm:constrLst>
+      </dgm:if>
+      <dgm:else name="Name11">
+        <dgm:constrLst>
+          <dgm:constr type="w" for="ch" forName="node" refType="w"/>
+          <dgm:constr type="w" for="ch" ptType="sibTrans" refType="w" refFor="ch" refForName="node" op="equ" fact="0.3"/>
+          <dgm:constr type="diam" for="ch" ptType="sibTrans" refType="diam" fact="-1"/>
+          <dgm:constr type="diam" for="ch" refType="diam" op="equ" fact="-1"/>
+          <dgm:constr type="sibSp" refType="w" refFor="ch" refForName="node" op="equ" fact="0.15"/>
+          <dgm:constr type="w" for="ch" forName="spNode" refType="sibSp" fact="1.6"/>
+          <dgm:constr type="primFontSz" for="ch" forName="node" op="equ" val="65"/>
+        </dgm:constrLst>
+      </dgm:else>
+    </dgm:choose>
+    <dgm:ruleLst/>
+    <dgm:forEach name="Name12" axis="ch" ptType="node">
+      <dgm:layoutNode name="node">
+        <dgm:varLst>
+          <dgm:bulletEnabled val="1"/>
+        </dgm:varLst>
+        <dgm:alg type="tx"/>
+        <dgm:shape xmlns:r="http://schemas.openxmlformats.org/officeDocument/2006/relationships" type="roundRect" r:blip="">
+          <dgm:adjLst/>
+        </dgm:shape>
+        <dgm:presOf axis="desOrSelf" ptType="node"/>
+        <dgm:constrLst>
+          <dgm:constr type="h" refType="w" fact="0.65"/>
+          <dgm:constr type="tMarg" refType="primFontSz" fact="0.3"/>
+          <dgm:constr type="bMarg" refType="primFontSz" fact="0.3"/>
+          <dgm:constr type="lMarg" refType="primFontSz" fact="0.3"/>
+          <dgm:constr type="rMarg" refType="primFontSz" fact="0.3"/>
+        </dgm:constrLst>
+        <dgm:ruleLst>
+          <dgm:rule type="primFontSz" val="5" fact="NaN" max="NaN"/>
+        </dgm:ruleLst>
+      </dgm:layoutNode>
+      <dgm:choose name="Name13">
+        <dgm:if name="Name14" axis="par ch" ptType="doc node" func="cnt" op="gt" val="1">
+          <dgm:layoutNode name="spNode">
+            <dgm:alg type="sp"/>
+            <dgm:shape xmlns:r="http://schemas.openxmlformats.org/officeDocument/2006/relationships" r:blip="">
+              <dgm:adjLst/>
+            </dgm:shape>
+            <dgm:presOf/>
+            <dgm:constrLst>
+              <dgm:constr type="h" refType="w"/>
+            </dgm:constrLst>
+            <dgm:ruleLst/>
+          </dgm:layoutNode>
+          <dgm:forEach name="Name15" axis="followSib" ptType="sibTrans" hideLastTrans="0" cnt="1">
+            <dgm:layoutNode name="sibTrans">
+              <dgm:alg type="conn">
+                <dgm:param type="dim" val="1D"/>
+                <dgm:param type="connRout" val="curve"/>
+                <dgm:param type="begPts" val="radial"/>
+                <dgm:param type="endPts" val="radial"/>
+              </dgm:alg>
+              <dgm:shape xmlns:r="http://schemas.openxmlformats.org/officeDocument/2006/relationships" type="conn" r:blip="">
+                <dgm:adjLst/>
+              </dgm:shape>
+              <dgm:presOf axis="self"/>
+              <dgm:constrLst>
+                <dgm:constr type="h" refType="w" fact="0.65"/>
+                <dgm:constr type="connDist"/>
+                <dgm:constr type="begPad" refType="connDist" fact="0.2"/>
+                <dgm:constr type="endPad" refType="connDist" fact="0.2"/>
+              </dgm:constrLst>
+              <dgm:ruleLst/>
+            </dgm:layoutNode>
+          </dgm:forEach>
+        </dgm:if>
+        <dgm:else name="Name16"/>
+      </dgm:choose>
+    </dgm:forEach>
+  </dgm:layoutNode>
+</dgm:layoutDef>
+</file>
+
 <file path=ppt/diagrams/quickStyle1.xml><?xml version="1.0" encoding="utf-8"?>
+<dgm:styleDef xmlns:dgm="http://schemas.openxmlformats.org/drawingml/2006/diagram" xmlns:a="http://schemas.openxmlformats.org/drawingml/2006/main" uniqueId="urn:microsoft.com/office/officeart/2005/8/quickstyle/simple1">
+  <dgm:title val=""/>
+  <dgm:desc val=""/>
+  <dgm:catLst>
+    <dgm:cat type="simple" pri="10100"/>
+  </dgm:catLst>
+  <dgm:scene3d>
+    <a:camera prst="orthographicFront"/>
+    <a:lightRig rig="threePt" dir="t"/>
+  </dgm:scene3d>
+  <dgm:styleLbl name="node0">
+    <dgm:scene3d>
+      <a:camera prst="orthographicFront"/>
+      <a:lightRig rig="threePt" dir="t"/>
+    </dgm:scene3d>
+    <dgm:sp3d/>
+    <dgm:txPr/>
+    <dgm:style>
+      <a:lnRef idx="2">
+        <a:scrgbClr r="0" g="0" b="0"/>
+      </a:lnRef>
+      <a:fillRef idx="1">
+        <a:scrgbClr r="0" g="0" b="0"/>
+      </a:fillRef>
+      <a:effectRef idx="0">
+        <a:scrgbClr r="0" g="0" b="0"/>
+      </a:effectRef>
+      <a:fontRef idx="minor">
+        <a:schemeClr val="lt1"/>
+      </a:fontRef>
+    </dgm:style>
+  </dgm:styleLbl>
+  <dgm:styleLbl name="lnNode1">
+    <dgm:scene3d>
+      <a:camera prst="orthographicFront"/>
+      <a:lightRig rig="threePt" dir="t"/>
+    </dgm:scene3d>
+    <dgm:sp3d/>
+    <dgm:txPr/>
+    <dgm:style>
+      <a:lnRef idx="2">
+        <a:scrgbClr r="0" g="0" b="0"/>
+      </a:lnRef>
+      <a:fillRef idx="1">
+        <a:scrgbClr r="0" g="0" b="0"/>
+      </a:fillRef>
+      <a:effectRef idx="0">
+        <a:scrgbClr r="0" g="0" b="0"/>
+      </a:effectRef>
+      <a:fontRef idx="minor">
+        <a:schemeClr val="lt1"/>
+      </a:fontRef>
+    </dgm:style>
+  </dgm:styleLbl>
+  <dgm:styleLbl name="vennNode1">
+    <dgm:scene3d>
+      <a:camera prst="orthographicFront"/>
+      <a:lightRig rig="threePt" dir="t"/>
+    </dgm:scene3d>
+    <dgm:sp3d/>
+    <dgm:txPr/>
+    <dgm:style>
+      <a:lnRef idx="2">
+        <a:scrgbClr r="0" g="0" b="0"/>
+      </a:lnRef>
+      <a:fillRef idx="1">
+        <a:scrgbClr r="0" g="0" b="0"/>
+      </a:fillRef>
+      <a:effectRef idx="0">
+        <a:scrgbClr r="0" g="0" b="0"/>
+      </a:effectRef>
+      <a:fontRef idx="minor">
+        <a:schemeClr val="tx1"/>
+      </a:fontRef>
+    </dgm:style>
+  </dgm:styleLbl>
+  <dgm:styleLbl name="alignNode1">
+    <dgm:scene3d>
+      <a:camera prst="orthographicFront"/>
+      <a:lightRig rig="threePt" dir="t"/>
+    </dgm:scene3d>
+    <dgm:sp3d/>
+    <dgm:txPr/>
+    <dgm:style>
+      <a:lnRef idx="2">
+        <a:scrgbClr r="0" g="0" b="0"/>
+      </a:lnRef>
+      <a:fillRef idx="1">
+        <a:scrgbClr r="0" g="0" b="0"/>
+      </a:fillRef>
+      <a:effectRef idx="0">
+        <a:scrgbClr r="0" g="0" b="0"/>
+      </a:effectRef>
+      <a:fontRef idx="minor">
+        <a:schemeClr val="lt1"/>
+      </a:fontRef>
+    </dgm:style>
+  </dgm:styleLbl>
+  <dgm:styleLbl name="node1">
+    <dgm:scene3d>
+      <a:camera prst="orthographicFront"/>
+      <a:lightRig rig="threePt" dir="t"/>
+    </dgm:scene3d>
+    <dgm:sp3d/>
+    <dgm:txPr/>
+    <dgm:style>
+      <a:lnRef idx="2">
+        <a:scrgbClr r="0" g="0" b="0"/>
+      </a:lnRef>
+      <a:fillRef idx="1">
+        <a:scrgbClr r="0" g="0" b="0"/>
+      </a:fillRef>
+      <a:effectRef idx="0">
+        <a:scrgbClr r="0" g="0" b="0"/>
+      </a:effectRef>
+      <a:fontRef idx="minor">
+        <a:schemeClr val="lt1"/>
+      </a:fontRef>
+    </dgm:style>
+  </dgm:styleLbl>
+  <dgm:styleLbl name="node2">
+    <dgm:scene3d>
+      <a:camera prst="orthographicFront"/>
+      <a:lightRig rig="threePt" dir="t"/>
+    </dgm:scene3d>
+    <dgm:sp3d/>
+    <dgm:txPr/>
+    <dgm:style>
+      <a:lnRef idx="2">
+        <a:scrgbClr r="0" g="0" b="0"/>
+      </a:lnRef>
+      <a:fillRef idx="1">
+        <a:scrgbClr r="0" g="0" b="0"/>
+      </a:fillRef>
+      <a:effectRef idx="0">
+        <a:scrgbClr r="0" g="0" b="0"/>
+      </a:effectRef>
+      <a:fontRef idx="minor">
+        <a:schemeClr val="lt1"/>
+      </a:fontRef>
+    </dgm:style>
+  </dgm:styleLbl>
+  <dgm:styleLbl name="node3">
+    <dgm:scene3d>
+      <a:camera prst="orthographicFront"/>
+      <a:lightRig rig="threePt" dir="t"/>
+    </dgm:scene3d>
+    <dgm:sp3d/>
+    <dgm:txPr/>
+    <dgm:style>
+      <a:lnRef idx="2">
+        <a:scrgbClr r="0" g="0" b="0"/>
+      </a:lnRef>
+      <a:fillRef idx="1">
+        <a:scrgbClr r="0" g="0" b="0"/>
+      </a:fillRef>
+      <a:effectRef idx="0">
+        <a:scrgbClr r="0" g="0" b="0"/>
+      </a:effectRef>
+      <a:fontRef idx="minor">
+        <a:schemeClr val="lt1"/>
+      </a:fontRef>
+    </dgm:style>
+  </dgm:styleLbl>
+  <dgm:styleLbl name="node4">
+    <dgm:scene3d>
+      <a:camera prst="orthographicFront"/>
+      <a:lightRig rig="threePt" dir="t"/>
+    </dgm:scene3d>
+    <dgm:sp3d/>
+    <dgm:txPr/>
+    <dgm:style>
+      <a:lnRef idx="2">
+        <a:scrgbClr r="0" g="0" b="0"/>
+      </a:lnRef>
+      <a:fillRef idx="1">
+        <a:scrgbClr r="0" g="0" b="0"/>
+      </a:fillRef>
+      <a:effectRef idx="0">
+        <a:scrgbClr r="0" g="0" b="0"/>
+      </a:effectRef>
+      <a:fontRef idx="minor">
+        <a:schemeClr val="lt1"/>
+      </a:fontRef>
+    </dgm:style>
+  </dgm:styleLbl>
+  <dgm:styleLbl name="fgImgPlace1">
+    <dgm:scene3d>
+      <a:camera prst="orthographicFront"/>
+      <a:lightRig rig="threePt" dir="t"/>
+    </dgm:scene3d>
+    <dgm:sp3d/>
+    <dgm:txPr/>
+    <dgm:style>
+      <a:lnRef idx="2">
+        <a:scrgbClr r="0" g="0" b="0"/>
+      </a:lnRef>
+      <a:fillRef idx="1">
+        <a:scrgbClr r="0" g="0" b="0"/>
+      </a:fillRef>
+      <a:effectRef idx="0">
+        <a:scrgbClr r="0" g="0" b="0"/>
+      </a:effectRef>
+      <a:fontRef idx="minor"/>
+    </dgm:style>
+  </dgm:styleLbl>
+  <dgm:styleLbl name="alignImgPlace1">
+    <dgm:scene3d>
+      <a:camera prst="orthographicFront"/>
+      <a:lightRig rig="threePt" dir="t"/>
+    </dgm:scene3d>
+    <dgm:sp3d/>
+    <dgm:txPr/>
+    <dgm:style>
+      <a:lnRef idx="2">
+        <a:scrgbClr r="0" g="0" b="0"/>
+      </a:lnRef>
+      <a:fillRef idx="1">
+        <a:scrgbClr r="0" g="0" b="0"/>
+      </a:fillRef>
+      <a:effectRef idx="0">
+        <a:scrgbClr r="0" g="0" b="0"/>
+      </a:effectRef>
+      <a:fontRef idx="minor"/>
+    </dgm:style>
+  </dgm:styleLbl>
+  <dgm:styleLbl name="bgImgPlace1">
+    <dgm:scene3d>
+      <a:camera prst="orthographicFront"/>
+      <a:lightRig rig="threePt" dir="t"/>
+    </dgm:scene3d>
+    <dgm:sp3d/>
+    <dgm:txPr/>
+    <dgm:style>
+      <a:lnRef idx="2">
+        <a:scrgbClr r="0" g="0" b="0"/>
+      </a:lnRef>
+      <a:fillRef idx="1">
+        <a:scrgbClr r="0" g="0" b="0"/>
+      </a:fillRef>
+      <a:effectRef idx="0">
+        <a:scrgbClr r="0" g="0" b="0"/>
+      </a:effectRef>
+      <a:fontRef idx="minor"/>
+    </dgm:style>
+  </dgm:styleLbl>
+  <dgm:styleLbl name="sibTrans2D1">
+    <dgm:scene3d>
+      <a:camera prst="orthographicFront"/>
+      <a:lightRig rig="threePt" dir="t"/>
+    </dgm:scene3d>
+    <dgm:sp3d/>
+    <dgm:txPr/>
+    <dgm:style>
+      <a:lnRef idx="0">
+        <a:scrgbClr r="0" g="0" b="0"/>
+      </a:lnRef>
+      <a:fillRef idx="1">
+        <a:scrgbClr r="0" g="0" b="0"/>
+      </a:fillRef>
+      <a:effectRef idx="0">
+        <a:scrgbClr r="0" g="0" b="0"/>
+      </a:effectRef>
+      <a:fontRef idx="minor">
+        <a:schemeClr val="lt1"/>
+      </a:fontRef>
+    </dgm:style>
+  </dgm:styleLbl>
+  <dgm:styleLbl name="fgSibTrans2D1">
+    <dgm:scene3d>
+      <a:camera prst="orthographicFront"/>
+      <a:lightRig rig="threePt" dir="t"/>
+    </dgm:scene3d>
+    <dgm:sp3d/>
+    <dgm:txPr/>
+    <dgm:style>
+      <a:lnRef idx="0">
+        <a:scrgbClr r="0" g="0" b="0"/>
+      </a:lnRef>
+      <a:fillRef idx="1">
+        <a:scrgbClr r="0" g="0" b="0"/>
+      </a:fillRef>
+      <a:effectRef idx="0">
+        <a:scrgbClr r="0" g="0" b="0"/>
+      </a:effectRef>
+      <a:fontRef idx="minor">
+        <a:schemeClr val="lt1"/>
+      </a:fontRef>
+    </dgm:style>
+  </dgm:styleLbl>
+  <dgm:styleLbl name="bgSibTrans2D1">
+    <dgm:scene3d>
+      <a:camera prst="orthographicFront"/>
+      <a:lightRig rig="threePt" dir="t"/>
+    </dgm:scene3d>
+    <dgm:sp3d/>
+    <dgm:txPr/>
+    <dgm:style>
+      <a:lnRef idx="0">
+        <a:scrgbClr r="0" g="0" b="0"/>
+      </a:lnRef>
+      <a:fillRef idx="1">
+        <a:scrgbClr r="0" g="0" b="0"/>
+      </a:fillRef>
+      <a:effectRef idx="0">
+        <a:scrgbClr r="0" g="0" b="0"/>
+      </a:effectRef>
+      <a:fontRef idx="minor">
+        <a:schemeClr val="lt1"/>
+      </a:fontRef>
+    </dgm:style>
+  </dgm:styleLbl>
+  <dgm:styleLbl name="sibTrans1D1">
+    <dgm:scene3d>
+      <a:camera prst="orthographicFront"/>
+      <a:lightRig rig="threePt" dir="t"/>
+    </dgm:scene3d>
+    <dgm:sp3d/>
+    <dgm:txPr/>
+    <dgm:style>
+      <a:lnRef idx="1">
+        <a:scrgbClr r="0" g="0" b="0"/>
+      </a:lnRef>
+      <a:fillRef idx="0">
+        <a:scrgbClr r="0" g="0" b="0"/>
+      </a:fillRef>
+      <a:effectRef idx="0">
+        <a:scrgbClr r="0" g="0" b="0"/>
+      </a:effectRef>
+      <a:fontRef idx="minor"/>
+    </dgm:style>
+  </dgm:styleLbl>
+  <dgm:styleLbl name="callout">
+    <dgm:scene3d>
+      <a:camera prst="orthographicFront"/>
+      <a:lightRig rig="threePt" dir="t"/>
+    </dgm:scene3d>
+    <dgm:sp3d/>
+    <dgm:txPr/>
+    <dgm:style>
+      <a:lnRef idx="2">
+        <a:scrgbClr r="0" g="0" b="0"/>
+      </a:lnRef>
+      <a:fillRef idx="1">
+        <a:scrgbClr r="0" g="0" b="0"/>
+      </a:fillRef>
+      <a:effectRef idx="0">
+        <a:scrgbClr r="0" g="0" b="0"/>
+      </a:effectRef>
+      <a:fontRef idx="minor"/>
+    </dgm:style>
+  </dgm:styleLbl>
+  <dgm:styleLbl name="asst0">
+    <dgm:scene3d>
+      <a:camera prst="orthographicFront"/>
+      <a:lightRig rig="threePt" dir="t"/>
+    </dgm:scene3d>
+    <dgm:sp3d/>
+    <dgm:txPr/>
+    <dgm:style>
+      <a:lnRef idx="2">
+        <a:scrgbClr r="0" g="0" b="0"/>
+      </a:lnRef>
+      <a:fillRef idx="1">
+        <a:scrgbClr r="0" g="0" b="0"/>
+      </a:fillRef>
+      <a:effectRef idx="0">
+        <a:scrgbClr r="0" g="0" b="0"/>
+      </a:effectRef>
+      <a:fontRef idx="minor">
+        <a:schemeClr val="lt1"/>
+      </a:fontRef>
+    </dgm:style>
+  </dgm:styleLbl>
+  <dgm:styleLbl name="asst1">
+    <dgm:scene3d>
+      <a:camera prst="orthographicFront"/>
+      <a:lightRig rig="threePt" dir="t"/>
+    </dgm:scene3d>
+    <dgm:sp3d/>
+    <dgm:txPr/>
+    <dgm:style>
+      <a:lnRef idx="2">
+        <a:scrgbClr r="0" g="0" b="0"/>
+      </a:lnRef>
+      <a:fillRef idx="1">
+        <a:scrgbClr r="0" g="0" b="0"/>
+      </a:fillRef>
+      <a:effectRef idx="0">
+        <a:scrgbClr r="0" g="0" b="0"/>
+      </a:effectRef>
+      <a:fontRef idx="minor">
+        <a:schemeClr val="lt1"/>
+      </a:fontRef>
+    </dgm:style>
+  </dgm:styleLbl>
+  <dgm:styleLbl name="asst2">
+    <dgm:scene3d>
+      <a:camera prst="orthographicFront"/>
+      <a:lightRig rig="threePt" dir="t"/>
+    </dgm:scene3d>
+    <dgm:sp3d/>
+    <dgm:txPr/>
+    <dgm:style>
+      <a:lnRef idx="2">
+        <a:scrgbClr r="0" g="0" b="0"/>
+      </a:lnRef>
+      <a:fillRef idx="1">
+        <a:scrgbClr r="0" g="0" b="0"/>
+      </a:fillRef>
+      <a:effectRef idx="0">
+        <a:scrgbClr r="0" g="0" b="0"/>
+      </a:effectRef>
+      <a:fontRef idx="minor">
+        <a:schemeClr val="lt1"/>
+      </a:fontRef>
+    </dgm:style>
+  </dgm:styleLbl>
+  <dgm:styleLbl name="asst3">
+    <dgm:scene3d>
+      <a:camera prst="orthographicFront"/>
+      <a:lightRig rig="threePt" dir="t"/>
+    </dgm:scene3d>
+    <dgm:sp3d/>
+    <dgm:txPr/>
+    <dgm:style>
+      <a:lnRef idx="2">
+        <a:scrgbClr r="0" g="0" b="0"/>
+      </a:lnRef>
+      <a:fillRef idx="1">
+        <a:scrgbClr r="0" g="0" b="0"/>
+      </a:fillRef>
+      <a:effectRef idx="0">
+        <a:scrgbClr r="0" g="0" b="0"/>
+      </a:effectRef>
+      <a:fontRef idx="minor">
+        <a:schemeClr val="lt1"/>
+      </a:fontRef>
+    </dgm:style>
+  </dgm:styleLbl>
+  <dgm:styleLbl name="asst4">
+    <dgm:scene3d>
+      <a:camera prst="orthographicFront"/>
+      <a:lightRig rig="threePt" dir="t"/>
+    </dgm:scene3d>
+    <dgm:sp3d/>
+    <dgm:txPr/>
+    <dgm:style>
+      <a:lnRef idx="2">
+        <a:scrgbClr r="0" g="0" b="0"/>
+      </a:lnRef>
+      <a:fillRef idx="1">
+        <a:scrgbClr r="0" g="0" b="0"/>
+      </a:fillRef>
+      <a:effectRef idx="0">
+        <a:scrgbClr r="0" g="0" b="0"/>
+      </a:effectRef>
+      <a:fontRef idx="minor">
+        <a:schemeClr val="lt1"/>
+      </a:fontRef>
+    </dgm:style>
+  </dgm:styleLbl>
+  <dgm:styleLbl name="parChTrans2D1">
+    <dgm:scene3d>
+      <a:camera prst="orthographicFront"/>
+      <a:lightRig rig="threePt" dir="t"/>
+    </dgm:scene3d>
+    <dgm:sp3d/>
+    <dgm:txPr/>
+    <dgm:style>
+      <a:lnRef idx="2">
+        <a:scrgbClr r="0" g="0" b="0"/>
+      </a:lnRef>
+      <a:fillRef idx="1">
+        <a:scrgbClr r="0" g="0" b="0"/>
+      </a:fillRef>
+      <a:effectRef idx="0">
+        <a:scrgbClr r="0" g="0" b="0"/>
+      </a:effectRef>
+      <a:fontRef idx="minor">
+        <a:schemeClr val="lt1"/>
+      </a:fontRef>
+    </dgm:style>
+  </dgm:styleLbl>
+  <dgm:styleLbl name="parChTrans2D2">
+    <dgm:scene3d>
+      <a:camera prst="orthographicFront"/>
+      <a:lightRig rig="threePt" dir="t"/>
+    </dgm:scene3d>
+    <dgm:sp3d/>
+    <dgm:txPr/>
+    <dgm:style>
+      <a:lnRef idx="2">
+        <a:scrgbClr r="0" g="0" b="0"/>
+      </a:lnRef>
+      <a:fillRef idx="1">
+        <a:scrgbClr r="0" g="0" b="0"/>
+      </a:fillRef>
+      <a:effectRef idx="0">
+        <a:scrgbClr r="0" g="0" b="0"/>
+      </a:effectRef>
+      <a:fontRef idx="minor">
+        <a:schemeClr val="lt1"/>
+      </a:fontRef>
+    </dgm:style>
+  </dgm:styleLbl>
+  <dgm:styleLbl name="parChTrans2D3">
+    <dgm:scene3d>
+      <a:camera prst="orthographicFront"/>
+      <a:lightRig rig="threePt" dir="t"/>
+    </dgm:scene3d>
+    <dgm:sp3d/>
+    <dgm:txPr/>
+    <dgm:style>
+      <a:lnRef idx="2">
+        <a:scrgbClr r="0" g="0" b="0"/>
+      </a:lnRef>
+      <a:fillRef idx="1">
+        <a:scrgbClr r="0" g="0" b="0"/>
+      </a:fillRef>
+      <a:effectRef idx="0">
+        <a:scrgbClr r="0" g="0" b="0"/>
+      </a:effectRef>
+      <a:fontRef idx="minor">
+        <a:schemeClr val="lt1"/>
+      </a:fontRef>
+    </dgm:style>
+  </dgm:styleLbl>
+  <dgm:styleLbl name="parChTrans2D4">
+    <dgm:scene3d>
+      <a:camera prst="orthographicFront"/>
+      <a:lightRig rig="threePt" dir="t"/>
+    </dgm:scene3d>
+    <dgm:sp3d/>
+    <dgm:txPr/>
+    <dgm:style>
+      <a:lnRef idx="2">
+        <a:scrgbClr r="0" g="0" b="0"/>
+      </a:lnRef>
+      <a:fillRef idx="1">
+        <a:scrgbClr r="0" g="0" b="0"/>
+      </a:fillRef>
+      <a:effectRef idx="0">
+        <a:scrgbClr r="0" g="0" b="0"/>
+      </a:effectRef>
+      <a:fontRef idx="minor">
+        <a:schemeClr val="lt1"/>
+      </a:fontRef>
+    </dgm:style>
+  </dgm:styleLbl>
+  <dgm:styleLbl name="parChTrans1D1">
+    <dgm:scene3d>
+      <a:camera prst="orthographicFront"/>
+      <a:lightRig rig="threePt" dir="t"/>
+    </dgm:scene3d>
+    <dgm:sp3d/>
+    <dgm:txPr/>
+    <dgm:style>
+      <a:lnRef idx="2">
+        <a:scrgbClr r="0" g="0" b="0"/>
+      </a:lnRef>
+      <a:fillRef idx="0">
+        <a:scrgbClr r="0" g="0" b="0"/>
+      </a:fillRef>
+      <a:effectRef idx="0">
+        <a:scrgbClr r="0" g="0" b="0"/>
+      </a:effectRef>
+      <a:fontRef idx="minor"/>
+    </dgm:style>
+  </dgm:styleLbl>
+  <dgm:styleLbl name="parChTrans1D2">
+    <dgm:scene3d>
+      <a:camera prst="orthographicFront"/>
+      <a:lightRig rig="threePt" dir="t"/>
+    </dgm:scene3d>
+    <dgm:sp3d/>
+    <dgm:txPr/>
+    <dgm:style>
+      <a:lnRef idx="2">
+        <a:scrgbClr r="0" g="0" b="0"/>
+      </a:lnRef>
+      <a:fillRef idx="0">
+        <a:scrgbClr r="0" g="0" b="0"/>
+      </a:fillRef>
+      <a:effectRef idx="0">
+        <a:scrgbClr r="0" g="0" b="0"/>
+      </a:effectRef>
+      <a:fontRef idx="minor"/>
+    </dgm:style>
+  </dgm:styleLbl>
+  <dgm:styleLbl name="parChTrans1D3">
+    <dgm:scene3d>
+      <a:camera prst="orthographicFront"/>
+      <a:lightRig rig="threePt" dir="t"/>
+    </dgm:scene3d>
+    <dgm:sp3d/>
+    <dgm:txPr/>
+    <dgm:style>
+      <a:lnRef idx="2">
+        <a:scrgbClr r="0" g="0" b="0"/>
+      </a:lnRef>
+      <a:fillRef idx="0">
+        <a:scrgbClr r="0" g="0" b="0"/>
+      </a:fillRef>
+      <a:effectRef idx="0">
+        <a:scrgbClr r="0" g="0" b="0"/>
+      </a:effectRef>
+      <a:fontRef idx="minor"/>
+    </dgm:style>
+  </dgm:styleLbl>
+  <dgm:styleLbl name="parChTrans1D4">
+    <dgm:scene3d>
+      <a:camera prst="orthographicFront"/>
+      <a:lightRig rig="threePt" dir="t"/>
+    </dgm:scene3d>
+    <dgm:sp3d/>
+    <dgm:txPr/>
+    <dgm:style>
+      <a:lnRef idx="2">
+        <a:scrgbClr r="0" g="0" b="0"/>
+      </a:lnRef>
+      <a:fillRef idx="0">
+        <a:scrgbClr r="0" g="0" b="0"/>
+      </a:fillRef>
+      <a:effectRef idx="0">
+        <a:scrgbClr r="0" g="0" b="0"/>
+      </a:effectRef>
+      <a:fontRef idx="minor"/>
+    </dgm:style>
+  </dgm:styleLbl>
+  <dgm:styleLbl name="fgAcc1">
+    <dgm:scene3d>
+      <a:camera prst="orthographicFront"/>
+      <a:lightRig rig="threePt" dir="t"/>
+    </dgm:scene3d>
+    <dgm:sp3d/>
+    <dgm:txPr/>
+    <dgm:style>
+      <a:lnRef idx="2">
+        <a:scrgbClr r="0" g="0" b="0"/>
+      </a:lnRef>
+      <a:fillRef idx="1">
+        <a:scrgbClr r="0" g="0" b="0"/>
+      </a:fillRef>
+      <a:effectRef idx="0">
+        <a:scrgbClr r="0" g="0" b="0"/>
+      </a:effectRef>
+      <a:fontRef idx="minor"/>
+    </dgm:style>
+  </dgm:styleLbl>
+  <dgm:styleLbl name="conFgAcc1">
+    <dgm:scene3d>
+      <a:camera prst="orthographicFront"/>
+      <a:lightRig rig="threePt" dir="t"/>
+    </dgm:scene3d>
+    <dgm:sp3d/>
+    <dgm:txPr/>
+    <dgm:style>
+      <a:lnRef idx="2">
+        <a:scrgbClr r="0" g="0" b="0"/>
+      </a:lnRef>
+      <a:fillRef idx="1">
+        <a:scrgbClr r="0" g="0" b="0"/>
+      </a:fillRef>
+      <a:effectRef idx="0">
+        <a:scrgbClr r="0" g="0" b="0"/>
+      </a:effectRef>
+      <a:fontRef idx="minor"/>
+    </dgm:style>
+  </dgm:styleLbl>
+  <dgm:styleLbl name="alignAcc1">
+    <dgm:scene3d>
+      <a:camera prst="orthographicFront"/>
+      <a:lightRig rig="threePt" dir="t"/>
+    </dgm:scene3d>
+    <dgm:sp3d/>
+    <dgm:txPr/>
+    <dgm:style>
+      <a:lnRef idx="2">
+        <a:scrgbClr r="0" g="0" b="0"/>
+      </a:lnRef>
+      <a:fillRef idx="1">
+        <a:scrgbClr r="0" g="0" b="0"/>
+      </a:fillRef>
+      <a:effectRef idx="0">
+        <a:scrgbClr r="0" g="0" b="0"/>
+      </a:effectRef>
+      <a:fontRef idx="minor"/>
+    </dgm:style>
+  </dgm:styleLbl>
+  <dgm:styleLbl name="trAlignAcc1">
+    <dgm:scene3d>
+      <a:camera prst="orthographicFront"/>
+      <a:lightRig rig="threePt" dir="t"/>
+    </dgm:scene3d>
+    <dgm:sp3d/>
+    <dgm:txPr/>
+    <dgm:style>
+      <a:lnRef idx="1">
+        <a:scrgbClr r="0" g="0" b="0"/>
+      </a:lnRef>
+      <a:fillRef idx="1">
+        <a:scrgbClr r="0" g="0" b="0"/>
+      </a:fillRef>
+      <a:effectRef idx="0">
+        <a:scrgbClr r="0" g="0" b="0"/>
+      </a:effectRef>
+      <a:fontRef idx="minor"/>
+    </dgm:style>
+  </dgm:styleLbl>
+  <dgm:styleLbl name="bgAcc1">
+    <dgm:scene3d>
+      <a:camera prst="orthographicFront"/>
+      <a:lightRig rig="threePt" dir="t"/>
+    </dgm:scene3d>
+    <dgm:sp3d/>
+    <dgm:txPr/>
+    <dgm:style>
+      <a:lnRef idx="2">
+        <a:scrgbClr r="0" g="0" b="0"/>
+      </a:lnRef>
+      <a:fillRef idx="1">
+        <a:scrgbClr r="0" g="0" b="0"/>
+      </a:fillRef>
+      <a:effectRef idx="0">
+        <a:scrgbClr r="0" g="0" b="0"/>
+      </a:effectRef>
+      <a:fontRef idx="minor"/>
+    </dgm:style>
+  </dgm:styleLbl>
+  <dgm:styleLbl name="solidFgAcc1">
+    <dgm:scene3d>
+      <a:camera prst="orthographicFront"/>
+      <a:lightRig rig="threePt" dir="t"/>
+    </dgm:scene3d>
+    <dgm:sp3d/>
+    <dgm:txPr/>
+    <dgm:style>
+      <a:lnRef idx="2">
+        <a:scrgbClr r="0" g="0" b="0"/>
+      </a:lnRef>
+      <a:fillRef idx="1">
+        <a:scrgbClr r="0" g="0" b="0"/>
+      </a:fillRef>
+      <a:effectRef idx="0">
+        <a:scrgbClr r="0" g="0" b="0"/>
+      </a:effectRef>
+      <a:fontRef idx="minor"/>
+    </dgm:style>
+  </dgm:styleLbl>
+  <dgm:styleLbl name="solidAlignAcc1">
+    <dgm:scene3d>
+      <a:camera prst="orthographicFront"/>
+      <a:lightRig rig="threePt" dir="t"/>
+    </dgm:scene3d>
+    <dgm:sp3d/>
+    <dgm:txPr/>
+    <dgm:style>
+      <a:lnRef idx="2">
+        <a:scrgbClr r="0" g="0" b="0"/>
+      </a:lnRef>
+      <a:fillRef idx="1">
+        <a:scrgbClr r="0" g="0" b="0"/>
+      </a:fillRef>
+      <a:effectRef idx="0">
+        <a:scrgbClr r="0" g="0" b="0"/>
+      </a:effectRef>
+      <a:fontRef idx="minor"/>
+    </dgm:style>
+  </dgm:styleLbl>
+  <dgm:styleLbl name="solidBgAcc1">
+    <dgm:scene3d>
+      <a:camera prst="orthographicFront"/>
+      <a:lightRig rig="threePt" dir="t"/>
+    </dgm:scene3d>
+    <dgm:sp3d/>
+    <dgm:txPr/>
+    <dgm:style>
+      <a:lnRef idx="2">
+        <a:scrgbClr r="0" g="0" b="0"/>
+      </a:lnRef>
+      <a:fillRef idx="1">
+        <a:scrgbClr r="0" g="0" b="0"/>
+      </a:fillRef>
+      <a:effectRef idx="0">
+        <a:scrgbClr r="0" g="0" b="0"/>
+      </a:effectRef>
+      <a:fontRef idx="minor"/>
+    </dgm:style>
+  </dgm:styleLbl>
+  <dgm:styleLbl name="fgAccFollowNode1">
+    <dgm:scene3d>
+      <a:camera prst="orthographicFront"/>
+      <a:lightRig rig="threePt" dir="t"/>
+    </dgm:scene3d>
+    <dgm:sp3d/>
+    <dgm:txPr/>
+    <dgm:style>
+      <a:lnRef idx="2">
+        <a:scrgbClr r="0" g="0" b="0"/>
+      </a:lnRef>
+      <a:fillRef idx="1">
+        <a:scrgbClr r="0" g="0" b="0"/>
+      </a:fillRef>
+      <a:effectRef idx="0">
+        <a:scrgbClr r="0" g="0" b="0"/>
+      </a:effectRef>
+      <a:fontRef idx="minor"/>
+    </dgm:style>
+  </dgm:styleLbl>
+  <dgm:styleLbl name="alignAccFollowNode1">
+    <dgm:scene3d>
+      <a:camera prst="orthographicFront"/>
+      <a:lightRig rig="threePt" dir="t"/>
+    </dgm:scene3d>
+    <dgm:sp3d/>
+    <dgm:txPr/>
+    <dgm:style>
+      <a:lnRef idx="2">
+        <a:scrgbClr r="0" g="0" b="0"/>
+      </a:lnRef>
+      <a:fillRef idx="1">
+        <a:scrgbClr r="0" g="0" b="0"/>
+      </a:fillRef>
+      <a:effectRef idx="0">
+        <a:scrgbClr r="0" g="0" b="0"/>
+      </a:effectRef>
+      <a:fontRef idx="minor"/>
+    </dgm:style>
+  </dgm:styleLbl>
+  <dgm:styleLbl name="bgAccFollowNode1">
+    <dgm:scene3d>
+      <a:camera prst="orthographicFront"/>
+      <a:lightRig rig="threePt" dir="t"/>
+    </dgm:scene3d>
+    <dgm:sp3d/>
+    <dgm:txPr/>
+    <dgm:style>
+      <a:lnRef idx="2">
+        <a:scrgbClr r="0" g="0" b="0"/>
+      </a:lnRef>
+      <a:fillRef idx="1">
+        <a:scrgbClr r="0" g="0" b="0"/>
+      </a:fillRef>
+      <a:effectRef idx="0">
+        <a:scrgbClr r="0" g="0" b="0"/>
+      </a:effectRef>
+      <a:fontRef idx="minor"/>
+    </dgm:style>
+  </dgm:styleLbl>
+  <dgm:styleLbl name="fgAcc0">
+    <dgm:scene3d>
+      <a:camera prst="orthographicFront"/>
+      <a:lightRig rig="threePt" dir="t"/>
+    </dgm:scene3d>
+    <dgm:sp3d/>
+    <dgm:txPr/>
+    <dgm:style>
+      <a:lnRef idx="2">
+        <a:scrgbClr r="0" g="0" b="0"/>
+      </a:lnRef>
+      <a:fillRef idx="1">
+        <a:scrgbClr r="0" g="0" b="0"/>
+      </a:fillRef>
+      <a:effectRef idx="0">
+        <a:scrgbClr r="0" g="0" b="0"/>
+      </a:effectRef>
+      <a:fontRef idx="minor"/>
+    </dgm:style>
+  </dgm:styleLbl>
+  <dgm:styleLbl name="fgAcc2">
+    <dgm:scene3d>
+      <a:camera prst="orthographicFront"/>
+      <a:lightRig rig="threePt" dir="t"/>
+    </dgm:scene3d>
+    <dgm:sp3d/>
+    <dgm:txPr/>
+    <dgm:style>
+      <a:lnRef idx="2">
+        <a:scrgbClr r="0" g="0" b="0"/>
+      </a:lnRef>
+      <a:fillRef idx="1">
+        <a:scrgbClr r="0" g="0" b="0"/>
+      </a:fillRef>
+      <a:effectRef idx="0">
+        <a:scrgbClr r="0" g="0" b="0"/>
+      </a:effectRef>
+      <a:fontRef idx="minor"/>
+    </dgm:style>
+  </dgm:styleLbl>
+  <dgm:styleLbl name="fgAcc3">
+    <dgm:scene3d>
+      <a:camera prst="orthographicFront"/>
+      <a:lightRig rig="threePt" dir="t"/>
+    </dgm:scene3d>
+    <dgm:sp3d/>
+    <dgm:txPr/>
+    <dgm:style>
+      <a:lnRef idx="2">
+        <a:scrgbClr r="0" g="0" b="0"/>
+      </a:lnRef>
+      <a:fillRef idx="1">
+        <a:scrgbClr r="0" g="0" b="0"/>
+      </a:fillRef>
+      <a:effectRef idx="0">
+        <a:scrgbClr r="0" g="0" b="0"/>
+      </a:effectRef>
+      <a:fontRef idx="minor"/>
+    </dgm:style>
+  </dgm:styleLbl>
+  <dgm:styleLbl name="fgAcc4">
+    <dgm:scene3d>
+      <a:camera prst="orthographicFront"/>
+      <a:lightRig rig="threePt" dir="t"/>
+    </dgm:scene3d>
+    <dgm:sp3d/>
+    <dgm:txPr/>
+    <dgm:style>
+      <a:lnRef idx="2">
+        <a:scrgbClr r="0" g="0" b="0"/>
+      </a:lnRef>
+      <a:fillRef idx="1">
+        <a:scrgbClr r="0" g="0" b="0"/>
+      </a:fillRef>
+      <a:effectRef idx="0">
+        <a:scrgbClr r="0" g="0" b="0"/>
+      </a:effectRef>
+      <a:fontRef idx="minor"/>
+    </dgm:style>
+  </dgm:styleLbl>
+  <dgm:styleLbl name="bgShp">
+    <dgm:scene3d>
+      <a:camera prst="orthographicFront"/>
+      <a:lightRig rig="threePt" dir="t"/>
+    </dgm:scene3d>
+    <dgm:sp3d/>
+    <dgm:txPr/>
+    <dgm:style>
+      <a:lnRef idx="0">
+        <a:scrgbClr r="0" g="0" b="0"/>
+      </a:lnRef>
+      <a:fillRef idx="1">
+        <a:scrgbClr r="0" g="0" b="0"/>
+      </a:fillRef>
+      <a:effectRef idx="0">
+        <a:scrgbClr r="0" g="0" b="0"/>
+      </a:effectRef>
+      <a:fontRef idx="minor"/>
+    </dgm:style>
+  </dgm:styleLbl>
+  <dgm:styleLbl name="dkBgShp">
+    <dgm:scene3d>
+      <a:camera prst="orthographicFront"/>
+      <a:lightRig rig="threePt" dir="t"/>
+    </dgm:scene3d>
+    <dgm:sp3d/>
+    <dgm:txPr/>
+    <dgm:style>
+      <a:lnRef idx="0">
+        <a:scrgbClr r="0" g="0" b="0"/>
+      </a:lnRef>
+      <a:fillRef idx="1">
+        <a:scrgbClr r="0" g="0" b="0"/>
+      </a:fillRef>
+      <a:effectRef idx="0">
+        <a:scrgbClr r="0" g="0" b="0"/>
+      </a:effectRef>
+      <a:fontRef idx="minor"/>
+    </dgm:style>
+  </dgm:styleLbl>
+  <dgm:styleLbl name="trBgShp">
+    <dgm:scene3d>
+      <a:camera prst="orthographicFront"/>
+      <a:lightRig rig="threePt" dir="t"/>
+    </dgm:scene3d>
+    <dgm:sp3d/>
+    <dgm:txPr/>
+    <dgm:style>
+      <a:lnRef idx="0">
+        <a:scrgbClr r="0" g="0" b="0"/>
+      </a:lnRef>
+      <a:fillRef idx="1">
+        <a:scrgbClr r="0" g="0" b="0"/>
+      </a:fillRef>
+      <a:effectRef idx="0">
+        <a:scrgbClr r="0" g="0" b="0"/>
+      </a:effectRef>
+      <a:fontRef idx="minor"/>
+    </dgm:style>
+  </dgm:styleLbl>
+  <dgm:styleLbl name="fgShp">
+    <dgm:scene3d>
+      <a:camera prst="orthographicFront"/>
+      <a:lightRig rig="threePt" dir="t"/>
+    </dgm:scene3d>
+    <dgm:sp3d/>
+    <dgm:txPr/>
+    <dgm:style>
+      <a:lnRef idx="2">
+        <a:scrgbClr r="0" g="0" b="0"/>
+      </a:lnRef>
+      <a:fillRef idx="1">
+        <a:scrgbClr r="0" g="0" b="0"/>
+      </a:fillRef>
+      <a:effectRef idx="0">
+        <a:scrgbClr r="0" g="0" b="0"/>
+      </a:effectRef>
+      <a:fontRef idx="minor"/>
+    </dgm:style>
+  </dgm:styleLbl>
+  <dgm:styleLbl name="revTx">
+    <dgm:scene3d>
+      <a:camera prst="orthographicFront"/>
+      <a:lightRig rig="threePt" dir="t"/>
+    </dgm:scene3d>
+    <dgm:sp3d/>
+    <dgm:txPr/>
+    <dgm:style>
+      <a:lnRef idx="0">
+        <a:scrgbClr r="0" g="0" b="0"/>
+      </a:lnRef>
+      <a:fillRef idx="0">
+        <a:scrgbClr r="0" g="0" b="0"/>
+      </a:fillRef>
+      <a:effectRef idx="0">
+        <a:scrgbClr r="0" g="0" b="0"/>
+      </a:effectRef>
+      <a:fontRef idx="minor"/>
+    </dgm:style>
+  </dgm:styleLbl>
+</dgm:styleDef>
+</file>
+
+<file path=ppt/diagrams/quickStyle2.xml><?xml version="1.0" encoding="utf-8"?>
 <dgm:styleDef xmlns:dgm="http://schemas.openxmlformats.org/drawingml/2006/diagram" xmlns:a="http://schemas.openxmlformats.org/drawingml/2006/main" uniqueId="urn:microsoft.com/office/officeart/2005/8/quickstyle/simple1">
   <dgm:title val=""/>
   <dgm:desc val=""/>
@@ -9875,7 +13939,7 @@
         </p:blipFill>
         <p:spPr bwMode="auto">
           <a:xfrm>
-            <a:off x="8008834" y="1826009"/>
+            <a:off x="515435" y="3212134"/>
             <a:ext cx="3968470" cy="1992988"/>
           </a:xfrm>
           <a:prstGeom prst="rect">
@@ -9893,30 +13957,6 @@
           </a:extLst>
         </p:spPr>
       </p:pic>
-      <p:pic>
-        <p:nvPicPr>
-          <p:cNvPr id="8" name="Espace réservé du contenu 6"/>
-          <p:cNvPicPr>
-            <a:picLocks noChangeAspect="1"/>
-          </p:cNvPicPr>
-          <p:nvPr/>
-        </p:nvPicPr>
-        <p:blipFill>
-          <a:blip r:embed="rId3"/>
-          <a:stretch>
-            <a:fillRect/>
-          </a:stretch>
-        </p:blipFill>
-        <p:spPr>
-          <a:xfrm>
-            <a:off x="275656" y="4012886"/>
-            <a:ext cx="5671126" cy="1973263"/>
-          </a:xfrm>
-          <a:prstGeom prst="rect">
-            <a:avLst/>
-          </a:prstGeom>
-        </p:spPr>
-      </p:pic>
       <p:sp>
         <p:nvSpPr>
           <p:cNvPr id="7" name="ZoneTexte 6"/>
@@ -9925,8 +13965,8 @@
         </p:nvSpPr>
         <p:spPr>
           <a:xfrm>
-            <a:off x="5106390" y="4012886"/>
-            <a:ext cx="6574971" cy="1780890"/>
+            <a:off x="4697343" y="4291696"/>
+            <a:ext cx="6574971" cy="2242441"/>
           </a:xfrm>
           <a:prstGeom prst="rect">
             <a:avLst/>
@@ -10156,9 +14196,16 @@
             </a:lvl9pPr>
           </a:lstStyle>
           <a:p>
+            <a:endParaRPr lang="fr-FR" dirty="0" smtClean="0"/>
+          </a:p>
+          <a:p>
+            <a:r>
+              <a:rPr lang="fr-FR" dirty="0" smtClean="0"/>
+              <a:t>S’assurer </a:t>
+            </a:r>
             <a:r>
               <a:rPr lang="fr-FR" dirty="0"/>
-              <a:t>S’assurer que la base est lue, modifiable avec des sécurités</a:t>
+              <a:t>que la base est lue, modifiable avec des sécurités</a:t>
             </a:r>
           </a:p>
           <a:p>
@@ -10180,6 +14227,46 @@
           </a:p>
         </p:txBody>
       </p:sp>
+      <p:pic>
+        <p:nvPicPr>
+          <p:cNvPr id="9" name="Image 8"/>
+          <p:cNvPicPr>
+            <a:picLocks noChangeAspect="1"/>
+          </p:cNvPicPr>
+          <p:nvPr/>
+        </p:nvPicPr>
+        <p:blipFill>
+          <a:blip r:embed="rId3">
+            <a:clrChange>
+              <a:clrFrom>
+                <a:srgbClr val="FFFFFF"/>
+              </a:clrFrom>
+              <a:clrTo>
+                <a:srgbClr val="FFFFFF">
+                  <a:alpha val="0"/>
+                </a:srgbClr>
+              </a:clrTo>
+            </a:clrChange>
+            <a:extLst>
+              <a:ext uri="{28A0092B-C50C-407E-A947-70E740481C1C}">
+                <a14:useLocalDpi xmlns:a14="http://schemas.microsoft.com/office/drawing/2010/main" val="0"/>
+              </a:ext>
+            </a:extLst>
+          </a:blip>
+          <a:stretch>
+            <a:fillRect/>
+          </a:stretch>
+        </p:blipFill>
+        <p:spPr>
+          <a:xfrm>
+            <a:off x="6172991" y="2300060"/>
+            <a:ext cx="5771429" cy="2342857"/>
+          </a:xfrm>
+          <a:prstGeom prst="rect">
+            <a:avLst/>
+          </a:prstGeom>
+        </p:spPr>
+      </p:pic>
     </p:spTree>
     <p:extLst>
       <p:ext uri="{BB962C8B-B14F-4D97-AF65-F5344CB8AC3E}">
@@ -12041,10 +16128,9 @@
               <a:t>rétropro</a:t>
             </a:r>
             <a:r>
-              <a:rPr lang="fr-FR" smtClean="0"/>
+              <a:rPr lang="fr-FR" dirty="0" smtClean="0"/>
               <a:t> </a:t>
             </a:r>
-            <a:endParaRPr lang="fr-FR" dirty="0" smtClean="0"/>
           </a:p>
           <a:p>
             <a:pPr>
@@ -12150,6 +16236,929 @@
     <p:extLst>
       <p:ext uri="{BB962C8B-B14F-4D97-AF65-F5344CB8AC3E}">
         <p14:creationId xmlns:p14="http://schemas.microsoft.com/office/powerpoint/2010/main" val="3750280687"/>
+      </p:ext>
+    </p:extLst>
+  </p:cSld>
+  <p:clrMapOvr>
+    <a:masterClrMapping/>
+  </p:clrMapOvr>
+</p:sld>
+</file>
+
+<file path=ppt/slides/slide26.xml><?xml version="1.0" encoding="utf-8"?>
+<p:sld xmlns:a="http://schemas.openxmlformats.org/drawingml/2006/main" xmlns:r="http://schemas.openxmlformats.org/officeDocument/2006/relationships" xmlns:p="http://schemas.openxmlformats.org/presentationml/2006/main">
+  <p:cSld>
+    <p:spTree>
+      <p:nvGrpSpPr>
+        <p:cNvPr id="1" name=""/>
+        <p:cNvGrpSpPr/>
+        <p:nvPr/>
+      </p:nvGrpSpPr>
+      <p:grpSpPr>
+        <a:xfrm>
+          <a:off x="0" y="0"/>
+          <a:ext cx="0" cy="0"/>
+          <a:chOff x="0" y="0"/>
+          <a:chExt cx="0" cy="0"/>
+        </a:xfrm>
+      </p:grpSpPr>
+      <p:sp>
+        <p:nvSpPr>
+          <p:cNvPr id="2" name="Titre 1"/>
+          <p:cNvSpPr>
+            <a:spLocks noGrp="1"/>
+          </p:cNvSpPr>
+          <p:nvPr>
+            <p:ph type="title"/>
+          </p:nvPr>
+        </p:nvSpPr>
+        <p:spPr/>
+        <p:txBody>
+          <a:bodyPr/>
+          <a:lstStyle/>
+          <a:p>
+            <a:r>
+              <a:rPr lang="fr-FR" dirty="0" smtClean="0"/>
+              <a:t>Exemple </a:t>
+            </a:r>
+            <a:endParaRPr lang="fr-FR" dirty="0"/>
+          </a:p>
+        </p:txBody>
+      </p:sp>
+      <p:sp>
+        <p:nvSpPr>
+          <p:cNvPr id="3" name="Espace réservé du contenu 2"/>
+          <p:cNvSpPr>
+            <a:spLocks noGrp="1"/>
+          </p:cNvSpPr>
+          <p:nvPr>
+            <p:ph idx="1"/>
+          </p:nvPr>
+        </p:nvSpPr>
+        <p:spPr/>
+        <p:txBody>
+          <a:bodyPr/>
+          <a:lstStyle/>
+          <a:p>
+            <a:r>
+              <a:rPr lang="fr-FR" dirty="0" smtClean="0"/>
+              <a:t>Captures d’écran des listes (tous les élèves, tous les profs, toutes les taches du technicien, etc.)</a:t>
+            </a:r>
+            <a:endParaRPr lang="fr-FR" dirty="0"/>
+          </a:p>
+        </p:txBody>
+      </p:sp>
+      <p:sp>
+        <p:nvSpPr>
+          <p:cNvPr id="4" name="Espace réservé de la date 3"/>
+          <p:cNvSpPr>
+            <a:spLocks noGrp="1"/>
+          </p:cNvSpPr>
+          <p:nvPr>
+            <p:ph type="dt" sz="half" idx="10"/>
+          </p:nvPr>
+        </p:nvSpPr>
+        <p:spPr/>
+        <p:txBody>
+          <a:bodyPr/>
+          <a:lstStyle/>
+          <a:p>
+            <a:fld id="{BDB15C81-58F2-43AA-9262-CA7775F4E737}" type="datetime1">
+              <a:rPr lang="fr-FR" smtClean="0"/>
+              <a:t>12/06/2018</a:t>
+            </a:fld>
+            <a:endParaRPr lang="fr-FR"/>
+          </a:p>
+        </p:txBody>
+      </p:sp>
+      <p:sp>
+        <p:nvSpPr>
+          <p:cNvPr id="5" name="Espace réservé du pied de page 4"/>
+          <p:cNvSpPr>
+            <a:spLocks noGrp="1"/>
+          </p:cNvSpPr>
+          <p:nvPr>
+            <p:ph type="ftr" sz="quarter" idx="11"/>
+          </p:nvPr>
+        </p:nvSpPr>
+        <p:spPr/>
+        <p:txBody>
+          <a:bodyPr/>
+          <a:lstStyle/>
+          <a:p>
+            <a:r>
+              <a:rPr lang="en-US" smtClean="0"/>
+              <a:t>Projet Factory 2018  - SOPRA STERIA</a:t>
+            </a:r>
+            <a:endParaRPr lang="fr-FR"/>
+          </a:p>
+        </p:txBody>
+      </p:sp>
+      <p:sp>
+        <p:nvSpPr>
+          <p:cNvPr id="6" name="Espace réservé du numéro de diapositive 5"/>
+          <p:cNvSpPr>
+            <a:spLocks noGrp="1"/>
+          </p:cNvSpPr>
+          <p:nvPr>
+            <p:ph type="sldNum" sz="quarter" idx="12"/>
+          </p:nvPr>
+        </p:nvSpPr>
+        <p:spPr/>
+        <p:txBody>
+          <a:bodyPr/>
+          <a:lstStyle/>
+          <a:p>
+            <a:fld id="{E506C3F7-4F35-43F5-8795-B10B1BF3F7E2}" type="slidenum">
+              <a:rPr lang="fr-FR" smtClean="0"/>
+              <a:t>26</a:t>
+            </a:fld>
+            <a:endParaRPr lang="fr-FR"/>
+          </a:p>
+        </p:txBody>
+      </p:sp>
+    </p:spTree>
+    <p:extLst>
+      <p:ext uri="{BB962C8B-B14F-4D97-AF65-F5344CB8AC3E}">
+        <p14:creationId xmlns:p14="http://schemas.microsoft.com/office/powerpoint/2010/main" val="3674131713"/>
+      </p:ext>
+    </p:extLst>
+  </p:cSld>
+  <p:clrMapOvr>
+    <a:masterClrMapping/>
+  </p:clrMapOvr>
+</p:sld>
+</file>
+
+<file path=ppt/slides/slide27.xml><?xml version="1.0" encoding="utf-8"?>
+<p:sld xmlns:a="http://schemas.openxmlformats.org/drawingml/2006/main" xmlns:r="http://schemas.openxmlformats.org/officeDocument/2006/relationships" xmlns:p="http://schemas.openxmlformats.org/presentationml/2006/main">
+  <p:cSld>
+    <p:spTree>
+      <p:nvGrpSpPr>
+        <p:cNvPr id="1" name=""/>
+        <p:cNvGrpSpPr/>
+        <p:nvPr/>
+      </p:nvGrpSpPr>
+      <p:grpSpPr>
+        <a:xfrm>
+          <a:off x="0" y="0"/>
+          <a:ext cx="0" cy="0"/>
+          <a:chOff x="0" y="0"/>
+          <a:chExt cx="0" cy="0"/>
+        </a:xfrm>
+      </p:grpSpPr>
+      <p:sp>
+        <p:nvSpPr>
+          <p:cNvPr id="2" name="Titre 1"/>
+          <p:cNvSpPr>
+            <a:spLocks noGrp="1"/>
+          </p:cNvSpPr>
+          <p:nvPr>
+            <p:ph type="title"/>
+          </p:nvPr>
+        </p:nvSpPr>
+        <p:spPr/>
+        <p:txBody>
+          <a:bodyPr/>
+          <a:lstStyle/>
+          <a:p>
+            <a:r>
+              <a:rPr lang="fr-FR" dirty="0" smtClean="0"/>
+              <a:t>Identification Utilisateur/</a:t>
+            </a:r>
+            <a:r>
+              <a:rPr lang="fr-FR" dirty="0" err="1" smtClean="0"/>
+              <a:t>Admin</a:t>
+            </a:r>
+            <a:endParaRPr lang="fr-FR" dirty="0"/>
+          </a:p>
+        </p:txBody>
+      </p:sp>
+      <p:graphicFrame>
+        <p:nvGraphicFramePr>
+          <p:cNvPr id="7" name="Espace réservé du contenu 6"/>
+          <p:cNvGraphicFramePr>
+            <a:graphicFrameLocks noGrp="1"/>
+          </p:cNvGraphicFramePr>
+          <p:nvPr>
+            <p:ph idx="1"/>
+            <p:extLst>
+              <p:ext uri="{D42A27DB-BD31-4B8C-83A1-F6EECF244321}">
+                <p14:modId xmlns:p14="http://schemas.microsoft.com/office/powerpoint/2010/main" val="4057178108"/>
+              </p:ext>
+            </p:extLst>
+          </p:nvPr>
+        </p:nvGraphicFramePr>
+        <p:xfrm>
+          <a:off x="1154083" y="2036763"/>
+          <a:ext cx="10058400" cy="3505200"/>
+        </p:xfrm>
+        <a:graphic>
+          <a:graphicData uri="http://schemas.openxmlformats.org/drawingml/2006/table">
+            <a:tbl>
+              <a:tblPr firstRow="1" bandRow="1">
+                <a:tableStyleId>{5C22544A-7EE6-4342-B048-85BDC9FD1C3A}</a:tableStyleId>
+              </a:tblPr>
+              <a:tblGrid>
+                <a:gridCol w="5029200"/>
+                <a:gridCol w="5029200"/>
+              </a:tblGrid>
+              <a:tr h="370840">
+                <a:tc>
+                  <a:txBody>
+                    <a:bodyPr/>
+                    <a:lstStyle/>
+                    <a:p>
+                      <a:pPr algn="ctr"/>
+                      <a:r>
+                        <a:rPr lang="fr-FR" sz="2000" dirty="0" err="1" smtClean="0"/>
+                        <a:t>Admin</a:t>
+                      </a:r>
+                      <a:endParaRPr lang="fr-FR" sz="2000" dirty="0"/>
+                    </a:p>
+                  </a:txBody>
+                  <a:tcPr/>
+                </a:tc>
+                <a:tc>
+                  <a:txBody>
+                    <a:bodyPr/>
+                    <a:lstStyle/>
+                    <a:p>
+                      <a:pPr algn="ctr"/>
+                      <a:r>
+                        <a:rPr lang="fr-FR" sz="2000" dirty="0" smtClean="0"/>
+                        <a:t>User</a:t>
+                      </a:r>
+                      <a:endParaRPr lang="fr-FR" sz="2000" dirty="0"/>
+                    </a:p>
+                  </a:txBody>
+                  <a:tcPr/>
+                </a:tc>
+              </a:tr>
+              <a:tr h="370840">
+                <a:tc>
+                  <a:txBody>
+                    <a:bodyPr/>
+                    <a:lstStyle/>
+                    <a:p>
+                      <a:pPr algn="ctr"/>
+                      <a:r>
+                        <a:rPr lang="fr-FR" sz="2000" dirty="0" smtClean="0"/>
+                        <a:t>Peut créer des login/mot de passe</a:t>
+                      </a:r>
+                      <a:endParaRPr lang="fr-FR" sz="2000" dirty="0"/>
+                    </a:p>
+                  </a:txBody>
+                  <a:tcPr/>
+                </a:tc>
+                <a:tc>
+                  <a:txBody>
+                    <a:bodyPr/>
+                    <a:lstStyle/>
+                    <a:p>
+                      <a:pPr algn="ctr"/>
+                      <a:r>
+                        <a:rPr lang="fr-FR" sz="2000" dirty="0" smtClean="0"/>
+                        <a:t>A accès à ses données : tâches à faire, cours à</a:t>
+                      </a:r>
+                      <a:r>
+                        <a:rPr lang="fr-FR" sz="2000" baseline="0" dirty="0" smtClean="0"/>
+                        <a:t> donner, cours à suivre (avec toutes les infos utiles)</a:t>
+                      </a:r>
+                      <a:endParaRPr lang="fr-FR" sz="2000" dirty="0"/>
+                    </a:p>
+                  </a:txBody>
+                  <a:tcPr/>
+                </a:tc>
+              </a:tr>
+              <a:tr h="370840">
+                <a:tc>
+                  <a:txBody>
+                    <a:bodyPr/>
+                    <a:lstStyle/>
+                    <a:p>
+                      <a:pPr algn="ctr"/>
+                      <a:r>
+                        <a:rPr lang="fr-FR" sz="2000" dirty="0" smtClean="0"/>
+                        <a:t>Peut créer des formations, modules, </a:t>
+                      </a:r>
+                      <a:r>
+                        <a:rPr lang="fr-FR" sz="2000" dirty="0" err="1" smtClean="0"/>
+                        <a:t>etc</a:t>
+                      </a:r>
+                      <a:endParaRPr lang="fr-FR" sz="2000" dirty="0"/>
+                    </a:p>
+                  </a:txBody>
+                  <a:tcPr/>
+                </a:tc>
+                <a:tc>
+                  <a:txBody>
+                    <a:bodyPr/>
+                    <a:lstStyle/>
+                    <a:p>
+                      <a:pPr algn="ctr"/>
+                      <a:r>
+                        <a:rPr lang="fr-FR" sz="2000" dirty="0" smtClean="0"/>
+                        <a:t>Doit avoir son login/mot de passe pour accéder au site </a:t>
+                      </a:r>
+                      <a:endParaRPr lang="fr-FR" sz="2000" dirty="0"/>
+                    </a:p>
+                  </a:txBody>
+                  <a:tcPr/>
+                </a:tc>
+              </a:tr>
+              <a:tr h="370840">
+                <a:tc>
+                  <a:txBody>
+                    <a:bodyPr/>
+                    <a:lstStyle/>
+                    <a:p>
+                      <a:pPr algn="ctr"/>
+                      <a:r>
+                        <a:rPr lang="fr-FR" sz="2000" dirty="0" smtClean="0"/>
+                        <a:t>Peut gérer les affectations</a:t>
+                      </a:r>
+                      <a:r>
+                        <a:rPr lang="fr-FR" sz="2000" baseline="0" dirty="0" smtClean="0"/>
+                        <a:t> des ressources humaines et matérielles</a:t>
+                      </a:r>
+                      <a:endParaRPr lang="fr-FR" sz="2000" dirty="0"/>
+                    </a:p>
+                  </a:txBody>
+                  <a:tcPr/>
+                </a:tc>
+                <a:tc>
+                  <a:txBody>
+                    <a:bodyPr/>
+                    <a:lstStyle/>
+                    <a:p>
+                      <a:pPr algn="ctr"/>
+                      <a:r>
+                        <a:rPr lang="fr-FR" sz="2000" dirty="0" smtClean="0"/>
+                        <a:t>Ne peut</a:t>
+                      </a:r>
+                      <a:r>
+                        <a:rPr lang="fr-FR" sz="2000" baseline="0" dirty="0" smtClean="0"/>
+                        <a:t> pas avoir accès à un autre emploi du temps que le sien </a:t>
+                      </a:r>
+                      <a:endParaRPr lang="fr-FR" sz="2000" dirty="0"/>
+                    </a:p>
+                  </a:txBody>
+                  <a:tcPr/>
+                </a:tc>
+              </a:tr>
+              <a:tr h="370840">
+                <a:tc>
+                  <a:txBody>
+                    <a:bodyPr/>
+                    <a:lstStyle/>
+                    <a:p>
+                      <a:pPr algn="ctr"/>
+                      <a:r>
+                        <a:rPr lang="fr-FR" sz="2000" dirty="0" smtClean="0"/>
+                        <a:t>Doit renseigner</a:t>
+                      </a:r>
+                      <a:r>
+                        <a:rPr lang="fr-FR" sz="2000" baseline="0" dirty="0" smtClean="0"/>
+                        <a:t> tous les champs lors de la création de formation, etc.</a:t>
+                      </a:r>
+                      <a:endParaRPr lang="fr-FR" sz="2000" dirty="0"/>
+                    </a:p>
+                  </a:txBody>
+                  <a:tcPr/>
+                </a:tc>
+                <a:tc>
+                  <a:txBody>
+                    <a:bodyPr/>
+                    <a:lstStyle/>
+                    <a:p>
+                      <a:pPr algn="ctr"/>
+                      <a:endParaRPr lang="fr-FR" sz="2000" dirty="0"/>
+                    </a:p>
+                  </a:txBody>
+                  <a:tcPr/>
+                </a:tc>
+              </a:tr>
+            </a:tbl>
+          </a:graphicData>
+        </a:graphic>
+      </p:graphicFrame>
+      <p:sp>
+        <p:nvSpPr>
+          <p:cNvPr id="4" name="Espace réservé de la date 3"/>
+          <p:cNvSpPr>
+            <a:spLocks noGrp="1"/>
+          </p:cNvSpPr>
+          <p:nvPr>
+            <p:ph type="dt" sz="half" idx="10"/>
+          </p:nvPr>
+        </p:nvSpPr>
+        <p:spPr/>
+        <p:txBody>
+          <a:bodyPr/>
+          <a:lstStyle/>
+          <a:p>
+            <a:fld id="{BDB15C81-58F2-43AA-9262-CA7775F4E737}" type="datetime1">
+              <a:rPr lang="fr-FR" smtClean="0"/>
+              <a:t>12/06/2018</a:t>
+            </a:fld>
+            <a:endParaRPr lang="fr-FR"/>
+          </a:p>
+        </p:txBody>
+      </p:sp>
+      <p:sp>
+        <p:nvSpPr>
+          <p:cNvPr id="5" name="Espace réservé du pied de page 4"/>
+          <p:cNvSpPr>
+            <a:spLocks noGrp="1"/>
+          </p:cNvSpPr>
+          <p:nvPr>
+            <p:ph type="ftr" sz="quarter" idx="11"/>
+          </p:nvPr>
+        </p:nvSpPr>
+        <p:spPr/>
+        <p:txBody>
+          <a:bodyPr/>
+          <a:lstStyle/>
+          <a:p>
+            <a:r>
+              <a:rPr lang="en-US" smtClean="0"/>
+              <a:t>Projet Factory 2018  - SOPRA STERIA</a:t>
+            </a:r>
+            <a:endParaRPr lang="fr-FR"/>
+          </a:p>
+        </p:txBody>
+      </p:sp>
+      <p:sp>
+        <p:nvSpPr>
+          <p:cNvPr id="6" name="Espace réservé du numéro de diapositive 5"/>
+          <p:cNvSpPr>
+            <a:spLocks noGrp="1"/>
+          </p:cNvSpPr>
+          <p:nvPr>
+            <p:ph type="sldNum" sz="quarter" idx="12"/>
+          </p:nvPr>
+        </p:nvSpPr>
+        <p:spPr/>
+        <p:txBody>
+          <a:bodyPr/>
+          <a:lstStyle/>
+          <a:p>
+            <a:fld id="{E506C3F7-4F35-43F5-8795-B10B1BF3F7E2}" type="slidenum">
+              <a:rPr lang="fr-FR" smtClean="0"/>
+              <a:t>27</a:t>
+            </a:fld>
+            <a:endParaRPr lang="fr-FR"/>
+          </a:p>
+        </p:txBody>
+      </p:sp>
+    </p:spTree>
+    <p:extLst>
+      <p:ext uri="{BB962C8B-B14F-4D97-AF65-F5344CB8AC3E}">
+        <p14:creationId xmlns:p14="http://schemas.microsoft.com/office/powerpoint/2010/main" val="3350037169"/>
+      </p:ext>
+    </p:extLst>
+  </p:cSld>
+  <p:clrMapOvr>
+    <a:masterClrMapping/>
+  </p:clrMapOvr>
+</p:sld>
+</file>
+
+<file path=ppt/slides/slide28.xml><?xml version="1.0" encoding="utf-8"?>
+<p:sld xmlns:a="http://schemas.openxmlformats.org/drawingml/2006/main" xmlns:r="http://schemas.openxmlformats.org/officeDocument/2006/relationships" xmlns:p="http://schemas.openxmlformats.org/presentationml/2006/main">
+  <p:cSld>
+    <p:spTree>
+      <p:nvGrpSpPr>
+        <p:cNvPr id="1" name=""/>
+        <p:cNvGrpSpPr/>
+        <p:nvPr/>
+      </p:nvGrpSpPr>
+      <p:grpSpPr>
+        <a:xfrm>
+          <a:off x="0" y="0"/>
+          <a:ext cx="0" cy="0"/>
+          <a:chOff x="0" y="0"/>
+          <a:chExt cx="0" cy="0"/>
+        </a:xfrm>
+      </p:grpSpPr>
+      <p:sp>
+        <p:nvSpPr>
+          <p:cNvPr id="2" name="Titre 1"/>
+          <p:cNvSpPr>
+            <a:spLocks noGrp="1"/>
+          </p:cNvSpPr>
+          <p:nvPr>
+            <p:ph type="title"/>
+          </p:nvPr>
+        </p:nvSpPr>
+        <p:spPr/>
+        <p:txBody>
+          <a:bodyPr/>
+          <a:lstStyle/>
+          <a:p>
+            <a:r>
+              <a:rPr lang="fr-FR" dirty="0" smtClean="0"/>
+              <a:t>Processus Administrateur :</a:t>
+            </a:r>
+            <a:endParaRPr lang="fr-FR" dirty="0"/>
+          </a:p>
+        </p:txBody>
+      </p:sp>
+      <p:sp>
+        <p:nvSpPr>
+          <p:cNvPr id="4" name="Espace réservé de la date 3"/>
+          <p:cNvSpPr>
+            <a:spLocks noGrp="1"/>
+          </p:cNvSpPr>
+          <p:nvPr>
+            <p:ph type="dt" sz="half" idx="10"/>
+          </p:nvPr>
+        </p:nvSpPr>
+        <p:spPr/>
+        <p:txBody>
+          <a:bodyPr/>
+          <a:lstStyle/>
+          <a:p>
+            <a:fld id="{BDB15C81-58F2-43AA-9262-CA7775F4E737}" type="datetime1">
+              <a:rPr lang="fr-FR" smtClean="0"/>
+              <a:t>12/06/2018</a:t>
+            </a:fld>
+            <a:endParaRPr lang="fr-FR"/>
+          </a:p>
+        </p:txBody>
+      </p:sp>
+      <p:sp>
+        <p:nvSpPr>
+          <p:cNvPr id="5" name="Espace réservé du pied de page 4"/>
+          <p:cNvSpPr>
+            <a:spLocks noGrp="1"/>
+          </p:cNvSpPr>
+          <p:nvPr>
+            <p:ph type="ftr" sz="quarter" idx="11"/>
+          </p:nvPr>
+        </p:nvSpPr>
+        <p:spPr/>
+        <p:txBody>
+          <a:bodyPr/>
+          <a:lstStyle/>
+          <a:p>
+            <a:r>
+              <a:rPr lang="en-US" smtClean="0"/>
+              <a:t>Projet Factory 2018  - SOPRA STERIA</a:t>
+            </a:r>
+            <a:endParaRPr lang="fr-FR"/>
+          </a:p>
+        </p:txBody>
+      </p:sp>
+      <p:sp>
+        <p:nvSpPr>
+          <p:cNvPr id="6" name="Espace réservé du numéro de diapositive 5"/>
+          <p:cNvSpPr>
+            <a:spLocks noGrp="1"/>
+          </p:cNvSpPr>
+          <p:nvPr>
+            <p:ph type="sldNum" sz="quarter" idx="12"/>
+          </p:nvPr>
+        </p:nvSpPr>
+        <p:spPr/>
+        <p:txBody>
+          <a:bodyPr/>
+          <a:lstStyle/>
+          <a:p>
+            <a:fld id="{E506C3F7-4F35-43F5-8795-B10B1BF3F7E2}" type="slidenum">
+              <a:rPr lang="fr-FR" smtClean="0"/>
+              <a:t>28</a:t>
+            </a:fld>
+            <a:endParaRPr lang="fr-FR"/>
+          </a:p>
+        </p:txBody>
+      </p:sp>
+      <p:graphicFrame>
+        <p:nvGraphicFramePr>
+          <p:cNvPr id="33" name="Diagramme 32"/>
+          <p:cNvGraphicFramePr/>
+          <p:nvPr>
+            <p:extLst>
+              <p:ext uri="{D42A27DB-BD31-4B8C-83A1-F6EECF244321}">
+                <p14:modId xmlns:p14="http://schemas.microsoft.com/office/powerpoint/2010/main" val="3673432361"/>
+              </p:ext>
+            </p:extLst>
+          </p:nvPr>
+        </p:nvGraphicFramePr>
+        <p:xfrm>
+          <a:off x="3002971" y="1922317"/>
+          <a:ext cx="6286502" cy="4416137"/>
+        </p:xfrm>
+        <a:graphic>
+          <a:graphicData uri="http://schemas.openxmlformats.org/drawingml/2006/diagram">
+            <dgm:relIds xmlns:dgm="http://schemas.openxmlformats.org/drawingml/2006/diagram" xmlns:r="http://schemas.openxmlformats.org/officeDocument/2006/relationships" r:dm="rId2" r:lo="rId3" r:qs="rId4" r:cs="rId5"/>
+          </a:graphicData>
+        </a:graphic>
+      </p:graphicFrame>
+      <p:sp>
+        <p:nvSpPr>
+          <p:cNvPr id="34" name="ZoneTexte 33"/>
+          <p:cNvSpPr txBox="1"/>
+          <p:nvPr/>
+        </p:nvSpPr>
+        <p:spPr>
+          <a:xfrm>
+            <a:off x="8104909" y="4572000"/>
+            <a:ext cx="2057400" cy="523220"/>
+          </a:xfrm>
+          <a:prstGeom prst="rect">
+            <a:avLst/>
+          </a:prstGeom>
+          <a:noFill/>
+        </p:spPr>
+        <p:txBody>
+          <a:bodyPr wrap="square" rtlCol="0">
+            <a:spAutoFit/>
+          </a:bodyPr>
+          <a:lstStyle/>
+          <a:p>
+            <a:r>
+              <a:rPr lang="fr-FR" sz="1400" dirty="0" smtClean="0"/>
+              <a:t>Dans le cas d’une modification </a:t>
+            </a:r>
+            <a:endParaRPr lang="fr-FR" sz="1400" dirty="0"/>
+          </a:p>
+        </p:txBody>
+      </p:sp>
+      <p:sp>
+        <p:nvSpPr>
+          <p:cNvPr id="35" name="Rectangle 34"/>
+          <p:cNvSpPr/>
+          <p:nvPr/>
+        </p:nvSpPr>
+        <p:spPr>
+          <a:xfrm>
+            <a:off x="4488873" y="2468079"/>
+            <a:ext cx="779318" cy="633846"/>
+          </a:xfrm>
+          <a:prstGeom prst="rect">
+            <a:avLst/>
+          </a:prstGeom>
+          <a:solidFill>
+            <a:schemeClr val="bg1"/>
+          </a:solidFill>
+          <a:ln>
+            <a:solidFill>
+              <a:schemeClr val="bg1"/>
+            </a:solidFill>
+          </a:ln>
+        </p:spPr>
+        <p:style>
+          <a:lnRef idx="2">
+            <a:schemeClr val="accent1">
+              <a:shade val="50000"/>
+            </a:schemeClr>
+          </a:lnRef>
+          <a:fillRef idx="1">
+            <a:schemeClr val="accent1"/>
+          </a:fillRef>
+          <a:effectRef idx="0">
+            <a:schemeClr val="accent1"/>
+          </a:effectRef>
+          <a:fontRef idx="minor">
+            <a:schemeClr val="lt1"/>
+          </a:fontRef>
+        </p:style>
+        <p:txBody>
+          <a:bodyPr rtlCol="0" anchor="ctr"/>
+          <a:lstStyle/>
+          <a:p>
+            <a:pPr algn="ctr"/>
+            <a:endParaRPr lang="fr-FR"/>
+          </a:p>
+        </p:txBody>
+      </p:sp>
+      <p:sp>
+        <p:nvSpPr>
+          <p:cNvPr id="44" name="Arc 43"/>
+          <p:cNvSpPr/>
+          <p:nvPr/>
+        </p:nvSpPr>
+        <p:spPr>
+          <a:xfrm>
+            <a:off x="3906982" y="3521878"/>
+            <a:ext cx="3148445" cy="384463"/>
+          </a:xfrm>
+          <a:prstGeom prst="arc">
+            <a:avLst>
+              <a:gd name="adj1" fmla="val 16200000"/>
+              <a:gd name="adj2" fmla="val 21314184"/>
+            </a:avLst>
+          </a:prstGeom>
+        </p:spPr>
+        <p:style>
+          <a:lnRef idx="1">
+            <a:schemeClr val="accent6"/>
+          </a:lnRef>
+          <a:fillRef idx="0">
+            <a:schemeClr val="accent6"/>
+          </a:fillRef>
+          <a:effectRef idx="0">
+            <a:schemeClr val="accent6"/>
+          </a:effectRef>
+          <a:fontRef idx="minor">
+            <a:schemeClr val="tx1"/>
+          </a:fontRef>
+        </p:style>
+        <p:txBody>
+          <a:bodyPr rtlCol="0" anchor="ctr"/>
+          <a:lstStyle/>
+          <a:p>
+            <a:pPr algn="ctr"/>
+            <a:endParaRPr lang="fr-FR"/>
+          </a:p>
+        </p:txBody>
+      </p:sp>
+      <p:cxnSp>
+        <p:nvCxnSpPr>
+          <p:cNvPr id="48" name="Connecteur droit avec flèche 47"/>
+          <p:cNvCxnSpPr/>
+          <p:nvPr/>
+        </p:nvCxnSpPr>
+        <p:spPr>
+          <a:xfrm>
+            <a:off x="6757986" y="3605214"/>
+            <a:ext cx="100965" cy="17595"/>
+          </a:xfrm>
+          <a:prstGeom prst="straightConnector1">
+            <a:avLst/>
+          </a:prstGeom>
+          <a:ln>
+            <a:tailEnd type="triangle"/>
+          </a:ln>
+        </p:spPr>
+        <p:style>
+          <a:lnRef idx="1">
+            <a:schemeClr val="accent6"/>
+          </a:lnRef>
+          <a:fillRef idx="0">
+            <a:schemeClr val="accent6"/>
+          </a:fillRef>
+          <a:effectRef idx="0">
+            <a:schemeClr val="accent6"/>
+          </a:effectRef>
+          <a:fontRef idx="minor">
+            <a:schemeClr val="tx1"/>
+          </a:fontRef>
+        </p:style>
+      </p:cxnSp>
+    </p:spTree>
+    <p:extLst>
+      <p:ext uri="{BB962C8B-B14F-4D97-AF65-F5344CB8AC3E}">
+        <p14:creationId xmlns:p14="http://schemas.microsoft.com/office/powerpoint/2010/main" val="1446851542"/>
+      </p:ext>
+    </p:extLst>
+  </p:cSld>
+  <p:clrMapOvr>
+    <a:masterClrMapping/>
+  </p:clrMapOvr>
+</p:sld>
+</file>
+
+<file path=ppt/slides/slide29.xml><?xml version="1.0" encoding="utf-8"?>
+<p:sld xmlns:a="http://schemas.openxmlformats.org/drawingml/2006/main" xmlns:r="http://schemas.openxmlformats.org/officeDocument/2006/relationships" xmlns:p="http://schemas.openxmlformats.org/presentationml/2006/main">
+  <p:cSld>
+    <p:spTree>
+      <p:nvGrpSpPr>
+        <p:cNvPr id="1" name=""/>
+        <p:cNvGrpSpPr/>
+        <p:nvPr/>
+      </p:nvGrpSpPr>
+      <p:grpSpPr>
+        <a:xfrm>
+          <a:off x="0" y="0"/>
+          <a:ext cx="0" cy="0"/>
+          <a:chOff x="0" y="0"/>
+          <a:chExt cx="0" cy="0"/>
+        </a:xfrm>
+      </p:grpSpPr>
+      <p:sp>
+        <p:nvSpPr>
+          <p:cNvPr id="2" name="Titre 1"/>
+          <p:cNvSpPr>
+            <a:spLocks noGrp="1"/>
+          </p:cNvSpPr>
+          <p:nvPr>
+            <p:ph type="title"/>
+          </p:nvPr>
+        </p:nvSpPr>
+        <p:spPr/>
+        <p:txBody>
+          <a:bodyPr/>
+          <a:lstStyle/>
+          <a:p>
+            <a:r>
+              <a:rPr lang="fr-FR" dirty="0" smtClean="0"/>
+              <a:t>Exemple de planning ? </a:t>
+            </a:r>
+            <a:r>
+              <a:rPr lang="fr-FR" dirty="0" smtClean="0">
+                <a:sym typeface="Wingdings" panose="05000000000000000000" pitchFamily="2" charset="2"/>
+              </a:rPr>
+              <a:t> </a:t>
+            </a:r>
+            <a:endParaRPr lang="fr-FR" dirty="0"/>
+          </a:p>
+        </p:txBody>
+      </p:sp>
+      <p:sp>
+        <p:nvSpPr>
+          <p:cNvPr id="3" name="Espace réservé du contenu 2"/>
+          <p:cNvSpPr>
+            <a:spLocks noGrp="1"/>
+          </p:cNvSpPr>
+          <p:nvPr>
+            <p:ph idx="1"/>
+          </p:nvPr>
+        </p:nvSpPr>
+        <p:spPr/>
+        <p:txBody>
+          <a:bodyPr/>
+          <a:lstStyle/>
+          <a:p>
+            <a:endParaRPr lang="fr-FR"/>
+          </a:p>
+        </p:txBody>
+      </p:sp>
+      <p:sp>
+        <p:nvSpPr>
+          <p:cNvPr id="4" name="Espace réservé de la date 3"/>
+          <p:cNvSpPr>
+            <a:spLocks noGrp="1"/>
+          </p:cNvSpPr>
+          <p:nvPr>
+            <p:ph type="dt" sz="half" idx="10"/>
+          </p:nvPr>
+        </p:nvSpPr>
+        <p:spPr/>
+        <p:txBody>
+          <a:bodyPr/>
+          <a:lstStyle/>
+          <a:p>
+            <a:fld id="{BDB15C81-58F2-43AA-9262-CA7775F4E737}" type="datetime1">
+              <a:rPr lang="fr-FR" smtClean="0"/>
+              <a:t>12/06/2018</a:t>
+            </a:fld>
+            <a:endParaRPr lang="fr-FR"/>
+          </a:p>
+        </p:txBody>
+      </p:sp>
+      <p:sp>
+        <p:nvSpPr>
+          <p:cNvPr id="5" name="Espace réservé du pied de page 4"/>
+          <p:cNvSpPr>
+            <a:spLocks noGrp="1"/>
+          </p:cNvSpPr>
+          <p:nvPr>
+            <p:ph type="ftr" sz="quarter" idx="11"/>
+          </p:nvPr>
+        </p:nvSpPr>
+        <p:spPr/>
+        <p:txBody>
+          <a:bodyPr/>
+          <a:lstStyle/>
+          <a:p>
+            <a:r>
+              <a:rPr lang="en-US" smtClean="0"/>
+              <a:t>Projet Factory 2018  - SOPRA STERIA</a:t>
+            </a:r>
+            <a:endParaRPr lang="fr-FR"/>
+          </a:p>
+        </p:txBody>
+      </p:sp>
+      <p:sp>
+        <p:nvSpPr>
+          <p:cNvPr id="6" name="Espace réservé du numéro de diapositive 5"/>
+          <p:cNvSpPr>
+            <a:spLocks noGrp="1"/>
+          </p:cNvSpPr>
+          <p:nvPr>
+            <p:ph type="sldNum" sz="quarter" idx="12"/>
+          </p:nvPr>
+        </p:nvSpPr>
+        <p:spPr/>
+        <p:txBody>
+          <a:bodyPr/>
+          <a:lstStyle/>
+          <a:p>
+            <a:fld id="{E506C3F7-4F35-43F5-8795-B10B1BF3F7E2}" type="slidenum">
+              <a:rPr lang="fr-FR" smtClean="0"/>
+              <a:t>29</a:t>
+            </a:fld>
+            <a:endParaRPr lang="fr-FR"/>
+          </a:p>
+        </p:txBody>
+      </p:sp>
+    </p:spTree>
+    <p:extLst>
+      <p:ext uri="{BB962C8B-B14F-4D97-AF65-F5344CB8AC3E}">
+        <p14:creationId xmlns:p14="http://schemas.microsoft.com/office/powerpoint/2010/main" val="2986260645"/>
       </p:ext>
     </p:extLst>
   </p:cSld>
@@ -12455,6 +17464,1342 @@
       </p:par>
     </p:tnLst>
   </p:timing>
+</p:sld>
+</file>
+
+<file path=ppt/slides/slide30.xml><?xml version="1.0" encoding="utf-8"?>
+<p:sld xmlns:a="http://schemas.openxmlformats.org/drawingml/2006/main" xmlns:r="http://schemas.openxmlformats.org/officeDocument/2006/relationships" xmlns:p="http://schemas.openxmlformats.org/presentationml/2006/main">
+  <p:cSld>
+    <p:spTree>
+      <p:nvGrpSpPr>
+        <p:cNvPr id="1" name=""/>
+        <p:cNvGrpSpPr/>
+        <p:nvPr/>
+      </p:nvGrpSpPr>
+      <p:grpSpPr>
+        <a:xfrm>
+          <a:off x="0" y="0"/>
+          <a:ext cx="0" cy="0"/>
+          <a:chOff x="0" y="0"/>
+          <a:chExt cx="0" cy="0"/>
+        </a:xfrm>
+      </p:grpSpPr>
+      <p:sp>
+        <p:nvSpPr>
+          <p:cNvPr id="2" name="Titre 1"/>
+          <p:cNvSpPr>
+            <a:spLocks noGrp="1"/>
+          </p:cNvSpPr>
+          <p:nvPr>
+            <p:ph type="title"/>
+          </p:nvPr>
+        </p:nvSpPr>
+        <p:spPr/>
+        <p:txBody>
+          <a:bodyPr/>
+          <a:lstStyle/>
+          <a:p>
+            <a:r>
+              <a:rPr lang="fr-FR" dirty="0" smtClean="0"/>
+              <a:t>Option pour le planning</a:t>
+            </a:r>
+            <a:endParaRPr lang="fr-FR" dirty="0"/>
+          </a:p>
+        </p:txBody>
+      </p:sp>
+      <p:sp>
+        <p:nvSpPr>
+          <p:cNvPr id="3" name="Espace réservé du contenu 2"/>
+          <p:cNvSpPr>
+            <a:spLocks noGrp="1"/>
+          </p:cNvSpPr>
+          <p:nvPr>
+            <p:ph idx="1"/>
+          </p:nvPr>
+        </p:nvSpPr>
+        <p:spPr/>
+        <p:txBody>
+          <a:bodyPr/>
+          <a:lstStyle/>
+          <a:p>
+            <a:pPr>
+              <a:buFont typeface="Wingdings" panose="05000000000000000000" pitchFamily="2" charset="2"/>
+              <a:buChar char="§"/>
+            </a:pPr>
+            <a:r>
+              <a:rPr lang="fr-FR" dirty="0" smtClean="0"/>
+              <a:t> ajouter des participants </a:t>
+            </a:r>
+          </a:p>
+          <a:p>
+            <a:pPr>
+              <a:buFont typeface="Wingdings" panose="05000000000000000000" pitchFamily="2" charset="2"/>
+              <a:buChar char="§"/>
+            </a:pPr>
+            <a:r>
+              <a:rPr lang="fr-FR" dirty="0"/>
+              <a:t> </a:t>
+            </a:r>
+            <a:r>
+              <a:rPr lang="fr-FR" dirty="0" smtClean="0"/>
+              <a:t>Drag n Drop </a:t>
+            </a:r>
+          </a:p>
+          <a:p>
+            <a:pPr>
+              <a:buFont typeface="Wingdings" panose="05000000000000000000" pitchFamily="2" charset="2"/>
+              <a:buChar char="§"/>
+            </a:pPr>
+            <a:r>
+              <a:rPr lang="fr-FR" dirty="0"/>
+              <a:t> </a:t>
+            </a:r>
+            <a:r>
+              <a:rPr lang="fr-FR" dirty="0" smtClean="0"/>
+              <a:t>Changement durée évènements </a:t>
+            </a:r>
+          </a:p>
+          <a:p>
+            <a:pPr>
+              <a:buFont typeface="Wingdings" panose="05000000000000000000" pitchFamily="2" charset="2"/>
+              <a:buChar char="§"/>
+            </a:pPr>
+            <a:r>
+              <a:rPr lang="fr-FR" dirty="0"/>
+              <a:t> </a:t>
+            </a:r>
+            <a:r>
+              <a:rPr lang="fr-FR" dirty="0" smtClean="0"/>
+              <a:t>Couleur en fonction de certains critères</a:t>
+            </a:r>
+          </a:p>
+          <a:p>
+            <a:pPr>
+              <a:buFont typeface="Wingdings" panose="05000000000000000000" pitchFamily="2" charset="2"/>
+              <a:buChar char="§"/>
+            </a:pPr>
+            <a:r>
+              <a:rPr lang="fr-FR" dirty="0"/>
+              <a:t> </a:t>
+            </a:r>
+            <a:r>
+              <a:rPr lang="fr-FR" dirty="0" smtClean="0"/>
+              <a:t>Suppression possible sur le calendrier </a:t>
+            </a:r>
+          </a:p>
+          <a:p>
+            <a:pPr>
+              <a:buFont typeface="Wingdings" panose="05000000000000000000" pitchFamily="2" charset="2"/>
+              <a:buChar char="§"/>
+            </a:pPr>
+            <a:r>
+              <a:rPr lang="fr-FR" dirty="0"/>
+              <a:t> </a:t>
+            </a:r>
+            <a:r>
+              <a:rPr lang="fr-FR" dirty="0" smtClean="0"/>
+              <a:t>Plage horaire limitée : 9h00 – 17h30</a:t>
+            </a:r>
+          </a:p>
+          <a:p>
+            <a:pPr>
+              <a:buFont typeface="Wingdings" panose="05000000000000000000" pitchFamily="2" charset="2"/>
+              <a:buChar char="§"/>
+            </a:pPr>
+            <a:endParaRPr lang="fr-FR" dirty="0"/>
+          </a:p>
+        </p:txBody>
+      </p:sp>
+      <p:sp>
+        <p:nvSpPr>
+          <p:cNvPr id="4" name="Espace réservé de la date 3"/>
+          <p:cNvSpPr>
+            <a:spLocks noGrp="1"/>
+          </p:cNvSpPr>
+          <p:nvPr>
+            <p:ph type="dt" sz="half" idx="10"/>
+          </p:nvPr>
+        </p:nvSpPr>
+        <p:spPr/>
+        <p:txBody>
+          <a:bodyPr/>
+          <a:lstStyle/>
+          <a:p>
+            <a:fld id="{BDB15C81-58F2-43AA-9262-CA7775F4E737}" type="datetime1">
+              <a:rPr lang="fr-FR" smtClean="0"/>
+              <a:t>12/06/2018</a:t>
+            </a:fld>
+            <a:endParaRPr lang="fr-FR"/>
+          </a:p>
+        </p:txBody>
+      </p:sp>
+      <p:sp>
+        <p:nvSpPr>
+          <p:cNvPr id="5" name="Espace réservé du pied de page 4"/>
+          <p:cNvSpPr>
+            <a:spLocks noGrp="1"/>
+          </p:cNvSpPr>
+          <p:nvPr>
+            <p:ph type="ftr" sz="quarter" idx="11"/>
+          </p:nvPr>
+        </p:nvSpPr>
+        <p:spPr/>
+        <p:txBody>
+          <a:bodyPr/>
+          <a:lstStyle/>
+          <a:p>
+            <a:r>
+              <a:rPr lang="en-US" smtClean="0"/>
+              <a:t>Projet Factory 2018  - SOPRA STERIA</a:t>
+            </a:r>
+            <a:endParaRPr lang="fr-FR"/>
+          </a:p>
+        </p:txBody>
+      </p:sp>
+      <p:sp>
+        <p:nvSpPr>
+          <p:cNvPr id="6" name="Espace réservé du numéro de diapositive 5"/>
+          <p:cNvSpPr>
+            <a:spLocks noGrp="1"/>
+          </p:cNvSpPr>
+          <p:nvPr>
+            <p:ph type="sldNum" sz="quarter" idx="12"/>
+          </p:nvPr>
+        </p:nvSpPr>
+        <p:spPr/>
+        <p:txBody>
+          <a:bodyPr/>
+          <a:lstStyle/>
+          <a:p>
+            <a:fld id="{E506C3F7-4F35-43F5-8795-B10B1BF3F7E2}" type="slidenum">
+              <a:rPr lang="fr-FR" smtClean="0"/>
+              <a:t>30</a:t>
+            </a:fld>
+            <a:endParaRPr lang="fr-FR"/>
+          </a:p>
+        </p:txBody>
+      </p:sp>
+    </p:spTree>
+    <p:extLst>
+      <p:ext uri="{BB962C8B-B14F-4D97-AF65-F5344CB8AC3E}">
+        <p14:creationId xmlns:p14="http://schemas.microsoft.com/office/powerpoint/2010/main" val="2096907937"/>
+      </p:ext>
+    </p:extLst>
+  </p:cSld>
+  <p:clrMapOvr>
+    <a:masterClrMapping/>
+  </p:clrMapOvr>
+</p:sld>
+</file>
+
+<file path=ppt/slides/slide31.xml><?xml version="1.0" encoding="utf-8"?>
+<p:sld xmlns:a="http://schemas.openxmlformats.org/drawingml/2006/main" xmlns:r="http://schemas.openxmlformats.org/officeDocument/2006/relationships" xmlns:p="http://schemas.openxmlformats.org/presentationml/2006/main">
+  <p:cSld>
+    <p:spTree>
+      <p:nvGrpSpPr>
+        <p:cNvPr id="1" name=""/>
+        <p:cNvGrpSpPr/>
+        <p:nvPr/>
+      </p:nvGrpSpPr>
+      <p:grpSpPr>
+        <a:xfrm>
+          <a:off x="0" y="0"/>
+          <a:ext cx="0" cy="0"/>
+          <a:chOff x="0" y="0"/>
+          <a:chExt cx="0" cy="0"/>
+        </a:xfrm>
+      </p:grpSpPr>
+      <p:sp>
+        <p:nvSpPr>
+          <p:cNvPr id="9" name="Titre 8"/>
+          <p:cNvSpPr>
+            <a:spLocks noGrp="1"/>
+          </p:cNvSpPr>
+          <p:nvPr>
+            <p:ph type="title"/>
+          </p:nvPr>
+        </p:nvSpPr>
+        <p:spPr>
+          <a:xfrm>
+            <a:off x="1167619" y="2455372"/>
+            <a:ext cx="10058400" cy="1450757"/>
+          </a:xfrm>
+        </p:spPr>
+        <p:txBody>
+          <a:bodyPr/>
+          <a:lstStyle/>
+          <a:p>
+            <a:pPr algn="ctr"/>
+            <a:r>
+              <a:rPr lang="fr-FR" b="1" dirty="0">
+                <a:solidFill>
+                  <a:srgbClr val="F55D4B"/>
+                </a:solidFill>
+                <a:latin typeface="Amatic SC"/>
+                <a:ea typeface="Amatic SC"/>
+                <a:cs typeface="Amatic SC"/>
+              </a:rPr>
+              <a:t>4. Bilan et Perspective</a:t>
+            </a:r>
+            <a:endParaRPr lang="fr-FR" dirty="0"/>
+          </a:p>
+        </p:txBody>
+      </p:sp>
+      <p:sp>
+        <p:nvSpPr>
+          <p:cNvPr id="2" name="Espace réservé de la date 1"/>
+          <p:cNvSpPr>
+            <a:spLocks noGrp="1"/>
+          </p:cNvSpPr>
+          <p:nvPr>
+            <p:ph type="dt" sz="half" idx="10"/>
+          </p:nvPr>
+        </p:nvSpPr>
+        <p:spPr/>
+        <p:txBody>
+          <a:bodyPr/>
+          <a:lstStyle/>
+          <a:p>
+            <a:fld id="{8AD70027-AB3E-4AD1-A2AB-98958D1008A5}" type="datetime1">
+              <a:rPr lang="fr-FR" smtClean="0"/>
+              <a:t>12/06/2018</a:t>
+            </a:fld>
+            <a:endParaRPr lang="fr-FR"/>
+          </a:p>
+        </p:txBody>
+      </p:sp>
+      <p:sp>
+        <p:nvSpPr>
+          <p:cNvPr id="3" name="Espace réservé du pied de page 2"/>
+          <p:cNvSpPr>
+            <a:spLocks noGrp="1"/>
+          </p:cNvSpPr>
+          <p:nvPr>
+            <p:ph type="ftr" sz="quarter" idx="11"/>
+          </p:nvPr>
+        </p:nvSpPr>
+        <p:spPr/>
+        <p:txBody>
+          <a:bodyPr/>
+          <a:lstStyle/>
+          <a:p>
+            <a:r>
+              <a:rPr lang="en-US" smtClean="0"/>
+              <a:t>Projet Factory 2018  - SOPRA STERIA</a:t>
+            </a:r>
+            <a:endParaRPr lang="fr-FR"/>
+          </a:p>
+        </p:txBody>
+      </p:sp>
+      <p:sp>
+        <p:nvSpPr>
+          <p:cNvPr id="4" name="Espace réservé du numéro de diapositive 3"/>
+          <p:cNvSpPr>
+            <a:spLocks noGrp="1"/>
+          </p:cNvSpPr>
+          <p:nvPr>
+            <p:ph type="sldNum" sz="quarter" idx="12"/>
+          </p:nvPr>
+        </p:nvSpPr>
+        <p:spPr/>
+        <p:txBody>
+          <a:bodyPr/>
+          <a:lstStyle/>
+          <a:p>
+            <a:fld id="{47A8EBE8-E40C-4622-964D-C2866BE5CEB4}" type="slidenum">
+              <a:rPr lang="fr-FR" smtClean="0"/>
+              <a:t>31</a:t>
+            </a:fld>
+            <a:endParaRPr lang="fr-FR"/>
+          </a:p>
+        </p:txBody>
+      </p:sp>
+    </p:spTree>
+    <p:extLst>
+      <p:ext uri="{BB962C8B-B14F-4D97-AF65-F5344CB8AC3E}">
+        <p14:creationId xmlns:p14="http://schemas.microsoft.com/office/powerpoint/2010/main" val="2143796339"/>
+      </p:ext>
+    </p:extLst>
+  </p:cSld>
+  <p:clrMapOvr>
+    <a:masterClrMapping/>
+  </p:clrMapOvr>
+  <p:timing>
+    <p:tnLst>
+      <p:par>
+        <p:cTn id="1" dur="indefinite" restart="never" nodeType="tmRoot"/>
+      </p:par>
+    </p:tnLst>
+  </p:timing>
+</p:sld>
+</file>
+
+<file path=ppt/slides/slide32.xml><?xml version="1.0" encoding="utf-8"?>
+<p:sld xmlns:a="http://schemas.openxmlformats.org/drawingml/2006/main" xmlns:r="http://schemas.openxmlformats.org/officeDocument/2006/relationships" xmlns:p="http://schemas.openxmlformats.org/presentationml/2006/main">
+  <p:cSld>
+    <p:spTree>
+      <p:nvGrpSpPr>
+        <p:cNvPr id="1" name=""/>
+        <p:cNvGrpSpPr/>
+        <p:nvPr/>
+      </p:nvGrpSpPr>
+      <p:grpSpPr>
+        <a:xfrm>
+          <a:off x="0" y="0"/>
+          <a:ext cx="0" cy="0"/>
+          <a:chOff x="0" y="0"/>
+          <a:chExt cx="0" cy="0"/>
+        </a:xfrm>
+      </p:grpSpPr>
+      <p:sp>
+        <p:nvSpPr>
+          <p:cNvPr id="2" name="Titre 1"/>
+          <p:cNvSpPr>
+            <a:spLocks noGrp="1"/>
+          </p:cNvSpPr>
+          <p:nvPr>
+            <p:ph type="title"/>
+          </p:nvPr>
+        </p:nvSpPr>
+        <p:spPr/>
+        <p:txBody>
+          <a:bodyPr/>
+          <a:lstStyle/>
+          <a:p>
+            <a:r>
+              <a:rPr lang="fr-FR" dirty="0" smtClean="0"/>
+              <a:t>Bilan du projet :</a:t>
+            </a:r>
+            <a:endParaRPr lang="fr-FR" dirty="0"/>
+          </a:p>
+        </p:txBody>
+      </p:sp>
+      <p:sp>
+        <p:nvSpPr>
+          <p:cNvPr id="3" name="Espace réservé du contenu 2"/>
+          <p:cNvSpPr>
+            <a:spLocks noGrp="1"/>
+          </p:cNvSpPr>
+          <p:nvPr>
+            <p:ph idx="1"/>
+          </p:nvPr>
+        </p:nvSpPr>
+        <p:spPr>
+          <a:xfrm>
+            <a:off x="495300" y="1918769"/>
+            <a:ext cx="5562600" cy="4023360"/>
+          </a:xfrm>
+        </p:spPr>
+        <p:txBody>
+          <a:bodyPr/>
+          <a:lstStyle/>
+          <a:p>
+            <a:pPr>
+              <a:buClr>
+                <a:srgbClr val="00B050"/>
+              </a:buClr>
+              <a:buFont typeface="Wingdings" panose="05000000000000000000" pitchFamily="2" charset="2"/>
+              <a:buChar char="§"/>
+            </a:pPr>
+            <a:endParaRPr lang="fr-FR" dirty="0" smtClean="0"/>
+          </a:p>
+          <a:p>
+            <a:pPr>
+              <a:buClr>
+                <a:srgbClr val="00B050"/>
+              </a:buClr>
+              <a:buFont typeface="Wingdings" panose="05000000000000000000" pitchFamily="2" charset="2"/>
+              <a:buChar char="§"/>
+            </a:pPr>
+            <a:endParaRPr lang="fr-FR" dirty="0"/>
+          </a:p>
+          <a:p>
+            <a:pPr>
+              <a:buClr>
+                <a:srgbClr val="00B050"/>
+              </a:buClr>
+              <a:buFont typeface="Wingdings" panose="05000000000000000000" pitchFamily="2" charset="2"/>
+              <a:buChar char="§"/>
+            </a:pPr>
+            <a:endParaRPr lang="fr-FR" dirty="0" smtClean="0"/>
+          </a:p>
+          <a:p>
+            <a:pPr>
+              <a:buClr>
+                <a:srgbClr val="00B050"/>
+              </a:buClr>
+              <a:buFont typeface="Wingdings" panose="05000000000000000000" pitchFamily="2" charset="2"/>
+              <a:buChar char="§"/>
+            </a:pPr>
+            <a:r>
+              <a:rPr lang="fr-FR" dirty="0" smtClean="0"/>
+              <a:t> Distinction possible des utilisateurs </a:t>
+            </a:r>
+          </a:p>
+          <a:p>
+            <a:pPr>
+              <a:buClr>
+                <a:schemeClr val="accent4"/>
+              </a:buClr>
+              <a:buFont typeface="Wingdings" panose="05000000000000000000" pitchFamily="2" charset="2"/>
+              <a:buChar char="§"/>
+            </a:pPr>
+            <a:r>
+              <a:rPr lang="fr-FR" dirty="0"/>
+              <a:t> </a:t>
+            </a:r>
+            <a:r>
+              <a:rPr lang="fr-FR" dirty="0" smtClean="0"/>
+              <a:t>Possibilités d’interagir sur toutes les ressources : humaines et matérielles </a:t>
+            </a:r>
+          </a:p>
+          <a:p>
+            <a:pPr>
+              <a:buClr>
+                <a:schemeClr val="accent4"/>
+              </a:buClr>
+              <a:buFont typeface="Wingdings" panose="05000000000000000000" pitchFamily="2" charset="2"/>
+              <a:buChar char="§"/>
+            </a:pPr>
+            <a:r>
+              <a:rPr lang="fr-FR" dirty="0"/>
+              <a:t> </a:t>
+            </a:r>
+            <a:r>
+              <a:rPr lang="fr-FR" dirty="0" smtClean="0"/>
+              <a:t>Travail en équipe intéressant</a:t>
+            </a:r>
+          </a:p>
+          <a:p>
+            <a:pPr>
+              <a:buClr>
+                <a:schemeClr val="accent4"/>
+              </a:buClr>
+              <a:buFont typeface="Wingdings" panose="05000000000000000000" pitchFamily="2" charset="2"/>
+              <a:buChar char="§"/>
+            </a:pPr>
+            <a:r>
+              <a:rPr lang="fr-FR" dirty="0"/>
+              <a:t> </a:t>
+            </a:r>
+            <a:r>
+              <a:rPr lang="fr-FR" dirty="0" smtClean="0"/>
+              <a:t>Tous les modules de la formation abordés</a:t>
+            </a:r>
+          </a:p>
+          <a:p>
+            <a:pPr>
+              <a:buClr>
+                <a:schemeClr val="accent4"/>
+              </a:buClr>
+              <a:buFont typeface="Wingdings" panose="05000000000000000000" pitchFamily="2" charset="2"/>
+              <a:buChar char="§"/>
+            </a:pPr>
+            <a:endParaRPr lang="fr-FR" dirty="0"/>
+          </a:p>
+        </p:txBody>
+      </p:sp>
+      <p:sp>
+        <p:nvSpPr>
+          <p:cNvPr id="4" name="Espace réservé de la date 3"/>
+          <p:cNvSpPr>
+            <a:spLocks noGrp="1"/>
+          </p:cNvSpPr>
+          <p:nvPr>
+            <p:ph type="dt" sz="half" idx="10"/>
+          </p:nvPr>
+        </p:nvSpPr>
+        <p:spPr/>
+        <p:txBody>
+          <a:bodyPr/>
+          <a:lstStyle/>
+          <a:p>
+            <a:fld id="{BDB15C81-58F2-43AA-9262-CA7775F4E737}" type="datetime1">
+              <a:rPr lang="fr-FR" smtClean="0"/>
+              <a:t>12/06/2018</a:t>
+            </a:fld>
+            <a:endParaRPr lang="fr-FR"/>
+          </a:p>
+        </p:txBody>
+      </p:sp>
+      <p:sp>
+        <p:nvSpPr>
+          <p:cNvPr id="5" name="Espace réservé du pied de page 4"/>
+          <p:cNvSpPr>
+            <a:spLocks noGrp="1"/>
+          </p:cNvSpPr>
+          <p:nvPr>
+            <p:ph type="ftr" sz="quarter" idx="11"/>
+          </p:nvPr>
+        </p:nvSpPr>
+        <p:spPr/>
+        <p:txBody>
+          <a:bodyPr/>
+          <a:lstStyle/>
+          <a:p>
+            <a:r>
+              <a:rPr lang="en-US" smtClean="0"/>
+              <a:t>Projet Factory 2018  - SOPRA STERIA</a:t>
+            </a:r>
+            <a:endParaRPr lang="fr-FR"/>
+          </a:p>
+        </p:txBody>
+      </p:sp>
+      <p:sp>
+        <p:nvSpPr>
+          <p:cNvPr id="6" name="Espace réservé du numéro de diapositive 5"/>
+          <p:cNvSpPr>
+            <a:spLocks noGrp="1"/>
+          </p:cNvSpPr>
+          <p:nvPr>
+            <p:ph type="sldNum" sz="quarter" idx="12"/>
+          </p:nvPr>
+        </p:nvSpPr>
+        <p:spPr/>
+        <p:txBody>
+          <a:bodyPr/>
+          <a:lstStyle/>
+          <a:p>
+            <a:fld id="{E506C3F7-4F35-43F5-8795-B10B1BF3F7E2}" type="slidenum">
+              <a:rPr lang="fr-FR" smtClean="0"/>
+              <a:t>32</a:t>
+            </a:fld>
+            <a:endParaRPr lang="fr-FR"/>
+          </a:p>
+        </p:txBody>
+      </p:sp>
+      <p:pic>
+        <p:nvPicPr>
+          <p:cNvPr id="1026" name="Picture 2" descr="RÃ©sultat de recherche d'images pour &quot;avantage inconvÃ©nient&quot;"/>
+          <p:cNvPicPr>
+            <a:picLocks noChangeAspect="1" noChangeArrowheads="1"/>
+          </p:cNvPicPr>
+          <p:nvPr/>
+        </p:nvPicPr>
+        <p:blipFill>
+          <a:blip r:embed="rId2">
+            <a:extLst>
+              <a:ext uri="{28A0092B-C50C-407E-A947-70E740481C1C}">
+                <a14:useLocalDpi xmlns:a14="http://schemas.microsoft.com/office/drawing/2010/main" val="0"/>
+              </a:ext>
+            </a:extLst>
+          </a:blip>
+          <a:srcRect/>
+          <a:stretch>
+            <a:fillRect/>
+          </a:stretch>
+        </p:blipFill>
+        <p:spPr bwMode="auto">
+          <a:xfrm>
+            <a:off x="4668837" y="1757523"/>
+            <a:ext cx="2857500" cy="1409700"/>
+          </a:xfrm>
+          <a:prstGeom prst="rect">
+            <a:avLst/>
+          </a:prstGeom>
+          <a:noFill/>
+          <a:extLst>
+            <a:ext uri="{909E8E84-426E-40DD-AFC4-6F175D3DCCD1}">
+              <a14:hiddenFill xmlns:a14="http://schemas.microsoft.com/office/drawing/2010/main">
+                <a:solidFill>
+                  <a:srgbClr val="FFFFFF"/>
+                </a:solidFill>
+              </a14:hiddenFill>
+            </a:ext>
+          </a:extLst>
+        </p:spPr>
+      </p:pic>
+      <p:sp>
+        <p:nvSpPr>
+          <p:cNvPr id="8" name="Espace réservé du contenu 2"/>
+          <p:cNvSpPr txBox="1">
+            <a:spLocks/>
+          </p:cNvSpPr>
+          <p:nvPr/>
+        </p:nvSpPr>
+        <p:spPr>
+          <a:xfrm>
+            <a:off x="5953135" y="1918769"/>
+            <a:ext cx="5562600" cy="4023360"/>
+          </a:xfrm>
+          <a:prstGeom prst="rect">
+            <a:avLst/>
+          </a:prstGeom>
+        </p:spPr>
+        <p:txBody>
+          <a:bodyPr vert="horz" lIns="0" tIns="45720" rIns="0" bIns="45720" rtlCol="0">
+            <a:normAutofit/>
+          </a:bodyPr>
+          <a:lstStyle>
+            <a:lvl1pPr marL="91440" indent="-91440" algn="l" defTabSz="914400" rtl="0" eaLnBrk="1" latinLnBrk="0" hangingPunct="1">
+              <a:lnSpc>
+                <a:spcPct val="90000"/>
+              </a:lnSpc>
+              <a:spcBef>
+                <a:spcPts val="1200"/>
+              </a:spcBef>
+              <a:spcAft>
+                <a:spcPts val="200"/>
+              </a:spcAft>
+              <a:buClr>
+                <a:schemeClr val="accent1"/>
+              </a:buClr>
+              <a:buSzPct val="100000"/>
+              <a:buFont typeface="Calibri" panose="020F0502020204030204" pitchFamily="34" charset="0"/>
+              <a:buChar char=" "/>
+              <a:defRPr sz="2000" kern="1200">
+                <a:solidFill>
+                  <a:schemeClr val="tx1">
+                    <a:lumMod val="75000"/>
+                    <a:lumOff val="25000"/>
+                  </a:schemeClr>
+                </a:solidFill>
+                <a:latin typeface="+mn-lt"/>
+                <a:ea typeface="+mn-ea"/>
+                <a:cs typeface="+mn-cs"/>
+              </a:defRPr>
+            </a:lvl1pPr>
+            <a:lvl2pPr marL="384048" indent="-182880" algn="l" defTabSz="914400" rtl="0" eaLnBrk="1" latinLnBrk="0" hangingPunct="1">
+              <a:lnSpc>
+                <a:spcPct val="90000"/>
+              </a:lnSpc>
+              <a:spcBef>
+                <a:spcPts val="200"/>
+              </a:spcBef>
+              <a:spcAft>
+                <a:spcPts val="400"/>
+              </a:spcAft>
+              <a:buClr>
+                <a:schemeClr val="accent1"/>
+              </a:buClr>
+              <a:buFont typeface="Calibri" pitchFamily="34" charset="0"/>
+              <a:buChar char="◦"/>
+              <a:defRPr sz="1800" kern="1200">
+                <a:solidFill>
+                  <a:schemeClr val="tx1">
+                    <a:lumMod val="75000"/>
+                    <a:lumOff val="25000"/>
+                  </a:schemeClr>
+                </a:solidFill>
+                <a:latin typeface="+mn-lt"/>
+                <a:ea typeface="+mn-ea"/>
+                <a:cs typeface="+mn-cs"/>
+              </a:defRPr>
+            </a:lvl2pPr>
+            <a:lvl3pPr marL="566928" indent="-182880" algn="l" defTabSz="914400" rtl="0" eaLnBrk="1" latinLnBrk="0" hangingPunct="1">
+              <a:lnSpc>
+                <a:spcPct val="90000"/>
+              </a:lnSpc>
+              <a:spcBef>
+                <a:spcPts val="200"/>
+              </a:spcBef>
+              <a:spcAft>
+                <a:spcPts val="400"/>
+              </a:spcAft>
+              <a:buClr>
+                <a:schemeClr val="accent1"/>
+              </a:buClr>
+              <a:buFont typeface="Calibri" pitchFamily="34" charset="0"/>
+              <a:buChar char="◦"/>
+              <a:defRPr sz="1400" kern="1200">
+                <a:solidFill>
+                  <a:schemeClr val="tx1">
+                    <a:lumMod val="75000"/>
+                    <a:lumOff val="25000"/>
+                  </a:schemeClr>
+                </a:solidFill>
+                <a:latin typeface="+mn-lt"/>
+                <a:ea typeface="+mn-ea"/>
+                <a:cs typeface="+mn-cs"/>
+              </a:defRPr>
+            </a:lvl3pPr>
+            <a:lvl4pPr marL="749808" indent="-182880" algn="l" defTabSz="914400" rtl="0" eaLnBrk="1" latinLnBrk="0" hangingPunct="1">
+              <a:lnSpc>
+                <a:spcPct val="90000"/>
+              </a:lnSpc>
+              <a:spcBef>
+                <a:spcPts val="200"/>
+              </a:spcBef>
+              <a:spcAft>
+                <a:spcPts val="400"/>
+              </a:spcAft>
+              <a:buClr>
+                <a:schemeClr val="accent1"/>
+              </a:buClr>
+              <a:buFont typeface="Calibri" pitchFamily="34" charset="0"/>
+              <a:buChar char="◦"/>
+              <a:defRPr sz="1400" kern="1200">
+                <a:solidFill>
+                  <a:schemeClr val="tx1">
+                    <a:lumMod val="75000"/>
+                    <a:lumOff val="25000"/>
+                  </a:schemeClr>
+                </a:solidFill>
+                <a:latin typeface="+mn-lt"/>
+                <a:ea typeface="+mn-ea"/>
+                <a:cs typeface="+mn-cs"/>
+              </a:defRPr>
+            </a:lvl4pPr>
+            <a:lvl5pPr marL="932688" indent="-182880" algn="l" defTabSz="914400" rtl="0" eaLnBrk="1" latinLnBrk="0" hangingPunct="1">
+              <a:lnSpc>
+                <a:spcPct val="90000"/>
+              </a:lnSpc>
+              <a:spcBef>
+                <a:spcPts val="200"/>
+              </a:spcBef>
+              <a:spcAft>
+                <a:spcPts val="400"/>
+              </a:spcAft>
+              <a:buClr>
+                <a:schemeClr val="accent1"/>
+              </a:buClr>
+              <a:buFont typeface="Calibri" pitchFamily="34" charset="0"/>
+              <a:buChar char="◦"/>
+              <a:defRPr sz="1400" kern="1200">
+                <a:solidFill>
+                  <a:schemeClr val="tx1">
+                    <a:lumMod val="75000"/>
+                    <a:lumOff val="25000"/>
+                  </a:schemeClr>
+                </a:solidFill>
+                <a:latin typeface="+mn-lt"/>
+                <a:ea typeface="+mn-ea"/>
+                <a:cs typeface="+mn-cs"/>
+              </a:defRPr>
+            </a:lvl5pPr>
+            <a:lvl6pPr marL="1100000" indent="-228600" algn="l" defTabSz="914400" rtl="0" eaLnBrk="1" latinLnBrk="0" hangingPunct="1">
+              <a:lnSpc>
+                <a:spcPct val="90000"/>
+              </a:lnSpc>
+              <a:spcBef>
+                <a:spcPts val="200"/>
+              </a:spcBef>
+              <a:spcAft>
+                <a:spcPts val="400"/>
+              </a:spcAft>
+              <a:buClr>
+                <a:schemeClr val="accent1"/>
+              </a:buClr>
+              <a:buFont typeface="Calibri" pitchFamily="34" charset="0"/>
+              <a:buChar char="◦"/>
+              <a:defRPr sz="1400" kern="1200">
+                <a:solidFill>
+                  <a:schemeClr val="tx1">
+                    <a:lumMod val="75000"/>
+                    <a:lumOff val="25000"/>
+                  </a:schemeClr>
+                </a:solidFill>
+                <a:latin typeface="+mn-lt"/>
+                <a:ea typeface="+mn-ea"/>
+                <a:cs typeface="+mn-cs"/>
+              </a:defRPr>
+            </a:lvl6pPr>
+            <a:lvl7pPr marL="1300000" indent="-228600" algn="l" defTabSz="914400" rtl="0" eaLnBrk="1" latinLnBrk="0" hangingPunct="1">
+              <a:lnSpc>
+                <a:spcPct val="90000"/>
+              </a:lnSpc>
+              <a:spcBef>
+                <a:spcPts val="200"/>
+              </a:spcBef>
+              <a:spcAft>
+                <a:spcPts val="400"/>
+              </a:spcAft>
+              <a:buClr>
+                <a:schemeClr val="accent1"/>
+              </a:buClr>
+              <a:buFont typeface="Calibri" pitchFamily="34" charset="0"/>
+              <a:buChar char="◦"/>
+              <a:defRPr sz="1400" kern="1200">
+                <a:solidFill>
+                  <a:schemeClr val="tx1">
+                    <a:lumMod val="75000"/>
+                    <a:lumOff val="25000"/>
+                  </a:schemeClr>
+                </a:solidFill>
+                <a:latin typeface="+mn-lt"/>
+                <a:ea typeface="+mn-ea"/>
+                <a:cs typeface="+mn-cs"/>
+              </a:defRPr>
+            </a:lvl7pPr>
+            <a:lvl8pPr marL="1500000" indent="-228600" algn="l" defTabSz="914400" rtl="0" eaLnBrk="1" latinLnBrk="0" hangingPunct="1">
+              <a:lnSpc>
+                <a:spcPct val="90000"/>
+              </a:lnSpc>
+              <a:spcBef>
+                <a:spcPts val="200"/>
+              </a:spcBef>
+              <a:spcAft>
+                <a:spcPts val="400"/>
+              </a:spcAft>
+              <a:buClr>
+                <a:schemeClr val="accent1"/>
+              </a:buClr>
+              <a:buFont typeface="Calibri" pitchFamily="34" charset="0"/>
+              <a:buChar char="◦"/>
+              <a:defRPr sz="1400" kern="1200">
+                <a:solidFill>
+                  <a:schemeClr val="tx1">
+                    <a:lumMod val="75000"/>
+                    <a:lumOff val="25000"/>
+                  </a:schemeClr>
+                </a:solidFill>
+                <a:latin typeface="+mn-lt"/>
+                <a:ea typeface="+mn-ea"/>
+                <a:cs typeface="+mn-cs"/>
+              </a:defRPr>
+            </a:lvl8pPr>
+            <a:lvl9pPr marL="1700000" indent="-228600" algn="l" defTabSz="914400" rtl="0" eaLnBrk="1" latinLnBrk="0" hangingPunct="1">
+              <a:lnSpc>
+                <a:spcPct val="90000"/>
+              </a:lnSpc>
+              <a:spcBef>
+                <a:spcPts val="200"/>
+              </a:spcBef>
+              <a:spcAft>
+                <a:spcPts val="400"/>
+              </a:spcAft>
+              <a:buClr>
+                <a:schemeClr val="accent1"/>
+              </a:buClr>
+              <a:buFont typeface="Calibri" pitchFamily="34" charset="0"/>
+              <a:buChar char="◦"/>
+              <a:defRPr sz="1400" kern="1200">
+                <a:solidFill>
+                  <a:schemeClr val="tx1">
+                    <a:lumMod val="75000"/>
+                    <a:lumOff val="25000"/>
+                  </a:schemeClr>
+                </a:solidFill>
+                <a:latin typeface="+mn-lt"/>
+                <a:ea typeface="+mn-ea"/>
+                <a:cs typeface="+mn-cs"/>
+              </a:defRPr>
+            </a:lvl9pPr>
+          </a:lstStyle>
+          <a:p>
+            <a:pPr>
+              <a:buClr>
+                <a:srgbClr val="C00000"/>
+              </a:buClr>
+              <a:buFont typeface="Wingdings" panose="05000000000000000000" pitchFamily="2" charset="2"/>
+              <a:buChar char="§"/>
+            </a:pPr>
+            <a:endParaRPr lang="fr-FR" dirty="0" smtClean="0"/>
+          </a:p>
+          <a:p>
+            <a:pPr>
+              <a:buClr>
+                <a:srgbClr val="C00000"/>
+              </a:buClr>
+              <a:buFont typeface="Wingdings" panose="05000000000000000000" pitchFamily="2" charset="2"/>
+              <a:buChar char="§"/>
+            </a:pPr>
+            <a:endParaRPr lang="fr-FR" dirty="0" smtClean="0"/>
+          </a:p>
+          <a:p>
+            <a:pPr>
+              <a:buClr>
+                <a:srgbClr val="C00000"/>
+              </a:buClr>
+              <a:buFont typeface="Wingdings" panose="05000000000000000000" pitchFamily="2" charset="2"/>
+              <a:buChar char="§"/>
+            </a:pPr>
+            <a:endParaRPr lang="fr-FR" dirty="0" smtClean="0"/>
+          </a:p>
+          <a:p>
+            <a:pPr>
+              <a:buClr>
+                <a:srgbClr val="C00000"/>
+              </a:buClr>
+              <a:buFont typeface="Wingdings" panose="05000000000000000000" pitchFamily="2" charset="2"/>
+              <a:buChar char="§"/>
+            </a:pPr>
+            <a:r>
+              <a:rPr lang="fr-FR" dirty="0" smtClean="0"/>
+              <a:t> Temps assez court (surtout pour l’utilisation d’agile)</a:t>
+            </a:r>
+          </a:p>
+          <a:p>
+            <a:pPr>
+              <a:buClr>
+                <a:srgbClr val="C00000"/>
+              </a:buClr>
+              <a:buFont typeface="Wingdings" panose="05000000000000000000" pitchFamily="2" charset="2"/>
+              <a:buChar char="§"/>
+            </a:pPr>
+            <a:r>
+              <a:rPr lang="fr-FR" dirty="0" smtClean="0"/>
+              <a:t> Difficultés à se séparer les tâches correctement ou proprement</a:t>
+            </a:r>
+          </a:p>
+          <a:p>
+            <a:pPr>
+              <a:buClr>
+                <a:srgbClr val="C00000"/>
+              </a:buClr>
+              <a:buFont typeface="Wingdings" panose="05000000000000000000" pitchFamily="2" charset="2"/>
+              <a:buChar char="§"/>
+            </a:pPr>
+            <a:r>
+              <a:rPr lang="fr-FR" dirty="0" smtClean="0"/>
+              <a:t> Difficultés à savoir quels outils ou connaissances sont à utiliser ou exactement</a:t>
+            </a:r>
+          </a:p>
+          <a:p>
+            <a:pPr>
+              <a:buClr>
+                <a:srgbClr val="C00000"/>
+              </a:buClr>
+              <a:buFont typeface="Wingdings" panose="05000000000000000000" pitchFamily="2" charset="2"/>
+              <a:buChar char="§"/>
+            </a:pPr>
+            <a:endParaRPr lang="fr-FR" dirty="0"/>
+          </a:p>
+        </p:txBody>
+      </p:sp>
+    </p:spTree>
+    <p:extLst>
+      <p:ext uri="{BB962C8B-B14F-4D97-AF65-F5344CB8AC3E}">
+        <p14:creationId xmlns:p14="http://schemas.microsoft.com/office/powerpoint/2010/main" val="2977603884"/>
+      </p:ext>
+    </p:extLst>
+  </p:cSld>
+  <p:clrMapOvr>
+    <a:masterClrMapping/>
+  </p:clrMapOvr>
+</p:sld>
+</file>
+
+<file path=ppt/slides/slide33.xml><?xml version="1.0" encoding="utf-8"?>
+<p:sld xmlns:a="http://schemas.openxmlformats.org/drawingml/2006/main" xmlns:r="http://schemas.openxmlformats.org/officeDocument/2006/relationships" xmlns:p="http://schemas.openxmlformats.org/presentationml/2006/main">
+  <p:cSld>
+    <p:spTree>
+      <p:nvGrpSpPr>
+        <p:cNvPr id="1" name=""/>
+        <p:cNvGrpSpPr/>
+        <p:nvPr/>
+      </p:nvGrpSpPr>
+      <p:grpSpPr>
+        <a:xfrm>
+          <a:off x="0" y="0"/>
+          <a:ext cx="0" cy="0"/>
+          <a:chOff x="0" y="0"/>
+          <a:chExt cx="0" cy="0"/>
+        </a:xfrm>
+      </p:grpSpPr>
+      <p:sp>
+        <p:nvSpPr>
+          <p:cNvPr id="2" name="Titre 1"/>
+          <p:cNvSpPr>
+            <a:spLocks noGrp="1"/>
+          </p:cNvSpPr>
+          <p:nvPr>
+            <p:ph type="title"/>
+          </p:nvPr>
+        </p:nvSpPr>
+        <p:spPr/>
+        <p:txBody>
+          <a:bodyPr/>
+          <a:lstStyle/>
+          <a:p>
+            <a:r>
+              <a:rPr lang="fr-FR" dirty="0" smtClean="0"/>
+              <a:t>Perspectives : </a:t>
+            </a:r>
+            <a:endParaRPr lang="fr-FR" dirty="0"/>
+          </a:p>
+        </p:txBody>
+      </p:sp>
+      <p:sp>
+        <p:nvSpPr>
+          <p:cNvPr id="3" name="Espace réservé du contenu 2"/>
+          <p:cNvSpPr>
+            <a:spLocks noGrp="1"/>
+          </p:cNvSpPr>
+          <p:nvPr>
+            <p:ph idx="1"/>
+          </p:nvPr>
+        </p:nvSpPr>
+        <p:spPr/>
+        <p:txBody>
+          <a:bodyPr/>
+          <a:lstStyle/>
+          <a:p>
+            <a:endParaRPr lang="fr-FR" dirty="0"/>
+          </a:p>
+        </p:txBody>
+      </p:sp>
+      <p:sp>
+        <p:nvSpPr>
+          <p:cNvPr id="4" name="Espace réservé de la date 3"/>
+          <p:cNvSpPr>
+            <a:spLocks noGrp="1"/>
+          </p:cNvSpPr>
+          <p:nvPr>
+            <p:ph type="dt" sz="half" idx="10"/>
+          </p:nvPr>
+        </p:nvSpPr>
+        <p:spPr/>
+        <p:txBody>
+          <a:bodyPr/>
+          <a:lstStyle/>
+          <a:p>
+            <a:fld id="{BDB15C81-58F2-43AA-9262-CA7775F4E737}" type="datetime1">
+              <a:rPr lang="fr-FR" smtClean="0"/>
+              <a:t>12/06/2018</a:t>
+            </a:fld>
+            <a:endParaRPr lang="fr-FR"/>
+          </a:p>
+        </p:txBody>
+      </p:sp>
+      <p:sp>
+        <p:nvSpPr>
+          <p:cNvPr id="5" name="Espace réservé du pied de page 4"/>
+          <p:cNvSpPr>
+            <a:spLocks noGrp="1"/>
+          </p:cNvSpPr>
+          <p:nvPr>
+            <p:ph type="ftr" sz="quarter" idx="11"/>
+          </p:nvPr>
+        </p:nvSpPr>
+        <p:spPr/>
+        <p:txBody>
+          <a:bodyPr/>
+          <a:lstStyle/>
+          <a:p>
+            <a:r>
+              <a:rPr lang="en-US" smtClean="0"/>
+              <a:t>Projet Factory 2018  - SOPRA STERIA</a:t>
+            </a:r>
+            <a:endParaRPr lang="fr-FR"/>
+          </a:p>
+        </p:txBody>
+      </p:sp>
+      <p:sp>
+        <p:nvSpPr>
+          <p:cNvPr id="6" name="Espace réservé du numéro de diapositive 5"/>
+          <p:cNvSpPr>
+            <a:spLocks noGrp="1"/>
+          </p:cNvSpPr>
+          <p:nvPr>
+            <p:ph type="sldNum" sz="quarter" idx="12"/>
+          </p:nvPr>
+        </p:nvSpPr>
+        <p:spPr/>
+        <p:txBody>
+          <a:bodyPr/>
+          <a:lstStyle/>
+          <a:p>
+            <a:fld id="{E506C3F7-4F35-43F5-8795-B10B1BF3F7E2}" type="slidenum">
+              <a:rPr lang="fr-FR" smtClean="0"/>
+              <a:t>33</a:t>
+            </a:fld>
+            <a:endParaRPr lang="fr-FR"/>
+          </a:p>
+        </p:txBody>
+      </p:sp>
+    </p:spTree>
+    <p:extLst>
+      <p:ext uri="{BB962C8B-B14F-4D97-AF65-F5344CB8AC3E}">
+        <p14:creationId xmlns:p14="http://schemas.microsoft.com/office/powerpoint/2010/main" val="2788915274"/>
+      </p:ext>
+    </p:extLst>
+  </p:cSld>
+  <p:clrMapOvr>
+    <a:masterClrMapping/>
+  </p:clrMapOvr>
+</p:sld>
+</file>
+
+<file path=ppt/slides/slide34.xml><?xml version="1.0" encoding="utf-8"?>
+<p:sld xmlns:a="http://schemas.openxmlformats.org/drawingml/2006/main" xmlns:r="http://schemas.openxmlformats.org/officeDocument/2006/relationships" xmlns:p="http://schemas.openxmlformats.org/presentationml/2006/main">
+  <p:cSld>
+    <p:spTree>
+      <p:nvGrpSpPr>
+        <p:cNvPr id="1" name=""/>
+        <p:cNvGrpSpPr/>
+        <p:nvPr/>
+      </p:nvGrpSpPr>
+      <p:grpSpPr>
+        <a:xfrm>
+          <a:off x="0" y="0"/>
+          <a:ext cx="0" cy="0"/>
+          <a:chOff x="0" y="0"/>
+          <a:chExt cx="0" cy="0"/>
+        </a:xfrm>
+      </p:grpSpPr>
+      <p:sp>
+        <p:nvSpPr>
+          <p:cNvPr id="2" name="Titre 1"/>
+          <p:cNvSpPr>
+            <a:spLocks noGrp="1"/>
+          </p:cNvSpPr>
+          <p:nvPr>
+            <p:ph type="title"/>
+          </p:nvPr>
+        </p:nvSpPr>
+        <p:spPr/>
+        <p:txBody>
+          <a:bodyPr/>
+          <a:lstStyle/>
+          <a:p>
+            <a:r>
+              <a:rPr lang="fr-FR" smtClean="0"/>
+              <a:t>Des questions ? </a:t>
+            </a:r>
+            <a:endParaRPr lang="fr-FR" dirty="0"/>
+          </a:p>
+        </p:txBody>
+      </p:sp>
+      <p:pic>
+        <p:nvPicPr>
+          <p:cNvPr id="7" name="Espace réservé du contenu 6"/>
+          <p:cNvPicPr>
+            <a:picLocks noGrp="1" noChangeAspect="1"/>
+          </p:cNvPicPr>
+          <p:nvPr>
+            <p:ph idx="1"/>
+          </p:nvPr>
+        </p:nvPicPr>
+        <p:blipFill>
+          <a:blip r:embed="rId2">
+            <a:extLst>
+              <a:ext uri="{28A0092B-C50C-407E-A947-70E740481C1C}">
+                <a14:useLocalDpi xmlns:a14="http://schemas.microsoft.com/office/drawing/2010/main" val="0"/>
+              </a:ext>
+            </a:extLst>
+          </a:blip>
+          <a:stretch>
+            <a:fillRect/>
+          </a:stretch>
+        </p:blipFill>
+        <p:spPr>
+          <a:xfrm>
+            <a:off x="4921082" y="2666834"/>
+            <a:ext cx="2410161" cy="2381582"/>
+          </a:xfrm>
+        </p:spPr>
+      </p:pic>
+      <p:sp>
+        <p:nvSpPr>
+          <p:cNvPr id="4" name="Espace réservé de la date 3"/>
+          <p:cNvSpPr>
+            <a:spLocks noGrp="1"/>
+          </p:cNvSpPr>
+          <p:nvPr>
+            <p:ph type="dt" sz="half" idx="10"/>
+          </p:nvPr>
+        </p:nvSpPr>
+        <p:spPr/>
+        <p:txBody>
+          <a:bodyPr/>
+          <a:lstStyle/>
+          <a:p>
+            <a:fld id="{BDB15C81-58F2-43AA-9262-CA7775F4E737}" type="datetime1">
+              <a:rPr lang="fr-FR" smtClean="0"/>
+              <a:t>12/06/2018</a:t>
+            </a:fld>
+            <a:endParaRPr lang="fr-FR"/>
+          </a:p>
+        </p:txBody>
+      </p:sp>
+      <p:sp>
+        <p:nvSpPr>
+          <p:cNvPr id="5" name="Espace réservé du pied de page 4"/>
+          <p:cNvSpPr>
+            <a:spLocks noGrp="1"/>
+          </p:cNvSpPr>
+          <p:nvPr>
+            <p:ph type="ftr" sz="quarter" idx="11"/>
+          </p:nvPr>
+        </p:nvSpPr>
+        <p:spPr/>
+        <p:txBody>
+          <a:bodyPr/>
+          <a:lstStyle/>
+          <a:p>
+            <a:r>
+              <a:rPr lang="en-US" smtClean="0"/>
+              <a:t>Projet Factory 2018  - SOPRA STERIA</a:t>
+            </a:r>
+            <a:endParaRPr lang="fr-FR"/>
+          </a:p>
+        </p:txBody>
+      </p:sp>
+      <p:sp>
+        <p:nvSpPr>
+          <p:cNvPr id="6" name="Espace réservé du numéro de diapositive 5"/>
+          <p:cNvSpPr>
+            <a:spLocks noGrp="1"/>
+          </p:cNvSpPr>
+          <p:nvPr>
+            <p:ph type="sldNum" sz="quarter" idx="12"/>
+          </p:nvPr>
+        </p:nvSpPr>
+        <p:spPr/>
+        <p:txBody>
+          <a:bodyPr/>
+          <a:lstStyle/>
+          <a:p>
+            <a:fld id="{E506C3F7-4F35-43F5-8795-B10B1BF3F7E2}" type="slidenum">
+              <a:rPr lang="fr-FR" smtClean="0"/>
+              <a:t>34</a:t>
+            </a:fld>
+            <a:endParaRPr lang="fr-FR"/>
+          </a:p>
+        </p:txBody>
+      </p:sp>
+      <p:pic>
+        <p:nvPicPr>
+          <p:cNvPr id="2052" name="Picture 4" descr="RÃ©sultat de recherche d'images pour &quot;Merci&quot;"/>
+          <p:cNvPicPr>
+            <a:picLocks noChangeAspect="1" noChangeArrowheads="1"/>
+          </p:cNvPicPr>
+          <p:nvPr/>
+        </p:nvPicPr>
+        <p:blipFill>
+          <a:blip r:embed="rId3">
+            <a:extLst>
+              <a:ext uri="{28A0092B-C50C-407E-A947-70E740481C1C}">
+                <a14:useLocalDpi xmlns:a14="http://schemas.microsoft.com/office/drawing/2010/main" val="0"/>
+              </a:ext>
+            </a:extLst>
+          </a:blip>
+          <a:srcRect/>
+          <a:stretch>
+            <a:fillRect/>
+          </a:stretch>
+        </p:blipFill>
+        <p:spPr bwMode="auto">
+          <a:xfrm>
+            <a:off x="4464049" y="2666834"/>
+            <a:ext cx="3267075" cy="2286001"/>
+          </a:xfrm>
+          <a:prstGeom prst="rect">
+            <a:avLst/>
+          </a:prstGeom>
+          <a:noFill/>
+          <a:extLst>
+            <a:ext uri="{909E8E84-426E-40DD-AFC4-6F175D3DCCD1}">
+              <a14:hiddenFill xmlns:a14="http://schemas.microsoft.com/office/drawing/2010/main">
+                <a:solidFill>
+                  <a:srgbClr val="FFFFFF"/>
+                </a:solidFill>
+              </a14:hiddenFill>
+            </a:ext>
+          </a:extLst>
+        </p:spPr>
+      </p:pic>
+    </p:spTree>
+    <p:extLst>
+      <p:ext uri="{BB962C8B-B14F-4D97-AF65-F5344CB8AC3E}">
+        <p14:creationId xmlns:p14="http://schemas.microsoft.com/office/powerpoint/2010/main" val="1235793919"/>
+      </p:ext>
+    </p:extLst>
+  </p:cSld>
+  <p:clrMapOvr>
+    <a:masterClrMapping/>
+  </p:clrMapOvr>
 </p:sld>
 </file>
 

--- a/ProjetFinalAAA-Factory.pptx
+++ b/ProjetFinalAAA-Factory.pptx
@@ -15349,7 +15349,7 @@
             </a:r>
           </a:p>
           <a:p>
-            <a:pPr marL="91440" lvl="1" indent="-91440">
+            <a:pPr marL="0" lvl="1" indent="0">
               <a:spcBef>
                 <a:spcPts val="1200"/>
               </a:spcBef>
@@ -15357,21 +15357,9 @@
                 <a:spcPts val="200"/>
               </a:spcAft>
               <a:buSzPct val="100000"/>
-              <a:buFont typeface="Wingdings" panose="05000000000000000000" pitchFamily="2" charset="2"/>
-              <a:buChar char="q"/>
+              <a:buNone/>
             </a:pPr>
-            <a:r>
-              <a:rPr lang="fr-FR" sz="2000" dirty="0"/>
-              <a:t> </a:t>
-            </a:r>
             <a:endParaRPr lang="fr-FR" sz="2000" dirty="0"/>
-          </a:p>
-          <a:p>
-            <a:pPr>
-              <a:buFont typeface="Wingdings" panose="05000000000000000000" pitchFamily="2" charset="2"/>
-              <a:buChar char="q"/>
-            </a:pPr>
-            <a:endParaRPr lang="fr-FR" dirty="0"/>
           </a:p>
         </p:txBody>
       </p:sp>
@@ -16064,8 +16052,8 @@
           </a:p>
           <a:p>
             <a:pPr>
-              <a:buFont typeface="Arial" panose="020B0604020202020204" pitchFamily="34" charset="0"/>
-              <a:buChar char="•"/>
+              <a:buFont typeface="Wingdings" panose="05000000000000000000" pitchFamily="2" charset="2"/>
+              <a:buChar char="q"/>
             </a:pPr>
             <a:r>
               <a:rPr lang="fr-FR" dirty="0"/>
@@ -16078,8 +16066,8 @@
           </a:p>
           <a:p>
             <a:pPr>
-              <a:buFont typeface="Arial" panose="020B0604020202020204" pitchFamily="34" charset="0"/>
-              <a:buChar char="•"/>
+              <a:buFont typeface="Wingdings" panose="05000000000000000000" pitchFamily="2" charset="2"/>
+              <a:buChar char="q"/>
             </a:pPr>
             <a:r>
               <a:rPr lang="fr-FR" dirty="0" smtClean="0"/>
@@ -16088,8 +16076,8 @@
           </a:p>
           <a:p>
             <a:pPr>
-              <a:buFont typeface="Arial" panose="020B0604020202020204" pitchFamily="34" charset="0"/>
-              <a:buChar char="•"/>
+              <a:buFont typeface="Wingdings" panose="05000000000000000000" pitchFamily="2" charset="2"/>
+              <a:buChar char="q"/>
             </a:pPr>
             <a:r>
               <a:rPr lang="fr-FR" dirty="0" smtClean="0"/>
@@ -16098,8 +16086,8 @@
           </a:p>
           <a:p>
             <a:pPr>
-              <a:buFont typeface="Arial" panose="020B0604020202020204" pitchFamily="34" charset="0"/>
-              <a:buChar char="•"/>
+              <a:buFont typeface="Wingdings" panose="05000000000000000000" pitchFamily="2" charset="2"/>
+              <a:buChar char="q"/>
             </a:pPr>
             <a:r>
               <a:rPr lang="fr-FR" dirty="0"/>
@@ -16112,8 +16100,8 @@
           </a:p>
           <a:p>
             <a:pPr>
-              <a:buFont typeface="Arial" panose="020B0604020202020204" pitchFamily="34" charset="0"/>
-              <a:buChar char="•"/>
+              <a:buFont typeface="Wingdings" panose="05000000000000000000" pitchFamily="2" charset="2"/>
+              <a:buChar char="q"/>
             </a:pPr>
             <a:r>
               <a:rPr lang="fr-FR" dirty="0"/>
@@ -16134,8 +16122,8 @@
           </a:p>
           <a:p>
             <a:pPr>
-              <a:buFont typeface="Arial" panose="020B0604020202020204" pitchFamily="34" charset="0"/>
-              <a:buChar char="•"/>
+              <a:buFont typeface="Wingdings" panose="05000000000000000000" pitchFamily="2" charset="2"/>
+              <a:buChar char="q"/>
             </a:pPr>
             <a:r>
               <a:rPr lang="fr-FR" dirty="0"/>
@@ -16148,8 +16136,8 @@
           </a:p>
           <a:p>
             <a:pPr>
-              <a:buFont typeface="Arial" panose="020B0604020202020204" pitchFamily="34" charset="0"/>
-              <a:buChar char="•"/>
+              <a:buFont typeface="Wingdings" panose="05000000000000000000" pitchFamily="2" charset="2"/>
+              <a:buChar char="q"/>
             </a:pPr>
             <a:r>
               <a:rPr lang="fr-FR" dirty="0"/>
@@ -17524,7 +17512,7 @@
           <a:p>
             <a:pPr>
               <a:buFont typeface="Wingdings" panose="05000000000000000000" pitchFamily="2" charset="2"/>
-              <a:buChar char="§"/>
+              <a:buChar char="q"/>
             </a:pPr>
             <a:r>
               <a:rPr lang="fr-FR" dirty="0" smtClean="0"/>
@@ -17534,7 +17522,7 @@
           <a:p>
             <a:pPr>
               <a:buFont typeface="Wingdings" panose="05000000000000000000" pitchFamily="2" charset="2"/>
-              <a:buChar char="§"/>
+              <a:buChar char="q"/>
             </a:pPr>
             <a:r>
               <a:rPr lang="fr-FR" dirty="0"/>
@@ -17548,7 +17536,7 @@
           <a:p>
             <a:pPr>
               <a:buFont typeface="Wingdings" panose="05000000000000000000" pitchFamily="2" charset="2"/>
-              <a:buChar char="§"/>
+              <a:buChar char="q"/>
             </a:pPr>
             <a:r>
               <a:rPr lang="fr-FR" dirty="0"/>
@@ -17562,7 +17550,7 @@
           <a:p>
             <a:pPr>
               <a:buFont typeface="Wingdings" panose="05000000000000000000" pitchFamily="2" charset="2"/>
-              <a:buChar char="§"/>
+              <a:buChar char="q"/>
             </a:pPr>
             <a:r>
               <a:rPr lang="fr-FR" dirty="0"/>
@@ -17576,7 +17564,7 @@
           <a:p>
             <a:pPr>
               <a:buFont typeface="Wingdings" panose="05000000000000000000" pitchFamily="2" charset="2"/>
-              <a:buChar char="§"/>
+              <a:buChar char="q"/>
             </a:pPr>
             <a:r>
               <a:rPr lang="fr-FR" dirty="0"/>
@@ -17590,7 +17578,7 @@
           <a:p>
             <a:pPr>
               <a:buFont typeface="Wingdings" panose="05000000000000000000" pitchFamily="2" charset="2"/>
-              <a:buChar char="§"/>
+              <a:buChar char="q"/>
             </a:pPr>
             <a:r>
               <a:rPr lang="fr-FR" dirty="0"/>
@@ -17604,7 +17592,7 @@
           <a:p>
             <a:pPr>
               <a:buFont typeface="Wingdings" panose="05000000000000000000" pitchFamily="2" charset="2"/>
-              <a:buChar char="§"/>
+              <a:buChar char="q"/>
             </a:pPr>
             <a:endParaRPr lang="fr-FR" dirty="0"/>
           </a:p>
@@ -18644,7 +18632,7 @@
           <a:lstStyle/>
           <a:p>
             <a:r>
-              <a:rPr lang="fr-FR" smtClean="0"/>
+              <a:rPr lang="fr-FR" dirty="0" smtClean="0"/>
               <a:t>Des questions ? </a:t>
             </a:r>
             <a:endParaRPr lang="fr-FR" dirty="0"/>
@@ -19001,8 +18989,8 @@
           <a:lstStyle/>
           <a:p>
             <a:pPr>
-              <a:buFont typeface="Courier New" panose="02070309020205020404" pitchFamily="49" charset="0"/>
-              <a:buChar char="o"/>
+              <a:buFont typeface="Wingdings" panose="05000000000000000000" pitchFamily="2" charset="2"/>
+              <a:buChar char="q"/>
             </a:pPr>
             <a:r>
               <a:rPr lang="fr-FR" sz="2800" cap="all" dirty="0" err="1" smtClean="0"/>
@@ -19010,7 +18998,11 @@
             </a:r>
             <a:r>
               <a:rPr lang="fr-FR" sz="2800" dirty="0" smtClean="0"/>
-              <a:t> : école </a:t>
+              <a:t> </a:t>
+            </a:r>
+            <a:r>
+              <a:rPr lang="fr-FR" sz="2800" dirty="0" smtClean="0"/>
+              <a:t>: école </a:t>
             </a:r>
             <a:r>
               <a:rPr lang="fr-FR" sz="2800" dirty="0"/>
@@ -19019,12 +19011,12 @@
           </a:p>
           <a:p>
             <a:pPr>
-              <a:buFont typeface="Courier New" panose="02070309020205020404" pitchFamily="49" charset="0"/>
-              <a:buChar char="o"/>
+              <a:buFont typeface="Wingdings" panose="05000000000000000000" pitchFamily="2" charset="2"/>
+              <a:buChar char="q"/>
             </a:pPr>
             <a:r>
-              <a:rPr lang="fr-FR" sz="2800" dirty="0"/>
-              <a:t>L’organisation </a:t>
+              <a:rPr lang="fr-FR" sz="2800" dirty="0" smtClean="0"/>
+              <a:t> L’organisation </a:t>
             </a:r>
             <a:r>
               <a:rPr lang="fr-FR" sz="2800" dirty="0" smtClean="0"/>
@@ -19033,36 +19025,52 @@
           </a:p>
           <a:p>
             <a:pPr>
-              <a:buFont typeface="Courier New" panose="02070309020205020404" pitchFamily="49" charset="0"/>
-              <a:buChar char="o"/>
+              <a:buFont typeface="Wingdings" panose="05000000000000000000" pitchFamily="2" charset="2"/>
+              <a:buChar char="q"/>
             </a:pPr>
             <a:r>
               <a:rPr lang="fr-FR" sz="2800" dirty="0" smtClean="0"/>
-              <a:t>Beaucoup d’intervenants avec différents supports de travail </a:t>
+              <a:t> Beaucoup </a:t>
+            </a:r>
+            <a:r>
+              <a:rPr lang="fr-FR" sz="2800" dirty="0" smtClean="0"/>
+              <a:t>d’intervenants avec différents supports de travail </a:t>
             </a:r>
           </a:p>
           <a:p>
             <a:pPr>
-              <a:buFont typeface="Courier New" panose="02070309020205020404" pitchFamily="49" charset="0"/>
-              <a:buChar char="o"/>
+              <a:buFont typeface="Wingdings" panose="05000000000000000000" pitchFamily="2" charset="2"/>
+              <a:buChar char="q"/>
             </a:pPr>
             <a:r>
               <a:rPr lang="fr-FR" sz="2800" dirty="0" smtClean="0"/>
-              <a:t>Redondance d’informations et trop de saisie par les gestionnaires</a:t>
+              <a:t> Redondance </a:t>
+            </a:r>
+            <a:r>
+              <a:rPr lang="fr-FR" sz="2800" dirty="0" smtClean="0"/>
+              <a:t>d’informations et trop de saisie par les gestionnaires</a:t>
             </a:r>
           </a:p>
           <a:p>
             <a:pPr>
-              <a:buFont typeface="Courier New" panose="02070309020205020404" pitchFamily="49" charset="0"/>
-              <a:buChar char="o"/>
+              <a:buFont typeface="Wingdings" panose="05000000000000000000" pitchFamily="2" charset="2"/>
+              <a:buChar char="q"/>
             </a:pPr>
+            <a:r>
+              <a:rPr lang="fr-FR" sz="2800" dirty="0" smtClean="0"/>
+              <a:t> </a:t>
+            </a:r>
             <a:r>
               <a:rPr lang="fr-FR" sz="2800" dirty="0" err="1" smtClean="0"/>
               <a:t>Necessite</a:t>
             </a:r>
             <a:r>
               <a:rPr lang="fr-FR" sz="2800" dirty="0" smtClean="0"/>
-              <a:t> une informatisation efficace du  </a:t>
+              <a:t> </a:t>
+            </a:r>
+            <a:r>
+              <a:rPr lang="fr-FR" sz="2800" dirty="0" smtClean="0"/>
+              <a:t>une informatisation efficace du  </a:t>
             </a:r>
             <a:r>
               <a:rPr lang="fr-FR" sz="2800" dirty="0"/>
@@ -19071,8 +19079,8 @@
           </a:p>
           <a:p>
             <a:pPr>
-              <a:buFont typeface="Courier New" panose="02070309020205020404" pitchFamily="49" charset="0"/>
-              <a:buChar char="o"/>
+              <a:buFont typeface="Wingdings" panose="05000000000000000000" pitchFamily="2" charset="2"/>
+              <a:buChar char="q"/>
             </a:pPr>
             <a:endParaRPr lang="fr-FR" dirty="0"/>
           </a:p>
@@ -19292,7 +19300,11 @@
             </a:pPr>
             <a:r>
               <a:rPr lang="fr-FR" sz="2800" dirty="0" smtClean="0"/>
-              <a:t>outil offrant la gestion des </a:t>
+              <a:t> outil </a:t>
+            </a:r>
+            <a:r>
+              <a:rPr lang="fr-FR" sz="2800" dirty="0" smtClean="0"/>
+              <a:t>offrant la gestion des </a:t>
             </a:r>
             <a:r>
               <a:rPr lang="fr-FR" sz="2800" dirty="0"/>
@@ -19550,87 +19562,105 @@
         </p:nvSpPr>
         <p:spPr/>
         <p:txBody>
-          <a:bodyPr/>
+          <a:bodyPr>
+            <a:normAutofit/>
+          </a:bodyPr>
           <a:lstStyle/>
           <a:p>
             <a:pPr>
               <a:buFont typeface="Wingdings" panose="05000000000000000000" pitchFamily="2" charset="2"/>
-              <a:buChar char="§"/>
+              <a:buChar char="q"/>
             </a:pPr>
             <a:r>
-              <a:rPr lang="fr-FR" dirty="0"/>
+              <a:rPr lang="fr-FR" sz="3200" dirty="0" smtClean="0"/>
+              <a:t>Utilisation </a:t>
+            </a:r>
+            <a:r>
+              <a:rPr lang="fr-FR" sz="3200" dirty="0" smtClean="0"/>
+              <a:t>des </a:t>
+            </a:r>
+            <a:r>
+              <a:rPr lang="fr-FR" sz="3200" dirty="0" err="1" smtClean="0"/>
+              <a:t>framework</a:t>
+            </a:r>
+            <a:r>
+              <a:rPr lang="fr-FR" sz="3200" dirty="0" smtClean="0"/>
               <a:t> </a:t>
             </a:r>
             <a:r>
-              <a:rPr lang="fr-FR" sz="3200" dirty="0" smtClean="0"/>
-              <a:t>Utilisation de JAVA J2EE</a:t>
-            </a:r>
+              <a:rPr lang="fr-FR" sz="3200" dirty="0" err="1" smtClean="0"/>
+              <a:t>SpringBoot</a:t>
+            </a:r>
+            <a:endParaRPr lang="fr-FR" sz="3200" dirty="0" smtClean="0"/>
           </a:p>
           <a:p>
             <a:pPr>
               <a:buFont typeface="Wingdings" panose="05000000000000000000" pitchFamily="2" charset="2"/>
-              <a:buChar char="§"/>
+              <a:buChar char="q"/>
             </a:pPr>
             <a:r>
+              <a:rPr lang="fr-FR" sz="3200" dirty="0"/>
+              <a:t>Utilisation de JAVA J2EE</a:t>
+            </a:r>
+          </a:p>
+          <a:p>
+            <a:pPr>
+              <a:buFont typeface="Wingdings" panose="05000000000000000000" pitchFamily="2" charset="2"/>
+              <a:buChar char="q"/>
+            </a:pPr>
+            <a:r>
               <a:rPr lang="fr-FR" sz="3200" dirty="0" smtClean="0"/>
-              <a:t>Utilisation des </a:t>
-            </a:r>
+              <a:t>Utilisation </a:t>
+            </a:r>
+            <a:r>
+              <a:rPr lang="fr-FR" sz="3200" dirty="0" smtClean="0"/>
+              <a:t>d’une base de données</a:t>
+            </a:r>
+          </a:p>
+          <a:p>
+            <a:pPr>
+              <a:buFont typeface="Wingdings" panose="05000000000000000000" pitchFamily="2" charset="2"/>
+              <a:buChar char="q"/>
+            </a:pPr>
+            <a:r>
+              <a:rPr lang="fr-FR" sz="3200" dirty="0" smtClean="0"/>
+              <a:t>Application </a:t>
+            </a:r>
+            <a:r>
+              <a:rPr lang="fr-FR" sz="3200" dirty="0" smtClean="0"/>
+              <a:t>via site Web </a:t>
+            </a:r>
+          </a:p>
+          <a:p>
+            <a:pPr>
+              <a:buFont typeface="Wingdings" panose="05000000000000000000" pitchFamily="2" charset="2"/>
+              <a:buChar char="q"/>
+            </a:pPr>
             <a:r>
               <a:rPr lang="fr-FR" sz="3200" dirty="0" err="1" smtClean="0"/>
-              <a:t>framework</a:t>
+              <a:t>Securités</a:t>
             </a:r>
             <a:r>
               <a:rPr lang="fr-FR" sz="3200" dirty="0" smtClean="0"/>
               <a:t> </a:t>
             </a:r>
             <a:r>
-              <a:rPr lang="fr-FR" sz="3200" dirty="0" err="1" smtClean="0"/>
-              <a:t>SpringBoot</a:t>
-            </a:r>
-            <a:endParaRPr lang="fr-FR" sz="3200" dirty="0" smtClean="0"/>
+              <a:rPr lang="fr-FR" sz="3200" dirty="0" smtClean="0"/>
+              <a:t>de connexion et modification </a:t>
+            </a:r>
           </a:p>
           <a:p>
             <a:pPr>
               <a:buFont typeface="Wingdings" panose="05000000000000000000" pitchFamily="2" charset="2"/>
-              <a:buChar char="§"/>
+              <a:buChar char="q"/>
             </a:pPr>
             <a:r>
               <a:rPr lang="fr-FR" sz="3200" dirty="0" smtClean="0"/>
-              <a:t>Utilisation d’une base de données</a:t>
-            </a:r>
-          </a:p>
-          <a:p>
-            <a:pPr>
-              <a:buFont typeface="Wingdings" panose="05000000000000000000" pitchFamily="2" charset="2"/>
-              <a:buChar char="§"/>
-            </a:pPr>
+              <a:t>Esthétiques </a:t>
+            </a:r>
             <a:r>
               <a:rPr lang="fr-FR" sz="3200" dirty="0" smtClean="0"/>
-              <a:t>Application via site Web </a:t>
-            </a:r>
-          </a:p>
-          <a:p>
-            <a:pPr>
-              <a:buFont typeface="Wingdings" panose="05000000000000000000" pitchFamily="2" charset="2"/>
-              <a:buChar char="§"/>
-            </a:pPr>
-            <a:r>
-              <a:rPr lang="fr-FR" sz="3200" dirty="0" err="1" smtClean="0"/>
-              <a:t>Securités</a:t>
-            </a:r>
-            <a:r>
-              <a:rPr lang="fr-FR" sz="3200" dirty="0" smtClean="0"/>
-              <a:t> de connexion et modification </a:t>
-            </a:r>
-          </a:p>
-          <a:p>
-            <a:pPr>
-              <a:buFont typeface="Wingdings" panose="05000000000000000000" pitchFamily="2" charset="2"/>
-              <a:buChar char="§"/>
-            </a:pPr>
-            <a:r>
-              <a:rPr lang="fr-FR" sz="3200" dirty="0" smtClean="0"/>
-              <a:t> Esthétiques et praticité du site/de l’application </a:t>
+              <a:t>et praticité du site/de l’application </a:t>
             </a:r>
           </a:p>
         </p:txBody>
@@ -19781,7 +19811,7 @@
           <a:p>
             <a:pPr>
               <a:buFont typeface="Wingdings" panose="05000000000000000000" pitchFamily="2" charset="2"/>
-              <a:buChar char="§"/>
+              <a:buChar char="q"/>
             </a:pPr>
             <a:r>
               <a:rPr lang="fr-FR" dirty="0" smtClean="0"/>
@@ -19791,7 +19821,7 @@
           <a:p>
             <a:pPr>
               <a:buFont typeface="Wingdings" panose="05000000000000000000" pitchFamily="2" charset="2"/>
-              <a:buChar char="§"/>
+              <a:buChar char="q"/>
             </a:pPr>
             <a:r>
               <a:rPr lang="fr-FR" dirty="0"/>
@@ -19805,7 +19835,7 @@
           <a:p>
             <a:pPr>
               <a:buFont typeface="Wingdings" panose="05000000000000000000" pitchFamily="2" charset="2"/>
-              <a:buChar char="§"/>
+              <a:buChar char="q"/>
             </a:pPr>
             <a:r>
               <a:rPr lang="fr-FR" dirty="0" smtClean="0"/>
@@ -19815,7 +19845,7 @@
           <a:p>
             <a:pPr>
               <a:buFont typeface="Wingdings" panose="05000000000000000000" pitchFamily="2" charset="2"/>
-              <a:buChar char="§"/>
+              <a:buChar char="q"/>
             </a:pPr>
             <a:r>
               <a:rPr lang="fr-FR" dirty="0"/>
@@ -20079,7 +20109,18 @@
                 <a:ea typeface="Merriweather"/>
                 <a:cs typeface="Merriweather"/>
               </a:rPr>
-              <a:t>  Fiabilité </a:t>
+              <a:t> </a:t>
+            </a:r>
+            <a:r>
+              <a:rPr lang="fr-FR" sz="2800" dirty="0" smtClean="0">
+                <a:solidFill>
+                  <a:srgbClr val="2C3E50"/>
+                </a:solidFill>
+                <a:latin typeface="Merriweather"/>
+                <a:ea typeface="Merriweather"/>
+                <a:cs typeface="Merriweather"/>
+              </a:rPr>
+              <a:t>Fiabilité </a:t>
             </a:r>
             <a:r>
               <a:rPr lang="fr-FR" sz="2800" dirty="0">

--- a/ProjetFinalAAA-Factory.pptx
+++ b/ProjetFinalAAA-Factory.pptx
@@ -2686,7 +2686,7 @@
   <dgm:whole/>
   <dgm:extLst>
     <a:ext uri="http://schemas.microsoft.com/office/drawing/2008/diagram">
-      <dsp:dataModelExt xmlns:dsp="http://schemas.microsoft.com/office/drawing/2008/diagram" relId="rId6" minVer="http://schemas.openxmlformats.org/drawingml/2006/diagram"/>
+      <dsp:dataModelExt xmlns:dsp="http://schemas.microsoft.com/office/drawing/2008/diagram" relId="rId7" minVer="http://schemas.openxmlformats.org/drawingml/2006/diagram"/>
     </a:ext>
   </dgm:extLst>
 </dgm:dataModel>
@@ -2945,6 +2945,13 @@
         </dgm:presLayoutVars>
       </dgm:prSet>
       <dgm:spPr/>
+      <dgm:t>
+        <a:bodyPr/>
+        <a:lstStyle/>
+        <a:p>
+          <a:endParaRPr lang="fr-FR"/>
+        </a:p>
+      </dgm:t>
     </dgm:pt>
     <dgm:pt modelId="{D8DCDB59-09B4-4DAC-8E99-2D2560692E58}" type="pres">
       <dgm:prSet presAssocID="{55D3D3DB-0D61-4C32-B60D-CBB37922CDC3}" presName="node" presStyleLbl="node1" presStyleIdx="0" presStyleCnt="5">
@@ -2953,6 +2960,13 @@
         </dgm:presLayoutVars>
       </dgm:prSet>
       <dgm:spPr/>
+      <dgm:t>
+        <a:bodyPr/>
+        <a:lstStyle/>
+        <a:p>
+          <a:endParaRPr lang="fr-FR"/>
+        </a:p>
+      </dgm:t>
     </dgm:pt>
     <dgm:pt modelId="{FB43647F-ACBB-4453-B1F0-413923F5E688}" type="pres">
       <dgm:prSet presAssocID="{55D3D3DB-0D61-4C32-B60D-CBB37922CDC3}" presName="spNode" presStyleCnt="0"/>
@@ -2961,6 +2975,13 @@
     <dgm:pt modelId="{C6B67350-5ED4-48B1-93EC-0CEE1D6AB978}" type="pres">
       <dgm:prSet presAssocID="{4E4523FC-6E69-448E-A75E-B0E9CD61F327}" presName="sibTrans" presStyleLbl="sibTrans1D1" presStyleIdx="0" presStyleCnt="5"/>
       <dgm:spPr/>
+      <dgm:t>
+        <a:bodyPr/>
+        <a:lstStyle/>
+        <a:p>
+          <a:endParaRPr lang="fr-FR"/>
+        </a:p>
+      </dgm:t>
     </dgm:pt>
     <dgm:pt modelId="{27BFAB88-7517-47A8-BBB6-AC8298F1FACC}" type="pres">
       <dgm:prSet presAssocID="{4CB8AD81-66C2-4411-8349-B5787E9929B3}" presName="node" presStyleLbl="node1" presStyleIdx="1" presStyleCnt="5" custRadScaleRad="100087" custRadScaleInc="8323">
@@ -2984,6 +3005,13 @@
     <dgm:pt modelId="{0630741F-6C40-4F3F-B890-314A4B79923F}" type="pres">
       <dgm:prSet presAssocID="{0103F8B2-6859-4388-B94A-F97A23161528}" presName="sibTrans" presStyleLbl="sibTrans1D1" presStyleIdx="1" presStyleCnt="5"/>
       <dgm:spPr/>
+      <dgm:t>
+        <a:bodyPr/>
+        <a:lstStyle/>
+        <a:p>
+          <a:endParaRPr lang="fr-FR"/>
+        </a:p>
+      </dgm:t>
     </dgm:pt>
     <dgm:pt modelId="{C8F751D6-D82F-496C-AD58-79670C73541F}" type="pres">
       <dgm:prSet presAssocID="{AFE49074-0156-416F-BAD6-090469212887}" presName="node" presStyleLbl="node1" presStyleIdx="2" presStyleCnt="5" custRadScaleRad="98449" custRadScaleInc="-6098">
@@ -3007,6 +3035,13 @@
     <dgm:pt modelId="{0185F18E-2A47-48E8-BFD5-9936BEC7A951}" type="pres">
       <dgm:prSet presAssocID="{49770C90-8E90-470D-B5B5-82DA1C4B15AA}" presName="sibTrans" presStyleLbl="sibTrans1D1" presStyleIdx="2" presStyleCnt="5"/>
       <dgm:spPr/>
+      <dgm:t>
+        <a:bodyPr/>
+        <a:lstStyle/>
+        <a:p>
+          <a:endParaRPr lang="fr-FR"/>
+        </a:p>
+      </dgm:t>
     </dgm:pt>
     <dgm:pt modelId="{31A326BC-78C0-4B08-940D-EFBF215F6455}" type="pres">
       <dgm:prSet presAssocID="{B4737E85-D5A2-4228-ADBC-DDD44E3D7C23}" presName="node" presStyleLbl="node1" presStyleIdx="3" presStyleCnt="5" custRadScaleRad="97915" custRadScaleInc="8802">
@@ -3030,6 +3065,13 @@
     <dgm:pt modelId="{585D472E-44CD-4D47-8B6B-CF5DA3B83EF5}" type="pres">
       <dgm:prSet presAssocID="{BD8728AC-8E14-4242-8874-E0412479C45C}" presName="sibTrans" presStyleLbl="sibTrans1D1" presStyleIdx="3" presStyleCnt="5"/>
       <dgm:spPr/>
+      <dgm:t>
+        <a:bodyPr/>
+        <a:lstStyle/>
+        <a:p>
+          <a:endParaRPr lang="fr-FR"/>
+        </a:p>
+      </dgm:t>
     </dgm:pt>
     <dgm:pt modelId="{6830C4F8-0F29-428E-9993-01945ED56F24}" type="pres">
       <dgm:prSet presAssocID="{98C0C2DA-B0BB-4723-A172-08F636A64777}" presName="node" presStyleLbl="node1" presStyleIdx="4" presStyleCnt="5">
@@ -3038,6 +3080,13 @@
         </dgm:presLayoutVars>
       </dgm:prSet>
       <dgm:spPr/>
+      <dgm:t>
+        <a:bodyPr/>
+        <a:lstStyle/>
+        <a:p>
+          <a:endParaRPr lang="fr-FR"/>
+        </a:p>
+      </dgm:t>
     </dgm:pt>
     <dgm:pt modelId="{AEF3ADAC-50F8-4E21-B2C6-8D7A17AA0D59}" type="pres">
       <dgm:prSet presAssocID="{98C0C2DA-B0BB-4723-A172-08F636A64777}" presName="spNode" presStyleCnt="0"/>
@@ -3046,6 +3095,13 @@
     <dgm:pt modelId="{BFD287F0-33B0-489A-9EEC-062382A8DE94}" type="pres">
       <dgm:prSet presAssocID="{258A2E1B-E771-4E65-991F-B1B85B8FA396}" presName="sibTrans" presStyleLbl="sibTrans1D1" presStyleIdx="4" presStyleCnt="5"/>
       <dgm:spPr/>
+      <dgm:t>
+        <a:bodyPr/>
+        <a:lstStyle/>
+        <a:p>
+          <a:endParaRPr lang="fr-FR"/>
+        </a:p>
+      </dgm:t>
     </dgm:pt>
   </dgm:ptLst>
   <dgm:cxnLst>
@@ -3843,757 +3899,6 @@
       <dsp:cNvGrpSpPr/>
     </dsp:nvGrpSpPr>
     <dsp:grpSpPr/>
-    <dsp:sp modelId="{D8DCDB59-09B4-4DAC-8E99-2D2560692E58}">
-      <dsp:nvSpPr>
-        <dsp:cNvPr id="0" name=""/>
-        <dsp:cNvSpPr/>
-      </dsp:nvSpPr>
-      <dsp:spPr>
-        <a:xfrm>
-          <a:off x="2418062" y="1713"/>
-          <a:ext cx="1450377" cy="942745"/>
-        </a:xfrm>
-        <a:prstGeom prst="roundRect">
-          <a:avLst/>
-        </a:prstGeom>
-        <a:solidFill>
-          <a:schemeClr val="accent2">
-            <a:hueOff val="0"/>
-            <a:satOff val="0"/>
-            <a:lumOff val="0"/>
-            <a:alphaOff val="0"/>
-          </a:schemeClr>
-        </a:solidFill>
-        <a:ln w="15875" cap="flat" cmpd="sng" algn="ctr">
-          <a:solidFill>
-            <a:schemeClr val="lt1">
-              <a:hueOff val="0"/>
-              <a:satOff val="0"/>
-              <a:lumOff val="0"/>
-              <a:alphaOff val="0"/>
-            </a:schemeClr>
-          </a:solidFill>
-          <a:prstDash val="solid"/>
-        </a:ln>
-        <a:effectLst/>
-      </dsp:spPr>
-      <dsp:style>
-        <a:lnRef idx="2">
-          <a:scrgbClr r="0" g="0" b="0"/>
-        </a:lnRef>
-        <a:fillRef idx="1">
-          <a:scrgbClr r="0" g="0" b="0"/>
-        </a:fillRef>
-        <a:effectRef idx="0">
-          <a:scrgbClr r="0" g="0" b="0"/>
-        </a:effectRef>
-        <a:fontRef idx="minor">
-          <a:schemeClr val="lt1"/>
-        </a:fontRef>
-      </dsp:style>
-      <dsp:txBody>
-        <a:bodyPr spcFirstLastPara="0" vert="horz" wrap="square" lIns="53340" tIns="53340" rIns="53340" bIns="53340" numCol="1" spcCol="1270" anchor="ctr" anchorCtr="0">
-          <a:noAutofit/>
-        </a:bodyPr>
-        <a:lstStyle/>
-        <a:p>
-          <a:pPr lvl="0" algn="ctr" defTabSz="622300">
-            <a:lnSpc>
-              <a:spcPct val="90000"/>
-            </a:lnSpc>
-            <a:spcBef>
-              <a:spcPct val="0"/>
-            </a:spcBef>
-            <a:spcAft>
-              <a:spcPct val="35000"/>
-            </a:spcAft>
-          </a:pPr>
-          <a:r>
-            <a:rPr lang="fr-FR" sz="1400" b="0" kern="1200" dirty="0" smtClean="0"/>
-            <a:t>Etape 1 : </a:t>
-          </a:r>
-        </a:p>
-        <a:p>
-          <a:pPr lvl="0" algn="ctr" defTabSz="622300">
-            <a:lnSpc>
-              <a:spcPct val="90000"/>
-            </a:lnSpc>
-            <a:spcBef>
-              <a:spcPct val="0"/>
-            </a:spcBef>
-            <a:spcAft>
-              <a:spcPct val="35000"/>
-            </a:spcAft>
-          </a:pPr>
-          <a:r>
-            <a:rPr lang="fr-FR" sz="1400" b="0" kern="1200" dirty="0" smtClean="0"/>
-            <a:t>Authentification </a:t>
-          </a:r>
-          <a:endParaRPr lang="fr-FR" sz="1400" b="0" kern="1200" dirty="0"/>
-        </a:p>
-      </dsp:txBody>
-      <dsp:txXfrm>
-        <a:off x="2464083" y="47734"/>
-        <a:ext cx="1358335" cy="850703"/>
-      </dsp:txXfrm>
-    </dsp:sp>
-    <dsp:sp modelId="{C6B67350-5ED4-48B1-93EC-0CEE1D6AB978}">
-      <dsp:nvSpPr>
-        <dsp:cNvPr id="0" name=""/>
-        <dsp:cNvSpPr/>
-      </dsp:nvSpPr>
-      <dsp:spPr>
-        <a:xfrm>
-          <a:off x="1262200" y="474166"/>
-          <a:ext cx="3767293" cy="3767293"/>
-        </a:xfrm>
-        <a:custGeom>
-          <a:avLst/>
-          <a:gdLst/>
-          <a:ahLst/>
-          <a:cxnLst/>
-          <a:rect l="0" t="0" r="0" b="0"/>
-          <a:pathLst>
-            <a:path>
-              <a:moveTo>
-                <a:pt x="2813331" y="245412"/>
-              </a:moveTo>
-              <a:arcTo wR="1883646" hR="1883646" stAng="17974475" swAng="1297396"/>
-            </a:path>
-          </a:pathLst>
-        </a:custGeom>
-        <a:noFill/>
-        <a:ln w="12700" cap="flat" cmpd="sng" algn="ctr">
-          <a:solidFill>
-            <a:schemeClr val="accent2">
-              <a:hueOff val="0"/>
-              <a:satOff val="0"/>
-              <a:lumOff val="0"/>
-              <a:alphaOff val="0"/>
-            </a:schemeClr>
-          </a:solidFill>
-          <a:prstDash val="solid"/>
-          <a:tailEnd type="arrow"/>
-        </a:ln>
-        <a:effectLst/>
-      </dsp:spPr>
-      <dsp:style>
-        <a:lnRef idx="1">
-          <a:scrgbClr r="0" g="0" b="0"/>
-        </a:lnRef>
-        <a:fillRef idx="0">
-          <a:scrgbClr r="0" g="0" b="0"/>
-        </a:fillRef>
-        <a:effectRef idx="0">
-          <a:scrgbClr r="0" g="0" b="0"/>
-        </a:effectRef>
-        <a:fontRef idx="minor"/>
-      </dsp:style>
-    </dsp:sp>
-    <dsp:sp modelId="{27BFAB88-7517-47A8-BBB6-AC8298F1FACC}">
-      <dsp:nvSpPr>
-        <dsp:cNvPr id="0" name=""/>
-        <dsp:cNvSpPr/>
-      </dsp:nvSpPr>
-      <dsp:spPr>
-        <a:xfrm>
-          <a:off x="4230292" y="1365626"/>
-          <a:ext cx="1450377" cy="942745"/>
-        </a:xfrm>
-        <a:prstGeom prst="roundRect">
-          <a:avLst/>
-        </a:prstGeom>
-        <a:solidFill>
-          <a:schemeClr val="accent3">
-            <a:hueOff val="0"/>
-            <a:satOff val="0"/>
-            <a:lumOff val="0"/>
-            <a:alphaOff val="0"/>
-          </a:schemeClr>
-        </a:solidFill>
-        <a:ln w="15875" cap="flat" cmpd="sng" algn="ctr">
-          <a:solidFill>
-            <a:schemeClr val="lt1">
-              <a:hueOff val="0"/>
-              <a:satOff val="0"/>
-              <a:lumOff val="0"/>
-              <a:alphaOff val="0"/>
-            </a:schemeClr>
-          </a:solidFill>
-          <a:prstDash val="solid"/>
-        </a:ln>
-        <a:effectLst/>
-      </dsp:spPr>
-      <dsp:style>
-        <a:lnRef idx="2">
-          <a:scrgbClr r="0" g="0" b="0"/>
-        </a:lnRef>
-        <a:fillRef idx="1">
-          <a:scrgbClr r="0" g="0" b="0"/>
-        </a:fillRef>
-        <a:effectRef idx="0">
-          <a:scrgbClr r="0" g="0" b="0"/>
-        </a:effectRef>
-        <a:fontRef idx="minor">
-          <a:schemeClr val="lt1"/>
-        </a:fontRef>
-      </dsp:style>
-      <dsp:txBody>
-        <a:bodyPr spcFirstLastPara="0" vert="horz" wrap="square" lIns="53340" tIns="53340" rIns="53340" bIns="53340" numCol="1" spcCol="1270" anchor="ctr" anchorCtr="0">
-          <a:noAutofit/>
-        </a:bodyPr>
-        <a:lstStyle/>
-        <a:p>
-          <a:pPr lvl="0" algn="ctr" defTabSz="622300">
-            <a:lnSpc>
-              <a:spcPct val="90000"/>
-            </a:lnSpc>
-            <a:spcBef>
-              <a:spcPct val="0"/>
-            </a:spcBef>
-            <a:spcAft>
-              <a:spcPct val="35000"/>
-            </a:spcAft>
-          </a:pPr>
-          <a:r>
-            <a:rPr lang="fr-FR" sz="1400" b="0" kern="1200" dirty="0" smtClean="0"/>
-            <a:t>Etape 2 : </a:t>
-          </a:r>
-        </a:p>
-        <a:p>
-          <a:pPr lvl="0" algn="ctr" defTabSz="622300">
-            <a:lnSpc>
-              <a:spcPct val="90000"/>
-            </a:lnSpc>
-            <a:spcBef>
-              <a:spcPct val="0"/>
-            </a:spcBef>
-            <a:spcAft>
-              <a:spcPct val="35000"/>
-            </a:spcAft>
-          </a:pPr>
-          <a:r>
-            <a:rPr lang="fr-FR" sz="1400" b="0" kern="1200" dirty="0" smtClean="0"/>
-            <a:t>choix via menu (consultation ou </a:t>
-          </a:r>
-          <a:r>
-            <a:rPr lang="fr-FR" sz="1400" b="0" kern="1200" dirty="0" err="1" smtClean="0"/>
-            <a:t>modif</a:t>
-          </a:r>
-          <a:r>
-            <a:rPr lang="fr-FR" sz="1400" b="0" kern="1200" dirty="0" smtClean="0"/>
-            <a:t>)</a:t>
-          </a:r>
-          <a:endParaRPr lang="fr-FR" sz="1400" b="0" kern="1200" dirty="0"/>
-        </a:p>
-      </dsp:txBody>
-      <dsp:txXfrm>
-        <a:off x="4276313" y="1411647"/>
-        <a:ext cx="1358335" cy="850703"/>
-      </dsp:txXfrm>
-    </dsp:sp>
-    <dsp:sp modelId="{0630741F-6C40-4F3F-B890-314A4B79923F}">
-      <dsp:nvSpPr>
-        <dsp:cNvPr id="0" name=""/>
-        <dsp:cNvSpPr/>
-      </dsp:nvSpPr>
-      <dsp:spPr>
-        <a:xfrm>
-          <a:off x="1260633" y="418400"/>
-          <a:ext cx="3767293" cy="3767293"/>
-        </a:xfrm>
-        <a:custGeom>
-          <a:avLst/>
-          <a:gdLst/>
-          <a:ahLst/>
-          <a:cxnLst/>
-          <a:rect l="0" t="0" r="0" b="0"/>
-          <a:pathLst>
-            <a:path>
-              <a:moveTo>
-                <a:pt x="3753769" y="2108954"/>
-              </a:moveTo>
-              <a:arcTo wR="1883646" hR="1883646" stAng="412186" swAng="1231416"/>
-            </a:path>
-          </a:pathLst>
-        </a:custGeom>
-        <a:noFill/>
-        <a:ln w="12700" cap="flat" cmpd="sng" algn="ctr">
-          <a:solidFill>
-            <a:schemeClr val="accent3">
-              <a:hueOff val="0"/>
-              <a:satOff val="0"/>
-              <a:lumOff val="0"/>
-              <a:alphaOff val="0"/>
-            </a:schemeClr>
-          </a:solidFill>
-          <a:prstDash val="solid"/>
-          <a:tailEnd type="arrow"/>
-        </a:ln>
-        <a:effectLst/>
-      </dsp:spPr>
-      <dsp:style>
-        <a:lnRef idx="1">
-          <a:scrgbClr r="0" g="0" b="0"/>
-        </a:lnRef>
-        <a:fillRef idx="0">
-          <a:scrgbClr r="0" g="0" b="0"/>
-        </a:fillRef>
-        <a:effectRef idx="0">
-          <a:scrgbClr r="0" g="0" b="0"/>
-        </a:effectRef>
-        <a:fontRef idx="minor"/>
-      </dsp:style>
-    </dsp:sp>
-    <dsp:sp modelId="{C8F751D6-D82F-496C-AD58-79670C73541F}">
-      <dsp:nvSpPr>
-        <dsp:cNvPr id="0" name=""/>
-        <dsp:cNvSpPr/>
-      </dsp:nvSpPr>
-      <dsp:spPr>
-        <a:xfrm>
-          <a:off x="3546031" y="3357297"/>
-          <a:ext cx="1450377" cy="942745"/>
-        </a:xfrm>
-        <a:prstGeom prst="roundRect">
-          <a:avLst/>
-        </a:prstGeom>
-        <a:solidFill>
-          <a:schemeClr val="accent4">
-            <a:hueOff val="0"/>
-            <a:satOff val="0"/>
-            <a:lumOff val="0"/>
-            <a:alphaOff val="0"/>
-          </a:schemeClr>
-        </a:solidFill>
-        <a:ln w="15875" cap="flat" cmpd="sng" algn="ctr">
-          <a:solidFill>
-            <a:schemeClr val="lt1">
-              <a:hueOff val="0"/>
-              <a:satOff val="0"/>
-              <a:lumOff val="0"/>
-              <a:alphaOff val="0"/>
-            </a:schemeClr>
-          </a:solidFill>
-          <a:prstDash val="solid"/>
-        </a:ln>
-        <a:effectLst/>
-      </dsp:spPr>
-      <dsp:style>
-        <a:lnRef idx="2">
-          <a:scrgbClr r="0" g="0" b="0"/>
-        </a:lnRef>
-        <a:fillRef idx="1">
-          <a:scrgbClr r="0" g="0" b="0"/>
-        </a:fillRef>
-        <a:effectRef idx="0">
-          <a:scrgbClr r="0" g="0" b="0"/>
-        </a:effectRef>
-        <a:fontRef idx="minor">
-          <a:schemeClr val="lt1"/>
-        </a:fontRef>
-      </dsp:style>
-      <dsp:txBody>
-        <a:bodyPr spcFirstLastPara="0" vert="horz" wrap="square" lIns="53340" tIns="53340" rIns="53340" bIns="53340" numCol="1" spcCol="1270" anchor="ctr" anchorCtr="0">
-          <a:noAutofit/>
-        </a:bodyPr>
-        <a:lstStyle/>
-        <a:p>
-          <a:pPr lvl="0" algn="ctr" defTabSz="622300">
-            <a:lnSpc>
-              <a:spcPct val="90000"/>
-            </a:lnSpc>
-            <a:spcBef>
-              <a:spcPct val="0"/>
-            </a:spcBef>
-            <a:spcAft>
-              <a:spcPct val="35000"/>
-            </a:spcAft>
-          </a:pPr>
-          <a:r>
-            <a:rPr lang="fr-FR" sz="1400" b="0" kern="1200" dirty="0" smtClean="0"/>
-            <a:t>Etape 3 : </a:t>
-          </a:r>
-        </a:p>
-        <a:p>
-          <a:pPr lvl="0" algn="ctr" defTabSz="622300">
-            <a:lnSpc>
-              <a:spcPct val="90000"/>
-            </a:lnSpc>
-            <a:spcBef>
-              <a:spcPct val="0"/>
-            </a:spcBef>
-            <a:spcAft>
-              <a:spcPct val="35000"/>
-            </a:spcAft>
-          </a:pPr>
-          <a:r>
-            <a:rPr lang="fr-FR" sz="1400" b="0" kern="1200" dirty="0" smtClean="0"/>
-            <a:t>Cliquer sur ce que l’on veut modifier</a:t>
-          </a:r>
-          <a:endParaRPr lang="fr-FR" sz="1400" b="0" kern="1200" dirty="0"/>
-        </a:p>
-      </dsp:txBody>
-      <dsp:txXfrm>
-        <a:off x="3592052" y="3403318"/>
-        <a:ext cx="1358335" cy="850703"/>
-      </dsp:txXfrm>
-    </dsp:sp>
-    <dsp:sp modelId="{0185F18E-2A47-48E8-BFD5-9936BEC7A951}">
-      <dsp:nvSpPr>
-        <dsp:cNvPr id="0" name=""/>
-        <dsp:cNvSpPr/>
-      </dsp:nvSpPr>
-      <dsp:spPr>
-        <a:xfrm>
-          <a:off x="1282944" y="438212"/>
-          <a:ext cx="3767293" cy="3767293"/>
-        </a:xfrm>
-        <a:custGeom>
-          <a:avLst/>
-          <a:gdLst/>
-          <a:ahLst/>
-          <a:cxnLst/>
-          <a:rect l="0" t="0" r="0" b="0"/>
-          <a:pathLst>
-            <a:path>
-              <a:moveTo>
-                <a:pt x="2101999" y="3754594"/>
-              </a:moveTo>
-              <a:arcTo wR="1883646" hR="1883646" stAng="5000597" swAng="905499"/>
-            </a:path>
-          </a:pathLst>
-        </a:custGeom>
-        <a:noFill/>
-        <a:ln w="12700" cap="flat" cmpd="sng" algn="ctr">
-          <a:solidFill>
-            <a:schemeClr val="accent4">
-              <a:hueOff val="0"/>
-              <a:satOff val="0"/>
-              <a:lumOff val="0"/>
-              <a:alphaOff val="0"/>
-            </a:schemeClr>
-          </a:solidFill>
-          <a:prstDash val="solid"/>
-          <a:tailEnd type="arrow"/>
-        </a:ln>
-        <a:effectLst/>
-      </dsp:spPr>
-      <dsp:style>
-        <a:lnRef idx="1">
-          <a:scrgbClr r="0" g="0" b="0"/>
-        </a:lnRef>
-        <a:fillRef idx="0">
-          <a:scrgbClr r="0" g="0" b="0"/>
-        </a:fillRef>
-        <a:effectRef idx="0">
-          <a:scrgbClr r="0" g="0" b="0"/>
-        </a:effectRef>
-        <a:fontRef idx="minor"/>
-      </dsp:style>
-    </dsp:sp>
-    <dsp:sp modelId="{31A326BC-78C0-4B08-940D-EFBF215F6455}">
-      <dsp:nvSpPr>
-        <dsp:cNvPr id="0" name=""/>
-        <dsp:cNvSpPr/>
-      </dsp:nvSpPr>
-      <dsp:spPr>
-        <a:xfrm>
-          <a:off x="1279702" y="3336513"/>
-          <a:ext cx="1450377" cy="942745"/>
-        </a:xfrm>
-        <a:prstGeom prst="roundRect">
-          <a:avLst/>
-        </a:prstGeom>
-        <a:solidFill>
-          <a:schemeClr val="accent5">
-            <a:hueOff val="0"/>
-            <a:satOff val="0"/>
-            <a:lumOff val="0"/>
-            <a:alphaOff val="0"/>
-          </a:schemeClr>
-        </a:solidFill>
-        <a:ln w="15875" cap="flat" cmpd="sng" algn="ctr">
-          <a:solidFill>
-            <a:schemeClr val="lt1">
-              <a:hueOff val="0"/>
-              <a:satOff val="0"/>
-              <a:lumOff val="0"/>
-              <a:alphaOff val="0"/>
-            </a:schemeClr>
-          </a:solidFill>
-          <a:prstDash val="solid"/>
-        </a:ln>
-        <a:effectLst/>
-      </dsp:spPr>
-      <dsp:style>
-        <a:lnRef idx="2">
-          <a:scrgbClr r="0" g="0" b="0"/>
-        </a:lnRef>
-        <a:fillRef idx="1">
-          <a:scrgbClr r="0" g="0" b="0"/>
-        </a:fillRef>
-        <a:effectRef idx="0">
-          <a:scrgbClr r="0" g="0" b="0"/>
-        </a:effectRef>
-        <a:fontRef idx="minor">
-          <a:schemeClr val="lt1"/>
-        </a:fontRef>
-      </dsp:style>
-      <dsp:txBody>
-        <a:bodyPr spcFirstLastPara="0" vert="horz" wrap="square" lIns="53340" tIns="53340" rIns="53340" bIns="53340" numCol="1" spcCol="1270" anchor="ctr" anchorCtr="0">
-          <a:noAutofit/>
-        </a:bodyPr>
-        <a:lstStyle/>
-        <a:p>
-          <a:pPr lvl="0" algn="ctr" defTabSz="622300">
-            <a:lnSpc>
-              <a:spcPct val="90000"/>
-            </a:lnSpc>
-            <a:spcBef>
-              <a:spcPct val="0"/>
-            </a:spcBef>
-            <a:spcAft>
-              <a:spcPct val="35000"/>
-            </a:spcAft>
-          </a:pPr>
-          <a:r>
-            <a:rPr lang="fr-FR" sz="1400" b="0" kern="1200" dirty="0" smtClean="0"/>
-            <a:t>Etape 4 : </a:t>
-          </a:r>
-        </a:p>
-        <a:p>
-          <a:pPr lvl="0" algn="ctr" defTabSz="622300">
-            <a:lnSpc>
-              <a:spcPct val="90000"/>
-            </a:lnSpc>
-            <a:spcBef>
-              <a:spcPct val="0"/>
-            </a:spcBef>
-            <a:spcAft>
-              <a:spcPct val="35000"/>
-            </a:spcAft>
-          </a:pPr>
-          <a:r>
-            <a:rPr lang="fr-FR" sz="1400" b="0" kern="1200" dirty="0" smtClean="0"/>
-            <a:t>Remplir le formulaire correctement</a:t>
-          </a:r>
-          <a:endParaRPr lang="fr-FR" sz="1400" b="0" kern="1200" dirty="0"/>
-        </a:p>
-      </dsp:txBody>
-      <dsp:txXfrm>
-        <a:off x="1325723" y="3382534"/>
-        <a:ext cx="1358335" cy="850703"/>
-      </dsp:txXfrm>
-    </dsp:sp>
-    <dsp:sp modelId="{585D472E-44CD-4D47-8B6B-CF5DA3B83EF5}">
-      <dsp:nvSpPr>
-        <dsp:cNvPr id="0" name=""/>
-        <dsp:cNvSpPr/>
-      </dsp:nvSpPr>
-      <dsp:spPr>
-        <a:xfrm>
-          <a:off x="1262374" y="405145"/>
-          <a:ext cx="3767293" cy="3767293"/>
-        </a:xfrm>
-        <a:custGeom>
-          <a:avLst/>
-          <a:gdLst/>
-          <a:ahLst/>
-          <a:cxnLst/>
-          <a:rect l="0" t="0" r="0" b="0"/>
-          <a:pathLst>
-            <a:path>
-              <a:moveTo>
-                <a:pt x="203589" y="2735428"/>
-              </a:moveTo>
-              <a:arcTo wR="1883646" hR="1883646" stAng="9186911" swAng="1276552"/>
-            </a:path>
-          </a:pathLst>
-        </a:custGeom>
-        <a:noFill/>
-        <a:ln w="12700" cap="flat" cmpd="sng" algn="ctr">
-          <a:solidFill>
-            <a:schemeClr val="accent5">
-              <a:hueOff val="0"/>
-              <a:satOff val="0"/>
-              <a:lumOff val="0"/>
-              <a:alphaOff val="0"/>
-            </a:schemeClr>
-          </a:solidFill>
-          <a:prstDash val="solid"/>
-          <a:tailEnd type="arrow"/>
-        </a:ln>
-        <a:effectLst/>
-      </dsp:spPr>
-      <dsp:style>
-        <a:lnRef idx="1">
-          <a:scrgbClr r="0" g="0" b="0"/>
-        </a:lnRef>
-        <a:fillRef idx="0">
-          <a:scrgbClr r="0" g="0" b="0"/>
-        </a:fillRef>
-        <a:effectRef idx="0">
-          <a:scrgbClr r="0" g="0" b="0"/>
-        </a:effectRef>
-        <a:fontRef idx="minor"/>
-      </dsp:style>
-    </dsp:sp>
-    <dsp:sp modelId="{6830C4F8-0F29-428E-9993-01945ED56F24}">
-      <dsp:nvSpPr>
-        <dsp:cNvPr id="0" name=""/>
-        <dsp:cNvSpPr/>
-      </dsp:nvSpPr>
-      <dsp:spPr>
-        <a:xfrm>
-          <a:off x="626608" y="1303280"/>
-          <a:ext cx="1450377" cy="942745"/>
-        </a:xfrm>
-        <a:prstGeom prst="roundRect">
-          <a:avLst/>
-        </a:prstGeom>
-        <a:solidFill>
-          <a:schemeClr val="accent6">
-            <a:hueOff val="0"/>
-            <a:satOff val="0"/>
-            <a:lumOff val="0"/>
-            <a:alphaOff val="0"/>
-          </a:schemeClr>
-        </a:solidFill>
-        <a:ln w="15875" cap="flat" cmpd="sng" algn="ctr">
-          <a:solidFill>
-            <a:schemeClr val="lt1">
-              <a:hueOff val="0"/>
-              <a:satOff val="0"/>
-              <a:lumOff val="0"/>
-              <a:alphaOff val="0"/>
-            </a:schemeClr>
-          </a:solidFill>
-          <a:prstDash val="solid"/>
-        </a:ln>
-        <a:effectLst/>
-      </dsp:spPr>
-      <dsp:style>
-        <a:lnRef idx="2">
-          <a:scrgbClr r="0" g="0" b="0"/>
-        </a:lnRef>
-        <a:fillRef idx="1">
-          <a:scrgbClr r="0" g="0" b="0"/>
-        </a:fillRef>
-        <a:effectRef idx="0">
-          <a:scrgbClr r="0" g="0" b="0"/>
-        </a:effectRef>
-        <a:fontRef idx="minor">
-          <a:schemeClr val="lt1"/>
-        </a:fontRef>
-      </dsp:style>
-      <dsp:txBody>
-        <a:bodyPr spcFirstLastPara="0" vert="horz" wrap="square" lIns="53340" tIns="53340" rIns="53340" bIns="53340" numCol="1" spcCol="1270" anchor="ctr" anchorCtr="0">
-          <a:noAutofit/>
-        </a:bodyPr>
-        <a:lstStyle/>
-        <a:p>
-          <a:pPr lvl="0" algn="ctr" defTabSz="622300">
-            <a:lnSpc>
-              <a:spcPct val="90000"/>
-            </a:lnSpc>
-            <a:spcBef>
-              <a:spcPct val="0"/>
-            </a:spcBef>
-            <a:spcAft>
-              <a:spcPct val="35000"/>
-            </a:spcAft>
-          </a:pPr>
-          <a:r>
-            <a:rPr lang="fr-FR" sz="1400" b="0" i="0" kern="1200" dirty="0" smtClean="0">
-              <a:effectLst/>
-            </a:rPr>
-            <a:t>Etape 5 :</a:t>
-          </a:r>
-        </a:p>
-        <a:p>
-          <a:pPr lvl="0" algn="ctr" defTabSz="622300">
-            <a:lnSpc>
-              <a:spcPct val="90000"/>
-            </a:lnSpc>
-            <a:spcBef>
-              <a:spcPct val="0"/>
-            </a:spcBef>
-            <a:spcAft>
-              <a:spcPct val="35000"/>
-            </a:spcAft>
-          </a:pPr>
-          <a:r>
-            <a:rPr lang="fr-FR" sz="1400" b="0" i="0" kern="1200" dirty="0" smtClean="0">
-              <a:effectLst/>
-            </a:rPr>
-            <a:t> </a:t>
-          </a:r>
-          <a:r>
-            <a:rPr lang="fr-FR" sz="1400" b="0" kern="1200" dirty="0" smtClean="0"/>
-            <a:t>valider / envoyer</a:t>
-          </a:r>
-          <a:endParaRPr lang="fr-FR" sz="1400" b="0" kern="1200" dirty="0"/>
-        </a:p>
-      </dsp:txBody>
-      <dsp:txXfrm>
-        <a:off x="672629" y="1349301"/>
-        <a:ext cx="1358335" cy="850703"/>
-      </dsp:txXfrm>
-    </dsp:sp>
-    <dsp:sp modelId="{BFD287F0-33B0-489A-9EEC-062382A8DE94}">
-      <dsp:nvSpPr>
-        <dsp:cNvPr id="0" name=""/>
-        <dsp:cNvSpPr/>
-      </dsp:nvSpPr>
-      <dsp:spPr>
-        <a:xfrm>
-          <a:off x="1259604" y="473085"/>
-          <a:ext cx="3767293" cy="3767293"/>
-        </a:xfrm>
-        <a:custGeom>
-          <a:avLst/>
-          <a:gdLst/>
-          <a:ahLst/>
-          <a:cxnLst/>
-          <a:rect l="0" t="0" r="0" b="0"/>
-          <a:pathLst>
-            <a:path>
-              <a:moveTo>
-                <a:pt x="453049" y="658282"/>
-              </a:moveTo>
-              <a:arcTo wR="1883646" hR="1883646" stAng="13234883" swAng="1211926"/>
-            </a:path>
-          </a:pathLst>
-        </a:custGeom>
-        <a:noFill/>
-        <a:ln w="12700" cap="flat" cmpd="sng" algn="ctr">
-          <a:solidFill>
-            <a:schemeClr val="accent6">
-              <a:hueOff val="0"/>
-              <a:satOff val="0"/>
-              <a:lumOff val="0"/>
-              <a:alphaOff val="0"/>
-            </a:schemeClr>
-          </a:solidFill>
-          <a:prstDash val="solid"/>
-          <a:tailEnd type="arrow"/>
-        </a:ln>
-        <a:effectLst/>
-      </dsp:spPr>
-      <dsp:style>
-        <a:lnRef idx="1">
-          <a:scrgbClr r="0" g="0" b="0"/>
-        </a:lnRef>
-        <a:fillRef idx="0">
-          <a:scrgbClr r="0" g="0" b="0"/>
-        </a:fillRef>
-        <a:effectRef idx="0">
-          <a:scrgbClr r="0" g="0" b="0"/>
-        </a:effectRef>
-        <a:fontRef idx="minor"/>
-      </dsp:style>
-    </dsp:sp>
   </dsp:spTree>
 </dsp:drawing>
 </file>
@@ -7564,6 +6869,1566 @@
 </p:notes>
 </file>
 
+<file path=ppt/notesSlides/notesSlide10.xml><?xml version="1.0" encoding="utf-8"?>
+<p:notes xmlns:a="http://schemas.openxmlformats.org/drawingml/2006/main" xmlns:r="http://schemas.openxmlformats.org/officeDocument/2006/relationships" xmlns:p="http://schemas.openxmlformats.org/presentationml/2006/main">
+  <p:cSld>
+    <p:spTree>
+      <p:nvGrpSpPr>
+        <p:cNvPr id="1" name=""/>
+        <p:cNvGrpSpPr/>
+        <p:nvPr/>
+      </p:nvGrpSpPr>
+      <p:grpSpPr>
+        <a:xfrm>
+          <a:off x="0" y="0"/>
+          <a:ext cx="0" cy="0"/>
+          <a:chOff x="0" y="0"/>
+          <a:chExt cx="0" cy="0"/>
+        </a:xfrm>
+      </p:grpSpPr>
+      <p:sp>
+        <p:nvSpPr>
+          <p:cNvPr id="2" name="Espace réservé de l'image des diapositives 1"/>
+          <p:cNvSpPr>
+            <a:spLocks noGrp="1" noRot="1" noChangeAspect="1"/>
+          </p:cNvSpPr>
+          <p:nvPr>
+            <p:ph type="sldImg"/>
+          </p:nvPr>
+        </p:nvSpPr>
+        <p:spPr/>
+      </p:sp>
+      <p:sp>
+        <p:nvSpPr>
+          <p:cNvPr id="3" name="Espace réservé des commentaires 2"/>
+          <p:cNvSpPr>
+            <a:spLocks noGrp="1"/>
+          </p:cNvSpPr>
+          <p:nvPr>
+            <p:ph type="body" idx="1"/>
+          </p:nvPr>
+        </p:nvSpPr>
+        <p:spPr/>
+        <p:txBody>
+          <a:bodyPr/>
+          <a:lstStyle/>
+          <a:p>
+            <a:pPr marL="0" marR="0" indent="0" algn="l" defTabSz="914400" rtl="0" eaLnBrk="1" fontAlgn="auto" latinLnBrk="0" hangingPunct="1">
+              <a:lnSpc>
+                <a:spcPct val="100000"/>
+              </a:lnSpc>
+              <a:spcBef>
+                <a:spcPts val="0"/>
+              </a:spcBef>
+              <a:spcAft>
+                <a:spcPts val="0"/>
+              </a:spcAft>
+              <a:buClrTx/>
+              <a:buSzTx/>
+              <a:buFontTx/>
+              <a:buNone/>
+              <a:tabLst/>
+              <a:defRPr/>
+            </a:pPr>
+            <a:r>
+              <a:rPr lang="fr-FR" dirty="0" smtClean="0"/>
+              <a:t>Ici nous pouvons voir que l’agilité est</a:t>
+            </a:r>
+            <a:r>
+              <a:rPr lang="fr-FR" baseline="0" dirty="0" smtClean="0"/>
+              <a:t> un processus complet. Les développeurs sont proches du client et travaillent avec lui à chaque étape du projet pour s’assurer de la satisfaction client. Les sprint sont des périodes courtes de production, et chacun doit finir par un livrable plus ou moins </a:t>
+            </a:r>
+            <a:r>
+              <a:rPr lang="fr-FR" baseline="0" dirty="0" err="1" smtClean="0"/>
+              <a:t>explioitable</a:t>
+            </a:r>
+            <a:r>
+              <a:rPr lang="fr-FR" baseline="0" dirty="0" smtClean="0"/>
+              <a:t>…</a:t>
+            </a:r>
+            <a:endParaRPr lang="fr-FR" dirty="0" smtClean="0"/>
+          </a:p>
+          <a:p>
+            <a:endParaRPr lang="fr-FR" dirty="0"/>
+          </a:p>
+        </p:txBody>
+      </p:sp>
+      <p:sp>
+        <p:nvSpPr>
+          <p:cNvPr id="4" name="Espace réservé du numéro de diapositive 3"/>
+          <p:cNvSpPr>
+            <a:spLocks noGrp="1"/>
+          </p:cNvSpPr>
+          <p:nvPr>
+            <p:ph type="sldNum" sz="quarter" idx="10"/>
+          </p:nvPr>
+        </p:nvSpPr>
+        <p:spPr/>
+        <p:txBody>
+          <a:bodyPr/>
+          <a:lstStyle/>
+          <a:p>
+            <a:fld id="{674702DA-9592-43D0-B48F-8086DD81799A}" type="slidenum">
+              <a:rPr lang="fr-FR" smtClean="0"/>
+              <a:t>12</a:t>
+            </a:fld>
+            <a:endParaRPr lang="fr-FR"/>
+          </a:p>
+        </p:txBody>
+      </p:sp>
+    </p:spTree>
+    <p:extLst>
+      <p:ext uri="{BB962C8B-B14F-4D97-AF65-F5344CB8AC3E}">
+        <p14:creationId xmlns:p14="http://schemas.microsoft.com/office/powerpoint/2010/main" val="74183654"/>
+      </p:ext>
+    </p:extLst>
+  </p:cSld>
+  <p:clrMapOvr>
+    <a:masterClrMapping/>
+  </p:clrMapOvr>
+</p:notes>
+</file>
+
+<file path=ppt/notesSlides/notesSlide11.xml><?xml version="1.0" encoding="utf-8"?>
+<p:notes xmlns:a="http://schemas.openxmlformats.org/drawingml/2006/main" xmlns:r="http://schemas.openxmlformats.org/officeDocument/2006/relationships" xmlns:p="http://schemas.openxmlformats.org/presentationml/2006/main">
+  <p:cSld>
+    <p:spTree>
+      <p:nvGrpSpPr>
+        <p:cNvPr id="1" name=""/>
+        <p:cNvGrpSpPr/>
+        <p:nvPr/>
+      </p:nvGrpSpPr>
+      <p:grpSpPr>
+        <a:xfrm>
+          <a:off x="0" y="0"/>
+          <a:ext cx="0" cy="0"/>
+          <a:chOff x="0" y="0"/>
+          <a:chExt cx="0" cy="0"/>
+        </a:xfrm>
+      </p:grpSpPr>
+      <p:sp>
+        <p:nvSpPr>
+          <p:cNvPr id="2" name="Espace réservé de l'image des diapositives 1"/>
+          <p:cNvSpPr>
+            <a:spLocks noGrp="1" noRot="1" noChangeAspect="1"/>
+          </p:cNvSpPr>
+          <p:nvPr>
+            <p:ph type="sldImg"/>
+          </p:nvPr>
+        </p:nvSpPr>
+        <p:spPr/>
+      </p:sp>
+      <p:sp>
+        <p:nvSpPr>
+          <p:cNvPr id="3" name="Espace réservé des commentaires 2"/>
+          <p:cNvSpPr>
+            <a:spLocks noGrp="1"/>
+          </p:cNvSpPr>
+          <p:nvPr>
+            <p:ph type="body" idx="1"/>
+          </p:nvPr>
+        </p:nvSpPr>
+        <p:spPr/>
+        <p:txBody>
+          <a:bodyPr/>
+          <a:lstStyle/>
+          <a:p>
+            <a:pPr marL="0" marR="0" indent="0" algn="l" defTabSz="914400" rtl="0" eaLnBrk="1" fontAlgn="auto" latinLnBrk="0" hangingPunct="1">
+              <a:lnSpc>
+                <a:spcPct val="100000"/>
+              </a:lnSpc>
+              <a:spcBef>
+                <a:spcPts val="0"/>
+              </a:spcBef>
+              <a:spcAft>
+                <a:spcPts val="0"/>
+              </a:spcAft>
+              <a:buClrTx/>
+              <a:buSzTx/>
+              <a:buFontTx/>
+              <a:buNone/>
+              <a:tabLst/>
+              <a:defRPr/>
+            </a:pPr>
+            <a:r>
+              <a:rPr lang="fr-FR" dirty="0" smtClean="0"/>
+              <a:t>Pour réaliser ce projet en vue des contraintes techniques imposées et</a:t>
+            </a:r>
+            <a:r>
+              <a:rPr lang="fr-FR" baseline="0" dirty="0" smtClean="0"/>
+              <a:t> des besoins du client nous avons utilisés ces technologies. Le premier étant notre environnement de développement, d’autres servant de serveur, de langage, ou d’outil de facilitation tels que les </a:t>
+            </a:r>
+            <a:r>
+              <a:rPr lang="fr-FR" baseline="0" dirty="0" err="1" smtClean="0"/>
+              <a:t>frameworks</a:t>
+            </a:r>
+            <a:r>
+              <a:rPr lang="fr-FR" baseline="0" dirty="0" smtClean="0"/>
+              <a:t>. Nous avons travaillé sur Git et Kraken pour partager les avancements du projet tout le long de celui-ci. </a:t>
+            </a:r>
+            <a:endParaRPr lang="fr-FR" dirty="0" smtClean="0"/>
+          </a:p>
+          <a:p>
+            <a:endParaRPr lang="fr-FR" dirty="0"/>
+          </a:p>
+        </p:txBody>
+      </p:sp>
+      <p:sp>
+        <p:nvSpPr>
+          <p:cNvPr id="4" name="Espace réservé du numéro de diapositive 3"/>
+          <p:cNvSpPr>
+            <a:spLocks noGrp="1"/>
+          </p:cNvSpPr>
+          <p:nvPr>
+            <p:ph type="sldNum" sz="quarter" idx="10"/>
+          </p:nvPr>
+        </p:nvSpPr>
+        <p:spPr/>
+        <p:txBody>
+          <a:bodyPr/>
+          <a:lstStyle/>
+          <a:p>
+            <a:fld id="{674702DA-9592-43D0-B48F-8086DD81799A}" type="slidenum">
+              <a:rPr lang="fr-FR" smtClean="0"/>
+              <a:t>13</a:t>
+            </a:fld>
+            <a:endParaRPr lang="fr-FR"/>
+          </a:p>
+        </p:txBody>
+      </p:sp>
+    </p:spTree>
+    <p:extLst>
+      <p:ext uri="{BB962C8B-B14F-4D97-AF65-F5344CB8AC3E}">
+        <p14:creationId xmlns:p14="http://schemas.microsoft.com/office/powerpoint/2010/main" val="3780032903"/>
+      </p:ext>
+    </p:extLst>
+  </p:cSld>
+  <p:clrMapOvr>
+    <a:masterClrMapping/>
+  </p:clrMapOvr>
+</p:notes>
+</file>
+
+<file path=ppt/notesSlides/notesSlide12.xml><?xml version="1.0" encoding="utf-8"?>
+<p:notes xmlns:a="http://schemas.openxmlformats.org/drawingml/2006/main" xmlns:r="http://schemas.openxmlformats.org/officeDocument/2006/relationships" xmlns:p="http://schemas.openxmlformats.org/presentationml/2006/main">
+  <p:cSld>
+    <p:spTree>
+      <p:nvGrpSpPr>
+        <p:cNvPr id="1" name=""/>
+        <p:cNvGrpSpPr/>
+        <p:nvPr/>
+      </p:nvGrpSpPr>
+      <p:grpSpPr>
+        <a:xfrm>
+          <a:off x="0" y="0"/>
+          <a:ext cx="0" cy="0"/>
+          <a:chOff x="0" y="0"/>
+          <a:chExt cx="0" cy="0"/>
+        </a:xfrm>
+      </p:grpSpPr>
+      <p:sp>
+        <p:nvSpPr>
+          <p:cNvPr id="2" name="Espace réservé de l'image des diapositives 1"/>
+          <p:cNvSpPr>
+            <a:spLocks noGrp="1" noRot="1" noChangeAspect="1"/>
+          </p:cNvSpPr>
+          <p:nvPr>
+            <p:ph type="sldImg"/>
+          </p:nvPr>
+        </p:nvSpPr>
+        <p:spPr/>
+      </p:sp>
+      <p:sp>
+        <p:nvSpPr>
+          <p:cNvPr id="3" name="Espace réservé des commentaires 2"/>
+          <p:cNvSpPr>
+            <a:spLocks noGrp="1"/>
+          </p:cNvSpPr>
+          <p:nvPr>
+            <p:ph type="body" idx="1"/>
+          </p:nvPr>
+        </p:nvSpPr>
+        <p:spPr/>
+        <p:txBody>
+          <a:bodyPr/>
+          <a:lstStyle/>
+          <a:p>
+            <a:pPr marL="0" marR="0" indent="0" algn="l" defTabSz="914400" rtl="0" eaLnBrk="1" fontAlgn="auto" latinLnBrk="0" hangingPunct="1">
+              <a:lnSpc>
+                <a:spcPct val="100000"/>
+              </a:lnSpc>
+              <a:spcBef>
+                <a:spcPts val="0"/>
+              </a:spcBef>
+              <a:spcAft>
+                <a:spcPts val="0"/>
+              </a:spcAft>
+              <a:buClrTx/>
+              <a:buSzTx/>
+              <a:buFontTx/>
+              <a:buNone/>
+              <a:tabLst/>
+              <a:defRPr/>
+            </a:pPr>
+            <a:r>
+              <a:rPr lang="fr-FR" dirty="0" smtClean="0"/>
+              <a:t>Ici nous voyons les différents </a:t>
+            </a:r>
+            <a:r>
+              <a:rPr lang="fr-FR" dirty="0" err="1" smtClean="0"/>
+              <a:t>storyUser</a:t>
+            </a:r>
+            <a:r>
+              <a:rPr lang="fr-FR" dirty="0" smtClean="0"/>
+              <a:t> que nous avons identifiées</a:t>
+            </a:r>
+            <a:r>
+              <a:rPr lang="fr-FR" baseline="0" dirty="0" smtClean="0"/>
+              <a:t> lors du </a:t>
+            </a:r>
+            <a:r>
+              <a:rPr lang="fr-FR" baseline="0" dirty="0" err="1" smtClean="0"/>
+              <a:t>product</a:t>
+            </a:r>
+            <a:r>
+              <a:rPr lang="fr-FR" baseline="0" dirty="0" smtClean="0"/>
+              <a:t> </a:t>
+            </a:r>
+            <a:r>
+              <a:rPr lang="fr-FR" baseline="0" dirty="0" err="1" smtClean="0"/>
+              <a:t>Backlog</a:t>
+            </a:r>
+            <a:r>
+              <a:rPr lang="fr-FR" baseline="0" dirty="0" smtClean="0"/>
+              <a:t>. Nous avons chacun pensé à 4 fonctionnalités que nous avons mis à l’écrit sur des post-It puis nous les </a:t>
+            </a:r>
+            <a:r>
+              <a:rPr lang="fr-FR" baseline="0" dirty="0" err="1" smtClean="0"/>
+              <a:t>aovns</a:t>
+            </a:r>
+            <a:r>
+              <a:rPr lang="fr-FR" baseline="0" dirty="0" smtClean="0"/>
+              <a:t> réorganiser en pôles ou thèmes. Nous avons identifié 5 thèmes principaux dont le principal : ACCES PLANNING. Tous ces thèmes permettent de prendre en compte chaque utilisateur du produit final et d’être sur que tout ce que nous faisons à un but. </a:t>
+            </a:r>
+            <a:endParaRPr lang="fr-FR" dirty="0" smtClean="0"/>
+          </a:p>
+          <a:p>
+            <a:endParaRPr lang="fr-FR" dirty="0"/>
+          </a:p>
+        </p:txBody>
+      </p:sp>
+      <p:sp>
+        <p:nvSpPr>
+          <p:cNvPr id="4" name="Espace réservé du numéro de diapositive 3"/>
+          <p:cNvSpPr>
+            <a:spLocks noGrp="1"/>
+          </p:cNvSpPr>
+          <p:nvPr>
+            <p:ph type="sldNum" sz="quarter" idx="10"/>
+          </p:nvPr>
+        </p:nvSpPr>
+        <p:spPr/>
+        <p:txBody>
+          <a:bodyPr/>
+          <a:lstStyle/>
+          <a:p>
+            <a:fld id="{674702DA-9592-43D0-B48F-8086DD81799A}" type="slidenum">
+              <a:rPr lang="fr-FR" smtClean="0"/>
+              <a:t>14</a:t>
+            </a:fld>
+            <a:endParaRPr lang="fr-FR"/>
+          </a:p>
+        </p:txBody>
+      </p:sp>
+    </p:spTree>
+    <p:extLst>
+      <p:ext uri="{BB962C8B-B14F-4D97-AF65-F5344CB8AC3E}">
+        <p14:creationId xmlns:p14="http://schemas.microsoft.com/office/powerpoint/2010/main" val="54310207"/>
+      </p:ext>
+    </p:extLst>
+  </p:cSld>
+  <p:clrMapOvr>
+    <a:masterClrMapping/>
+  </p:clrMapOvr>
+</p:notes>
+</file>
+
+<file path=ppt/notesSlides/notesSlide13.xml><?xml version="1.0" encoding="utf-8"?>
+<p:notes xmlns:a="http://schemas.openxmlformats.org/drawingml/2006/main" xmlns:r="http://schemas.openxmlformats.org/officeDocument/2006/relationships" xmlns:p="http://schemas.openxmlformats.org/presentationml/2006/main">
+  <p:cSld>
+    <p:spTree>
+      <p:nvGrpSpPr>
+        <p:cNvPr id="1" name=""/>
+        <p:cNvGrpSpPr/>
+        <p:nvPr/>
+      </p:nvGrpSpPr>
+      <p:grpSpPr>
+        <a:xfrm>
+          <a:off x="0" y="0"/>
+          <a:ext cx="0" cy="0"/>
+          <a:chOff x="0" y="0"/>
+          <a:chExt cx="0" cy="0"/>
+        </a:xfrm>
+      </p:grpSpPr>
+      <p:sp>
+        <p:nvSpPr>
+          <p:cNvPr id="2" name="Espace réservé de l'image des diapositives 1"/>
+          <p:cNvSpPr>
+            <a:spLocks noGrp="1" noRot="1" noChangeAspect="1"/>
+          </p:cNvSpPr>
+          <p:nvPr>
+            <p:ph type="sldImg"/>
+          </p:nvPr>
+        </p:nvSpPr>
+        <p:spPr/>
+      </p:sp>
+      <p:sp>
+        <p:nvSpPr>
+          <p:cNvPr id="3" name="Espace réservé des commentaires 2"/>
+          <p:cNvSpPr>
+            <a:spLocks noGrp="1"/>
+          </p:cNvSpPr>
+          <p:nvPr>
+            <p:ph type="body" idx="1"/>
+          </p:nvPr>
+        </p:nvSpPr>
+        <p:spPr/>
+        <p:txBody>
+          <a:bodyPr/>
+          <a:lstStyle/>
+          <a:p>
+            <a:r>
+              <a:rPr lang="fr-FR" dirty="0" smtClean="0"/>
+              <a:t>Aujourd’hui,</a:t>
+            </a:r>
+            <a:r>
+              <a:rPr lang="fr-FR" baseline="0" dirty="0" smtClean="0"/>
+              <a:t> nous pouvons donner la répartition suivante du projet : </a:t>
+            </a:r>
+          </a:p>
+          <a:p>
+            <a:r>
+              <a:rPr lang="fr-FR" baseline="0" dirty="0" smtClean="0"/>
+              <a:t>La phase la plus longue est la phase de codage/test/résolution d’erreur. Puis ensuite il s’agit de rendre la plateforme agréable et interactive pour l’utilisateur, au travers d’outils FRONT END, changeant alors l’</a:t>
+            </a:r>
+            <a:r>
+              <a:rPr lang="fr-FR" baseline="0" dirty="0" err="1" smtClean="0"/>
+              <a:t>esthetique</a:t>
+            </a:r>
+            <a:r>
+              <a:rPr lang="fr-FR" baseline="0" dirty="0" smtClean="0"/>
+              <a:t> du site. </a:t>
+            </a:r>
+          </a:p>
+          <a:p>
+            <a:r>
+              <a:rPr lang="fr-FR" baseline="0" dirty="0" smtClean="0"/>
+              <a:t>Enfin, la préparation de la présentation que nous vous faisons aujourd’hui, pour être sur de donner les informations pertinentes et compréhensibles.</a:t>
+            </a:r>
+            <a:endParaRPr lang="fr-FR" dirty="0" smtClean="0"/>
+          </a:p>
+          <a:p>
+            <a:endParaRPr lang="fr-FR" dirty="0"/>
+          </a:p>
+        </p:txBody>
+      </p:sp>
+      <p:sp>
+        <p:nvSpPr>
+          <p:cNvPr id="4" name="Espace réservé du numéro de diapositive 3"/>
+          <p:cNvSpPr>
+            <a:spLocks noGrp="1"/>
+          </p:cNvSpPr>
+          <p:nvPr>
+            <p:ph type="sldNum" sz="quarter" idx="10"/>
+          </p:nvPr>
+        </p:nvSpPr>
+        <p:spPr/>
+        <p:txBody>
+          <a:bodyPr/>
+          <a:lstStyle/>
+          <a:p>
+            <a:fld id="{674702DA-9592-43D0-B48F-8086DD81799A}" type="slidenum">
+              <a:rPr lang="fr-FR" smtClean="0"/>
+              <a:t>15</a:t>
+            </a:fld>
+            <a:endParaRPr lang="fr-FR"/>
+          </a:p>
+        </p:txBody>
+      </p:sp>
+    </p:spTree>
+    <p:extLst>
+      <p:ext uri="{BB962C8B-B14F-4D97-AF65-F5344CB8AC3E}">
+        <p14:creationId xmlns:p14="http://schemas.microsoft.com/office/powerpoint/2010/main" val="1154824911"/>
+      </p:ext>
+    </p:extLst>
+  </p:cSld>
+  <p:clrMapOvr>
+    <a:masterClrMapping/>
+  </p:clrMapOvr>
+</p:notes>
+</file>
+
+<file path=ppt/notesSlides/notesSlide14.xml><?xml version="1.0" encoding="utf-8"?>
+<p:notes xmlns:a="http://schemas.openxmlformats.org/drawingml/2006/main" xmlns:r="http://schemas.openxmlformats.org/officeDocument/2006/relationships" xmlns:p="http://schemas.openxmlformats.org/presentationml/2006/main">
+  <p:cSld>
+    <p:spTree>
+      <p:nvGrpSpPr>
+        <p:cNvPr id="1" name=""/>
+        <p:cNvGrpSpPr/>
+        <p:nvPr/>
+      </p:nvGrpSpPr>
+      <p:grpSpPr>
+        <a:xfrm>
+          <a:off x="0" y="0"/>
+          <a:ext cx="0" cy="0"/>
+          <a:chOff x="0" y="0"/>
+          <a:chExt cx="0" cy="0"/>
+        </a:xfrm>
+      </p:grpSpPr>
+      <p:sp>
+        <p:nvSpPr>
+          <p:cNvPr id="2" name="Espace réservé de l'image des diapositives 1"/>
+          <p:cNvSpPr>
+            <a:spLocks noGrp="1" noRot="1" noChangeAspect="1"/>
+          </p:cNvSpPr>
+          <p:nvPr>
+            <p:ph type="sldImg"/>
+          </p:nvPr>
+        </p:nvSpPr>
+        <p:spPr/>
+      </p:sp>
+      <p:sp>
+        <p:nvSpPr>
+          <p:cNvPr id="3" name="Espace réservé des commentaires 2"/>
+          <p:cNvSpPr>
+            <a:spLocks noGrp="1"/>
+          </p:cNvSpPr>
+          <p:nvPr>
+            <p:ph type="body" idx="1"/>
+          </p:nvPr>
+        </p:nvSpPr>
+        <p:spPr/>
+        <p:txBody>
+          <a:bodyPr/>
+          <a:lstStyle/>
+          <a:p>
+            <a:r>
+              <a:rPr lang="fr-FR" dirty="0" smtClean="0"/>
+              <a:t>Avec le cahier</a:t>
+            </a:r>
+            <a:r>
+              <a:rPr lang="fr-FR" baseline="0" dirty="0" smtClean="0"/>
+              <a:t> des charges nous avons pu déterminer toutes les classes indispensables à la bonne réalisation de ce projet. Nous avons, avec les exigences client et un peu de logique, fait les liens entre chaque classe, pour nous permettre par la suite de créer la base de données, avec des tables cohérentes. </a:t>
+            </a:r>
+          </a:p>
+          <a:p>
+            <a:r>
+              <a:rPr lang="fr-FR" baseline="0" dirty="0" smtClean="0"/>
+              <a:t>Nous vous </a:t>
+            </a:r>
+            <a:r>
+              <a:rPr lang="fr-FR" baseline="0" dirty="0" err="1" smtClean="0"/>
+              <a:t>pr</a:t>
+            </a:r>
+            <a:endParaRPr lang="fr-FR" smtClean="0"/>
+          </a:p>
+          <a:p>
+            <a:endParaRPr lang="fr-FR"/>
+          </a:p>
+        </p:txBody>
+      </p:sp>
+      <p:sp>
+        <p:nvSpPr>
+          <p:cNvPr id="4" name="Espace réservé du numéro de diapositive 3"/>
+          <p:cNvSpPr>
+            <a:spLocks noGrp="1"/>
+          </p:cNvSpPr>
+          <p:nvPr>
+            <p:ph type="sldNum" sz="quarter" idx="10"/>
+          </p:nvPr>
+        </p:nvSpPr>
+        <p:spPr/>
+        <p:txBody>
+          <a:bodyPr/>
+          <a:lstStyle/>
+          <a:p>
+            <a:fld id="{674702DA-9592-43D0-B48F-8086DD81799A}" type="slidenum">
+              <a:rPr lang="fr-FR" smtClean="0"/>
+              <a:t>16</a:t>
+            </a:fld>
+            <a:endParaRPr lang="fr-FR"/>
+          </a:p>
+        </p:txBody>
+      </p:sp>
+    </p:spTree>
+    <p:extLst>
+      <p:ext uri="{BB962C8B-B14F-4D97-AF65-F5344CB8AC3E}">
+        <p14:creationId xmlns:p14="http://schemas.microsoft.com/office/powerpoint/2010/main" val="3837608512"/>
+      </p:ext>
+    </p:extLst>
+  </p:cSld>
+  <p:clrMapOvr>
+    <a:masterClrMapping/>
+  </p:clrMapOvr>
+</p:notes>
+</file>
+
+<file path=ppt/notesSlides/notesSlide2.xml><?xml version="1.0" encoding="utf-8"?>
+<p:notes xmlns:a="http://schemas.openxmlformats.org/drawingml/2006/main" xmlns:r="http://schemas.openxmlformats.org/officeDocument/2006/relationships" xmlns:p="http://schemas.openxmlformats.org/presentationml/2006/main">
+  <p:cSld>
+    <p:spTree>
+      <p:nvGrpSpPr>
+        <p:cNvPr id="1" name=""/>
+        <p:cNvGrpSpPr/>
+        <p:nvPr/>
+      </p:nvGrpSpPr>
+      <p:grpSpPr>
+        <a:xfrm>
+          <a:off x="0" y="0"/>
+          <a:ext cx="0" cy="0"/>
+          <a:chOff x="0" y="0"/>
+          <a:chExt cx="0" cy="0"/>
+        </a:xfrm>
+      </p:grpSpPr>
+      <p:sp>
+        <p:nvSpPr>
+          <p:cNvPr id="2" name="Espace réservé de l'image des diapositives 1"/>
+          <p:cNvSpPr>
+            <a:spLocks noGrp="1" noRot="1" noChangeAspect="1"/>
+          </p:cNvSpPr>
+          <p:nvPr>
+            <p:ph type="sldImg"/>
+          </p:nvPr>
+        </p:nvSpPr>
+        <p:spPr/>
+      </p:sp>
+      <p:sp>
+        <p:nvSpPr>
+          <p:cNvPr id="3" name="Espace réservé des commentaires 2"/>
+          <p:cNvSpPr>
+            <a:spLocks noGrp="1"/>
+          </p:cNvSpPr>
+          <p:nvPr>
+            <p:ph type="body" idx="1"/>
+          </p:nvPr>
+        </p:nvSpPr>
+        <p:spPr/>
+        <p:txBody>
+          <a:bodyPr/>
+          <a:lstStyle/>
+          <a:p>
+            <a:r>
+              <a:rPr lang="fr-FR" dirty="0" smtClean="0"/>
+              <a:t>Nous avons travaillé en</a:t>
+            </a:r>
+            <a:r>
+              <a:rPr lang="fr-FR" baseline="0" dirty="0" smtClean="0"/>
+              <a:t> équipe, nous étions 3 :</a:t>
+            </a:r>
+          </a:p>
+          <a:p>
+            <a:r>
+              <a:rPr lang="fr-FR" baseline="0" dirty="0" smtClean="0"/>
+              <a:t>- </a:t>
+            </a:r>
+          </a:p>
+          <a:p>
+            <a:r>
+              <a:rPr lang="fr-FR" baseline="0" dirty="0" smtClean="0"/>
+              <a:t>- </a:t>
+            </a:r>
+          </a:p>
+          <a:p>
+            <a:r>
+              <a:rPr lang="fr-FR" baseline="0" dirty="0" smtClean="0"/>
+              <a:t>- </a:t>
+            </a:r>
+            <a:endParaRPr lang="fr-FR" dirty="0" smtClean="0"/>
+          </a:p>
+          <a:p>
+            <a:endParaRPr lang="fr-FR" dirty="0"/>
+          </a:p>
+        </p:txBody>
+      </p:sp>
+      <p:sp>
+        <p:nvSpPr>
+          <p:cNvPr id="4" name="Espace réservé du numéro de diapositive 3"/>
+          <p:cNvSpPr>
+            <a:spLocks noGrp="1"/>
+          </p:cNvSpPr>
+          <p:nvPr>
+            <p:ph type="sldNum" sz="quarter" idx="10"/>
+          </p:nvPr>
+        </p:nvSpPr>
+        <p:spPr/>
+        <p:txBody>
+          <a:bodyPr/>
+          <a:lstStyle/>
+          <a:p>
+            <a:fld id="{674702DA-9592-43D0-B48F-8086DD81799A}" type="slidenum">
+              <a:rPr lang="fr-FR" smtClean="0"/>
+              <a:t>2</a:t>
+            </a:fld>
+            <a:endParaRPr lang="fr-FR"/>
+          </a:p>
+        </p:txBody>
+      </p:sp>
+    </p:spTree>
+    <p:extLst>
+      <p:ext uri="{BB962C8B-B14F-4D97-AF65-F5344CB8AC3E}">
+        <p14:creationId xmlns:p14="http://schemas.microsoft.com/office/powerpoint/2010/main" val="3363814916"/>
+      </p:ext>
+    </p:extLst>
+  </p:cSld>
+  <p:clrMapOvr>
+    <a:masterClrMapping/>
+  </p:clrMapOvr>
+</p:notes>
+</file>
+
+<file path=ppt/notesSlides/notesSlide3.xml><?xml version="1.0" encoding="utf-8"?>
+<p:notes xmlns:a="http://schemas.openxmlformats.org/drawingml/2006/main" xmlns:r="http://schemas.openxmlformats.org/officeDocument/2006/relationships" xmlns:p="http://schemas.openxmlformats.org/presentationml/2006/main">
+  <p:cSld>
+    <p:spTree>
+      <p:nvGrpSpPr>
+        <p:cNvPr id="1" name=""/>
+        <p:cNvGrpSpPr/>
+        <p:nvPr/>
+      </p:nvGrpSpPr>
+      <p:grpSpPr>
+        <a:xfrm>
+          <a:off x="0" y="0"/>
+          <a:ext cx="0" cy="0"/>
+          <a:chOff x="0" y="0"/>
+          <a:chExt cx="0" cy="0"/>
+        </a:xfrm>
+      </p:grpSpPr>
+      <p:sp>
+        <p:nvSpPr>
+          <p:cNvPr id="2" name="Espace réservé de l'image des diapositives 1"/>
+          <p:cNvSpPr>
+            <a:spLocks noGrp="1" noRot="1" noChangeAspect="1"/>
+          </p:cNvSpPr>
+          <p:nvPr>
+            <p:ph type="sldImg"/>
+          </p:nvPr>
+        </p:nvSpPr>
+        <p:spPr/>
+      </p:sp>
+      <p:sp>
+        <p:nvSpPr>
+          <p:cNvPr id="3" name="Espace réservé des commentaires 2"/>
+          <p:cNvSpPr>
+            <a:spLocks noGrp="1"/>
+          </p:cNvSpPr>
+          <p:nvPr>
+            <p:ph type="body" idx="1"/>
+          </p:nvPr>
+        </p:nvSpPr>
+        <p:spPr/>
+        <p:txBody>
+          <a:bodyPr/>
+          <a:lstStyle/>
+          <a:p>
+            <a:pPr marL="0" marR="0" indent="0" algn="l" defTabSz="914400" rtl="0" eaLnBrk="1" fontAlgn="auto" latinLnBrk="0" hangingPunct="1">
+              <a:lnSpc>
+                <a:spcPct val="100000"/>
+              </a:lnSpc>
+              <a:spcBef>
+                <a:spcPts val="0"/>
+              </a:spcBef>
+              <a:spcAft>
+                <a:spcPts val="0"/>
+              </a:spcAft>
+              <a:buClrTx/>
+              <a:buSzTx/>
+              <a:buFontTx/>
+              <a:buNone/>
+              <a:tabLst/>
+              <a:defRPr/>
+            </a:pPr>
+            <a:r>
+              <a:rPr lang="fr-FR" dirty="0" smtClean="0"/>
+              <a:t>Dans un premier</a:t>
+            </a:r>
+            <a:r>
+              <a:rPr lang="fr-FR" baseline="0" dirty="0" smtClean="0"/>
+              <a:t> temps … puis … puis </a:t>
+            </a:r>
+            <a:endParaRPr lang="fr-FR" dirty="0" smtClean="0"/>
+          </a:p>
+          <a:p>
+            <a:endParaRPr lang="fr-FR" dirty="0"/>
+          </a:p>
+        </p:txBody>
+      </p:sp>
+      <p:sp>
+        <p:nvSpPr>
+          <p:cNvPr id="4" name="Espace réservé du numéro de diapositive 3"/>
+          <p:cNvSpPr>
+            <a:spLocks noGrp="1"/>
+          </p:cNvSpPr>
+          <p:nvPr>
+            <p:ph type="sldNum" sz="quarter" idx="10"/>
+          </p:nvPr>
+        </p:nvSpPr>
+        <p:spPr/>
+        <p:txBody>
+          <a:bodyPr/>
+          <a:lstStyle/>
+          <a:p>
+            <a:fld id="{674702DA-9592-43D0-B48F-8086DD81799A}" type="slidenum">
+              <a:rPr lang="fr-FR" smtClean="0"/>
+              <a:t>3</a:t>
+            </a:fld>
+            <a:endParaRPr lang="fr-FR"/>
+          </a:p>
+        </p:txBody>
+      </p:sp>
+    </p:spTree>
+    <p:extLst>
+      <p:ext uri="{BB962C8B-B14F-4D97-AF65-F5344CB8AC3E}">
+        <p14:creationId xmlns:p14="http://schemas.microsoft.com/office/powerpoint/2010/main" val="180774152"/>
+      </p:ext>
+    </p:extLst>
+  </p:cSld>
+  <p:clrMapOvr>
+    <a:masterClrMapping/>
+  </p:clrMapOvr>
+</p:notes>
+</file>
+
+<file path=ppt/notesSlides/notesSlide4.xml><?xml version="1.0" encoding="utf-8"?>
+<p:notes xmlns:a="http://schemas.openxmlformats.org/drawingml/2006/main" xmlns:r="http://schemas.openxmlformats.org/officeDocument/2006/relationships" xmlns:p="http://schemas.openxmlformats.org/presentationml/2006/main">
+  <p:cSld>
+    <p:spTree>
+      <p:nvGrpSpPr>
+        <p:cNvPr id="1" name=""/>
+        <p:cNvGrpSpPr/>
+        <p:nvPr/>
+      </p:nvGrpSpPr>
+      <p:grpSpPr>
+        <a:xfrm>
+          <a:off x="0" y="0"/>
+          <a:ext cx="0" cy="0"/>
+          <a:chOff x="0" y="0"/>
+          <a:chExt cx="0" cy="0"/>
+        </a:xfrm>
+      </p:grpSpPr>
+      <p:sp>
+        <p:nvSpPr>
+          <p:cNvPr id="2" name="Espace réservé de l'image des diapositives 1"/>
+          <p:cNvSpPr>
+            <a:spLocks noGrp="1" noRot="1" noChangeAspect="1"/>
+          </p:cNvSpPr>
+          <p:nvPr>
+            <p:ph type="sldImg"/>
+          </p:nvPr>
+        </p:nvSpPr>
+        <p:spPr/>
+      </p:sp>
+      <p:sp>
+        <p:nvSpPr>
+          <p:cNvPr id="3" name="Espace réservé des commentaires 2"/>
+          <p:cNvSpPr>
+            <a:spLocks noGrp="1"/>
+          </p:cNvSpPr>
+          <p:nvPr>
+            <p:ph type="body" idx="1"/>
+          </p:nvPr>
+        </p:nvSpPr>
+        <p:spPr/>
+        <p:txBody>
+          <a:bodyPr/>
+          <a:lstStyle/>
+          <a:p>
+            <a:r>
+              <a:rPr lang="fr-FR" dirty="0" smtClean="0"/>
+              <a:t>Dans</a:t>
+            </a:r>
+            <a:r>
+              <a:rPr lang="fr-FR" baseline="0" dirty="0" smtClean="0"/>
+              <a:t> ce projet, le client était représenté par </a:t>
+            </a:r>
+            <a:r>
+              <a:rPr lang="fr-FR" sz="1200" kern="1200" dirty="0" smtClean="0">
+                <a:solidFill>
+                  <a:schemeClr val="tx1"/>
+                </a:solidFill>
+                <a:effectLst/>
+                <a:latin typeface="+mn-lt"/>
+                <a:ea typeface="+mn-ea"/>
+                <a:cs typeface="+mn-cs"/>
+              </a:rPr>
+              <a:t> une école de formation professionnelle : la FACTORY.</a:t>
+            </a:r>
+            <a:r>
+              <a:rPr lang="fr-FR" sz="1200" kern="1200" baseline="0" dirty="0" smtClean="0">
+                <a:solidFill>
+                  <a:schemeClr val="tx1"/>
+                </a:solidFill>
+                <a:effectLst/>
+                <a:latin typeface="+mn-lt"/>
+                <a:ea typeface="+mn-ea"/>
+                <a:cs typeface="+mn-cs"/>
+              </a:rPr>
+              <a:t> Cette école fait appel à nous pour modifier et améliorer la gestion de ses ressources humaines et matérielles. Donc pour mieux gérer les stagiaires, les formateurs, les techniciens, ainsi que les salles, les ordinateurs et les </a:t>
+            </a:r>
+            <a:r>
+              <a:rPr lang="fr-FR" sz="1200" kern="1200" baseline="0" dirty="0" err="1" smtClean="0">
+                <a:solidFill>
+                  <a:schemeClr val="tx1"/>
+                </a:solidFill>
+                <a:effectLst/>
+                <a:latin typeface="+mn-lt"/>
+                <a:ea typeface="+mn-ea"/>
+                <a:cs typeface="+mn-cs"/>
+              </a:rPr>
+              <a:t>videopro</a:t>
+            </a:r>
+            <a:r>
+              <a:rPr lang="fr-FR" sz="1200" kern="1200" baseline="0" dirty="0" smtClean="0">
+                <a:solidFill>
+                  <a:schemeClr val="tx1"/>
+                </a:solidFill>
+                <a:effectLst/>
+                <a:latin typeface="+mn-lt"/>
+                <a:ea typeface="+mn-ea"/>
+                <a:cs typeface="+mn-cs"/>
+              </a:rPr>
+              <a:t>. </a:t>
+            </a:r>
+          </a:p>
+          <a:p>
+            <a:r>
+              <a:rPr lang="fr-FR" sz="1200" kern="1200" baseline="0" dirty="0" smtClean="0">
+                <a:solidFill>
+                  <a:schemeClr val="tx1"/>
+                </a:solidFill>
+                <a:effectLst/>
+                <a:latin typeface="+mn-lt"/>
+                <a:ea typeface="+mn-ea"/>
+                <a:cs typeface="+mn-cs"/>
+              </a:rPr>
+              <a:t>De plus, une mise en commun des plannings pour le gestionnaire leur serait pratique pour organiser aux mieux les modules et les formations. On doit aussi donner la possibilité à chaque utilisateur de pouvoir consulter son propre planning au travers du site. </a:t>
+            </a:r>
+            <a:endParaRPr lang="fr-FR" dirty="0" smtClean="0"/>
+          </a:p>
+          <a:p>
+            <a:endParaRPr lang="fr-FR" dirty="0"/>
+          </a:p>
+        </p:txBody>
+      </p:sp>
+      <p:sp>
+        <p:nvSpPr>
+          <p:cNvPr id="4" name="Espace réservé du numéro de diapositive 3"/>
+          <p:cNvSpPr>
+            <a:spLocks noGrp="1"/>
+          </p:cNvSpPr>
+          <p:nvPr>
+            <p:ph type="sldNum" sz="quarter" idx="10"/>
+          </p:nvPr>
+        </p:nvSpPr>
+        <p:spPr/>
+        <p:txBody>
+          <a:bodyPr/>
+          <a:lstStyle/>
+          <a:p>
+            <a:fld id="{674702DA-9592-43D0-B48F-8086DD81799A}" type="slidenum">
+              <a:rPr lang="fr-FR" smtClean="0"/>
+              <a:t>5</a:t>
+            </a:fld>
+            <a:endParaRPr lang="fr-FR"/>
+          </a:p>
+        </p:txBody>
+      </p:sp>
+    </p:spTree>
+    <p:extLst>
+      <p:ext uri="{BB962C8B-B14F-4D97-AF65-F5344CB8AC3E}">
+        <p14:creationId xmlns:p14="http://schemas.microsoft.com/office/powerpoint/2010/main" val="1149788225"/>
+      </p:ext>
+    </p:extLst>
+  </p:cSld>
+  <p:clrMapOvr>
+    <a:masterClrMapping/>
+  </p:clrMapOvr>
+</p:notes>
+</file>
+
+<file path=ppt/notesSlides/notesSlide5.xml><?xml version="1.0" encoding="utf-8"?>
+<p:notes xmlns:a="http://schemas.openxmlformats.org/drawingml/2006/main" xmlns:r="http://schemas.openxmlformats.org/officeDocument/2006/relationships" xmlns:p="http://schemas.openxmlformats.org/presentationml/2006/main">
+  <p:cSld>
+    <p:spTree>
+      <p:nvGrpSpPr>
+        <p:cNvPr id="1" name=""/>
+        <p:cNvGrpSpPr/>
+        <p:nvPr/>
+      </p:nvGrpSpPr>
+      <p:grpSpPr>
+        <a:xfrm>
+          <a:off x="0" y="0"/>
+          <a:ext cx="0" cy="0"/>
+          <a:chOff x="0" y="0"/>
+          <a:chExt cx="0" cy="0"/>
+        </a:xfrm>
+      </p:grpSpPr>
+      <p:sp>
+        <p:nvSpPr>
+          <p:cNvPr id="2" name="Espace réservé de l'image des diapositives 1"/>
+          <p:cNvSpPr>
+            <a:spLocks noGrp="1" noRot="1" noChangeAspect="1"/>
+          </p:cNvSpPr>
+          <p:nvPr>
+            <p:ph type="sldImg"/>
+          </p:nvPr>
+        </p:nvSpPr>
+        <p:spPr/>
+      </p:sp>
+      <p:sp>
+        <p:nvSpPr>
+          <p:cNvPr id="3" name="Espace réservé des commentaires 2"/>
+          <p:cNvSpPr>
+            <a:spLocks noGrp="1"/>
+          </p:cNvSpPr>
+          <p:nvPr>
+            <p:ph type="body" idx="1"/>
+          </p:nvPr>
+        </p:nvSpPr>
+        <p:spPr/>
+        <p:txBody>
+          <a:bodyPr/>
+          <a:lstStyle/>
+          <a:p>
+            <a:pPr marL="0" marR="0" indent="0" algn="l" defTabSz="914400" rtl="0" eaLnBrk="1" fontAlgn="auto" latinLnBrk="0" hangingPunct="1">
+              <a:lnSpc>
+                <a:spcPct val="100000"/>
+              </a:lnSpc>
+              <a:spcBef>
+                <a:spcPts val="0"/>
+              </a:spcBef>
+              <a:spcAft>
+                <a:spcPts val="0"/>
+              </a:spcAft>
+              <a:buClrTx/>
+              <a:buSzTx/>
+              <a:buFontTx/>
+              <a:buNone/>
+              <a:tabLst/>
+              <a:defRPr/>
+            </a:pPr>
+            <a:r>
+              <a:rPr lang="fr-FR" dirty="0" smtClean="0"/>
+              <a:t>Les</a:t>
+            </a:r>
+            <a:r>
+              <a:rPr lang="fr-FR" baseline="0" dirty="0" smtClean="0"/>
+              <a:t> attentes derrière le cahier des charges sont d’avoir : </a:t>
+            </a:r>
+            <a:endParaRPr lang="fr-FR" dirty="0" smtClean="0"/>
+          </a:p>
+          <a:p>
+            <a:endParaRPr lang="fr-FR" dirty="0"/>
+          </a:p>
+        </p:txBody>
+      </p:sp>
+      <p:sp>
+        <p:nvSpPr>
+          <p:cNvPr id="4" name="Espace réservé du numéro de diapositive 3"/>
+          <p:cNvSpPr>
+            <a:spLocks noGrp="1"/>
+          </p:cNvSpPr>
+          <p:nvPr>
+            <p:ph type="sldNum" sz="quarter" idx="10"/>
+          </p:nvPr>
+        </p:nvSpPr>
+        <p:spPr/>
+        <p:txBody>
+          <a:bodyPr/>
+          <a:lstStyle/>
+          <a:p>
+            <a:fld id="{674702DA-9592-43D0-B48F-8086DD81799A}" type="slidenum">
+              <a:rPr lang="fr-FR" smtClean="0"/>
+              <a:t>6</a:t>
+            </a:fld>
+            <a:endParaRPr lang="fr-FR"/>
+          </a:p>
+        </p:txBody>
+      </p:sp>
+    </p:spTree>
+    <p:extLst>
+      <p:ext uri="{BB962C8B-B14F-4D97-AF65-F5344CB8AC3E}">
+        <p14:creationId xmlns:p14="http://schemas.microsoft.com/office/powerpoint/2010/main" val="1425337560"/>
+      </p:ext>
+    </p:extLst>
+  </p:cSld>
+  <p:clrMapOvr>
+    <a:masterClrMapping/>
+  </p:clrMapOvr>
+</p:notes>
+</file>
+
+<file path=ppt/notesSlides/notesSlide6.xml><?xml version="1.0" encoding="utf-8"?>
+<p:notes xmlns:a="http://schemas.openxmlformats.org/drawingml/2006/main" xmlns:r="http://schemas.openxmlformats.org/officeDocument/2006/relationships" xmlns:p="http://schemas.openxmlformats.org/presentationml/2006/main">
+  <p:cSld>
+    <p:spTree>
+      <p:nvGrpSpPr>
+        <p:cNvPr id="1" name=""/>
+        <p:cNvGrpSpPr/>
+        <p:nvPr/>
+      </p:nvGrpSpPr>
+      <p:grpSpPr>
+        <a:xfrm>
+          <a:off x="0" y="0"/>
+          <a:ext cx="0" cy="0"/>
+          <a:chOff x="0" y="0"/>
+          <a:chExt cx="0" cy="0"/>
+        </a:xfrm>
+      </p:grpSpPr>
+      <p:sp>
+        <p:nvSpPr>
+          <p:cNvPr id="2" name="Espace réservé de l'image des diapositives 1"/>
+          <p:cNvSpPr>
+            <a:spLocks noGrp="1" noRot="1" noChangeAspect="1"/>
+          </p:cNvSpPr>
+          <p:nvPr>
+            <p:ph type="sldImg"/>
+          </p:nvPr>
+        </p:nvSpPr>
+        <p:spPr/>
+      </p:sp>
+      <p:sp>
+        <p:nvSpPr>
+          <p:cNvPr id="3" name="Espace réservé des commentaires 2"/>
+          <p:cNvSpPr>
+            <a:spLocks noGrp="1"/>
+          </p:cNvSpPr>
+          <p:nvPr>
+            <p:ph type="body" idx="1"/>
+          </p:nvPr>
+        </p:nvSpPr>
+        <p:spPr/>
+        <p:txBody>
+          <a:bodyPr/>
+          <a:lstStyle/>
+          <a:p>
+            <a:pPr marL="0" marR="0" indent="0" algn="l" defTabSz="914400" rtl="0" eaLnBrk="1" fontAlgn="auto" latinLnBrk="0" hangingPunct="1">
+              <a:lnSpc>
+                <a:spcPct val="100000"/>
+              </a:lnSpc>
+              <a:spcBef>
+                <a:spcPts val="0"/>
+              </a:spcBef>
+              <a:spcAft>
+                <a:spcPts val="0"/>
+              </a:spcAft>
+              <a:buClrTx/>
+              <a:buSzTx/>
+              <a:buFontTx/>
+              <a:buNone/>
+              <a:tabLst/>
+              <a:defRPr/>
+            </a:pPr>
+            <a:r>
+              <a:rPr lang="fr-FR" dirty="0" smtClean="0"/>
+              <a:t>Les contraintes</a:t>
+            </a:r>
+            <a:r>
+              <a:rPr lang="fr-FR" baseline="0" dirty="0" smtClean="0"/>
+              <a:t> techniques de ce projet dans le cadre de notre formation sont principalement l’utilisation de technologies précises et aussi des contraintes liées au cahier des charges pour la connexion et la modification des données.</a:t>
+            </a:r>
+            <a:endParaRPr lang="fr-FR" dirty="0" smtClean="0"/>
+          </a:p>
+          <a:p>
+            <a:endParaRPr lang="fr-FR" dirty="0"/>
+          </a:p>
+        </p:txBody>
+      </p:sp>
+      <p:sp>
+        <p:nvSpPr>
+          <p:cNvPr id="4" name="Espace réservé du numéro de diapositive 3"/>
+          <p:cNvSpPr>
+            <a:spLocks noGrp="1"/>
+          </p:cNvSpPr>
+          <p:nvPr>
+            <p:ph type="sldNum" sz="quarter" idx="10"/>
+          </p:nvPr>
+        </p:nvSpPr>
+        <p:spPr/>
+        <p:txBody>
+          <a:bodyPr/>
+          <a:lstStyle/>
+          <a:p>
+            <a:fld id="{674702DA-9592-43D0-B48F-8086DD81799A}" type="slidenum">
+              <a:rPr lang="fr-FR" smtClean="0"/>
+              <a:t>7</a:t>
+            </a:fld>
+            <a:endParaRPr lang="fr-FR"/>
+          </a:p>
+        </p:txBody>
+      </p:sp>
+    </p:spTree>
+    <p:extLst>
+      <p:ext uri="{BB962C8B-B14F-4D97-AF65-F5344CB8AC3E}">
+        <p14:creationId xmlns:p14="http://schemas.microsoft.com/office/powerpoint/2010/main" val="3039040220"/>
+      </p:ext>
+    </p:extLst>
+  </p:cSld>
+  <p:clrMapOvr>
+    <a:masterClrMapping/>
+  </p:clrMapOvr>
+</p:notes>
+</file>
+
+<file path=ppt/notesSlides/notesSlide7.xml><?xml version="1.0" encoding="utf-8"?>
+<p:notes xmlns:a="http://schemas.openxmlformats.org/drawingml/2006/main" xmlns:r="http://schemas.openxmlformats.org/officeDocument/2006/relationships" xmlns:p="http://schemas.openxmlformats.org/presentationml/2006/main">
+  <p:cSld>
+    <p:spTree>
+      <p:nvGrpSpPr>
+        <p:cNvPr id="1" name=""/>
+        <p:cNvGrpSpPr/>
+        <p:nvPr/>
+      </p:nvGrpSpPr>
+      <p:grpSpPr>
+        <a:xfrm>
+          <a:off x="0" y="0"/>
+          <a:ext cx="0" cy="0"/>
+          <a:chOff x="0" y="0"/>
+          <a:chExt cx="0" cy="0"/>
+        </a:xfrm>
+      </p:grpSpPr>
+      <p:sp>
+        <p:nvSpPr>
+          <p:cNvPr id="2" name="Espace réservé de l'image des diapositives 1"/>
+          <p:cNvSpPr>
+            <a:spLocks noGrp="1" noRot="1" noChangeAspect="1"/>
+          </p:cNvSpPr>
+          <p:nvPr>
+            <p:ph type="sldImg"/>
+          </p:nvPr>
+        </p:nvSpPr>
+        <p:spPr/>
+      </p:sp>
+      <p:sp>
+        <p:nvSpPr>
+          <p:cNvPr id="3" name="Espace réservé des commentaires 2"/>
+          <p:cNvSpPr>
+            <a:spLocks noGrp="1"/>
+          </p:cNvSpPr>
+          <p:nvPr>
+            <p:ph type="body" idx="1"/>
+          </p:nvPr>
+        </p:nvSpPr>
+        <p:spPr/>
+        <p:txBody>
+          <a:bodyPr/>
+          <a:lstStyle/>
+          <a:p>
+            <a:pPr marL="0" marR="0" indent="0" algn="l" defTabSz="914400" rtl="0" eaLnBrk="1" fontAlgn="auto" latinLnBrk="0" hangingPunct="1">
+              <a:lnSpc>
+                <a:spcPct val="100000"/>
+              </a:lnSpc>
+              <a:spcBef>
+                <a:spcPts val="0"/>
+              </a:spcBef>
+              <a:spcAft>
+                <a:spcPts val="0"/>
+              </a:spcAft>
+              <a:buClrTx/>
+              <a:buSzTx/>
+              <a:buFontTx/>
+              <a:buNone/>
+              <a:tabLst/>
+              <a:defRPr/>
+            </a:pPr>
+            <a:r>
+              <a:rPr lang="fr-FR" dirty="0" smtClean="0"/>
+              <a:t>Au début du projet, et le long de celui-ci, nous avons identifier</a:t>
+            </a:r>
+            <a:r>
+              <a:rPr lang="fr-FR" baseline="0" dirty="0" smtClean="0"/>
+              <a:t> plusieurs ‘risques’. Qui pourraient faire que nous ne répondons pas totalement aux attentes du client. </a:t>
+            </a:r>
+            <a:endParaRPr lang="fr-FR" dirty="0" smtClean="0"/>
+          </a:p>
+          <a:p>
+            <a:endParaRPr lang="fr-FR" dirty="0"/>
+          </a:p>
+        </p:txBody>
+      </p:sp>
+      <p:sp>
+        <p:nvSpPr>
+          <p:cNvPr id="4" name="Espace réservé du numéro de diapositive 3"/>
+          <p:cNvSpPr>
+            <a:spLocks noGrp="1"/>
+          </p:cNvSpPr>
+          <p:nvPr>
+            <p:ph type="sldNum" sz="quarter" idx="10"/>
+          </p:nvPr>
+        </p:nvSpPr>
+        <p:spPr/>
+        <p:txBody>
+          <a:bodyPr/>
+          <a:lstStyle/>
+          <a:p>
+            <a:fld id="{674702DA-9592-43D0-B48F-8086DD81799A}" type="slidenum">
+              <a:rPr lang="fr-FR" smtClean="0"/>
+              <a:t>8</a:t>
+            </a:fld>
+            <a:endParaRPr lang="fr-FR"/>
+          </a:p>
+        </p:txBody>
+      </p:sp>
+    </p:spTree>
+    <p:extLst>
+      <p:ext uri="{BB962C8B-B14F-4D97-AF65-F5344CB8AC3E}">
+        <p14:creationId xmlns:p14="http://schemas.microsoft.com/office/powerpoint/2010/main" val="1252016305"/>
+      </p:ext>
+    </p:extLst>
+  </p:cSld>
+  <p:clrMapOvr>
+    <a:masterClrMapping/>
+  </p:clrMapOvr>
+</p:notes>
+</file>
+
+<file path=ppt/notesSlides/notesSlide8.xml><?xml version="1.0" encoding="utf-8"?>
+<p:notes xmlns:a="http://schemas.openxmlformats.org/drawingml/2006/main" xmlns:r="http://schemas.openxmlformats.org/officeDocument/2006/relationships" xmlns:p="http://schemas.openxmlformats.org/presentationml/2006/main">
+  <p:cSld>
+    <p:spTree>
+      <p:nvGrpSpPr>
+        <p:cNvPr id="1" name=""/>
+        <p:cNvGrpSpPr/>
+        <p:nvPr/>
+      </p:nvGrpSpPr>
+      <p:grpSpPr>
+        <a:xfrm>
+          <a:off x="0" y="0"/>
+          <a:ext cx="0" cy="0"/>
+          <a:chOff x="0" y="0"/>
+          <a:chExt cx="0" cy="0"/>
+        </a:xfrm>
+      </p:grpSpPr>
+      <p:sp>
+        <p:nvSpPr>
+          <p:cNvPr id="2" name="Espace réservé de l'image des diapositives 1"/>
+          <p:cNvSpPr>
+            <a:spLocks noGrp="1" noRot="1" noChangeAspect="1"/>
+          </p:cNvSpPr>
+          <p:nvPr>
+            <p:ph type="sldImg"/>
+          </p:nvPr>
+        </p:nvSpPr>
+        <p:spPr/>
+      </p:sp>
+      <p:sp>
+        <p:nvSpPr>
+          <p:cNvPr id="3" name="Espace réservé des commentaires 2"/>
+          <p:cNvSpPr>
+            <a:spLocks noGrp="1"/>
+          </p:cNvSpPr>
+          <p:nvPr>
+            <p:ph type="body" idx="1"/>
+          </p:nvPr>
+        </p:nvSpPr>
+        <p:spPr/>
+        <p:txBody>
+          <a:bodyPr/>
+          <a:lstStyle/>
+          <a:p>
+            <a:r>
+              <a:rPr lang="fr-FR" dirty="0" smtClean="0"/>
+              <a:t>Le client a fait appel à</a:t>
+            </a:r>
+            <a:r>
+              <a:rPr lang="fr-FR" baseline="0" dirty="0" smtClean="0"/>
+              <a:t> nous car il souhaite : </a:t>
+            </a:r>
+            <a:endParaRPr lang="fr-FR" dirty="0"/>
+          </a:p>
+        </p:txBody>
+      </p:sp>
+      <p:sp>
+        <p:nvSpPr>
+          <p:cNvPr id="4" name="Espace réservé du numéro de diapositive 3"/>
+          <p:cNvSpPr>
+            <a:spLocks noGrp="1"/>
+          </p:cNvSpPr>
+          <p:nvPr>
+            <p:ph type="sldNum" sz="quarter" idx="10"/>
+          </p:nvPr>
+        </p:nvSpPr>
+        <p:spPr/>
+        <p:txBody>
+          <a:bodyPr/>
+          <a:lstStyle/>
+          <a:p>
+            <a:fld id="{674702DA-9592-43D0-B48F-8086DD81799A}" type="slidenum">
+              <a:rPr lang="fr-FR" smtClean="0"/>
+              <a:t>9</a:t>
+            </a:fld>
+            <a:endParaRPr lang="fr-FR"/>
+          </a:p>
+        </p:txBody>
+      </p:sp>
+    </p:spTree>
+    <p:extLst>
+      <p:ext uri="{BB962C8B-B14F-4D97-AF65-F5344CB8AC3E}">
+        <p14:creationId xmlns:p14="http://schemas.microsoft.com/office/powerpoint/2010/main" val="3722963977"/>
+      </p:ext>
+    </p:extLst>
+  </p:cSld>
+  <p:clrMapOvr>
+    <a:masterClrMapping/>
+  </p:clrMapOvr>
+</p:notes>
+</file>
+
+<file path=ppt/notesSlides/notesSlide9.xml><?xml version="1.0" encoding="utf-8"?>
+<p:notes xmlns:a="http://schemas.openxmlformats.org/drawingml/2006/main" xmlns:r="http://schemas.openxmlformats.org/officeDocument/2006/relationships" xmlns:p="http://schemas.openxmlformats.org/presentationml/2006/main">
+  <p:cSld>
+    <p:spTree>
+      <p:nvGrpSpPr>
+        <p:cNvPr id="1" name=""/>
+        <p:cNvGrpSpPr/>
+        <p:nvPr/>
+      </p:nvGrpSpPr>
+      <p:grpSpPr>
+        <a:xfrm>
+          <a:off x="0" y="0"/>
+          <a:ext cx="0" cy="0"/>
+          <a:chOff x="0" y="0"/>
+          <a:chExt cx="0" cy="0"/>
+        </a:xfrm>
+      </p:grpSpPr>
+      <p:sp>
+        <p:nvSpPr>
+          <p:cNvPr id="2" name="Espace réservé de l'image des diapositives 1"/>
+          <p:cNvSpPr>
+            <a:spLocks noGrp="1" noRot="1" noChangeAspect="1"/>
+          </p:cNvSpPr>
+          <p:nvPr>
+            <p:ph type="sldImg"/>
+          </p:nvPr>
+        </p:nvSpPr>
+        <p:spPr/>
+      </p:sp>
+      <p:sp>
+        <p:nvSpPr>
+          <p:cNvPr id="3" name="Espace réservé des commentaires 2"/>
+          <p:cNvSpPr>
+            <a:spLocks noGrp="1"/>
+          </p:cNvSpPr>
+          <p:nvPr>
+            <p:ph type="body" idx="1"/>
+          </p:nvPr>
+        </p:nvSpPr>
+        <p:spPr/>
+        <p:txBody>
+          <a:bodyPr/>
+          <a:lstStyle/>
+          <a:p>
+            <a:r>
+              <a:rPr lang="fr-FR" dirty="0" smtClean="0"/>
+              <a:t>Le projet</a:t>
+            </a:r>
+            <a:r>
+              <a:rPr lang="fr-FR" baseline="0" dirty="0" smtClean="0"/>
+              <a:t> devait être fait en agile : en effet, c’’est une méthode abordée pendant la formation, qui donne des résultats nettement meilleurs que les méthodes habituelles. Il s’agit de ne pas avoir de chef de projet à proprement parler, et d’organiser les étapes de production en SPRINT. Définis au début du projet par toute l’équipe, via un </a:t>
+            </a:r>
+            <a:r>
+              <a:rPr lang="fr-FR" baseline="0" dirty="0" err="1" smtClean="0"/>
+              <a:t>product</a:t>
+            </a:r>
+            <a:r>
+              <a:rPr lang="fr-FR" baseline="0" dirty="0" smtClean="0"/>
+              <a:t> </a:t>
+            </a:r>
+            <a:r>
+              <a:rPr lang="fr-FR" baseline="0" dirty="0" err="1" smtClean="0"/>
+              <a:t>backlog</a:t>
+            </a:r>
+            <a:r>
+              <a:rPr lang="fr-FR" baseline="0" dirty="0" smtClean="0"/>
+              <a:t> : une exposition générale des idées, puis un regroupement puis des calculs permettant de </a:t>
+            </a:r>
+            <a:r>
+              <a:rPr lang="fr-FR" baseline="0" dirty="0" err="1" smtClean="0"/>
+              <a:t>determiner</a:t>
+            </a:r>
+            <a:r>
+              <a:rPr lang="fr-FR" baseline="0" dirty="0" smtClean="0"/>
+              <a:t> autrement que par la logique humaine, la </a:t>
+            </a:r>
+            <a:r>
+              <a:rPr lang="fr-FR" baseline="0" dirty="0" err="1" smtClean="0"/>
+              <a:t>prorité</a:t>
+            </a:r>
+            <a:r>
+              <a:rPr lang="fr-FR" baseline="0" dirty="0" smtClean="0"/>
+              <a:t> des tâches a faire. </a:t>
+            </a:r>
+          </a:p>
+          <a:p>
+            <a:endParaRPr lang="fr-FR" baseline="0" dirty="0" smtClean="0"/>
+          </a:p>
+          <a:p>
+            <a:r>
+              <a:rPr lang="fr-FR" baseline="0" dirty="0" smtClean="0"/>
+              <a:t>Nous avions prévu pour ce projet 3 Sprints avec des réunions quotidiennes </a:t>
+            </a:r>
+            <a:r>
+              <a:rPr lang="fr-FR" baseline="0" dirty="0" err="1" smtClean="0"/>
+              <a:t>cahque</a:t>
+            </a:r>
+            <a:r>
+              <a:rPr lang="fr-FR" baseline="0" dirty="0" smtClean="0"/>
+              <a:t> matin du projet.</a:t>
+            </a:r>
+          </a:p>
+          <a:p>
+            <a:endParaRPr lang="fr-FR" dirty="0" smtClean="0"/>
+          </a:p>
+          <a:p>
+            <a:endParaRPr lang="fr-FR" dirty="0"/>
+          </a:p>
+        </p:txBody>
+      </p:sp>
+      <p:sp>
+        <p:nvSpPr>
+          <p:cNvPr id="4" name="Espace réservé du numéro de diapositive 3"/>
+          <p:cNvSpPr>
+            <a:spLocks noGrp="1"/>
+          </p:cNvSpPr>
+          <p:nvPr>
+            <p:ph type="sldNum" sz="quarter" idx="10"/>
+          </p:nvPr>
+        </p:nvSpPr>
+        <p:spPr/>
+        <p:txBody>
+          <a:bodyPr/>
+          <a:lstStyle/>
+          <a:p>
+            <a:fld id="{674702DA-9592-43D0-B48F-8086DD81799A}" type="slidenum">
+              <a:rPr lang="fr-FR" smtClean="0"/>
+              <a:t>11</a:t>
+            </a:fld>
+            <a:endParaRPr lang="fr-FR"/>
+          </a:p>
+        </p:txBody>
+      </p:sp>
+    </p:spTree>
+    <p:extLst>
+      <p:ext uri="{BB962C8B-B14F-4D97-AF65-F5344CB8AC3E}">
+        <p14:creationId xmlns:p14="http://schemas.microsoft.com/office/powerpoint/2010/main" val="11144006"/>
+      </p:ext>
+    </p:extLst>
+  </p:cSld>
+  <p:clrMapOvr>
+    <a:masterClrMapping/>
+  </p:clrMapOvr>
+</p:notes>
+</file>
+
 <file path=ppt/slideLayouts/slideLayout1.xml><?xml version="1.0" encoding="utf-8"?>
 <p:sldLayout xmlns:a="http://schemas.openxmlformats.org/drawingml/2006/main" xmlns:r="http://schemas.openxmlformats.org/officeDocument/2006/relationships" xmlns:p="http://schemas.openxmlformats.org/presentationml/2006/main" showMasterSp="0" type="title" preserve="1">
   <p:cSld name="Diapositive de titre">
@@ -11927,7 +12792,7 @@
           </p:nvPr>
         </p:nvPicPr>
         <p:blipFill>
-          <a:blip r:embed="rId2">
+          <a:blip r:embed="rId3">
             <a:extLst>
               <a:ext uri="{28A0092B-C50C-407E-A947-70E740481C1C}">
                 <a14:useLocalDpi xmlns:a14="http://schemas.microsoft.com/office/drawing/2010/main" val="0"/>
@@ -13313,7 +14178,7 @@
         </p:xfrm>
         <a:graphic>
           <a:graphicData uri="http://schemas.openxmlformats.org/drawingml/2006/diagram">
-            <dgm:relIds xmlns:dgm="http://schemas.openxmlformats.org/drawingml/2006/diagram" xmlns:r="http://schemas.openxmlformats.org/officeDocument/2006/relationships" r:dm="rId2" r:lo="rId3" r:qs="rId4" r:cs="rId5"/>
+            <dgm:relIds xmlns:dgm="http://schemas.openxmlformats.org/drawingml/2006/diagram" xmlns:r="http://schemas.openxmlformats.org/officeDocument/2006/relationships" r:dm="rId3" r:lo="rId4" r:qs="rId5" r:cs="rId6"/>
           </a:graphicData>
         </a:graphic>
       </p:graphicFrame>
@@ -13472,7 +14337,7 @@
       <p:pic>
         <p:nvPicPr>
           <p:cNvPr id="4" name="Image 3">
-            <a:hlinkClick r:id="rId2" action="ppaction://hlinksldjump"/>
+            <a:hlinkClick r:id="rId3" action="ppaction://hlinksldjump"/>
           </p:cNvPr>
           <p:cNvPicPr>
             <a:picLocks noChangeAspect="1"/>
@@ -13480,7 +14345,7 @@
           <p:nvPr/>
         </p:nvPicPr>
         <p:blipFill rotWithShape="1">
-          <a:blip r:embed="rId3">
+          <a:blip r:embed="rId4">
             <a:extLst>
               <a:ext uri="{28A0092B-C50C-407E-A947-70E740481C1C}">
                 <a14:useLocalDpi xmlns:a14="http://schemas.microsoft.com/office/drawing/2010/main" val="0"/>
@@ -14480,7 +15345,7 @@
           </p:nvPr>
         </p:nvPicPr>
         <p:blipFill>
-          <a:blip r:embed="rId2" cstate="print">
+          <a:blip r:embed="rId3" cstate="print">
             <a:extLst>
               <a:ext uri="{28A0092B-C50C-407E-A947-70E740481C1C}">
                 <a14:useLocalDpi xmlns:a14="http://schemas.microsoft.com/office/drawing/2010/main" val="0"/>
@@ -14522,7 +15387,7 @@
           <p:nvPr/>
         </p:nvPicPr>
         <p:blipFill>
-          <a:blip r:embed="rId3" cstate="print">
+          <a:blip r:embed="rId4" cstate="print">
             <a:extLst>
               <a:ext uri="{28A0092B-C50C-407E-A947-70E740481C1C}">
                 <a14:useLocalDpi xmlns:a14="http://schemas.microsoft.com/office/drawing/2010/main" val="0"/>
@@ -14567,7 +15432,7 @@
           <p:nvPr/>
         </p:nvPicPr>
         <p:blipFill>
-          <a:blip r:embed="rId4" cstate="print">
+          <a:blip r:embed="rId5" cstate="print">
             <a:extLst>
               <a:ext uri="{28A0092B-C50C-407E-A947-70E740481C1C}">
                 <a14:useLocalDpi xmlns:a14="http://schemas.microsoft.com/office/drawing/2010/main" val="0"/>
@@ -14809,7 +15674,7 @@
           <p:nvPr/>
         </p:nvPicPr>
         <p:blipFill>
-          <a:blip r:embed="rId3" cstate="print">
+          <a:blip r:embed="rId4" cstate="print">
             <a:extLst>
               <a:ext uri="{28A0092B-C50C-407E-A947-70E740481C1C}">
                 <a14:useLocalDpi xmlns:a14="http://schemas.microsoft.com/office/drawing/2010/main" val="0"/>
@@ -14923,7 +15788,7 @@
           <p:nvPr/>
         </p:nvPicPr>
         <p:blipFill>
-          <a:blip r:embed="rId5">
+          <a:blip r:embed="rId6">
             <a:extLst>
               <a:ext uri="{28A0092B-C50C-407E-A947-70E740481C1C}">
                 <a14:useLocalDpi xmlns:a14="http://schemas.microsoft.com/office/drawing/2010/main" val="0"/>
@@ -18998,11 +19863,7 @@
             </a:r>
             <a:r>
               <a:rPr lang="fr-FR" sz="2800" dirty="0" smtClean="0"/>
-              <a:t> </a:t>
-            </a:r>
-            <a:r>
-              <a:rPr lang="fr-FR" sz="2800" dirty="0" smtClean="0"/>
-              <a:t>: école </a:t>
+              <a:t> : école </a:t>
             </a:r>
             <a:r>
               <a:rPr lang="fr-FR" sz="2800" dirty="0"/>
@@ -19016,11 +19877,7 @@
             </a:pPr>
             <a:r>
               <a:rPr lang="fr-FR" sz="2800" dirty="0" smtClean="0"/>
-              <a:t> L’organisation </a:t>
-            </a:r>
-            <a:r>
-              <a:rPr lang="fr-FR" sz="2800" dirty="0" smtClean="0"/>
-              <a:t>des cursus difficile </a:t>
+              <a:t> L’organisation des cursus difficile </a:t>
             </a:r>
           </a:p>
           <a:p>
@@ -19030,11 +19887,7 @@
             </a:pPr>
             <a:r>
               <a:rPr lang="fr-FR" sz="2800" dirty="0" smtClean="0"/>
-              <a:t> Beaucoup </a:t>
-            </a:r>
-            <a:r>
-              <a:rPr lang="fr-FR" sz="2800" dirty="0" smtClean="0"/>
-              <a:t>d’intervenants avec différents supports de travail </a:t>
+              <a:t> Beaucoup d’intervenants avec différents supports de travail </a:t>
             </a:r>
           </a:p>
           <a:p>
@@ -19044,11 +19897,7 @@
             </a:pPr>
             <a:r>
               <a:rPr lang="fr-FR" sz="2800" dirty="0" smtClean="0"/>
-              <a:t> Redondance </a:t>
-            </a:r>
-            <a:r>
-              <a:rPr lang="fr-FR" sz="2800" dirty="0" smtClean="0"/>
-              <a:t>d’informations et trop de saisie par les gestionnaires</a:t>
+              <a:t> Redondance d’informations et trop de saisie par les gestionnaires</a:t>
             </a:r>
           </a:p>
           <a:p>
@@ -19066,11 +19915,7 @@
             </a:r>
             <a:r>
               <a:rPr lang="fr-FR" sz="2800" dirty="0" smtClean="0"/>
-              <a:t> </a:t>
-            </a:r>
-            <a:r>
-              <a:rPr lang="fr-FR" sz="2800" dirty="0" smtClean="0"/>
-              <a:t>une informatisation efficace du  </a:t>
+              <a:t> une informatisation efficace du  </a:t>
             </a:r>
             <a:r>
               <a:rPr lang="fr-FR" sz="2800" dirty="0"/>
@@ -19300,11 +20145,7 @@
             </a:pPr>
             <a:r>
               <a:rPr lang="fr-FR" sz="2800" dirty="0" smtClean="0"/>
-              <a:t> outil </a:t>
-            </a:r>
-            <a:r>
-              <a:rPr lang="fr-FR" sz="2800" dirty="0" smtClean="0"/>
-              <a:t>offrant la gestion des </a:t>
+              <a:t> outil offrant la gestion des </a:t>
             </a:r>
             <a:r>
               <a:rPr lang="fr-FR" sz="2800" dirty="0"/>
@@ -19448,7 +20289,7 @@
           <p:nvPr/>
         </p:nvPicPr>
         <p:blipFill>
-          <a:blip r:embed="rId2">
+          <a:blip r:embed="rId3">
             <a:clrChange>
               <a:clrFrom>
                 <a:srgbClr val="FFFFFF"/>
@@ -19573,11 +20414,7 @@
             </a:pPr>
             <a:r>
               <a:rPr lang="fr-FR" sz="3200" dirty="0" smtClean="0"/>
-              <a:t>Utilisation </a:t>
-            </a:r>
-            <a:r>
-              <a:rPr lang="fr-FR" sz="3200" dirty="0" smtClean="0"/>
-              <a:t>des </a:t>
+              <a:t>Utilisation des </a:t>
             </a:r>
             <a:r>
               <a:rPr lang="fr-FR" sz="3200" dirty="0" err="1" smtClean="0"/>
@@ -19610,11 +20447,7 @@
             </a:pPr>
             <a:r>
               <a:rPr lang="fr-FR" sz="3200" dirty="0" smtClean="0"/>
-              <a:t>Utilisation </a:t>
-            </a:r>
-            <a:r>
-              <a:rPr lang="fr-FR" sz="3200" dirty="0" smtClean="0"/>
-              <a:t>d’une base de données</a:t>
+              <a:t>Utilisation d’une base de données</a:t>
             </a:r>
           </a:p>
           <a:p>
@@ -19624,11 +20457,7 @@
             </a:pPr>
             <a:r>
               <a:rPr lang="fr-FR" sz="3200" dirty="0" smtClean="0"/>
-              <a:t>Application </a:t>
-            </a:r>
-            <a:r>
-              <a:rPr lang="fr-FR" sz="3200" dirty="0" smtClean="0"/>
-              <a:t>via site Web </a:t>
+              <a:t>Application via site Web </a:t>
             </a:r>
           </a:p>
           <a:p>
@@ -19642,11 +20471,7 @@
             </a:r>
             <a:r>
               <a:rPr lang="fr-FR" sz="3200" dirty="0" smtClean="0"/>
-              <a:t> </a:t>
-            </a:r>
-            <a:r>
-              <a:rPr lang="fr-FR" sz="3200" dirty="0" smtClean="0"/>
-              <a:t>de connexion et modification </a:t>
+              <a:t> de connexion et modification </a:t>
             </a:r>
           </a:p>
           <a:p>
@@ -19656,11 +20481,7 @@
             </a:pPr>
             <a:r>
               <a:rPr lang="fr-FR" sz="3200" dirty="0" smtClean="0"/>
-              <a:t>Esthétiques </a:t>
-            </a:r>
-            <a:r>
-              <a:rPr lang="fr-FR" sz="3200" dirty="0" smtClean="0"/>
-              <a:t>et praticité du site/de l’application </a:t>
+              <a:t>Esthétiques et praticité du site/de l’application </a:t>
             </a:r>
           </a:p>
         </p:txBody>
@@ -19987,12 +20808,12 @@
           <a:lstStyle/>
           <a:p>
             <a:r>
-              <a:rPr lang="fr-FR" dirty="0" err="1" smtClean="0"/>
-              <a:t>Resultat</a:t>
-            </a:r>
-            <a:r>
               <a:rPr lang="fr-FR" dirty="0" smtClean="0"/>
-              <a:t> attendu</a:t>
+              <a:t>Résultat </a:t>
+            </a:r>
+            <a:r>
+              <a:rPr lang="fr-FR" dirty="0" smtClean="0"/>
+              <a:t>attendu</a:t>
             </a:r>
             <a:endParaRPr lang="fr-FR" dirty="0"/>
           </a:p>
@@ -20109,18 +20930,7 @@
                 <a:ea typeface="Merriweather"/>
                 <a:cs typeface="Merriweather"/>
               </a:rPr>
-              <a:t> </a:t>
-            </a:r>
-            <a:r>
-              <a:rPr lang="fr-FR" sz="2800" dirty="0" smtClean="0">
-                <a:solidFill>
-                  <a:srgbClr val="2C3E50"/>
-                </a:solidFill>
-                <a:latin typeface="Merriweather"/>
-                <a:ea typeface="Merriweather"/>
-                <a:cs typeface="Merriweather"/>
-              </a:rPr>
-              <a:t>Fiabilité </a:t>
+              <a:t> Fiabilité </a:t>
             </a:r>
             <a:r>
               <a:rPr lang="fr-FR" sz="2800" dirty="0">

--- a/ProjetFinalAAA-Factory.pptx
+++ b/ProjetFinalAAA-Factory.pptx
@@ -4677,6 +4677,13 @@
         </dgm:presLayoutVars>
       </dgm:prSet>
       <dgm:spPr/>
+      <dgm:t>
+        <a:bodyPr/>
+        <a:lstStyle/>
+        <a:p>
+          <a:endParaRPr lang="fr-FR"/>
+        </a:p>
+      </dgm:t>
     </dgm:pt>
     <dgm:pt modelId="{DAED368B-DBF1-41CC-B883-57F98E313CF5}" type="pres">
       <dgm:prSet presAssocID="{1DF8DF3B-E3E0-4324-B8A1-C4AF68986A28}" presName="composite" presStyleCnt="0"/>
@@ -4690,6 +4697,13 @@
         </dgm:presLayoutVars>
       </dgm:prSet>
       <dgm:spPr/>
+      <dgm:t>
+        <a:bodyPr/>
+        <a:lstStyle/>
+        <a:p>
+          <a:endParaRPr lang="fr-FR"/>
+        </a:p>
+      </dgm:t>
     </dgm:pt>
     <dgm:pt modelId="{39D7EDD9-031A-47C8-8B3A-1230B0D4063A}" type="pres">
       <dgm:prSet presAssocID="{1DF8DF3B-E3E0-4324-B8A1-C4AF68986A28}" presName="descendantText" presStyleLbl="alignAcc1" presStyleIdx="0" presStyleCnt="4">
@@ -4722,6 +4736,13 @@
         </dgm:presLayoutVars>
       </dgm:prSet>
       <dgm:spPr/>
+      <dgm:t>
+        <a:bodyPr/>
+        <a:lstStyle/>
+        <a:p>
+          <a:endParaRPr lang="fr-FR"/>
+        </a:p>
+      </dgm:t>
     </dgm:pt>
     <dgm:pt modelId="{DADE07FF-1CDA-4989-876E-7701F568B959}" type="pres">
       <dgm:prSet presAssocID="{79F75EF8-D10D-4D5E-AA9C-7F12F088A5F7}" presName="descendantText" presStyleLbl="alignAcc1" presStyleIdx="1" presStyleCnt="4">
@@ -4754,6 +4775,13 @@
         </dgm:presLayoutVars>
       </dgm:prSet>
       <dgm:spPr/>
+      <dgm:t>
+        <a:bodyPr/>
+        <a:lstStyle/>
+        <a:p>
+          <a:endParaRPr lang="fr-FR"/>
+        </a:p>
+      </dgm:t>
     </dgm:pt>
     <dgm:pt modelId="{5B93D43C-5124-4D00-A8CB-11DF4948966A}" type="pres">
       <dgm:prSet presAssocID="{214B4FD3-D231-4905-825C-DD4E316E9913}" presName="descendantText" presStyleLbl="alignAcc1" presStyleIdx="2" presStyleCnt="4">
@@ -4801,32 +4829,39 @@
         </dgm:presLayoutVars>
       </dgm:prSet>
       <dgm:spPr/>
+      <dgm:t>
+        <a:bodyPr/>
+        <a:lstStyle/>
+        <a:p>
+          <a:endParaRPr lang="fr-FR"/>
+        </a:p>
+      </dgm:t>
     </dgm:pt>
   </dgm:ptLst>
   <dgm:cxnLst>
+    <dgm:cxn modelId="{88706722-3D7C-45CC-88E2-75CD90077BFC}" type="presOf" srcId="{214B4FD3-D231-4905-825C-DD4E316E9913}" destId="{42F6DD47-9CDD-4CFD-988A-E80234CBD3CB}" srcOrd="0" destOrd="0" presId="urn:microsoft.com/office/officeart/2005/8/layout/chevron2"/>
+    <dgm:cxn modelId="{9E69CD0D-4DE9-40FB-A5AA-1A0280A03B3B}" srcId="{9893B95B-4F14-4805-96AD-94C2779E991F}" destId="{4049B200-1177-4110-B7B7-F5AB361BEEDB}" srcOrd="3" destOrd="0" parTransId="{EA0AE0EC-051C-444F-9086-FCF464B88C7D}" sibTransId="{111E22B1-7310-445E-8198-9F3DDFF10DD1}"/>
+    <dgm:cxn modelId="{4D16E7B4-7003-434A-B233-FFAC1E1ED754}" type="presOf" srcId="{99FBC9E8-0302-4799-AE93-CE5C990CEA29}" destId="{5B93D43C-5124-4D00-A8CB-11DF4948966A}" srcOrd="0" destOrd="1" presId="urn:microsoft.com/office/officeart/2005/8/layout/chevron2"/>
+    <dgm:cxn modelId="{DEC32A64-CB2C-4EF6-9EC1-25CE8E73BBF1}" type="presOf" srcId="{A2483C46-B6BF-4521-AF73-DEA3043FF42E}" destId="{5B93D43C-5124-4D00-A8CB-11DF4948966A}" srcOrd="0" destOrd="0" presId="urn:microsoft.com/office/officeart/2005/8/layout/chevron2"/>
+    <dgm:cxn modelId="{9CA67892-CAEE-4E1C-8B72-1A0FEEDA5CB5}" srcId="{79F75EF8-D10D-4D5E-AA9C-7F12F088A5F7}" destId="{DCEA557C-30A6-43A2-B938-BB981A4B3FE6}" srcOrd="0" destOrd="0" parTransId="{F12E6995-B52D-4F88-B9EF-9916DC43B49C}" sibTransId="{48A151F3-87D9-44EA-99E0-0B51FD39A714}"/>
+    <dgm:cxn modelId="{E7DD3E98-6214-44AD-ADA2-A7F6FB29476C}" type="presOf" srcId="{79F75EF8-D10D-4D5E-AA9C-7F12F088A5F7}" destId="{546D62F4-D67F-4A18-8368-4ACFA371B101}" srcOrd="0" destOrd="0" presId="urn:microsoft.com/office/officeart/2005/8/layout/chevron2"/>
+    <dgm:cxn modelId="{F184CCE4-73C4-4B9C-8C12-0C4FE513B84E}" srcId="{1DF8DF3B-E3E0-4324-B8A1-C4AF68986A28}" destId="{D5EF4FC0-69D6-47A1-9522-800DAEDFA099}" srcOrd="1" destOrd="0" parTransId="{ED9B464F-D346-420F-9743-794614A505CD}" sibTransId="{76450402-7A65-4FFB-AE27-3E3910518074}"/>
+    <dgm:cxn modelId="{CADC744D-7595-4B3B-B7D8-A85DCD1F25DB}" type="presOf" srcId="{D5EF4FC0-69D6-47A1-9522-800DAEDFA099}" destId="{39D7EDD9-031A-47C8-8B3A-1230B0D4063A}" srcOrd="0" destOrd="1" presId="urn:microsoft.com/office/officeart/2005/8/layout/chevron2"/>
+    <dgm:cxn modelId="{46672039-B615-49F6-AAEA-48C917BF7B4B}" srcId="{214B4FD3-D231-4905-825C-DD4E316E9913}" destId="{99FBC9E8-0302-4799-AE93-CE5C990CEA29}" srcOrd="1" destOrd="0" parTransId="{581BACD3-4DAB-4577-B45C-8576C8B7ACEC}" sibTransId="{559B33E4-C337-45CC-8B34-90EBB6EAC06D}"/>
+    <dgm:cxn modelId="{082F2BC3-D480-4337-A1DB-971198CD3F48}" type="presOf" srcId="{E866001A-19CD-46D1-AFC0-69878058868E}" destId="{304BBC03-2D4B-4C5B-80A6-B9C7D830CBFA}" srcOrd="0" destOrd="0" presId="urn:microsoft.com/office/officeart/2005/8/layout/chevron2"/>
+    <dgm:cxn modelId="{867C81D0-3320-43CF-B7A1-9519BB01B689}" type="presOf" srcId="{9893B95B-4F14-4805-96AD-94C2779E991F}" destId="{4FAE4416-771B-41BB-B0DC-84C187A71B3F}" srcOrd="0" destOrd="0" presId="urn:microsoft.com/office/officeart/2005/8/layout/chevron2"/>
+    <dgm:cxn modelId="{E08AC7F0-2D75-41E8-8EF8-F21F4BD465C7}" type="presOf" srcId="{EF578D42-047E-40AE-87EE-88109A11BC23}" destId="{39D7EDD9-031A-47C8-8B3A-1230B0D4063A}" srcOrd="0" destOrd="0" presId="urn:microsoft.com/office/officeart/2005/8/layout/chevron2"/>
     <dgm:cxn modelId="{A5BA636D-94C1-48D4-A3E8-691552699D8F}" srcId="{214B4FD3-D231-4905-825C-DD4E316E9913}" destId="{A2483C46-B6BF-4521-AF73-DEA3043FF42E}" srcOrd="0" destOrd="0" parTransId="{C2CC8B79-14D9-40F2-8AAE-DDD6EE1B7D5D}" sibTransId="{2D80EF46-85D1-435D-90F2-19324EFD1A23}"/>
-    <dgm:cxn modelId="{9CA67892-CAEE-4E1C-8B72-1A0FEEDA5CB5}" srcId="{79F75EF8-D10D-4D5E-AA9C-7F12F088A5F7}" destId="{DCEA557C-30A6-43A2-B938-BB981A4B3FE6}" srcOrd="0" destOrd="0" parTransId="{F12E6995-B52D-4F88-B9EF-9916DC43B49C}" sibTransId="{48A151F3-87D9-44EA-99E0-0B51FD39A714}"/>
     <dgm:cxn modelId="{604022AF-CF7C-4789-AB77-223B9DC4C67F}" type="presOf" srcId="{4049B200-1177-4110-B7B7-F5AB361BEEDB}" destId="{D57F4918-6091-43D4-8FE1-210AC6412E38}" srcOrd="0" destOrd="0" presId="urn:microsoft.com/office/officeart/2005/8/layout/chevron2"/>
-    <dgm:cxn modelId="{F184CCE4-73C4-4B9C-8C12-0C4FE513B84E}" srcId="{1DF8DF3B-E3E0-4324-B8A1-C4AF68986A28}" destId="{D5EF4FC0-69D6-47A1-9522-800DAEDFA099}" srcOrd="1" destOrd="0" parTransId="{ED9B464F-D346-420F-9743-794614A505CD}" sibTransId="{76450402-7A65-4FFB-AE27-3E3910518074}"/>
+    <dgm:cxn modelId="{C70F13DD-EB02-4260-B720-90A935AD6608}" type="presOf" srcId="{1DF8DF3B-E3E0-4324-B8A1-C4AF68986A28}" destId="{F80C65A5-3674-41F2-A631-E961E873F666}" srcOrd="0" destOrd="0" presId="urn:microsoft.com/office/officeart/2005/8/layout/chevron2"/>
+    <dgm:cxn modelId="{8C74070A-6F2B-4050-86DE-451FAB61C0D2}" type="presOf" srcId="{F0C7921F-70E8-44F8-8A5F-0F48BF0577D9}" destId="{DADE07FF-1CDA-4989-876E-7701F568B959}" srcOrd="0" destOrd="1" presId="urn:microsoft.com/office/officeart/2005/8/layout/chevron2"/>
+    <dgm:cxn modelId="{CB7A55AD-0F81-4F07-9E51-6089958D7696}" type="presOf" srcId="{DCEA557C-30A6-43A2-B938-BB981A4B3FE6}" destId="{DADE07FF-1CDA-4989-876E-7701F568B959}" srcOrd="0" destOrd="0" presId="urn:microsoft.com/office/officeart/2005/8/layout/chevron2"/>
     <dgm:cxn modelId="{AABD1BD6-8D11-4692-BAFE-4D91F8BEDB97}" srcId="{4049B200-1177-4110-B7B7-F5AB361BEEDB}" destId="{E866001A-19CD-46D1-AFC0-69878058868E}" srcOrd="0" destOrd="0" parTransId="{28AC7C0F-C4E3-48E9-A8A7-C03DCC3AE1DE}" sibTransId="{62B48BC0-34CF-4C46-B47A-E16090E68DD2}"/>
-    <dgm:cxn modelId="{4D16E7B4-7003-434A-B233-FFAC1E1ED754}" type="presOf" srcId="{99FBC9E8-0302-4799-AE93-CE5C990CEA29}" destId="{5B93D43C-5124-4D00-A8CB-11DF4948966A}" srcOrd="0" destOrd="1" presId="urn:microsoft.com/office/officeart/2005/8/layout/chevron2"/>
-    <dgm:cxn modelId="{082F2BC3-D480-4337-A1DB-971198CD3F48}" type="presOf" srcId="{E866001A-19CD-46D1-AFC0-69878058868E}" destId="{304BBC03-2D4B-4C5B-80A6-B9C7D830CBFA}" srcOrd="0" destOrd="0" presId="urn:microsoft.com/office/officeart/2005/8/layout/chevron2"/>
+    <dgm:cxn modelId="{BA85B40E-F9B3-477C-BD65-CE7E77738937}" srcId="{79F75EF8-D10D-4D5E-AA9C-7F12F088A5F7}" destId="{F0C7921F-70E8-44F8-8A5F-0F48BF0577D9}" srcOrd="1" destOrd="0" parTransId="{DC48D501-3BD0-43AB-BA17-DB86A4D9FD1B}" sibTransId="{C5E7331B-D7A4-49A4-98AB-CD1D78C3CB3A}"/>
+    <dgm:cxn modelId="{E6584AFC-7D11-4F99-BC07-809C4E264DA6}" srcId="{9893B95B-4F14-4805-96AD-94C2779E991F}" destId="{1DF8DF3B-E3E0-4324-B8A1-C4AF68986A28}" srcOrd="0" destOrd="0" parTransId="{D2F84A3E-F170-4BA8-B9F6-A25748C5510C}" sibTransId="{67F841AE-42DB-4001-9D6E-DCFD16317367}"/>
     <dgm:cxn modelId="{785BAE4D-4E26-4169-8379-97E2F3AA2115}" srcId="{9893B95B-4F14-4805-96AD-94C2779E991F}" destId="{79F75EF8-D10D-4D5E-AA9C-7F12F088A5F7}" srcOrd="1" destOrd="0" parTransId="{7768A805-59A5-49ED-AC1C-C598031CE482}" sibTransId="{5EAA440D-1169-4902-B66C-A34D5CC52D79}"/>
     <dgm:cxn modelId="{0036B714-06D2-45A9-A3D8-9A646DA8C386}" srcId="{9893B95B-4F14-4805-96AD-94C2779E991F}" destId="{214B4FD3-D231-4905-825C-DD4E316E9913}" srcOrd="2" destOrd="0" parTransId="{D75B4266-F567-4A3E-A844-F412A570786E}" sibTransId="{B867592A-8AF6-41DF-AB01-CD7ADD1B612B}"/>
-    <dgm:cxn modelId="{DEC32A64-CB2C-4EF6-9EC1-25CE8E73BBF1}" type="presOf" srcId="{A2483C46-B6BF-4521-AF73-DEA3043FF42E}" destId="{5B93D43C-5124-4D00-A8CB-11DF4948966A}" srcOrd="0" destOrd="0" presId="urn:microsoft.com/office/officeart/2005/8/layout/chevron2"/>
-    <dgm:cxn modelId="{CADC744D-7595-4B3B-B7D8-A85DCD1F25DB}" type="presOf" srcId="{D5EF4FC0-69D6-47A1-9522-800DAEDFA099}" destId="{39D7EDD9-031A-47C8-8B3A-1230B0D4063A}" srcOrd="0" destOrd="1" presId="urn:microsoft.com/office/officeart/2005/8/layout/chevron2"/>
-    <dgm:cxn modelId="{8C74070A-6F2B-4050-86DE-451FAB61C0D2}" type="presOf" srcId="{F0C7921F-70E8-44F8-8A5F-0F48BF0577D9}" destId="{DADE07FF-1CDA-4989-876E-7701F568B959}" srcOrd="0" destOrd="1" presId="urn:microsoft.com/office/officeart/2005/8/layout/chevron2"/>
-    <dgm:cxn modelId="{88706722-3D7C-45CC-88E2-75CD90077BFC}" type="presOf" srcId="{214B4FD3-D231-4905-825C-DD4E316E9913}" destId="{42F6DD47-9CDD-4CFD-988A-E80234CBD3CB}" srcOrd="0" destOrd="0" presId="urn:microsoft.com/office/officeart/2005/8/layout/chevron2"/>
-    <dgm:cxn modelId="{E08AC7F0-2D75-41E8-8EF8-F21F4BD465C7}" type="presOf" srcId="{EF578D42-047E-40AE-87EE-88109A11BC23}" destId="{39D7EDD9-031A-47C8-8B3A-1230B0D4063A}" srcOrd="0" destOrd="0" presId="urn:microsoft.com/office/officeart/2005/8/layout/chevron2"/>
-    <dgm:cxn modelId="{46672039-B615-49F6-AAEA-48C917BF7B4B}" srcId="{214B4FD3-D231-4905-825C-DD4E316E9913}" destId="{99FBC9E8-0302-4799-AE93-CE5C990CEA29}" srcOrd="1" destOrd="0" parTransId="{581BACD3-4DAB-4577-B45C-8576C8B7ACEC}" sibTransId="{559B33E4-C337-45CC-8B34-90EBB6EAC06D}"/>
-    <dgm:cxn modelId="{E7DD3E98-6214-44AD-ADA2-A7F6FB29476C}" type="presOf" srcId="{79F75EF8-D10D-4D5E-AA9C-7F12F088A5F7}" destId="{546D62F4-D67F-4A18-8368-4ACFA371B101}" srcOrd="0" destOrd="0" presId="urn:microsoft.com/office/officeart/2005/8/layout/chevron2"/>
     <dgm:cxn modelId="{740EADB9-AFFE-4C48-988B-410DF28866F2}" srcId="{1DF8DF3B-E3E0-4324-B8A1-C4AF68986A28}" destId="{EF578D42-047E-40AE-87EE-88109A11BC23}" srcOrd="0" destOrd="0" parTransId="{D0CE72AF-0D26-4886-A594-D900A8BEB53A}" sibTransId="{EE88CF72-8BB7-4DBA-A990-5D15F3670953}"/>
-    <dgm:cxn modelId="{867C81D0-3320-43CF-B7A1-9519BB01B689}" type="presOf" srcId="{9893B95B-4F14-4805-96AD-94C2779E991F}" destId="{4FAE4416-771B-41BB-B0DC-84C187A71B3F}" srcOrd="0" destOrd="0" presId="urn:microsoft.com/office/officeart/2005/8/layout/chevron2"/>
-    <dgm:cxn modelId="{BA85B40E-F9B3-477C-BD65-CE7E77738937}" srcId="{79F75EF8-D10D-4D5E-AA9C-7F12F088A5F7}" destId="{F0C7921F-70E8-44F8-8A5F-0F48BF0577D9}" srcOrd="1" destOrd="0" parTransId="{DC48D501-3BD0-43AB-BA17-DB86A4D9FD1B}" sibTransId="{C5E7331B-D7A4-49A4-98AB-CD1D78C3CB3A}"/>
-    <dgm:cxn modelId="{C70F13DD-EB02-4260-B720-90A935AD6608}" type="presOf" srcId="{1DF8DF3B-E3E0-4324-B8A1-C4AF68986A28}" destId="{F80C65A5-3674-41F2-A631-E961E873F666}" srcOrd="0" destOrd="0" presId="urn:microsoft.com/office/officeart/2005/8/layout/chevron2"/>
-    <dgm:cxn modelId="{9E69CD0D-4DE9-40FB-A5AA-1A0280A03B3B}" srcId="{9893B95B-4F14-4805-96AD-94C2779E991F}" destId="{4049B200-1177-4110-B7B7-F5AB361BEEDB}" srcOrd="3" destOrd="0" parTransId="{EA0AE0EC-051C-444F-9086-FCF464B88C7D}" sibTransId="{111E22B1-7310-445E-8198-9F3DDFF10DD1}"/>
-    <dgm:cxn modelId="{CB7A55AD-0F81-4F07-9E51-6089958D7696}" type="presOf" srcId="{DCEA557C-30A6-43A2-B938-BB981A4B3FE6}" destId="{DADE07FF-1CDA-4989-876E-7701F568B959}" srcOrd="0" destOrd="0" presId="urn:microsoft.com/office/officeart/2005/8/layout/chevron2"/>
-    <dgm:cxn modelId="{E6584AFC-7D11-4F99-BC07-809C4E264DA6}" srcId="{9893B95B-4F14-4805-96AD-94C2779E991F}" destId="{1DF8DF3B-E3E0-4324-B8A1-C4AF68986A28}" srcOrd="0" destOrd="0" parTransId="{D2F84A3E-F170-4BA8-B9F6-A25748C5510C}" sibTransId="{67F841AE-42DB-4001-9D6E-DCFD16317367}"/>
     <dgm:cxn modelId="{369E25F4-EA00-43C1-ADFD-DEC76C0DEA1E}" type="presParOf" srcId="{4FAE4416-771B-41BB-B0DC-84C187A71B3F}" destId="{DAED368B-DBF1-41CC-B883-57F98E313CF5}" srcOrd="0" destOrd="0" presId="urn:microsoft.com/office/officeart/2005/8/layout/chevron2"/>
     <dgm:cxn modelId="{4B52A6D1-5A47-4DF4-96CF-FC3348318112}" type="presParOf" srcId="{DAED368B-DBF1-41CC-B883-57F98E313CF5}" destId="{F80C65A5-3674-41F2-A631-E961E873F666}" srcOrd="0" destOrd="0" presId="urn:microsoft.com/office/officeart/2005/8/layout/chevron2"/>
     <dgm:cxn modelId="{41CC27D5-50B5-4465-8D60-A2E46833D7FE}" type="presParOf" srcId="{DAED368B-DBF1-41CC-B883-57F98E313CF5}" destId="{39D7EDD9-031A-47C8-8B3A-1230B0D4063A}" srcOrd="1" destOrd="0" presId="urn:microsoft.com/office/officeart/2005/8/layout/chevron2"/>
@@ -5320,6 +5355,13 @@
         </dgm:presLayoutVars>
       </dgm:prSet>
       <dgm:spPr/>
+      <dgm:t>
+        <a:bodyPr/>
+        <a:lstStyle/>
+        <a:p>
+          <a:endParaRPr lang="fr-FR"/>
+        </a:p>
+      </dgm:t>
     </dgm:pt>
     <dgm:pt modelId="{DAED368B-DBF1-41CC-B883-57F98E313CF5}" type="pres">
       <dgm:prSet presAssocID="{1DF8DF3B-E3E0-4324-B8A1-C4AF68986A28}" presName="composite" presStyleCnt="0"/>
@@ -5333,6 +5375,13 @@
         </dgm:presLayoutVars>
       </dgm:prSet>
       <dgm:spPr/>
+      <dgm:t>
+        <a:bodyPr/>
+        <a:lstStyle/>
+        <a:p>
+          <a:endParaRPr lang="fr-FR"/>
+        </a:p>
+      </dgm:t>
     </dgm:pt>
     <dgm:pt modelId="{39D7EDD9-031A-47C8-8B3A-1230B0D4063A}" type="pres">
       <dgm:prSet presAssocID="{1DF8DF3B-E3E0-4324-B8A1-C4AF68986A28}" presName="descendantText" presStyleLbl="alignAcc1" presStyleIdx="0" presStyleCnt="4">
@@ -5365,6 +5414,13 @@
         </dgm:presLayoutVars>
       </dgm:prSet>
       <dgm:spPr/>
+      <dgm:t>
+        <a:bodyPr/>
+        <a:lstStyle/>
+        <a:p>
+          <a:endParaRPr lang="fr-FR"/>
+        </a:p>
+      </dgm:t>
     </dgm:pt>
     <dgm:pt modelId="{DADE07FF-1CDA-4989-876E-7701F568B959}" type="pres">
       <dgm:prSet presAssocID="{79F75EF8-D10D-4D5E-AA9C-7F12F088A5F7}" presName="descendantText" presStyleLbl="alignAcc1" presStyleIdx="1" presStyleCnt="4">
@@ -5397,6 +5453,13 @@
         </dgm:presLayoutVars>
       </dgm:prSet>
       <dgm:spPr/>
+      <dgm:t>
+        <a:bodyPr/>
+        <a:lstStyle/>
+        <a:p>
+          <a:endParaRPr lang="fr-FR"/>
+        </a:p>
+      </dgm:t>
     </dgm:pt>
     <dgm:pt modelId="{5B93D43C-5124-4D00-A8CB-11DF4948966A}" type="pres">
       <dgm:prSet presAssocID="{214B4FD3-D231-4905-825C-DD4E316E9913}" presName="descendantText" presStyleLbl="alignAcc1" presStyleIdx="2" presStyleCnt="4">
@@ -5461,22 +5524,22 @@
     <dgm:cxn modelId="{9CA67892-CAEE-4E1C-8B72-1A0FEEDA5CB5}" srcId="{79F75EF8-D10D-4D5E-AA9C-7F12F088A5F7}" destId="{DCEA557C-30A6-43A2-B938-BB981A4B3FE6}" srcOrd="0" destOrd="0" parTransId="{F12E6995-B52D-4F88-B9EF-9916DC43B49C}" sibTransId="{48A151F3-87D9-44EA-99E0-0B51FD39A714}"/>
     <dgm:cxn modelId="{F184CCE4-73C4-4B9C-8C12-0C4FE513B84E}" srcId="{1DF8DF3B-E3E0-4324-B8A1-C4AF68986A28}" destId="{D5EF4FC0-69D6-47A1-9522-800DAEDFA099}" srcOrd="1" destOrd="0" parTransId="{ED9B464F-D346-420F-9743-794614A505CD}" sibTransId="{76450402-7A65-4FFB-AE27-3E3910518074}"/>
     <dgm:cxn modelId="{46672039-B615-49F6-AAEA-48C917BF7B4B}" srcId="{214B4FD3-D231-4905-825C-DD4E316E9913}" destId="{99FBC9E8-0302-4799-AE93-CE5C990CEA29}" srcOrd="1" destOrd="0" parTransId="{581BACD3-4DAB-4577-B45C-8576C8B7ACEC}" sibTransId="{559B33E4-C337-45CC-8B34-90EBB6EAC06D}"/>
+    <dgm:cxn modelId="{B398864E-33D1-49AD-927A-C570353F3175}" type="presOf" srcId="{9893B95B-4F14-4805-96AD-94C2779E991F}" destId="{4FAE4416-771B-41BB-B0DC-84C187A71B3F}" srcOrd="0" destOrd="0" presId="urn:microsoft.com/office/officeart/2005/8/layout/chevron2"/>
     <dgm:cxn modelId="{4DCBF45F-1023-4733-A884-015BBC39A4FC}" type="presOf" srcId="{D5EF4FC0-69D6-47A1-9522-800DAEDFA099}" destId="{39D7EDD9-031A-47C8-8B3A-1230B0D4063A}" srcOrd="0" destOrd="1" presId="urn:microsoft.com/office/officeart/2005/8/layout/chevron2"/>
-    <dgm:cxn modelId="{B398864E-33D1-49AD-927A-C570353F3175}" type="presOf" srcId="{9893B95B-4F14-4805-96AD-94C2779E991F}" destId="{4FAE4416-771B-41BB-B0DC-84C187A71B3F}" srcOrd="0" destOrd="0" presId="urn:microsoft.com/office/officeart/2005/8/layout/chevron2"/>
     <dgm:cxn modelId="{429C6CB8-6F3E-4A33-B085-8FFF67A6D0BD}" type="presOf" srcId="{4049B200-1177-4110-B7B7-F5AB361BEEDB}" destId="{D57F4918-6091-43D4-8FE1-210AC6412E38}" srcOrd="0" destOrd="0" presId="urn:microsoft.com/office/officeart/2005/8/layout/chevron2"/>
     <dgm:cxn modelId="{A5BA636D-94C1-48D4-A3E8-691552699D8F}" srcId="{214B4FD3-D231-4905-825C-DD4E316E9913}" destId="{A2483C46-B6BF-4521-AF73-DEA3043FF42E}" srcOrd="0" destOrd="0" parTransId="{C2CC8B79-14D9-40F2-8AAE-DDD6EE1B7D5D}" sibTransId="{2D80EF46-85D1-435D-90F2-19324EFD1A23}"/>
     <dgm:cxn modelId="{A5C87E1A-BC11-4710-8CF1-509840DB96B9}" type="presOf" srcId="{E866001A-19CD-46D1-AFC0-69878058868E}" destId="{304BBC03-2D4B-4C5B-80A6-B9C7D830CBFA}" srcOrd="0" destOrd="0" presId="urn:microsoft.com/office/officeart/2005/8/layout/chevron2"/>
     <dgm:cxn modelId="{AABD1BD6-8D11-4692-BAFE-4D91F8BEDB97}" srcId="{4049B200-1177-4110-B7B7-F5AB361BEEDB}" destId="{E866001A-19CD-46D1-AFC0-69878058868E}" srcOrd="0" destOrd="0" parTransId="{28AC7C0F-C4E3-48E9-A8A7-C03DCC3AE1DE}" sibTransId="{62B48BC0-34CF-4C46-B47A-E16090E68DD2}"/>
     <dgm:cxn modelId="{197FB5D5-A2D7-42C9-9319-13B8337FC153}" type="presOf" srcId="{EF578D42-047E-40AE-87EE-88109A11BC23}" destId="{39D7EDD9-031A-47C8-8B3A-1230B0D4063A}" srcOrd="0" destOrd="0" presId="urn:microsoft.com/office/officeart/2005/8/layout/chevron2"/>
     <dgm:cxn modelId="{BA85B40E-F9B3-477C-BD65-CE7E77738937}" srcId="{79F75EF8-D10D-4D5E-AA9C-7F12F088A5F7}" destId="{F0C7921F-70E8-44F8-8A5F-0F48BF0577D9}" srcOrd="1" destOrd="0" parTransId="{DC48D501-3BD0-43AB-BA17-DB86A4D9FD1B}" sibTransId="{C5E7331B-D7A4-49A4-98AB-CD1D78C3CB3A}"/>
-    <dgm:cxn modelId="{E6584AFC-7D11-4F99-BC07-809C4E264DA6}" srcId="{9893B95B-4F14-4805-96AD-94C2779E991F}" destId="{1DF8DF3B-E3E0-4324-B8A1-C4AF68986A28}" srcOrd="0" destOrd="0" parTransId="{D2F84A3E-F170-4BA8-B9F6-A25748C5510C}" sibTransId="{67F841AE-42DB-4001-9D6E-DCFD16317367}"/>
     <dgm:cxn modelId="{15C1AE7B-EBEB-4F6D-A901-70FACABD7C09}" type="presOf" srcId="{99FBC9E8-0302-4799-AE93-CE5C990CEA29}" destId="{5B93D43C-5124-4D00-A8CB-11DF4948966A}" srcOrd="0" destOrd="1" presId="urn:microsoft.com/office/officeart/2005/8/layout/chevron2"/>
     <dgm:cxn modelId="{BBE806E4-34CA-49D1-9330-5EC8EDF0FBA2}" type="presOf" srcId="{79F75EF8-D10D-4D5E-AA9C-7F12F088A5F7}" destId="{546D62F4-D67F-4A18-8368-4ACFA371B101}" srcOrd="0" destOrd="0" presId="urn:microsoft.com/office/officeart/2005/8/layout/chevron2"/>
+    <dgm:cxn modelId="{E6584AFC-7D11-4F99-BC07-809C4E264DA6}" srcId="{9893B95B-4F14-4805-96AD-94C2779E991F}" destId="{1DF8DF3B-E3E0-4324-B8A1-C4AF68986A28}" srcOrd="0" destOrd="0" parTransId="{D2F84A3E-F170-4BA8-B9F6-A25748C5510C}" sibTransId="{67F841AE-42DB-4001-9D6E-DCFD16317367}"/>
     <dgm:cxn modelId="{785BAE4D-4E26-4169-8379-97E2F3AA2115}" srcId="{9893B95B-4F14-4805-96AD-94C2779E991F}" destId="{79F75EF8-D10D-4D5E-AA9C-7F12F088A5F7}" srcOrd="1" destOrd="0" parTransId="{7768A805-59A5-49ED-AC1C-C598031CE482}" sibTransId="{5EAA440D-1169-4902-B66C-A34D5CC52D79}"/>
     <dgm:cxn modelId="{83659420-9071-463D-B838-8CB982F28CC1}" srcId="{4049B200-1177-4110-B7B7-F5AB361BEEDB}" destId="{BFC0030D-C259-44BB-904F-F208DB93BBCF}" srcOrd="1" destOrd="0" parTransId="{567474EA-B2CC-4CBE-BBE7-97D3F8DB4BD2}" sibTransId="{F8FEB3AD-EE33-47AB-B7F5-529D877F516F}"/>
     <dgm:cxn modelId="{937AECFD-2F28-486E-A0E3-BC6E0E3A42B7}" type="presOf" srcId="{1DF8DF3B-E3E0-4324-B8A1-C4AF68986A28}" destId="{F80C65A5-3674-41F2-A631-E961E873F666}" srcOrd="0" destOrd="0" presId="urn:microsoft.com/office/officeart/2005/8/layout/chevron2"/>
+    <dgm:cxn modelId="{AE459D32-6FAE-4F11-8C75-05CC6D8F7610}" type="presOf" srcId="{DCEA557C-30A6-43A2-B938-BB981A4B3FE6}" destId="{DADE07FF-1CDA-4989-876E-7701F568B959}" srcOrd="0" destOrd="0" presId="urn:microsoft.com/office/officeart/2005/8/layout/chevron2"/>
     <dgm:cxn modelId="{F353F476-FDFE-4700-88CE-2E9AE1B6BE53}" type="presOf" srcId="{214B4FD3-D231-4905-825C-DD4E316E9913}" destId="{42F6DD47-9CDD-4CFD-988A-E80234CBD3CB}" srcOrd="0" destOrd="0" presId="urn:microsoft.com/office/officeart/2005/8/layout/chevron2"/>
-    <dgm:cxn modelId="{AE459D32-6FAE-4F11-8C75-05CC6D8F7610}" type="presOf" srcId="{DCEA557C-30A6-43A2-B938-BB981A4B3FE6}" destId="{DADE07FF-1CDA-4989-876E-7701F568B959}" srcOrd="0" destOrd="0" presId="urn:microsoft.com/office/officeart/2005/8/layout/chevron2"/>
     <dgm:cxn modelId="{740EADB9-AFFE-4C48-988B-410DF28866F2}" srcId="{1DF8DF3B-E3E0-4324-B8A1-C4AF68986A28}" destId="{EF578D42-047E-40AE-87EE-88109A11BC23}" srcOrd="0" destOrd="0" parTransId="{D0CE72AF-0D26-4886-A594-D900A8BEB53A}" sibTransId="{EE88CF72-8BB7-4DBA-A990-5D15F3670953}"/>
     <dgm:cxn modelId="{0036B714-06D2-45A9-A3D8-9A646DA8C386}" srcId="{9893B95B-4F14-4805-96AD-94C2779E991F}" destId="{214B4FD3-D231-4905-825C-DD4E316E9913}" srcOrd="2" destOrd="0" parTransId="{D75B4266-F567-4A3E-A844-F412A570786E}" sibTransId="{B867592A-8AF6-41DF-AB01-CD7ADD1B612B}"/>
     <dgm:cxn modelId="{883D523C-E6B4-40B1-9666-5F0C8754C2D0}" type="presParOf" srcId="{4FAE4416-771B-41BB-B0DC-84C187A71B3F}" destId="{DAED368B-DBF1-41CC-B883-57F98E313CF5}" srcOrd="0" destOrd="0" presId="urn:microsoft.com/office/officeart/2005/8/layout/chevron2"/>
@@ -5968,714 +6031,6 @@
       <dsp:cNvGrpSpPr/>
     </dsp:nvGrpSpPr>
     <dsp:grpSpPr/>
-    <dsp:sp modelId="{D7E5B174-AC4B-4F3C-8EFE-A2DBA916427B}">
-      <dsp:nvSpPr>
-        <dsp:cNvPr id="0" name=""/>
-        <dsp:cNvSpPr/>
-      </dsp:nvSpPr>
-      <dsp:spPr>
-        <a:xfrm rot="5400000">
-          <a:off x="-167351" y="170210"/>
-          <a:ext cx="1115677" cy="780974"/>
-        </a:xfrm>
-        <a:prstGeom prst="chevron">
-          <a:avLst/>
-        </a:prstGeom>
-        <a:solidFill>
-          <a:schemeClr val="accent2">
-            <a:hueOff val="0"/>
-            <a:satOff val="0"/>
-            <a:lumOff val="0"/>
-            <a:alphaOff val="0"/>
-          </a:schemeClr>
-        </a:solidFill>
-        <a:ln w="15875" cap="flat" cmpd="sng" algn="ctr">
-          <a:solidFill>
-            <a:schemeClr val="accent2">
-              <a:hueOff val="0"/>
-              <a:satOff val="0"/>
-              <a:lumOff val="0"/>
-              <a:alphaOff val="0"/>
-            </a:schemeClr>
-          </a:solidFill>
-          <a:prstDash val="solid"/>
-        </a:ln>
-        <a:effectLst/>
-      </dsp:spPr>
-      <dsp:style>
-        <a:lnRef idx="2">
-          <a:scrgbClr r="0" g="0" b="0"/>
-        </a:lnRef>
-        <a:fillRef idx="1">
-          <a:scrgbClr r="0" g="0" b="0"/>
-        </a:fillRef>
-        <a:effectRef idx="0">
-          <a:scrgbClr r="0" g="0" b="0"/>
-        </a:effectRef>
-        <a:fontRef idx="minor">
-          <a:schemeClr val="lt1"/>
-        </a:fontRef>
-      </dsp:style>
-      <dsp:txBody>
-        <a:bodyPr spcFirstLastPara="0" vert="horz" wrap="square" lIns="13335" tIns="13335" rIns="13335" bIns="13335" numCol="1" spcCol="1270" anchor="ctr" anchorCtr="0">
-          <a:noAutofit/>
-        </a:bodyPr>
-        <a:lstStyle/>
-        <a:p>
-          <a:pPr lvl="0" algn="ctr" defTabSz="933450">
-            <a:lnSpc>
-              <a:spcPct val="90000"/>
-            </a:lnSpc>
-            <a:spcBef>
-              <a:spcPct val="0"/>
-            </a:spcBef>
-            <a:spcAft>
-              <a:spcPct val="35000"/>
-            </a:spcAft>
-          </a:pPr>
-          <a:r>
-            <a:rPr lang="fr-FR" sz="2100" kern="1200" dirty="0" smtClean="0"/>
-            <a:t>30%</a:t>
-          </a:r>
-          <a:endParaRPr lang="fr-FR" sz="2100" kern="1200" dirty="0"/>
-        </a:p>
-      </dsp:txBody>
-      <dsp:txXfrm rot="-5400000">
-        <a:off x="1" y="393345"/>
-        <a:ext cx="780974" cy="334703"/>
-      </dsp:txXfrm>
-    </dsp:sp>
-    <dsp:sp modelId="{CDA8CC48-33EC-43A4-820C-229A4A1E8895}">
-      <dsp:nvSpPr>
-        <dsp:cNvPr id="0" name=""/>
-        <dsp:cNvSpPr/>
-      </dsp:nvSpPr>
-      <dsp:spPr>
-        <a:xfrm rot="5400000">
-          <a:off x="5057091" y="-4273259"/>
-          <a:ext cx="725190" cy="9277425"/>
-        </a:xfrm>
-        <a:prstGeom prst="round2SameRect">
-          <a:avLst/>
-        </a:prstGeom>
-        <a:solidFill>
-          <a:schemeClr val="lt1">
-            <a:alpha val="90000"/>
-            <a:hueOff val="0"/>
-            <a:satOff val="0"/>
-            <a:lumOff val="0"/>
-            <a:alphaOff val="0"/>
-          </a:schemeClr>
-        </a:solidFill>
-        <a:ln w="15875" cap="flat" cmpd="sng" algn="ctr">
-          <a:solidFill>
-            <a:schemeClr val="accent2">
-              <a:hueOff val="0"/>
-              <a:satOff val="0"/>
-              <a:lumOff val="0"/>
-              <a:alphaOff val="0"/>
-            </a:schemeClr>
-          </a:solidFill>
-          <a:prstDash val="solid"/>
-        </a:ln>
-        <a:effectLst/>
-      </dsp:spPr>
-      <dsp:style>
-        <a:lnRef idx="2">
-          <a:scrgbClr r="0" g="0" b="0"/>
-        </a:lnRef>
-        <a:fillRef idx="1">
-          <a:scrgbClr r="0" g="0" b="0"/>
-        </a:fillRef>
-        <a:effectRef idx="0">
-          <a:scrgbClr r="0" g="0" b="0"/>
-        </a:effectRef>
-        <a:fontRef idx="minor"/>
-      </dsp:style>
-      <dsp:txBody>
-        <a:bodyPr spcFirstLastPara="0" vert="horz" wrap="square" lIns="142240" tIns="12700" rIns="12700" bIns="12700" numCol="1" spcCol="1270" anchor="ctr" anchorCtr="0">
-          <a:noAutofit/>
-        </a:bodyPr>
-        <a:lstStyle/>
-        <a:p>
-          <a:pPr marL="228600" lvl="1" indent="-228600" algn="l" defTabSz="889000">
-            <a:lnSpc>
-              <a:spcPct val="90000"/>
-            </a:lnSpc>
-            <a:spcBef>
-              <a:spcPct val="0"/>
-            </a:spcBef>
-            <a:spcAft>
-              <a:spcPct val="15000"/>
-            </a:spcAft>
-            <a:buChar char="••"/>
-          </a:pPr>
-          <a:r>
-            <a:rPr lang="fr-FR" sz="2000" b="1" u="sng" kern="1200" dirty="0" smtClean="0"/>
-            <a:t>LE DEVELOPPEMENT</a:t>
-          </a:r>
-          <a:endParaRPr lang="fr-FR" sz="2000" b="1" u="sng" kern="1200" dirty="0"/>
-        </a:p>
-        <a:p>
-          <a:pPr marL="228600" lvl="1" indent="-228600" algn="l" defTabSz="889000">
-            <a:lnSpc>
-              <a:spcPct val="90000"/>
-            </a:lnSpc>
-            <a:spcBef>
-              <a:spcPct val="0"/>
-            </a:spcBef>
-            <a:spcAft>
-              <a:spcPct val="15000"/>
-            </a:spcAft>
-            <a:buChar char="••"/>
-          </a:pPr>
-          <a:r>
-            <a:rPr lang="fr-FR" sz="2000" kern="1200" dirty="0" smtClean="0"/>
-            <a:t>Projet </a:t>
-          </a:r>
-          <a:r>
-            <a:rPr lang="fr-FR" sz="2000" kern="1200" dirty="0" err="1" smtClean="0"/>
-            <a:t>Spring</a:t>
-          </a:r>
-          <a:r>
-            <a:rPr lang="fr-FR" sz="2000" kern="1200" dirty="0" smtClean="0"/>
-            <a:t> boot et Projet </a:t>
-          </a:r>
-          <a:r>
-            <a:rPr lang="fr-FR" sz="2000" kern="1200" dirty="0" err="1" smtClean="0"/>
-            <a:t>Angular</a:t>
-          </a:r>
-          <a:endParaRPr lang="fr-FR" sz="2000" kern="1200" dirty="0"/>
-        </a:p>
-      </dsp:txBody>
-      <dsp:txXfrm rot="-5400000">
-        <a:off x="780974" y="38259"/>
-        <a:ext cx="9242024" cy="654388"/>
-      </dsp:txXfrm>
-    </dsp:sp>
-    <dsp:sp modelId="{1177879C-8872-46E7-885A-FD73DC31CC88}">
-      <dsp:nvSpPr>
-        <dsp:cNvPr id="0" name=""/>
-        <dsp:cNvSpPr/>
-      </dsp:nvSpPr>
-      <dsp:spPr>
-        <a:xfrm rot="5400000">
-          <a:off x="-167351" y="1137320"/>
-          <a:ext cx="1115677" cy="780974"/>
-        </a:xfrm>
-        <a:prstGeom prst="chevron">
-          <a:avLst/>
-        </a:prstGeom>
-        <a:solidFill>
-          <a:schemeClr val="accent3">
-            <a:hueOff val="0"/>
-            <a:satOff val="0"/>
-            <a:lumOff val="0"/>
-            <a:alphaOff val="0"/>
-          </a:schemeClr>
-        </a:solidFill>
-        <a:ln w="15875" cap="flat" cmpd="sng" algn="ctr">
-          <a:solidFill>
-            <a:schemeClr val="accent3">
-              <a:hueOff val="0"/>
-              <a:satOff val="0"/>
-              <a:lumOff val="0"/>
-              <a:alphaOff val="0"/>
-            </a:schemeClr>
-          </a:solidFill>
-          <a:prstDash val="solid"/>
-        </a:ln>
-        <a:effectLst/>
-      </dsp:spPr>
-      <dsp:style>
-        <a:lnRef idx="2">
-          <a:scrgbClr r="0" g="0" b="0"/>
-        </a:lnRef>
-        <a:fillRef idx="1">
-          <a:scrgbClr r="0" g="0" b="0"/>
-        </a:fillRef>
-        <a:effectRef idx="0">
-          <a:scrgbClr r="0" g="0" b="0"/>
-        </a:effectRef>
-        <a:fontRef idx="minor">
-          <a:schemeClr val="lt1"/>
-        </a:fontRef>
-      </dsp:style>
-      <dsp:txBody>
-        <a:bodyPr spcFirstLastPara="0" vert="horz" wrap="square" lIns="13335" tIns="13335" rIns="13335" bIns="13335" numCol="1" spcCol="1270" anchor="ctr" anchorCtr="0">
-          <a:noAutofit/>
-        </a:bodyPr>
-        <a:lstStyle/>
-        <a:p>
-          <a:pPr lvl="0" algn="ctr" defTabSz="933450">
-            <a:lnSpc>
-              <a:spcPct val="90000"/>
-            </a:lnSpc>
-            <a:spcBef>
-              <a:spcPct val="0"/>
-            </a:spcBef>
-            <a:spcAft>
-              <a:spcPct val="35000"/>
-            </a:spcAft>
-          </a:pPr>
-          <a:r>
-            <a:rPr lang="fr-FR" sz="2100" kern="1200" dirty="0" smtClean="0"/>
-            <a:t>30%</a:t>
-          </a:r>
-          <a:endParaRPr lang="fr-FR" sz="2100" kern="1200" dirty="0"/>
-        </a:p>
-      </dsp:txBody>
-      <dsp:txXfrm rot="-5400000">
-        <a:off x="1" y="1360455"/>
-        <a:ext cx="780974" cy="334703"/>
-      </dsp:txXfrm>
-    </dsp:sp>
-    <dsp:sp modelId="{EB42497A-1B47-4808-A1CF-B43120F3D0A5}">
-      <dsp:nvSpPr>
-        <dsp:cNvPr id="0" name=""/>
-        <dsp:cNvSpPr/>
-      </dsp:nvSpPr>
-      <dsp:spPr>
-        <a:xfrm rot="5400000">
-          <a:off x="5057091" y="-3306148"/>
-          <a:ext cx="725190" cy="9277425"/>
-        </a:xfrm>
-        <a:prstGeom prst="round2SameRect">
-          <a:avLst/>
-        </a:prstGeom>
-        <a:solidFill>
-          <a:schemeClr val="lt1">
-            <a:alpha val="90000"/>
-            <a:hueOff val="0"/>
-            <a:satOff val="0"/>
-            <a:lumOff val="0"/>
-            <a:alphaOff val="0"/>
-          </a:schemeClr>
-        </a:solidFill>
-        <a:ln w="15875" cap="flat" cmpd="sng" algn="ctr">
-          <a:solidFill>
-            <a:schemeClr val="accent3">
-              <a:hueOff val="0"/>
-              <a:satOff val="0"/>
-              <a:lumOff val="0"/>
-              <a:alphaOff val="0"/>
-            </a:schemeClr>
-          </a:solidFill>
-          <a:prstDash val="solid"/>
-        </a:ln>
-        <a:effectLst/>
-      </dsp:spPr>
-      <dsp:style>
-        <a:lnRef idx="2">
-          <a:scrgbClr r="0" g="0" b="0"/>
-        </a:lnRef>
-        <a:fillRef idx="1">
-          <a:scrgbClr r="0" g="0" b="0"/>
-        </a:fillRef>
-        <a:effectRef idx="0">
-          <a:scrgbClr r="0" g="0" b="0"/>
-        </a:effectRef>
-        <a:fontRef idx="minor"/>
-      </dsp:style>
-      <dsp:txBody>
-        <a:bodyPr spcFirstLastPara="0" vert="horz" wrap="square" lIns="142240" tIns="12700" rIns="12700" bIns="12700" numCol="1" spcCol="1270" anchor="ctr" anchorCtr="0">
-          <a:noAutofit/>
-        </a:bodyPr>
-        <a:lstStyle/>
-        <a:p>
-          <a:pPr marL="228600" lvl="1" indent="-228600" algn="l" defTabSz="889000">
-            <a:lnSpc>
-              <a:spcPct val="90000"/>
-            </a:lnSpc>
-            <a:spcBef>
-              <a:spcPct val="0"/>
-            </a:spcBef>
-            <a:spcAft>
-              <a:spcPct val="15000"/>
-            </a:spcAft>
-            <a:buChar char="••"/>
-          </a:pPr>
-          <a:r>
-            <a:rPr lang="fr-FR" sz="2000" b="1" u="sng" kern="1200" dirty="0" smtClean="0"/>
-            <a:t>LES TESTS </a:t>
-          </a:r>
-          <a:endParaRPr lang="fr-FR" sz="2000" b="1" u="sng" kern="1200" dirty="0"/>
-        </a:p>
-        <a:p>
-          <a:pPr marL="228600" lvl="1" indent="-228600" algn="l" defTabSz="889000">
-            <a:lnSpc>
-              <a:spcPct val="90000"/>
-            </a:lnSpc>
-            <a:spcBef>
-              <a:spcPct val="0"/>
-            </a:spcBef>
-            <a:spcAft>
-              <a:spcPct val="15000"/>
-            </a:spcAft>
-            <a:buChar char="••"/>
-          </a:pPr>
-          <a:r>
-            <a:rPr lang="fr-FR" sz="2000" kern="1200" dirty="0" smtClean="0"/>
-            <a:t>Base de donnée (REST Controller),  Angular2 web</a:t>
-          </a:r>
-          <a:endParaRPr lang="fr-FR" sz="2000" kern="1200" dirty="0"/>
-        </a:p>
-      </dsp:txBody>
-      <dsp:txXfrm rot="-5400000">
-        <a:off x="780974" y="1005370"/>
-        <a:ext cx="9242024" cy="654388"/>
-      </dsp:txXfrm>
-    </dsp:sp>
-    <dsp:sp modelId="{2E548686-55A4-41C7-B3D7-EDE9244C4123}">
-      <dsp:nvSpPr>
-        <dsp:cNvPr id="0" name=""/>
-        <dsp:cNvSpPr/>
-      </dsp:nvSpPr>
-      <dsp:spPr>
-        <a:xfrm rot="5400000">
-          <a:off x="-167351" y="2104430"/>
-          <a:ext cx="1115677" cy="780974"/>
-        </a:xfrm>
-        <a:prstGeom prst="chevron">
-          <a:avLst/>
-        </a:prstGeom>
-        <a:solidFill>
-          <a:schemeClr val="accent4">
-            <a:hueOff val="0"/>
-            <a:satOff val="0"/>
-            <a:lumOff val="0"/>
-            <a:alphaOff val="0"/>
-          </a:schemeClr>
-        </a:solidFill>
-        <a:ln w="15875" cap="flat" cmpd="sng" algn="ctr">
-          <a:solidFill>
-            <a:schemeClr val="accent4">
-              <a:hueOff val="0"/>
-              <a:satOff val="0"/>
-              <a:lumOff val="0"/>
-              <a:alphaOff val="0"/>
-            </a:schemeClr>
-          </a:solidFill>
-          <a:prstDash val="solid"/>
-        </a:ln>
-        <a:effectLst/>
-      </dsp:spPr>
-      <dsp:style>
-        <a:lnRef idx="2">
-          <a:scrgbClr r="0" g="0" b="0"/>
-        </a:lnRef>
-        <a:fillRef idx="1">
-          <a:scrgbClr r="0" g="0" b="0"/>
-        </a:fillRef>
-        <a:effectRef idx="0">
-          <a:scrgbClr r="0" g="0" b="0"/>
-        </a:effectRef>
-        <a:fontRef idx="minor">
-          <a:schemeClr val="lt1"/>
-        </a:fontRef>
-      </dsp:style>
-      <dsp:txBody>
-        <a:bodyPr spcFirstLastPara="0" vert="horz" wrap="square" lIns="13335" tIns="13335" rIns="13335" bIns="13335" numCol="1" spcCol="1270" anchor="ctr" anchorCtr="0">
-          <a:noAutofit/>
-        </a:bodyPr>
-        <a:lstStyle/>
-        <a:p>
-          <a:pPr lvl="0" algn="ctr" defTabSz="933450">
-            <a:lnSpc>
-              <a:spcPct val="90000"/>
-            </a:lnSpc>
-            <a:spcBef>
-              <a:spcPct val="0"/>
-            </a:spcBef>
-            <a:spcAft>
-              <a:spcPct val="35000"/>
-            </a:spcAft>
-          </a:pPr>
-          <a:r>
-            <a:rPr lang="fr-FR" sz="2100" kern="1200" dirty="0" smtClean="0"/>
-            <a:t>15%</a:t>
-          </a:r>
-          <a:endParaRPr lang="fr-FR" sz="2100" kern="1200" dirty="0"/>
-        </a:p>
-      </dsp:txBody>
-      <dsp:txXfrm rot="-5400000">
-        <a:off x="1" y="2327565"/>
-        <a:ext cx="780974" cy="334703"/>
-      </dsp:txXfrm>
-    </dsp:sp>
-    <dsp:sp modelId="{F52ADA67-E94C-4552-BFAF-85B0AB32CEBC}">
-      <dsp:nvSpPr>
-        <dsp:cNvPr id="0" name=""/>
-        <dsp:cNvSpPr/>
-      </dsp:nvSpPr>
-      <dsp:spPr>
-        <a:xfrm rot="5400000">
-          <a:off x="5057091" y="-2339038"/>
-          <a:ext cx="725190" cy="9277425"/>
-        </a:xfrm>
-        <a:prstGeom prst="round2SameRect">
-          <a:avLst/>
-        </a:prstGeom>
-        <a:solidFill>
-          <a:schemeClr val="lt1">
-            <a:alpha val="90000"/>
-            <a:hueOff val="0"/>
-            <a:satOff val="0"/>
-            <a:lumOff val="0"/>
-            <a:alphaOff val="0"/>
-          </a:schemeClr>
-        </a:solidFill>
-        <a:ln w="15875" cap="flat" cmpd="sng" algn="ctr">
-          <a:solidFill>
-            <a:schemeClr val="accent4">
-              <a:hueOff val="0"/>
-              <a:satOff val="0"/>
-              <a:lumOff val="0"/>
-              <a:alphaOff val="0"/>
-            </a:schemeClr>
-          </a:solidFill>
-          <a:prstDash val="solid"/>
-        </a:ln>
-        <a:effectLst/>
-      </dsp:spPr>
-      <dsp:style>
-        <a:lnRef idx="2">
-          <a:scrgbClr r="0" g="0" b="0"/>
-        </a:lnRef>
-        <a:fillRef idx="1">
-          <a:scrgbClr r="0" g="0" b="0"/>
-        </a:fillRef>
-        <a:effectRef idx="0">
-          <a:scrgbClr r="0" g="0" b="0"/>
-        </a:effectRef>
-        <a:fontRef idx="minor"/>
-      </dsp:style>
-      <dsp:txBody>
-        <a:bodyPr spcFirstLastPara="0" vert="horz" wrap="square" lIns="142240" tIns="12700" rIns="12700" bIns="12700" numCol="1" spcCol="1270" anchor="ctr" anchorCtr="0">
-          <a:noAutofit/>
-        </a:bodyPr>
-        <a:lstStyle/>
-        <a:p>
-          <a:pPr marL="228600" lvl="1" indent="-228600" algn="l" defTabSz="889000">
-            <a:lnSpc>
-              <a:spcPct val="90000"/>
-            </a:lnSpc>
-            <a:spcBef>
-              <a:spcPct val="0"/>
-            </a:spcBef>
-            <a:spcAft>
-              <a:spcPct val="15000"/>
-            </a:spcAft>
-            <a:buChar char="••"/>
-          </a:pPr>
-          <a:r>
-            <a:rPr lang="fr-FR" sz="2000" b="1" u="sng" kern="1200" dirty="0" smtClean="0"/>
-            <a:t>LE DESIGN</a:t>
-          </a:r>
-          <a:endParaRPr lang="fr-FR" sz="2000" b="1" u="sng" kern="1200" dirty="0"/>
-        </a:p>
-        <a:p>
-          <a:pPr marL="228600" lvl="1" indent="-228600" algn="l" defTabSz="889000">
-            <a:lnSpc>
-              <a:spcPct val="90000"/>
-            </a:lnSpc>
-            <a:spcBef>
-              <a:spcPct val="0"/>
-            </a:spcBef>
-            <a:spcAft>
-              <a:spcPct val="15000"/>
-            </a:spcAft>
-            <a:buChar char="••"/>
-          </a:pPr>
-          <a:r>
-            <a:rPr lang="fr-FR" sz="2000" kern="1200" dirty="0" smtClean="0"/>
-            <a:t>Design du site, disposition, </a:t>
-          </a:r>
-          <a:r>
-            <a:rPr lang="fr-FR" sz="2000" kern="1200" dirty="0" err="1" smtClean="0"/>
-            <a:t>bootstrap</a:t>
-          </a:r>
-          <a:endParaRPr lang="fr-FR" sz="2000" kern="1200" dirty="0"/>
-        </a:p>
-      </dsp:txBody>
-      <dsp:txXfrm rot="-5400000">
-        <a:off x="780974" y="1972480"/>
-        <a:ext cx="9242024" cy="654388"/>
-      </dsp:txXfrm>
-    </dsp:sp>
-    <dsp:sp modelId="{C5EB81DF-8EE5-474A-9DAB-DF07577F553D}">
-      <dsp:nvSpPr>
-        <dsp:cNvPr id="0" name=""/>
-        <dsp:cNvSpPr/>
-      </dsp:nvSpPr>
-      <dsp:spPr>
-        <a:xfrm rot="5400000">
-          <a:off x="-167351" y="3071540"/>
-          <a:ext cx="1115677" cy="780974"/>
-        </a:xfrm>
-        <a:prstGeom prst="chevron">
-          <a:avLst/>
-        </a:prstGeom>
-        <a:solidFill>
-          <a:schemeClr val="accent5">
-            <a:hueOff val="0"/>
-            <a:satOff val="0"/>
-            <a:lumOff val="0"/>
-            <a:alphaOff val="0"/>
-          </a:schemeClr>
-        </a:solidFill>
-        <a:ln w="15875" cap="flat" cmpd="sng" algn="ctr">
-          <a:solidFill>
-            <a:schemeClr val="accent5">
-              <a:hueOff val="0"/>
-              <a:satOff val="0"/>
-              <a:lumOff val="0"/>
-              <a:alphaOff val="0"/>
-            </a:schemeClr>
-          </a:solidFill>
-          <a:prstDash val="solid"/>
-        </a:ln>
-        <a:effectLst/>
-      </dsp:spPr>
-      <dsp:style>
-        <a:lnRef idx="2">
-          <a:scrgbClr r="0" g="0" b="0"/>
-        </a:lnRef>
-        <a:fillRef idx="1">
-          <a:scrgbClr r="0" g="0" b="0"/>
-        </a:fillRef>
-        <a:effectRef idx="0">
-          <a:scrgbClr r="0" g="0" b="0"/>
-        </a:effectRef>
-        <a:fontRef idx="minor">
-          <a:schemeClr val="lt1"/>
-        </a:fontRef>
-      </dsp:style>
-      <dsp:txBody>
-        <a:bodyPr spcFirstLastPara="0" vert="horz" wrap="square" lIns="13335" tIns="13335" rIns="13335" bIns="13335" numCol="1" spcCol="1270" anchor="ctr" anchorCtr="0">
-          <a:noAutofit/>
-        </a:bodyPr>
-        <a:lstStyle/>
-        <a:p>
-          <a:pPr lvl="0" algn="ctr" defTabSz="933450">
-            <a:lnSpc>
-              <a:spcPct val="90000"/>
-            </a:lnSpc>
-            <a:spcBef>
-              <a:spcPct val="0"/>
-            </a:spcBef>
-            <a:spcAft>
-              <a:spcPct val="35000"/>
-            </a:spcAft>
-          </a:pPr>
-          <a:r>
-            <a:rPr lang="fr-FR" sz="2100" kern="1200" dirty="0" smtClean="0"/>
-            <a:t>25%</a:t>
-          </a:r>
-          <a:endParaRPr lang="fr-FR" sz="2100" kern="1200" dirty="0"/>
-        </a:p>
-      </dsp:txBody>
-      <dsp:txXfrm rot="-5400000">
-        <a:off x="1" y="3294675"/>
-        <a:ext cx="780974" cy="334703"/>
-      </dsp:txXfrm>
-    </dsp:sp>
-    <dsp:sp modelId="{44CDBF3E-36FA-4499-8E30-0704634193D8}">
-      <dsp:nvSpPr>
-        <dsp:cNvPr id="0" name=""/>
-        <dsp:cNvSpPr/>
-      </dsp:nvSpPr>
-      <dsp:spPr>
-        <a:xfrm rot="5400000">
-          <a:off x="5057091" y="-1371928"/>
-          <a:ext cx="725190" cy="9277425"/>
-        </a:xfrm>
-        <a:prstGeom prst="round2SameRect">
-          <a:avLst/>
-        </a:prstGeom>
-        <a:solidFill>
-          <a:schemeClr val="lt1">
-            <a:alpha val="90000"/>
-            <a:hueOff val="0"/>
-            <a:satOff val="0"/>
-            <a:lumOff val="0"/>
-            <a:alphaOff val="0"/>
-          </a:schemeClr>
-        </a:solidFill>
-        <a:ln w="15875" cap="flat" cmpd="sng" algn="ctr">
-          <a:solidFill>
-            <a:schemeClr val="accent5">
-              <a:hueOff val="0"/>
-              <a:satOff val="0"/>
-              <a:lumOff val="0"/>
-              <a:alphaOff val="0"/>
-            </a:schemeClr>
-          </a:solidFill>
-          <a:prstDash val="solid"/>
-        </a:ln>
-        <a:effectLst/>
-      </dsp:spPr>
-      <dsp:style>
-        <a:lnRef idx="2">
-          <a:scrgbClr r="0" g="0" b="0"/>
-        </a:lnRef>
-        <a:fillRef idx="1">
-          <a:scrgbClr r="0" g="0" b="0"/>
-        </a:fillRef>
-        <a:effectRef idx="0">
-          <a:scrgbClr r="0" g="0" b="0"/>
-        </a:effectRef>
-        <a:fontRef idx="minor"/>
-      </dsp:style>
-      <dsp:txBody>
-        <a:bodyPr spcFirstLastPara="0" vert="horz" wrap="square" lIns="142240" tIns="12700" rIns="12700" bIns="12700" numCol="1" spcCol="1270" anchor="ctr" anchorCtr="0">
-          <a:noAutofit/>
-        </a:bodyPr>
-        <a:lstStyle/>
-        <a:p>
-          <a:pPr marL="228600" lvl="1" indent="-228600" algn="l" defTabSz="889000">
-            <a:lnSpc>
-              <a:spcPct val="90000"/>
-            </a:lnSpc>
-            <a:spcBef>
-              <a:spcPct val="0"/>
-            </a:spcBef>
-            <a:spcAft>
-              <a:spcPct val="15000"/>
-            </a:spcAft>
-            <a:buChar char="••"/>
-          </a:pPr>
-          <a:r>
-            <a:rPr lang="fr-FR" sz="2000" b="1" u="sng" kern="1200" dirty="0" smtClean="0"/>
-            <a:t>LA PRESENTATION</a:t>
-          </a:r>
-          <a:endParaRPr lang="fr-FR" sz="2000" kern="1200" dirty="0"/>
-        </a:p>
-        <a:p>
-          <a:pPr marL="228600" lvl="1" indent="-228600" algn="l" defTabSz="889000">
-            <a:lnSpc>
-              <a:spcPct val="90000"/>
-            </a:lnSpc>
-            <a:spcBef>
-              <a:spcPct val="0"/>
-            </a:spcBef>
-            <a:spcAft>
-              <a:spcPct val="15000"/>
-            </a:spcAft>
-            <a:buChar char="••"/>
-          </a:pPr>
-          <a:r>
-            <a:rPr lang="fr-FR" sz="2000" kern="1200" dirty="0" smtClean="0"/>
-            <a:t>Préparation du support et présentation</a:t>
-          </a:r>
-          <a:endParaRPr lang="fr-FR" sz="2000" kern="1200" dirty="0"/>
-        </a:p>
-      </dsp:txBody>
-      <dsp:txXfrm rot="-5400000">
-        <a:off x="780974" y="2939590"/>
-        <a:ext cx="9242024" cy="654388"/>
-      </dsp:txXfrm>
-    </dsp:sp>
   </dsp:spTree>
 </dsp:drawing>
 </file>
@@ -6688,679 +6043,6 @@
       <dsp:cNvGrpSpPr/>
     </dsp:nvGrpSpPr>
     <dsp:grpSpPr/>
-    <dsp:sp modelId="{F80C65A5-3674-41F2-A631-E961E873F666}">
-      <dsp:nvSpPr>
-        <dsp:cNvPr id="0" name=""/>
-        <dsp:cNvSpPr/>
-      </dsp:nvSpPr>
-      <dsp:spPr>
-        <a:xfrm rot="5400000">
-          <a:off x="-181475" y="183176"/>
-          <a:ext cx="1209837" cy="846886"/>
-        </a:xfrm>
-        <a:prstGeom prst="chevron">
-          <a:avLst/>
-        </a:prstGeom>
-        <a:solidFill>
-          <a:schemeClr val="accent2">
-            <a:hueOff val="0"/>
-            <a:satOff val="0"/>
-            <a:lumOff val="0"/>
-            <a:alphaOff val="0"/>
-          </a:schemeClr>
-        </a:solidFill>
-        <a:ln w="15875" cap="flat" cmpd="sng" algn="ctr">
-          <a:solidFill>
-            <a:schemeClr val="accent2">
-              <a:hueOff val="0"/>
-              <a:satOff val="0"/>
-              <a:lumOff val="0"/>
-              <a:alphaOff val="0"/>
-            </a:schemeClr>
-          </a:solidFill>
-          <a:prstDash val="solid"/>
-        </a:ln>
-        <a:effectLst/>
-      </dsp:spPr>
-      <dsp:style>
-        <a:lnRef idx="2">
-          <a:scrgbClr r="0" g="0" b="0"/>
-        </a:lnRef>
-        <a:fillRef idx="1">
-          <a:scrgbClr r="0" g="0" b="0"/>
-        </a:fillRef>
-        <a:effectRef idx="0">
-          <a:scrgbClr r="0" g="0" b="0"/>
-        </a:effectRef>
-        <a:fontRef idx="minor">
-          <a:schemeClr val="lt1"/>
-        </a:fontRef>
-      </dsp:style>
-      <dsp:txBody>
-        <a:bodyPr spcFirstLastPara="0" vert="horz" wrap="square" lIns="12700" tIns="12700" rIns="12700" bIns="12700" numCol="1" spcCol="1270" anchor="ctr" anchorCtr="0">
-          <a:noAutofit/>
-        </a:bodyPr>
-        <a:lstStyle/>
-        <a:p>
-          <a:pPr lvl="0" algn="ctr" defTabSz="889000">
-            <a:lnSpc>
-              <a:spcPct val="90000"/>
-            </a:lnSpc>
-            <a:spcBef>
-              <a:spcPct val="0"/>
-            </a:spcBef>
-            <a:spcAft>
-              <a:spcPct val="35000"/>
-            </a:spcAft>
-          </a:pPr>
-          <a:r>
-            <a:rPr lang="fr-FR" sz="2000" kern="1200" dirty="0" smtClean="0"/>
-            <a:t>Sprint 0</a:t>
-          </a:r>
-          <a:endParaRPr lang="fr-FR" sz="2000" kern="1200" dirty="0"/>
-        </a:p>
-      </dsp:txBody>
-      <dsp:txXfrm rot="-5400000">
-        <a:off x="1" y="425143"/>
-        <a:ext cx="846886" cy="362951"/>
-      </dsp:txXfrm>
-    </dsp:sp>
-    <dsp:sp modelId="{39D7EDD9-031A-47C8-8B3A-1230B0D4063A}">
-      <dsp:nvSpPr>
-        <dsp:cNvPr id="0" name=""/>
-        <dsp:cNvSpPr/>
-      </dsp:nvSpPr>
-      <dsp:spPr>
-        <a:xfrm rot="5400000">
-          <a:off x="4292480" y="-3443894"/>
-          <a:ext cx="786394" cy="7677583"/>
-        </a:xfrm>
-        <a:prstGeom prst="round2SameRect">
-          <a:avLst/>
-        </a:prstGeom>
-        <a:solidFill>
-          <a:schemeClr val="lt1">
-            <a:alpha val="90000"/>
-            <a:hueOff val="0"/>
-            <a:satOff val="0"/>
-            <a:lumOff val="0"/>
-            <a:alphaOff val="0"/>
-          </a:schemeClr>
-        </a:solidFill>
-        <a:ln w="15875" cap="flat" cmpd="sng" algn="ctr">
-          <a:solidFill>
-            <a:schemeClr val="accent2">
-              <a:hueOff val="0"/>
-              <a:satOff val="0"/>
-              <a:lumOff val="0"/>
-              <a:alphaOff val="0"/>
-            </a:schemeClr>
-          </a:solidFill>
-          <a:prstDash val="solid"/>
-        </a:ln>
-        <a:effectLst/>
-      </dsp:spPr>
-      <dsp:style>
-        <a:lnRef idx="2">
-          <a:scrgbClr r="0" g="0" b="0"/>
-        </a:lnRef>
-        <a:fillRef idx="1">
-          <a:scrgbClr r="0" g="0" b="0"/>
-        </a:fillRef>
-        <a:effectRef idx="0">
-          <a:scrgbClr r="0" g="0" b="0"/>
-        </a:effectRef>
-        <a:fontRef idx="minor"/>
-      </dsp:style>
-      <dsp:txBody>
-        <a:bodyPr spcFirstLastPara="0" vert="horz" wrap="square" lIns="156464" tIns="13970" rIns="13970" bIns="13970" numCol="1" spcCol="1270" anchor="ctr" anchorCtr="0">
-          <a:noAutofit/>
-        </a:bodyPr>
-        <a:lstStyle/>
-        <a:p>
-          <a:pPr marL="228600" lvl="1" indent="-228600" algn="l" defTabSz="977900">
-            <a:lnSpc>
-              <a:spcPct val="90000"/>
-            </a:lnSpc>
-            <a:spcBef>
-              <a:spcPct val="0"/>
-            </a:spcBef>
-            <a:spcAft>
-              <a:spcPct val="15000"/>
-            </a:spcAft>
-            <a:buChar char="••"/>
-          </a:pPr>
-          <a:r>
-            <a:rPr lang="fr-FR" sz="2200" kern="1200" dirty="0" smtClean="0"/>
-            <a:t>Compréhension du sujet</a:t>
-          </a:r>
-          <a:endParaRPr lang="fr-FR" sz="2200" kern="1200" dirty="0"/>
-        </a:p>
-        <a:p>
-          <a:pPr marL="228600" lvl="1" indent="-228600" algn="l" defTabSz="977900">
-            <a:lnSpc>
-              <a:spcPct val="90000"/>
-            </a:lnSpc>
-            <a:spcBef>
-              <a:spcPct val="0"/>
-            </a:spcBef>
-            <a:spcAft>
-              <a:spcPct val="15000"/>
-            </a:spcAft>
-            <a:buChar char="••"/>
-          </a:pPr>
-          <a:r>
-            <a:rPr lang="fr-FR" sz="2200" kern="1200" dirty="0" smtClean="0"/>
-            <a:t>Diagramme des classes</a:t>
-          </a:r>
-          <a:endParaRPr lang="fr-FR" sz="2200" kern="1200" dirty="0"/>
-        </a:p>
-      </dsp:txBody>
-      <dsp:txXfrm rot="-5400000">
-        <a:off x="846886" y="40089"/>
-        <a:ext cx="7639194" cy="709616"/>
-      </dsp:txXfrm>
-    </dsp:sp>
-    <dsp:sp modelId="{546D62F4-D67F-4A18-8368-4ACFA371B101}">
-      <dsp:nvSpPr>
-        <dsp:cNvPr id="0" name=""/>
-        <dsp:cNvSpPr/>
-      </dsp:nvSpPr>
-      <dsp:spPr>
-        <a:xfrm rot="5400000">
-          <a:off x="-181475" y="1245754"/>
-          <a:ext cx="1209837" cy="846886"/>
-        </a:xfrm>
-        <a:prstGeom prst="chevron">
-          <a:avLst/>
-        </a:prstGeom>
-        <a:solidFill>
-          <a:schemeClr val="accent2">
-            <a:hueOff val="-903533"/>
-            <a:satOff val="0"/>
-            <a:lumOff val="0"/>
-            <a:alphaOff val="0"/>
-          </a:schemeClr>
-        </a:solidFill>
-        <a:ln w="15875" cap="flat" cmpd="sng" algn="ctr">
-          <a:solidFill>
-            <a:schemeClr val="accent2">
-              <a:hueOff val="-903533"/>
-              <a:satOff val="0"/>
-              <a:lumOff val="0"/>
-              <a:alphaOff val="0"/>
-            </a:schemeClr>
-          </a:solidFill>
-          <a:prstDash val="solid"/>
-        </a:ln>
-        <a:effectLst/>
-      </dsp:spPr>
-      <dsp:style>
-        <a:lnRef idx="2">
-          <a:scrgbClr r="0" g="0" b="0"/>
-        </a:lnRef>
-        <a:fillRef idx="1">
-          <a:scrgbClr r="0" g="0" b="0"/>
-        </a:fillRef>
-        <a:effectRef idx="0">
-          <a:scrgbClr r="0" g="0" b="0"/>
-        </a:effectRef>
-        <a:fontRef idx="minor">
-          <a:schemeClr val="lt1"/>
-        </a:fontRef>
-      </dsp:style>
-      <dsp:txBody>
-        <a:bodyPr spcFirstLastPara="0" vert="horz" wrap="square" lIns="12700" tIns="12700" rIns="12700" bIns="12700" numCol="1" spcCol="1270" anchor="ctr" anchorCtr="0">
-          <a:noAutofit/>
-        </a:bodyPr>
-        <a:lstStyle/>
-        <a:p>
-          <a:pPr lvl="0" algn="ctr" defTabSz="889000">
-            <a:lnSpc>
-              <a:spcPct val="90000"/>
-            </a:lnSpc>
-            <a:spcBef>
-              <a:spcPct val="0"/>
-            </a:spcBef>
-            <a:spcAft>
-              <a:spcPct val="35000"/>
-            </a:spcAft>
-          </a:pPr>
-          <a:r>
-            <a:rPr lang="fr-FR" sz="2000" kern="1200" dirty="0" smtClean="0"/>
-            <a:t>Sprint 1</a:t>
-          </a:r>
-          <a:endParaRPr lang="fr-FR" sz="2000" kern="1200" dirty="0"/>
-        </a:p>
-      </dsp:txBody>
-      <dsp:txXfrm rot="-5400000">
-        <a:off x="1" y="1487721"/>
-        <a:ext cx="846886" cy="362951"/>
-      </dsp:txXfrm>
-    </dsp:sp>
-    <dsp:sp modelId="{DADE07FF-1CDA-4989-876E-7701F568B959}">
-      <dsp:nvSpPr>
-        <dsp:cNvPr id="0" name=""/>
-        <dsp:cNvSpPr/>
-      </dsp:nvSpPr>
-      <dsp:spPr>
-        <a:xfrm rot="5400000">
-          <a:off x="4292480" y="-2381315"/>
-          <a:ext cx="786394" cy="7677583"/>
-        </a:xfrm>
-        <a:prstGeom prst="round2SameRect">
-          <a:avLst/>
-        </a:prstGeom>
-        <a:solidFill>
-          <a:schemeClr val="lt1">
-            <a:alpha val="90000"/>
-            <a:hueOff val="0"/>
-            <a:satOff val="0"/>
-            <a:lumOff val="0"/>
-            <a:alphaOff val="0"/>
-          </a:schemeClr>
-        </a:solidFill>
-        <a:ln w="15875" cap="flat" cmpd="sng" algn="ctr">
-          <a:solidFill>
-            <a:schemeClr val="accent2">
-              <a:hueOff val="-903533"/>
-              <a:satOff val="0"/>
-              <a:lumOff val="0"/>
-              <a:alphaOff val="0"/>
-            </a:schemeClr>
-          </a:solidFill>
-          <a:prstDash val="solid"/>
-        </a:ln>
-        <a:effectLst/>
-      </dsp:spPr>
-      <dsp:style>
-        <a:lnRef idx="2">
-          <a:scrgbClr r="0" g="0" b="0"/>
-        </a:lnRef>
-        <a:fillRef idx="1">
-          <a:scrgbClr r="0" g="0" b="0"/>
-        </a:fillRef>
-        <a:effectRef idx="0">
-          <a:scrgbClr r="0" g="0" b="0"/>
-        </a:effectRef>
-        <a:fontRef idx="minor"/>
-      </dsp:style>
-      <dsp:txBody>
-        <a:bodyPr spcFirstLastPara="0" vert="horz" wrap="square" lIns="156464" tIns="13970" rIns="13970" bIns="13970" numCol="1" spcCol="1270" anchor="ctr" anchorCtr="0">
-          <a:noAutofit/>
-        </a:bodyPr>
-        <a:lstStyle/>
-        <a:p>
-          <a:pPr marL="228600" lvl="1" indent="-228600" algn="l" defTabSz="977900">
-            <a:lnSpc>
-              <a:spcPct val="90000"/>
-            </a:lnSpc>
-            <a:spcBef>
-              <a:spcPct val="0"/>
-            </a:spcBef>
-            <a:spcAft>
-              <a:spcPct val="15000"/>
-            </a:spcAft>
-            <a:buChar char="••"/>
-          </a:pPr>
-          <a:r>
-            <a:rPr lang="fr-FR" sz="2200" kern="1200" dirty="0" smtClean="0"/>
-            <a:t>Mise en place des classes</a:t>
-          </a:r>
-          <a:endParaRPr lang="fr-FR" sz="2200" kern="1200" dirty="0"/>
-        </a:p>
-        <a:p>
-          <a:pPr marL="228600" lvl="1" indent="-228600" algn="l" defTabSz="977900">
-            <a:lnSpc>
-              <a:spcPct val="90000"/>
-            </a:lnSpc>
-            <a:spcBef>
-              <a:spcPct val="0"/>
-            </a:spcBef>
-            <a:spcAft>
-              <a:spcPct val="15000"/>
-            </a:spcAft>
-            <a:buChar char="••"/>
-          </a:pPr>
-          <a:r>
-            <a:rPr lang="fr-FR" sz="2200" kern="1200" dirty="0" smtClean="0"/>
-            <a:t>Débogage des classes</a:t>
-          </a:r>
-          <a:endParaRPr lang="fr-FR" sz="2200" kern="1200" dirty="0"/>
-        </a:p>
-      </dsp:txBody>
-      <dsp:txXfrm rot="-5400000">
-        <a:off x="846886" y="1102668"/>
-        <a:ext cx="7639194" cy="709616"/>
-      </dsp:txXfrm>
-    </dsp:sp>
-    <dsp:sp modelId="{42F6DD47-9CDD-4CFD-988A-E80234CBD3CB}">
-      <dsp:nvSpPr>
-        <dsp:cNvPr id="0" name=""/>
-        <dsp:cNvSpPr/>
-      </dsp:nvSpPr>
-      <dsp:spPr>
-        <a:xfrm rot="5400000">
-          <a:off x="-181475" y="2308332"/>
-          <a:ext cx="1209837" cy="846886"/>
-        </a:xfrm>
-        <a:prstGeom prst="chevron">
-          <a:avLst/>
-        </a:prstGeom>
-        <a:solidFill>
-          <a:schemeClr val="accent2">
-            <a:hueOff val="-1807066"/>
-            <a:satOff val="0"/>
-            <a:lumOff val="0"/>
-            <a:alphaOff val="0"/>
-          </a:schemeClr>
-        </a:solidFill>
-        <a:ln w="15875" cap="flat" cmpd="sng" algn="ctr">
-          <a:solidFill>
-            <a:schemeClr val="accent2">
-              <a:hueOff val="-1807066"/>
-              <a:satOff val="0"/>
-              <a:lumOff val="0"/>
-              <a:alphaOff val="0"/>
-            </a:schemeClr>
-          </a:solidFill>
-          <a:prstDash val="solid"/>
-        </a:ln>
-        <a:effectLst/>
-      </dsp:spPr>
-      <dsp:style>
-        <a:lnRef idx="2">
-          <a:scrgbClr r="0" g="0" b="0"/>
-        </a:lnRef>
-        <a:fillRef idx="1">
-          <a:scrgbClr r="0" g="0" b="0"/>
-        </a:fillRef>
-        <a:effectRef idx="0">
-          <a:scrgbClr r="0" g="0" b="0"/>
-        </a:effectRef>
-        <a:fontRef idx="minor">
-          <a:schemeClr val="lt1"/>
-        </a:fontRef>
-      </dsp:style>
-      <dsp:txBody>
-        <a:bodyPr spcFirstLastPara="0" vert="horz" wrap="square" lIns="12700" tIns="12700" rIns="12700" bIns="12700" numCol="1" spcCol="1270" anchor="ctr" anchorCtr="0">
-          <a:noAutofit/>
-        </a:bodyPr>
-        <a:lstStyle/>
-        <a:p>
-          <a:pPr lvl="0" algn="ctr" defTabSz="889000">
-            <a:lnSpc>
-              <a:spcPct val="90000"/>
-            </a:lnSpc>
-            <a:spcBef>
-              <a:spcPct val="0"/>
-            </a:spcBef>
-            <a:spcAft>
-              <a:spcPct val="35000"/>
-            </a:spcAft>
-          </a:pPr>
-          <a:r>
-            <a:rPr lang="fr-FR" sz="2000" kern="1200" dirty="0" smtClean="0"/>
-            <a:t>Sprint 2</a:t>
-          </a:r>
-          <a:endParaRPr lang="fr-FR" sz="2000" kern="1200" dirty="0"/>
-        </a:p>
-      </dsp:txBody>
-      <dsp:txXfrm rot="-5400000">
-        <a:off x="1" y="2550299"/>
-        <a:ext cx="846886" cy="362951"/>
-      </dsp:txXfrm>
-    </dsp:sp>
-    <dsp:sp modelId="{5B93D43C-5124-4D00-A8CB-11DF4948966A}">
-      <dsp:nvSpPr>
-        <dsp:cNvPr id="0" name=""/>
-        <dsp:cNvSpPr/>
-      </dsp:nvSpPr>
-      <dsp:spPr>
-        <a:xfrm rot="5400000">
-          <a:off x="4292480" y="-1318737"/>
-          <a:ext cx="786394" cy="7677583"/>
-        </a:xfrm>
-        <a:prstGeom prst="round2SameRect">
-          <a:avLst/>
-        </a:prstGeom>
-        <a:solidFill>
-          <a:schemeClr val="lt1">
-            <a:alpha val="90000"/>
-            <a:hueOff val="0"/>
-            <a:satOff val="0"/>
-            <a:lumOff val="0"/>
-            <a:alphaOff val="0"/>
-          </a:schemeClr>
-        </a:solidFill>
-        <a:ln w="15875" cap="flat" cmpd="sng" algn="ctr">
-          <a:solidFill>
-            <a:schemeClr val="accent2">
-              <a:hueOff val="-1807066"/>
-              <a:satOff val="0"/>
-              <a:lumOff val="0"/>
-              <a:alphaOff val="0"/>
-            </a:schemeClr>
-          </a:solidFill>
-          <a:prstDash val="solid"/>
-        </a:ln>
-        <a:effectLst/>
-      </dsp:spPr>
-      <dsp:style>
-        <a:lnRef idx="2">
-          <a:scrgbClr r="0" g="0" b="0"/>
-        </a:lnRef>
-        <a:fillRef idx="1">
-          <a:scrgbClr r="0" g="0" b="0"/>
-        </a:fillRef>
-        <a:effectRef idx="0">
-          <a:scrgbClr r="0" g="0" b="0"/>
-        </a:effectRef>
-        <a:fontRef idx="minor"/>
-      </dsp:style>
-      <dsp:txBody>
-        <a:bodyPr spcFirstLastPara="0" vert="horz" wrap="square" lIns="156464" tIns="13970" rIns="13970" bIns="13970" numCol="1" spcCol="1270" anchor="ctr" anchorCtr="0">
-          <a:noAutofit/>
-        </a:bodyPr>
-        <a:lstStyle/>
-        <a:p>
-          <a:pPr marL="228600" lvl="1" indent="-228600" algn="l" defTabSz="977900">
-            <a:lnSpc>
-              <a:spcPct val="90000"/>
-            </a:lnSpc>
-            <a:spcBef>
-              <a:spcPct val="0"/>
-            </a:spcBef>
-            <a:spcAft>
-              <a:spcPct val="15000"/>
-            </a:spcAft>
-            <a:buChar char="••"/>
-          </a:pPr>
-          <a:r>
-            <a:rPr lang="fr-FR" sz="2200" kern="1200" dirty="0" smtClean="0"/>
-            <a:t>Difficulté d’intégration d’une API calendrier</a:t>
-          </a:r>
-          <a:endParaRPr lang="fr-FR" sz="2200" kern="1200" dirty="0"/>
-        </a:p>
-        <a:p>
-          <a:pPr marL="228600" lvl="1" indent="-228600" algn="l" defTabSz="977900">
-            <a:lnSpc>
-              <a:spcPct val="90000"/>
-            </a:lnSpc>
-            <a:spcBef>
-              <a:spcPct val="0"/>
-            </a:spcBef>
-            <a:spcAft>
-              <a:spcPct val="15000"/>
-            </a:spcAft>
-            <a:buChar char="••"/>
-          </a:pPr>
-          <a:r>
-            <a:rPr lang="fr-FR" sz="2200" kern="1200" dirty="0" smtClean="0"/>
-            <a:t>Manque de temps</a:t>
-          </a:r>
-          <a:endParaRPr lang="fr-FR" sz="2200" kern="1200" dirty="0"/>
-        </a:p>
-      </dsp:txBody>
-      <dsp:txXfrm rot="-5400000">
-        <a:off x="846886" y="2165246"/>
-        <a:ext cx="7639194" cy="709616"/>
-      </dsp:txXfrm>
-    </dsp:sp>
-    <dsp:sp modelId="{D57F4918-6091-43D4-8FE1-210AC6412E38}">
-      <dsp:nvSpPr>
-        <dsp:cNvPr id="0" name=""/>
-        <dsp:cNvSpPr/>
-      </dsp:nvSpPr>
-      <dsp:spPr>
-        <a:xfrm rot="5400000">
-          <a:off x="-181475" y="3370910"/>
-          <a:ext cx="1209837" cy="846886"/>
-        </a:xfrm>
-        <a:prstGeom prst="chevron">
-          <a:avLst/>
-        </a:prstGeom>
-        <a:solidFill>
-          <a:schemeClr val="accent2">
-            <a:hueOff val="-2710599"/>
-            <a:satOff val="0"/>
-            <a:lumOff val="0"/>
-            <a:alphaOff val="0"/>
-          </a:schemeClr>
-        </a:solidFill>
-        <a:ln w="15875" cap="flat" cmpd="sng" algn="ctr">
-          <a:solidFill>
-            <a:schemeClr val="accent2">
-              <a:hueOff val="-2710599"/>
-              <a:satOff val="0"/>
-              <a:lumOff val="0"/>
-              <a:alphaOff val="0"/>
-            </a:schemeClr>
-          </a:solidFill>
-          <a:prstDash val="solid"/>
-        </a:ln>
-        <a:effectLst/>
-      </dsp:spPr>
-      <dsp:style>
-        <a:lnRef idx="2">
-          <a:scrgbClr r="0" g="0" b="0"/>
-        </a:lnRef>
-        <a:fillRef idx="1">
-          <a:scrgbClr r="0" g="0" b="0"/>
-        </a:fillRef>
-        <a:effectRef idx="0">
-          <a:scrgbClr r="0" g="0" b="0"/>
-        </a:effectRef>
-        <a:fontRef idx="minor">
-          <a:schemeClr val="lt1"/>
-        </a:fontRef>
-      </dsp:style>
-      <dsp:txBody>
-        <a:bodyPr spcFirstLastPara="0" vert="horz" wrap="square" lIns="12700" tIns="12700" rIns="12700" bIns="12700" numCol="1" spcCol="1270" anchor="ctr" anchorCtr="0">
-          <a:noAutofit/>
-        </a:bodyPr>
-        <a:lstStyle/>
-        <a:p>
-          <a:pPr lvl="0" algn="ctr" defTabSz="889000">
-            <a:lnSpc>
-              <a:spcPct val="90000"/>
-            </a:lnSpc>
-            <a:spcBef>
-              <a:spcPct val="0"/>
-            </a:spcBef>
-            <a:spcAft>
-              <a:spcPct val="35000"/>
-            </a:spcAft>
-          </a:pPr>
-          <a:r>
-            <a:rPr lang="fr-FR" sz="2000" kern="1200" dirty="0" smtClean="0"/>
-            <a:t>Sprint 3</a:t>
-          </a:r>
-          <a:endParaRPr lang="fr-FR" sz="2000" kern="1200" dirty="0"/>
-        </a:p>
-      </dsp:txBody>
-      <dsp:txXfrm rot="-5400000">
-        <a:off x="1" y="3612877"/>
-        <a:ext cx="846886" cy="362951"/>
-      </dsp:txXfrm>
-    </dsp:sp>
-    <dsp:sp modelId="{304BBC03-2D4B-4C5B-80A6-B9C7D830CBFA}">
-      <dsp:nvSpPr>
-        <dsp:cNvPr id="0" name=""/>
-        <dsp:cNvSpPr/>
-      </dsp:nvSpPr>
-      <dsp:spPr>
-        <a:xfrm rot="5400000">
-          <a:off x="4292480" y="-256159"/>
-          <a:ext cx="786394" cy="7677583"/>
-        </a:xfrm>
-        <a:prstGeom prst="round2SameRect">
-          <a:avLst/>
-        </a:prstGeom>
-        <a:solidFill>
-          <a:schemeClr val="lt1">
-            <a:alpha val="90000"/>
-            <a:hueOff val="0"/>
-            <a:satOff val="0"/>
-            <a:lumOff val="0"/>
-            <a:alphaOff val="0"/>
-          </a:schemeClr>
-        </a:solidFill>
-        <a:ln w="15875" cap="flat" cmpd="sng" algn="ctr">
-          <a:solidFill>
-            <a:schemeClr val="accent2">
-              <a:hueOff val="-2710599"/>
-              <a:satOff val="0"/>
-              <a:lumOff val="0"/>
-              <a:alphaOff val="0"/>
-            </a:schemeClr>
-          </a:solidFill>
-          <a:prstDash val="solid"/>
-        </a:ln>
-        <a:effectLst/>
-      </dsp:spPr>
-      <dsp:style>
-        <a:lnRef idx="2">
-          <a:scrgbClr r="0" g="0" b="0"/>
-        </a:lnRef>
-        <a:fillRef idx="1">
-          <a:scrgbClr r="0" g="0" b="0"/>
-        </a:fillRef>
-        <a:effectRef idx="0">
-          <a:scrgbClr r="0" g="0" b="0"/>
-        </a:effectRef>
-        <a:fontRef idx="minor"/>
-      </dsp:style>
-      <dsp:txBody>
-        <a:bodyPr spcFirstLastPara="0" vert="horz" wrap="square" lIns="156464" tIns="13970" rIns="13970" bIns="13970" numCol="1" spcCol="1270" anchor="ctr" anchorCtr="0">
-          <a:noAutofit/>
-        </a:bodyPr>
-        <a:lstStyle/>
-        <a:p>
-          <a:pPr marL="228600" lvl="1" indent="-228600" algn="l" defTabSz="977900">
-            <a:lnSpc>
-              <a:spcPct val="90000"/>
-            </a:lnSpc>
-            <a:spcBef>
-              <a:spcPct val="0"/>
-            </a:spcBef>
-            <a:spcAft>
-              <a:spcPct val="15000"/>
-            </a:spcAft>
-            <a:buChar char="••"/>
-          </a:pPr>
-          <a:r>
-            <a:rPr lang="fr-FR" sz="2200" kern="1200" dirty="0" smtClean="0"/>
-            <a:t>Non réalisé</a:t>
-          </a:r>
-          <a:endParaRPr lang="fr-FR" sz="2200" kern="1200" dirty="0"/>
-        </a:p>
-      </dsp:txBody>
-      <dsp:txXfrm rot="-5400000">
-        <a:off x="846886" y="3227824"/>
-        <a:ext cx="7639194" cy="709616"/>
-      </dsp:txXfrm>
-    </dsp:sp>
   </dsp:spTree>
 </dsp:drawing>
 </file>
@@ -7373,698 +6055,6 @@
       <dsp:cNvGrpSpPr/>
     </dsp:nvGrpSpPr>
     <dsp:grpSpPr/>
-    <dsp:sp modelId="{F80C65A5-3674-41F2-A631-E961E873F666}">
-      <dsp:nvSpPr>
-        <dsp:cNvPr id="0" name=""/>
-        <dsp:cNvSpPr/>
-      </dsp:nvSpPr>
-      <dsp:spPr>
-        <a:xfrm rot="5400000">
-          <a:off x="-181475" y="183176"/>
-          <a:ext cx="1209837" cy="846886"/>
-        </a:xfrm>
-        <a:prstGeom prst="chevron">
-          <a:avLst/>
-        </a:prstGeom>
-        <a:solidFill>
-          <a:schemeClr val="accent2">
-            <a:hueOff val="0"/>
-            <a:satOff val="0"/>
-            <a:lumOff val="0"/>
-            <a:alphaOff val="0"/>
-          </a:schemeClr>
-        </a:solidFill>
-        <a:ln w="15875" cap="flat" cmpd="sng" algn="ctr">
-          <a:solidFill>
-            <a:schemeClr val="accent2">
-              <a:hueOff val="0"/>
-              <a:satOff val="0"/>
-              <a:lumOff val="0"/>
-              <a:alphaOff val="0"/>
-            </a:schemeClr>
-          </a:solidFill>
-          <a:prstDash val="solid"/>
-        </a:ln>
-        <a:effectLst/>
-      </dsp:spPr>
-      <dsp:style>
-        <a:lnRef idx="2">
-          <a:scrgbClr r="0" g="0" b="0"/>
-        </a:lnRef>
-        <a:fillRef idx="1">
-          <a:scrgbClr r="0" g="0" b="0"/>
-        </a:fillRef>
-        <a:effectRef idx="0">
-          <a:scrgbClr r="0" g="0" b="0"/>
-        </a:effectRef>
-        <a:fontRef idx="minor">
-          <a:schemeClr val="lt1"/>
-        </a:fontRef>
-      </dsp:style>
-      <dsp:txBody>
-        <a:bodyPr spcFirstLastPara="0" vert="horz" wrap="square" lIns="12700" tIns="12700" rIns="12700" bIns="12700" numCol="1" spcCol="1270" anchor="ctr" anchorCtr="0">
-          <a:noAutofit/>
-        </a:bodyPr>
-        <a:lstStyle/>
-        <a:p>
-          <a:pPr lvl="0" algn="ctr" defTabSz="889000">
-            <a:lnSpc>
-              <a:spcPct val="90000"/>
-            </a:lnSpc>
-            <a:spcBef>
-              <a:spcPct val="0"/>
-            </a:spcBef>
-            <a:spcAft>
-              <a:spcPct val="35000"/>
-            </a:spcAft>
-          </a:pPr>
-          <a:r>
-            <a:rPr lang="fr-FR" sz="2000" kern="1200" dirty="0" smtClean="0"/>
-            <a:t>Sprint 0</a:t>
-          </a:r>
-          <a:endParaRPr lang="fr-FR" sz="2000" kern="1200" dirty="0"/>
-        </a:p>
-      </dsp:txBody>
-      <dsp:txXfrm rot="-5400000">
-        <a:off x="1" y="425143"/>
-        <a:ext cx="846886" cy="362951"/>
-      </dsp:txXfrm>
-    </dsp:sp>
-    <dsp:sp modelId="{39D7EDD9-031A-47C8-8B3A-1230B0D4063A}">
-      <dsp:nvSpPr>
-        <dsp:cNvPr id="0" name=""/>
-        <dsp:cNvSpPr/>
-      </dsp:nvSpPr>
-      <dsp:spPr>
-        <a:xfrm rot="5400000">
-          <a:off x="4292480" y="-3443894"/>
-          <a:ext cx="786394" cy="7677583"/>
-        </a:xfrm>
-        <a:prstGeom prst="round2SameRect">
-          <a:avLst/>
-        </a:prstGeom>
-        <a:solidFill>
-          <a:schemeClr val="lt1">
-            <a:alpha val="90000"/>
-            <a:hueOff val="0"/>
-            <a:satOff val="0"/>
-            <a:lumOff val="0"/>
-            <a:alphaOff val="0"/>
-          </a:schemeClr>
-        </a:solidFill>
-        <a:ln w="15875" cap="flat" cmpd="sng" algn="ctr">
-          <a:solidFill>
-            <a:schemeClr val="accent2">
-              <a:hueOff val="0"/>
-              <a:satOff val="0"/>
-              <a:lumOff val="0"/>
-              <a:alphaOff val="0"/>
-            </a:schemeClr>
-          </a:solidFill>
-          <a:prstDash val="solid"/>
-        </a:ln>
-        <a:effectLst/>
-      </dsp:spPr>
-      <dsp:style>
-        <a:lnRef idx="2">
-          <a:scrgbClr r="0" g="0" b="0"/>
-        </a:lnRef>
-        <a:fillRef idx="1">
-          <a:scrgbClr r="0" g="0" b="0"/>
-        </a:fillRef>
-        <a:effectRef idx="0">
-          <a:scrgbClr r="0" g="0" b="0"/>
-        </a:effectRef>
-        <a:fontRef idx="minor"/>
-      </dsp:style>
-      <dsp:txBody>
-        <a:bodyPr spcFirstLastPara="0" vert="horz" wrap="square" lIns="156464" tIns="13970" rIns="13970" bIns="13970" numCol="1" spcCol="1270" anchor="ctr" anchorCtr="0">
-          <a:noAutofit/>
-        </a:bodyPr>
-        <a:lstStyle/>
-        <a:p>
-          <a:pPr marL="228600" lvl="1" indent="-228600" algn="l" defTabSz="977900">
-            <a:lnSpc>
-              <a:spcPct val="90000"/>
-            </a:lnSpc>
-            <a:spcBef>
-              <a:spcPct val="0"/>
-            </a:spcBef>
-            <a:spcAft>
-              <a:spcPct val="15000"/>
-            </a:spcAft>
-            <a:buChar char="••"/>
-          </a:pPr>
-          <a:r>
-            <a:rPr lang="fr-FR" sz="2200" kern="1200" dirty="0" smtClean="0"/>
-            <a:t>Compréhension du sujet</a:t>
-          </a:r>
-          <a:endParaRPr lang="fr-FR" sz="2200" kern="1200" dirty="0"/>
-        </a:p>
-        <a:p>
-          <a:pPr marL="228600" lvl="1" indent="-228600" algn="l" defTabSz="977900">
-            <a:lnSpc>
-              <a:spcPct val="90000"/>
-            </a:lnSpc>
-            <a:spcBef>
-              <a:spcPct val="0"/>
-            </a:spcBef>
-            <a:spcAft>
-              <a:spcPct val="15000"/>
-            </a:spcAft>
-            <a:buChar char="••"/>
-          </a:pPr>
-          <a:r>
-            <a:rPr lang="fr-FR" sz="2200" kern="1200" dirty="0" smtClean="0"/>
-            <a:t>Diagramme des classes</a:t>
-          </a:r>
-          <a:endParaRPr lang="fr-FR" sz="2200" kern="1200" dirty="0"/>
-        </a:p>
-      </dsp:txBody>
-      <dsp:txXfrm rot="-5400000">
-        <a:off x="846886" y="40089"/>
-        <a:ext cx="7639194" cy="709616"/>
-      </dsp:txXfrm>
-    </dsp:sp>
-    <dsp:sp modelId="{546D62F4-D67F-4A18-8368-4ACFA371B101}">
-      <dsp:nvSpPr>
-        <dsp:cNvPr id="0" name=""/>
-        <dsp:cNvSpPr/>
-      </dsp:nvSpPr>
-      <dsp:spPr>
-        <a:xfrm rot="5400000">
-          <a:off x="-181475" y="1245754"/>
-          <a:ext cx="1209837" cy="846886"/>
-        </a:xfrm>
-        <a:prstGeom prst="chevron">
-          <a:avLst/>
-        </a:prstGeom>
-        <a:solidFill>
-          <a:schemeClr val="accent2">
-            <a:hueOff val="-903533"/>
-            <a:satOff val="0"/>
-            <a:lumOff val="0"/>
-            <a:alphaOff val="0"/>
-          </a:schemeClr>
-        </a:solidFill>
-        <a:ln w="15875" cap="flat" cmpd="sng" algn="ctr">
-          <a:solidFill>
-            <a:schemeClr val="accent2">
-              <a:hueOff val="-903533"/>
-              <a:satOff val="0"/>
-              <a:lumOff val="0"/>
-              <a:alphaOff val="0"/>
-            </a:schemeClr>
-          </a:solidFill>
-          <a:prstDash val="solid"/>
-        </a:ln>
-        <a:effectLst/>
-      </dsp:spPr>
-      <dsp:style>
-        <a:lnRef idx="2">
-          <a:scrgbClr r="0" g="0" b="0"/>
-        </a:lnRef>
-        <a:fillRef idx="1">
-          <a:scrgbClr r="0" g="0" b="0"/>
-        </a:fillRef>
-        <a:effectRef idx="0">
-          <a:scrgbClr r="0" g="0" b="0"/>
-        </a:effectRef>
-        <a:fontRef idx="minor">
-          <a:schemeClr val="lt1"/>
-        </a:fontRef>
-      </dsp:style>
-      <dsp:txBody>
-        <a:bodyPr spcFirstLastPara="0" vert="horz" wrap="square" lIns="12700" tIns="12700" rIns="12700" bIns="12700" numCol="1" spcCol="1270" anchor="ctr" anchorCtr="0">
-          <a:noAutofit/>
-        </a:bodyPr>
-        <a:lstStyle/>
-        <a:p>
-          <a:pPr lvl="0" algn="ctr" defTabSz="889000">
-            <a:lnSpc>
-              <a:spcPct val="90000"/>
-            </a:lnSpc>
-            <a:spcBef>
-              <a:spcPct val="0"/>
-            </a:spcBef>
-            <a:spcAft>
-              <a:spcPct val="35000"/>
-            </a:spcAft>
-          </a:pPr>
-          <a:r>
-            <a:rPr lang="fr-FR" sz="2000" kern="1200" dirty="0" smtClean="0"/>
-            <a:t>Sprint 1</a:t>
-          </a:r>
-          <a:endParaRPr lang="fr-FR" sz="2000" kern="1200" dirty="0"/>
-        </a:p>
-      </dsp:txBody>
-      <dsp:txXfrm rot="-5400000">
-        <a:off x="1" y="1487721"/>
-        <a:ext cx="846886" cy="362951"/>
-      </dsp:txXfrm>
-    </dsp:sp>
-    <dsp:sp modelId="{DADE07FF-1CDA-4989-876E-7701F568B959}">
-      <dsp:nvSpPr>
-        <dsp:cNvPr id="0" name=""/>
-        <dsp:cNvSpPr/>
-      </dsp:nvSpPr>
-      <dsp:spPr>
-        <a:xfrm rot="5400000">
-          <a:off x="4292480" y="-2381315"/>
-          <a:ext cx="786394" cy="7677583"/>
-        </a:xfrm>
-        <a:prstGeom prst="round2SameRect">
-          <a:avLst/>
-        </a:prstGeom>
-        <a:solidFill>
-          <a:schemeClr val="lt1">
-            <a:alpha val="90000"/>
-            <a:hueOff val="0"/>
-            <a:satOff val="0"/>
-            <a:lumOff val="0"/>
-            <a:alphaOff val="0"/>
-          </a:schemeClr>
-        </a:solidFill>
-        <a:ln w="15875" cap="flat" cmpd="sng" algn="ctr">
-          <a:solidFill>
-            <a:schemeClr val="accent2">
-              <a:hueOff val="-903533"/>
-              <a:satOff val="0"/>
-              <a:lumOff val="0"/>
-              <a:alphaOff val="0"/>
-            </a:schemeClr>
-          </a:solidFill>
-          <a:prstDash val="solid"/>
-        </a:ln>
-        <a:effectLst/>
-      </dsp:spPr>
-      <dsp:style>
-        <a:lnRef idx="2">
-          <a:scrgbClr r="0" g="0" b="0"/>
-        </a:lnRef>
-        <a:fillRef idx="1">
-          <a:scrgbClr r="0" g="0" b="0"/>
-        </a:fillRef>
-        <a:effectRef idx="0">
-          <a:scrgbClr r="0" g="0" b="0"/>
-        </a:effectRef>
-        <a:fontRef idx="minor"/>
-      </dsp:style>
-      <dsp:txBody>
-        <a:bodyPr spcFirstLastPara="0" vert="horz" wrap="square" lIns="156464" tIns="13970" rIns="13970" bIns="13970" numCol="1" spcCol="1270" anchor="ctr" anchorCtr="0">
-          <a:noAutofit/>
-        </a:bodyPr>
-        <a:lstStyle/>
-        <a:p>
-          <a:pPr marL="228600" lvl="1" indent="-228600" algn="l" defTabSz="977900">
-            <a:lnSpc>
-              <a:spcPct val="90000"/>
-            </a:lnSpc>
-            <a:spcBef>
-              <a:spcPct val="0"/>
-            </a:spcBef>
-            <a:spcAft>
-              <a:spcPct val="15000"/>
-            </a:spcAft>
-            <a:buChar char="••"/>
-          </a:pPr>
-          <a:r>
-            <a:rPr lang="fr-FR" sz="2200" kern="1200" dirty="0" smtClean="0"/>
-            <a:t>Mise en place des classes</a:t>
-          </a:r>
-          <a:endParaRPr lang="fr-FR" sz="2200" kern="1200" dirty="0"/>
-        </a:p>
-        <a:p>
-          <a:pPr marL="228600" lvl="1" indent="-228600" algn="l" defTabSz="977900">
-            <a:lnSpc>
-              <a:spcPct val="90000"/>
-            </a:lnSpc>
-            <a:spcBef>
-              <a:spcPct val="0"/>
-            </a:spcBef>
-            <a:spcAft>
-              <a:spcPct val="15000"/>
-            </a:spcAft>
-            <a:buChar char="••"/>
-          </a:pPr>
-          <a:r>
-            <a:rPr lang="fr-FR" sz="2200" kern="1200" dirty="0" smtClean="0"/>
-            <a:t>Débogage des classes</a:t>
-          </a:r>
-          <a:endParaRPr lang="fr-FR" sz="2200" kern="1200" dirty="0"/>
-        </a:p>
-      </dsp:txBody>
-      <dsp:txXfrm rot="-5400000">
-        <a:off x="846886" y="1102668"/>
-        <a:ext cx="7639194" cy="709616"/>
-      </dsp:txXfrm>
-    </dsp:sp>
-    <dsp:sp modelId="{42F6DD47-9CDD-4CFD-988A-E80234CBD3CB}">
-      <dsp:nvSpPr>
-        <dsp:cNvPr id="0" name=""/>
-        <dsp:cNvSpPr/>
-      </dsp:nvSpPr>
-      <dsp:spPr>
-        <a:xfrm rot="5400000">
-          <a:off x="-181475" y="2308332"/>
-          <a:ext cx="1209837" cy="846886"/>
-        </a:xfrm>
-        <a:prstGeom prst="chevron">
-          <a:avLst/>
-        </a:prstGeom>
-        <a:solidFill>
-          <a:schemeClr val="accent2">
-            <a:hueOff val="-1807066"/>
-            <a:satOff val="0"/>
-            <a:lumOff val="0"/>
-            <a:alphaOff val="0"/>
-          </a:schemeClr>
-        </a:solidFill>
-        <a:ln w="15875" cap="flat" cmpd="sng" algn="ctr">
-          <a:solidFill>
-            <a:schemeClr val="accent2">
-              <a:hueOff val="-1807066"/>
-              <a:satOff val="0"/>
-              <a:lumOff val="0"/>
-              <a:alphaOff val="0"/>
-            </a:schemeClr>
-          </a:solidFill>
-          <a:prstDash val="solid"/>
-        </a:ln>
-        <a:effectLst/>
-      </dsp:spPr>
-      <dsp:style>
-        <a:lnRef idx="2">
-          <a:scrgbClr r="0" g="0" b="0"/>
-        </a:lnRef>
-        <a:fillRef idx="1">
-          <a:scrgbClr r="0" g="0" b="0"/>
-        </a:fillRef>
-        <a:effectRef idx="0">
-          <a:scrgbClr r="0" g="0" b="0"/>
-        </a:effectRef>
-        <a:fontRef idx="minor">
-          <a:schemeClr val="lt1"/>
-        </a:fontRef>
-      </dsp:style>
-      <dsp:txBody>
-        <a:bodyPr spcFirstLastPara="0" vert="horz" wrap="square" lIns="12700" tIns="12700" rIns="12700" bIns="12700" numCol="1" spcCol="1270" anchor="ctr" anchorCtr="0">
-          <a:noAutofit/>
-        </a:bodyPr>
-        <a:lstStyle/>
-        <a:p>
-          <a:pPr lvl="0" algn="ctr" defTabSz="889000">
-            <a:lnSpc>
-              <a:spcPct val="90000"/>
-            </a:lnSpc>
-            <a:spcBef>
-              <a:spcPct val="0"/>
-            </a:spcBef>
-            <a:spcAft>
-              <a:spcPct val="35000"/>
-            </a:spcAft>
-          </a:pPr>
-          <a:r>
-            <a:rPr lang="fr-FR" sz="2000" kern="1200" dirty="0" smtClean="0"/>
-            <a:t>Sprint 2</a:t>
-          </a:r>
-          <a:endParaRPr lang="fr-FR" sz="2000" kern="1200" dirty="0"/>
-        </a:p>
-      </dsp:txBody>
-      <dsp:txXfrm rot="-5400000">
-        <a:off x="1" y="2550299"/>
-        <a:ext cx="846886" cy="362951"/>
-      </dsp:txXfrm>
-    </dsp:sp>
-    <dsp:sp modelId="{5B93D43C-5124-4D00-A8CB-11DF4948966A}">
-      <dsp:nvSpPr>
-        <dsp:cNvPr id="0" name=""/>
-        <dsp:cNvSpPr/>
-      </dsp:nvSpPr>
-      <dsp:spPr>
-        <a:xfrm rot="5400000">
-          <a:off x="4292480" y="-1318737"/>
-          <a:ext cx="786394" cy="7677583"/>
-        </a:xfrm>
-        <a:prstGeom prst="round2SameRect">
-          <a:avLst/>
-        </a:prstGeom>
-        <a:solidFill>
-          <a:schemeClr val="lt1">
-            <a:alpha val="90000"/>
-            <a:hueOff val="0"/>
-            <a:satOff val="0"/>
-            <a:lumOff val="0"/>
-            <a:alphaOff val="0"/>
-          </a:schemeClr>
-        </a:solidFill>
-        <a:ln w="15875" cap="flat" cmpd="sng" algn="ctr">
-          <a:solidFill>
-            <a:schemeClr val="accent2">
-              <a:hueOff val="-1807066"/>
-              <a:satOff val="0"/>
-              <a:lumOff val="0"/>
-              <a:alphaOff val="0"/>
-            </a:schemeClr>
-          </a:solidFill>
-          <a:prstDash val="solid"/>
-        </a:ln>
-        <a:effectLst/>
-      </dsp:spPr>
-      <dsp:style>
-        <a:lnRef idx="2">
-          <a:scrgbClr r="0" g="0" b="0"/>
-        </a:lnRef>
-        <a:fillRef idx="1">
-          <a:scrgbClr r="0" g="0" b="0"/>
-        </a:fillRef>
-        <a:effectRef idx="0">
-          <a:scrgbClr r="0" g="0" b="0"/>
-        </a:effectRef>
-        <a:fontRef idx="minor"/>
-      </dsp:style>
-      <dsp:txBody>
-        <a:bodyPr spcFirstLastPara="0" vert="horz" wrap="square" lIns="156464" tIns="13970" rIns="13970" bIns="13970" numCol="1" spcCol="1270" anchor="ctr" anchorCtr="0">
-          <a:noAutofit/>
-        </a:bodyPr>
-        <a:lstStyle/>
-        <a:p>
-          <a:pPr marL="228600" lvl="1" indent="-228600" algn="l" defTabSz="977900">
-            <a:lnSpc>
-              <a:spcPct val="90000"/>
-            </a:lnSpc>
-            <a:spcBef>
-              <a:spcPct val="0"/>
-            </a:spcBef>
-            <a:spcAft>
-              <a:spcPct val="15000"/>
-            </a:spcAft>
-            <a:buChar char="••"/>
-          </a:pPr>
-          <a:r>
-            <a:rPr lang="fr-FR" sz="2200" kern="1200" dirty="0" smtClean="0"/>
-            <a:t>Intégration du calendrier</a:t>
-          </a:r>
-          <a:endParaRPr lang="fr-FR" sz="2200" kern="1200" dirty="0"/>
-        </a:p>
-        <a:p>
-          <a:pPr marL="228600" lvl="1" indent="-228600" algn="l" defTabSz="977900">
-            <a:lnSpc>
-              <a:spcPct val="90000"/>
-            </a:lnSpc>
-            <a:spcBef>
-              <a:spcPct val="0"/>
-            </a:spcBef>
-            <a:spcAft>
-              <a:spcPct val="15000"/>
-            </a:spcAft>
-            <a:buChar char="••"/>
-          </a:pPr>
-          <a:r>
-            <a:rPr lang="fr-FR" sz="2200" kern="1200" dirty="0" smtClean="0"/>
-            <a:t>Lien avec la base de donnée</a:t>
-          </a:r>
-          <a:endParaRPr lang="fr-FR" sz="2200" kern="1200" dirty="0"/>
-        </a:p>
-      </dsp:txBody>
-      <dsp:txXfrm rot="-5400000">
-        <a:off x="846886" y="2165246"/>
-        <a:ext cx="7639194" cy="709616"/>
-      </dsp:txXfrm>
-    </dsp:sp>
-    <dsp:sp modelId="{D57F4918-6091-43D4-8FE1-210AC6412E38}">
-      <dsp:nvSpPr>
-        <dsp:cNvPr id="0" name=""/>
-        <dsp:cNvSpPr/>
-      </dsp:nvSpPr>
-      <dsp:spPr>
-        <a:xfrm rot="5400000">
-          <a:off x="-181475" y="3370910"/>
-          <a:ext cx="1209837" cy="846886"/>
-        </a:xfrm>
-        <a:prstGeom prst="chevron">
-          <a:avLst/>
-        </a:prstGeom>
-        <a:solidFill>
-          <a:schemeClr val="accent2">
-            <a:hueOff val="-2710599"/>
-            <a:satOff val="0"/>
-            <a:lumOff val="0"/>
-            <a:alphaOff val="0"/>
-          </a:schemeClr>
-        </a:solidFill>
-        <a:ln w="15875" cap="flat" cmpd="sng" algn="ctr">
-          <a:solidFill>
-            <a:schemeClr val="accent2">
-              <a:hueOff val="-2710599"/>
-              <a:satOff val="0"/>
-              <a:lumOff val="0"/>
-              <a:alphaOff val="0"/>
-            </a:schemeClr>
-          </a:solidFill>
-          <a:prstDash val="solid"/>
-        </a:ln>
-        <a:effectLst/>
-      </dsp:spPr>
-      <dsp:style>
-        <a:lnRef idx="2">
-          <a:scrgbClr r="0" g="0" b="0"/>
-        </a:lnRef>
-        <a:fillRef idx="1">
-          <a:scrgbClr r="0" g="0" b="0"/>
-        </a:fillRef>
-        <a:effectRef idx="0">
-          <a:scrgbClr r="0" g="0" b="0"/>
-        </a:effectRef>
-        <a:fontRef idx="minor">
-          <a:schemeClr val="lt1"/>
-        </a:fontRef>
-      </dsp:style>
-      <dsp:txBody>
-        <a:bodyPr spcFirstLastPara="0" vert="horz" wrap="square" lIns="12700" tIns="12700" rIns="12700" bIns="12700" numCol="1" spcCol="1270" anchor="ctr" anchorCtr="0">
-          <a:noAutofit/>
-        </a:bodyPr>
-        <a:lstStyle/>
-        <a:p>
-          <a:pPr lvl="0" algn="ctr" defTabSz="889000">
-            <a:lnSpc>
-              <a:spcPct val="90000"/>
-            </a:lnSpc>
-            <a:spcBef>
-              <a:spcPct val="0"/>
-            </a:spcBef>
-            <a:spcAft>
-              <a:spcPct val="35000"/>
-            </a:spcAft>
-          </a:pPr>
-          <a:r>
-            <a:rPr lang="fr-FR" sz="2000" kern="1200" dirty="0" smtClean="0"/>
-            <a:t>Sprint 3</a:t>
-          </a:r>
-          <a:endParaRPr lang="fr-FR" sz="2000" kern="1200" dirty="0"/>
-        </a:p>
-      </dsp:txBody>
-      <dsp:txXfrm rot="-5400000">
-        <a:off x="1" y="3612877"/>
-        <a:ext cx="846886" cy="362951"/>
-      </dsp:txXfrm>
-    </dsp:sp>
-    <dsp:sp modelId="{304BBC03-2D4B-4C5B-80A6-B9C7D830CBFA}">
-      <dsp:nvSpPr>
-        <dsp:cNvPr id="0" name=""/>
-        <dsp:cNvSpPr/>
-      </dsp:nvSpPr>
-      <dsp:spPr>
-        <a:xfrm rot="5400000">
-          <a:off x="4292480" y="-256159"/>
-          <a:ext cx="786394" cy="7677583"/>
-        </a:xfrm>
-        <a:prstGeom prst="round2SameRect">
-          <a:avLst/>
-        </a:prstGeom>
-        <a:solidFill>
-          <a:schemeClr val="lt1">
-            <a:alpha val="90000"/>
-            <a:hueOff val="0"/>
-            <a:satOff val="0"/>
-            <a:lumOff val="0"/>
-            <a:alphaOff val="0"/>
-          </a:schemeClr>
-        </a:solidFill>
-        <a:ln w="15875" cap="flat" cmpd="sng" algn="ctr">
-          <a:solidFill>
-            <a:schemeClr val="accent2">
-              <a:hueOff val="-2710599"/>
-              <a:satOff val="0"/>
-              <a:lumOff val="0"/>
-              <a:alphaOff val="0"/>
-            </a:schemeClr>
-          </a:solidFill>
-          <a:prstDash val="solid"/>
-        </a:ln>
-        <a:effectLst/>
-      </dsp:spPr>
-      <dsp:style>
-        <a:lnRef idx="2">
-          <a:scrgbClr r="0" g="0" b="0"/>
-        </a:lnRef>
-        <a:fillRef idx="1">
-          <a:scrgbClr r="0" g="0" b="0"/>
-        </a:fillRef>
-        <a:effectRef idx="0">
-          <a:scrgbClr r="0" g="0" b="0"/>
-        </a:effectRef>
-        <a:fontRef idx="minor"/>
-      </dsp:style>
-      <dsp:txBody>
-        <a:bodyPr spcFirstLastPara="0" vert="horz" wrap="square" lIns="156464" tIns="13970" rIns="13970" bIns="13970" numCol="1" spcCol="1270" anchor="ctr" anchorCtr="0">
-          <a:noAutofit/>
-        </a:bodyPr>
-        <a:lstStyle/>
-        <a:p>
-          <a:pPr marL="228600" lvl="1" indent="-228600" algn="l" defTabSz="977900">
-            <a:lnSpc>
-              <a:spcPct val="90000"/>
-            </a:lnSpc>
-            <a:spcBef>
-              <a:spcPct val="0"/>
-            </a:spcBef>
-            <a:spcAft>
-              <a:spcPct val="15000"/>
-            </a:spcAft>
-            <a:buChar char="••"/>
-          </a:pPr>
-          <a:r>
-            <a:rPr lang="fr-FR" sz="2200" kern="1200" dirty="0" smtClean="0"/>
-            <a:t>Rajout du module d’authentification</a:t>
-          </a:r>
-          <a:endParaRPr lang="fr-FR" sz="2200" kern="1200" dirty="0"/>
-        </a:p>
-        <a:p>
-          <a:pPr marL="228600" lvl="1" indent="-228600" algn="l" defTabSz="977900">
-            <a:lnSpc>
-              <a:spcPct val="90000"/>
-            </a:lnSpc>
-            <a:spcBef>
-              <a:spcPct val="0"/>
-            </a:spcBef>
-            <a:spcAft>
-              <a:spcPct val="15000"/>
-            </a:spcAft>
-            <a:buChar char="••"/>
-          </a:pPr>
-          <a:r>
-            <a:rPr lang="fr-FR" sz="2200" kern="1200" dirty="0" smtClean="0"/>
-            <a:t>Niveaux de sécurité</a:t>
-          </a:r>
-          <a:endParaRPr lang="fr-FR" sz="2200" kern="1200" dirty="0"/>
-        </a:p>
-      </dsp:txBody>
-      <dsp:txXfrm rot="-5400000">
-        <a:off x="846886" y="3227824"/>
-        <a:ext cx="7639194" cy="709616"/>
-      </dsp:txXfrm>
-    </dsp:sp>
   </dsp:spTree>
 </dsp:drawing>
 </file>
@@ -8077,757 +6067,6 @@
       <dsp:cNvGrpSpPr/>
     </dsp:nvGrpSpPr>
     <dsp:grpSpPr/>
-    <dsp:sp modelId="{D8DCDB59-09B4-4DAC-8E99-2D2560692E58}">
-      <dsp:nvSpPr>
-        <dsp:cNvPr id="0" name=""/>
-        <dsp:cNvSpPr/>
-      </dsp:nvSpPr>
-      <dsp:spPr>
-        <a:xfrm>
-          <a:off x="2418062" y="1713"/>
-          <a:ext cx="1450377" cy="942745"/>
-        </a:xfrm>
-        <a:prstGeom prst="roundRect">
-          <a:avLst/>
-        </a:prstGeom>
-        <a:solidFill>
-          <a:schemeClr val="accent2">
-            <a:hueOff val="0"/>
-            <a:satOff val="0"/>
-            <a:lumOff val="0"/>
-            <a:alphaOff val="0"/>
-          </a:schemeClr>
-        </a:solidFill>
-        <a:ln w="15875" cap="flat" cmpd="sng" algn="ctr">
-          <a:solidFill>
-            <a:schemeClr val="lt1">
-              <a:hueOff val="0"/>
-              <a:satOff val="0"/>
-              <a:lumOff val="0"/>
-              <a:alphaOff val="0"/>
-            </a:schemeClr>
-          </a:solidFill>
-          <a:prstDash val="solid"/>
-        </a:ln>
-        <a:effectLst/>
-      </dsp:spPr>
-      <dsp:style>
-        <a:lnRef idx="2">
-          <a:scrgbClr r="0" g="0" b="0"/>
-        </a:lnRef>
-        <a:fillRef idx="1">
-          <a:scrgbClr r="0" g="0" b="0"/>
-        </a:fillRef>
-        <a:effectRef idx="0">
-          <a:scrgbClr r="0" g="0" b="0"/>
-        </a:effectRef>
-        <a:fontRef idx="minor">
-          <a:schemeClr val="lt1"/>
-        </a:fontRef>
-      </dsp:style>
-      <dsp:txBody>
-        <a:bodyPr spcFirstLastPara="0" vert="horz" wrap="square" lIns="53340" tIns="53340" rIns="53340" bIns="53340" numCol="1" spcCol="1270" anchor="ctr" anchorCtr="0">
-          <a:noAutofit/>
-        </a:bodyPr>
-        <a:lstStyle/>
-        <a:p>
-          <a:pPr lvl="0" algn="ctr" defTabSz="622300">
-            <a:lnSpc>
-              <a:spcPct val="90000"/>
-            </a:lnSpc>
-            <a:spcBef>
-              <a:spcPct val="0"/>
-            </a:spcBef>
-            <a:spcAft>
-              <a:spcPct val="35000"/>
-            </a:spcAft>
-          </a:pPr>
-          <a:r>
-            <a:rPr lang="fr-FR" sz="1400" b="0" kern="1200" dirty="0" smtClean="0"/>
-            <a:t>Etape 1 : </a:t>
-          </a:r>
-        </a:p>
-        <a:p>
-          <a:pPr lvl="0" algn="ctr" defTabSz="622300">
-            <a:lnSpc>
-              <a:spcPct val="90000"/>
-            </a:lnSpc>
-            <a:spcBef>
-              <a:spcPct val="0"/>
-            </a:spcBef>
-            <a:spcAft>
-              <a:spcPct val="35000"/>
-            </a:spcAft>
-          </a:pPr>
-          <a:r>
-            <a:rPr lang="fr-FR" sz="1400" b="0" kern="1200" dirty="0" smtClean="0"/>
-            <a:t>Authentification </a:t>
-          </a:r>
-          <a:endParaRPr lang="fr-FR" sz="1400" b="0" kern="1200" dirty="0"/>
-        </a:p>
-      </dsp:txBody>
-      <dsp:txXfrm>
-        <a:off x="2464083" y="47734"/>
-        <a:ext cx="1358335" cy="850703"/>
-      </dsp:txXfrm>
-    </dsp:sp>
-    <dsp:sp modelId="{C6B67350-5ED4-48B1-93EC-0CEE1D6AB978}">
-      <dsp:nvSpPr>
-        <dsp:cNvPr id="0" name=""/>
-        <dsp:cNvSpPr/>
-      </dsp:nvSpPr>
-      <dsp:spPr>
-        <a:xfrm>
-          <a:off x="1262200" y="474166"/>
-          <a:ext cx="3767293" cy="3767293"/>
-        </a:xfrm>
-        <a:custGeom>
-          <a:avLst/>
-          <a:gdLst/>
-          <a:ahLst/>
-          <a:cxnLst/>
-          <a:rect l="0" t="0" r="0" b="0"/>
-          <a:pathLst>
-            <a:path>
-              <a:moveTo>
-                <a:pt x="2813331" y="245412"/>
-              </a:moveTo>
-              <a:arcTo wR="1883646" hR="1883646" stAng="17974475" swAng="1297396"/>
-            </a:path>
-          </a:pathLst>
-        </a:custGeom>
-        <a:noFill/>
-        <a:ln w="12700" cap="flat" cmpd="sng" algn="ctr">
-          <a:solidFill>
-            <a:schemeClr val="accent2">
-              <a:hueOff val="0"/>
-              <a:satOff val="0"/>
-              <a:lumOff val="0"/>
-              <a:alphaOff val="0"/>
-            </a:schemeClr>
-          </a:solidFill>
-          <a:prstDash val="solid"/>
-          <a:tailEnd type="arrow"/>
-        </a:ln>
-        <a:effectLst/>
-      </dsp:spPr>
-      <dsp:style>
-        <a:lnRef idx="1">
-          <a:scrgbClr r="0" g="0" b="0"/>
-        </a:lnRef>
-        <a:fillRef idx="0">
-          <a:scrgbClr r="0" g="0" b="0"/>
-        </a:fillRef>
-        <a:effectRef idx="0">
-          <a:scrgbClr r="0" g="0" b="0"/>
-        </a:effectRef>
-        <a:fontRef idx="minor"/>
-      </dsp:style>
-    </dsp:sp>
-    <dsp:sp modelId="{27BFAB88-7517-47A8-BBB6-AC8298F1FACC}">
-      <dsp:nvSpPr>
-        <dsp:cNvPr id="0" name=""/>
-        <dsp:cNvSpPr/>
-      </dsp:nvSpPr>
-      <dsp:spPr>
-        <a:xfrm>
-          <a:off x="4230292" y="1365626"/>
-          <a:ext cx="1450377" cy="942745"/>
-        </a:xfrm>
-        <a:prstGeom prst="roundRect">
-          <a:avLst/>
-        </a:prstGeom>
-        <a:solidFill>
-          <a:schemeClr val="accent3">
-            <a:hueOff val="0"/>
-            <a:satOff val="0"/>
-            <a:lumOff val="0"/>
-            <a:alphaOff val="0"/>
-          </a:schemeClr>
-        </a:solidFill>
-        <a:ln w="15875" cap="flat" cmpd="sng" algn="ctr">
-          <a:solidFill>
-            <a:schemeClr val="lt1">
-              <a:hueOff val="0"/>
-              <a:satOff val="0"/>
-              <a:lumOff val="0"/>
-              <a:alphaOff val="0"/>
-            </a:schemeClr>
-          </a:solidFill>
-          <a:prstDash val="solid"/>
-        </a:ln>
-        <a:effectLst/>
-      </dsp:spPr>
-      <dsp:style>
-        <a:lnRef idx="2">
-          <a:scrgbClr r="0" g="0" b="0"/>
-        </a:lnRef>
-        <a:fillRef idx="1">
-          <a:scrgbClr r="0" g="0" b="0"/>
-        </a:fillRef>
-        <a:effectRef idx="0">
-          <a:scrgbClr r="0" g="0" b="0"/>
-        </a:effectRef>
-        <a:fontRef idx="minor">
-          <a:schemeClr val="lt1"/>
-        </a:fontRef>
-      </dsp:style>
-      <dsp:txBody>
-        <a:bodyPr spcFirstLastPara="0" vert="horz" wrap="square" lIns="53340" tIns="53340" rIns="53340" bIns="53340" numCol="1" spcCol="1270" anchor="ctr" anchorCtr="0">
-          <a:noAutofit/>
-        </a:bodyPr>
-        <a:lstStyle/>
-        <a:p>
-          <a:pPr lvl="0" algn="ctr" defTabSz="622300">
-            <a:lnSpc>
-              <a:spcPct val="90000"/>
-            </a:lnSpc>
-            <a:spcBef>
-              <a:spcPct val="0"/>
-            </a:spcBef>
-            <a:spcAft>
-              <a:spcPct val="35000"/>
-            </a:spcAft>
-          </a:pPr>
-          <a:r>
-            <a:rPr lang="fr-FR" sz="1400" b="0" kern="1200" dirty="0" smtClean="0"/>
-            <a:t>Etape 2 : </a:t>
-          </a:r>
-        </a:p>
-        <a:p>
-          <a:pPr lvl="0" algn="ctr" defTabSz="622300">
-            <a:lnSpc>
-              <a:spcPct val="90000"/>
-            </a:lnSpc>
-            <a:spcBef>
-              <a:spcPct val="0"/>
-            </a:spcBef>
-            <a:spcAft>
-              <a:spcPct val="35000"/>
-            </a:spcAft>
-          </a:pPr>
-          <a:r>
-            <a:rPr lang="fr-FR" sz="1400" b="0" kern="1200" dirty="0" smtClean="0"/>
-            <a:t>choix via menu (consultation ou </a:t>
-          </a:r>
-          <a:r>
-            <a:rPr lang="fr-FR" sz="1400" b="0" kern="1200" dirty="0" err="1" smtClean="0"/>
-            <a:t>modif</a:t>
-          </a:r>
-          <a:r>
-            <a:rPr lang="fr-FR" sz="1400" b="0" kern="1200" dirty="0" smtClean="0"/>
-            <a:t>)</a:t>
-          </a:r>
-          <a:endParaRPr lang="fr-FR" sz="1400" b="0" kern="1200" dirty="0"/>
-        </a:p>
-      </dsp:txBody>
-      <dsp:txXfrm>
-        <a:off x="4276313" y="1411647"/>
-        <a:ext cx="1358335" cy="850703"/>
-      </dsp:txXfrm>
-    </dsp:sp>
-    <dsp:sp modelId="{0630741F-6C40-4F3F-B890-314A4B79923F}">
-      <dsp:nvSpPr>
-        <dsp:cNvPr id="0" name=""/>
-        <dsp:cNvSpPr/>
-      </dsp:nvSpPr>
-      <dsp:spPr>
-        <a:xfrm>
-          <a:off x="1260633" y="418400"/>
-          <a:ext cx="3767293" cy="3767293"/>
-        </a:xfrm>
-        <a:custGeom>
-          <a:avLst/>
-          <a:gdLst/>
-          <a:ahLst/>
-          <a:cxnLst/>
-          <a:rect l="0" t="0" r="0" b="0"/>
-          <a:pathLst>
-            <a:path>
-              <a:moveTo>
-                <a:pt x="3753769" y="2108954"/>
-              </a:moveTo>
-              <a:arcTo wR="1883646" hR="1883646" stAng="412186" swAng="1231416"/>
-            </a:path>
-          </a:pathLst>
-        </a:custGeom>
-        <a:noFill/>
-        <a:ln w="12700" cap="flat" cmpd="sng" algn="ctr">
-          <a:solidFill>
-            <a:schemeClr val="accent3">
-              <a:hueOff val="0"/>
-              <a:satOff val="0"/>
-              <a:lumOff val="0"/>
-              <a:alphaOff val="0"/>
-            </a:schemeClr>
-          </a:solidFill>
-          <a:prstDash val="solid"/>
-          <a:tailEnd type="arrow"/>
-        </a:ln>
-        <a:effectLst/>
-      </dsp:spPr>
-      <dsp:style>
-        <a:lnRef idx="1">
-          <a:scrgbClr r="0" g="0" b="0"/>
-        </a:lnRef>
-        <a:fillRef idx="0">
-          <a:scrgbClr r="0" g="0" b="0"/>
-        </a:fillRef>
-        <a:effectRef idx="0">
-          <a:scrgbClr r="0" g="0" b="0"/>
-        </a:effectRef>
-        <a:fontRef idx="minor"/>
-      </dsp:style>
-    </dsp:sp>
-    <dsp:sp modelId="{C8F751D6-D82F-496C-AD58-79670C73541F}">
-      <dsp:nvSpPr>
-        <dsp:cNvPr id="0" name=""/>
-        <dsp:cNvSpPr/>
-      </dsp:nvSpPr>
-      <dsp:spPr>
-        <a:xfrm>
-          <a:off x="3546031" y="3357297"/>
-          <a:ext cx="1450377" cy="942745"/>
-        </a:xfrm>
-        <a:prstGeom prst="roundRect">
-          <a:avLst/>
-        </a:prstGeom>
-        <a:solidFill>
-          <a:schemeClr val="accent4">
-            <a:hueOff val="0"/>
-            <a:satOff val="0"/>
-            <a:lumOff val="0"/>
-            <a:alphaOff val="0"/>
-          </a:schemeClr>
-        </a:solidFill>
-        <a:ln w="15875" cap="flat" cmpd="sng" algn="ctr">
-          <a:solidFill>
-            <a:schemeClr val="lt1">
-              <a:hueOff val="0"/>
-              <a:satOff val="0"/>
-              <a:lumOff val="0"/>
-              <a:alphaOff val="0"/>
-            </a:schemeClr>
-          </a:solidFill>
-          <a:prstDash val="solid"/>
-        </a:ln>
-        <a:effectLst/>
-      </dsp:spPr>
-      <dsp:style>
-        <a:lnRef idx="2">
-          <a:scrgbClr r="0" g="0" b="0"/>
-        </a:lnRef>
-        <a:fillRef idx="1">
-          <a:scrgbClr r="0" g="0" b="0"/>
-        </a:fillRef>
-        <a:effectRef idx="0">
-          <a:scrgbClr r="0" g="0" b="0"/>
-        </a:effectRef>
-        <a:fontRef idx="minor">
-          <a:schemeClr val="lt1"/>
-        </a:fontRef>
-      </dsp:style>
-      <dsp:txBody>
-        <a:bodyPr spcFirstLastPara="0" vert="horz" wrap="square" lIns="53340" tIns="53340" rIns="53340" bIns="53340" numCol="1" spcCol="1270" anchor="ctr" anchorCtr="0">
-          <a:noAutofit/>
-        </a:bodyPr>
-        <a:lstStyle/>
-        <a:p>
-          <a:pPr lvl="0" algn="ctr" defTabSz="622300">
-            <a:lnSpc>
-              <a:spcPct val="90000"/>
-            </a:lnSpc>
-            <a:spcBef>
-              <a:spcPct val="0"/>
-            </a:spcBef>
-            <a:spcAft>
-              <a:spcPct val="35000"/>
-            </a:spcAft>
-          </a:pPr>
-          <a:r>
-            <a:rPr lang="fr-FR" sz="1400" b="0" kern="1200" dirty="0" smtClean="0"/>
-            <a:t>Etape 3 : </a:t>
-          </a:r>
-        </a:p>
-        <a:p>
-          <a:pPr lvl="0" algn="ctr" defTabSz="622300">
-            <a:lnSpc>
-              <a:spcPct val="90000"/>
-            </a:lnSpc>
-            <a:spcBef>
-              <a:spcPct val="0"/>
-            </a:spcBef>
-            <a:spcAft>
-              <a:spcPct val="35000"/>
-            </a:spcAft>
-          </a:pPr>
-          <a:r>
-            <a:rPr lang="fr-FR" sz="1400" b="0" kern="1200" dirty="0" smtClean="0"/>
-            <a:t>Cliquer sur ce que l’on veut modifier</a:t>
-          </a:r>
-          <a:endParaRPr lang="fr-FR" sz="1400" b="0" kern="1200" dirty="0"/>
-        </a:p>
-      </dsp:txBody>
-      <dsp:txXfrm>
-        <a:off x="3592052" y="3403318"/>
-        <a:ext cx="1358335" cy="850703"/>
-      </dsp:txXfrm>
-    </dsp:sp>
-    <dsp:sp modelId="{0185F18E-2A47-48E8-BFD5-9936BEC7A951}">
-      <dsp:nvSpPr>
-        <dsp:cNvPr id="0" name=""/>
-        <dsp:cNvSpPr/>
-      </dsp:nvSpPr>
-      <dsp:spPr>
-        <a:xfrm>
-          <a:off x="1282944" y="438212"/>
-          <a:ext cx="3767293" cy="3767293"/>
-        </a:xfrm>
-        <a:custGeom>
-          <a:avLst/>
-          <a:gdLst/>
-          <a:ahLst/>
-          <a:cxnLst/>
-          <a:rect l="0" t="0" r="0" b="0"/>
-          <a:pathLst>
-            <a:path>
-              <a:moveTo>
-                <a:pt x="2101999" y="3754594"/>
-              </a:moveTo>
-              <a:arcTo wR="1883646" hR="1883646" stAng="5000597" swAng="905499"/>
-            </a:path>
-          </a:pathLst>
-        </a:custGeom>
-        <a:noFill/>
-        <a:ln w="12700" cap="flat" cmpd="sng" algn="ctr">
-          <a:solidFill>
-            <a:schemeClr val="accent4">
-              <a:hueOff val="0"/>
-              <a:satOff val="0"/>
-              <a:lumOff val="0"/>
-              <a:alphaOff val="0"/>
-            </a:schemeClr>
-          </a:solidFill>
-          <a:prstDash val="solid"/>
-          <a:tailEnd type="arrow"/>
-        </a:ln>
-        <a:effectLst/>
-      </dsp:spPr>
-      <dsp:style>
-        <a:lnRef idx="1">
-          <a:scrgbClr r="0" g="0" b="0"/>
-        </a:lnRef>
-        <a:fillRef idx="0">
-          <a:scrgbClr r="0" g="0" b="0"/>
-        </a:fillRef>
-        <a:effectRef idx="0">
-          <a:scrgbClr r="0" g="0" b="0"/>
-        </a:effectRef>
-        <a:fontRef idx="minor"/>
-      </dsp:style>
-    </dsp:sp>
-    <dsp:sp modelId="{31A326BC-78C0-4B08-940D-EFBF215F6455}">
-      <dsp:nvSpPr>
-        <dsp:cNvPr id="0" name=""/>
-        <dsp:cNvSpPr/>
-      </dsp:nvSpPr>
-      <dsp:spPr>
-        <a:xfrm>
-          <a:off x="1279702" y="3336513"/>
-          <a:ext cx="1450377" cy="942745"/>
-        </a:xfrm>
-        <a:prstGeom prst="roundRect">
-          <a:avLst/>
-        </a:prstGeom>
-        <a:solidFill>
-          <a:schemeClr val="accent5">
-            <a:hueOff val="0"/>
-            <a:satOff val="0"/>
-            <a:lumOff val="0"/>
-            <a:alphaOff val="0"/>
-          </a:schemeClr>
-        </a:solidFill>
-        <a:ln w="15875" cap="flat" cmpd="sng" algn="ctr">
-          <a:solidFill>
-            <a:schemeClr val="lt1">
-              <a:hueOff val="0"/>
-              <a:satOff val="0"/>
-              <a:lumOff val="0"/>
-              <a:alphaOff val="0"/>
-            </a:schemeClr>
-          </a:solidFill>
-          <a:prstDash val="solid"/>
-        </a:ln>
-        <a:effectLst/>
-      </dsp:spPr>
-      <dsp:style>
-        <a:lnRef idx="2">
-          <a:scrgbClr r="0" g="0" b="0"/>
-        </a:lnRef>
-        <a:fillRef idx="1">
-          <a:scrgbClr r="0" g="0" b="0"/>
-        </a:fillRef>
-        <a:effectRef idx="0">
-          <a:scrgbClr r="0" g="0" b="0"/>
-        </a:effectRef>
-        <a:fontRef idx="minor">
-          <a:schemeClr val="lt1"/>
-        </a:fontRef>
-      </dsp:style>
-      <dsp:txBody>
-        <a:bodyPr spcFirstLastPara="0" vert="horz" wrap="square" lIns="53340" tIns="53340" rIns="53340" bIns="53340" numCol="1" spcCol="1270" anchor="ctr" anchorCtr="0">
-          <a:noAutofit/>
-        </a:bodyPr>
-        <a:lstStyle/>
-        <a:p>
-          <a:pPr lvl="0" algn="ctr" defTabSz="622300">
-            <a:lnSpc>
-              <a:spcPct val="90000"/>
-            </a:lnSpc>
-            <a:spcBef>
-              <a:spcPct val="0"/>
-            </a:spcBef>
-            <a:spcAft>
-              <a:spcPct val="35000"/>
-            </a:spcAft>
-          </a:pPr>
-          <a:r>
-            <a:rPr lang="fr-FR" sz="1400" b="0" kern="1200" dirty="0" smtClean="0"/>
-            <a:t>Etape 4 : </a:t>
-          </a:r>
-        </a:p>
-        <a:p>
-          <a:pPr lvl="0" algn="ctr" defTabSz="622300">
-            <a:lnSpc>
-              <a:spcPct val="90000"/>
-            </a:lnSpc>
-            <a:spcBef>
-              <a:spcPct val="0"/>
-            </a:spcBef>
-            <a:spcAft>
-              <a:spcPct val="35000"/>
-            </a:spcAft>
-          </a:pPr>
-          <a:r>
-            <a:rPr lang="fr-FR" sz="1400" b="0" kern="1200" dirty="0" smtClean="0"/>
-            <a:t>Remplir le formulaire correctement</a:t>
-          </a:r>
-          <a:endParaRPr lang="fr-FR" sz="1400" b="0" kern="1200" dirty="0"/>
-        </a:p>
-      </dsp:txBody>
-      <dsp:txXfrm>
-        <a:off x="1325723" y="3382534"/>
-        <a:ext cx="1358335" cy="850703"/>
-      </dsp:txXfrm>
-    </dsp:sp>
-    <dsp:sp modelId="{585D472E-44CD-4D47-8B6B-CF5DA3B83EF5}">
-      <dsp:nvSpPr>
-        <dsp:cNvPr id="0" name=""/>
-        <dsp:cNvSpPr/>
-      </dsp:nvSpPr>
-      <dsp:spPr>
-        <a:xfrm>
-          <a:off x="1262374" y="405145"/>
-          <a:ext cx="3767293" cy="3767293"/>
-        </a:xfrm>
-        <a:custGeom>
-          <a:avLst/>
-          <a:gdLst/>
-          <a:ahLst/>
-          <a:cxnLst/>
-          <a:rect l="0" t="0" r="0" b="0"/>
-          <a:pathLst>
-            <a:path>
-              <a:moveTo>
-                <a:pt x="203589" y="2735428"/>
-              </a:moveTo>
-              <a:arcTo wR="1883646" hR="1883646" stAng="9186911" swAng="1276552"/>
-            </a:path>
-          </a:pathLst>
-        </a:custGeom>
-        <a:noFill/>
-        <a:ln w="12700" cap="flat" cmpd="sng" algn="ctr">
-          <a:solidFill>
-            <a:schemeClr val="accent5">
-              <a:hueOff val="0"/>
-              <a:satOff val="0"/>
-              <a:lumOff val="0"/>
-              <a:alphaOff val="0"/>
-            </a:schemeClr>
-          </a:solidFill>
-          <a:prstDash val="solid"/>
-          <a:tailEnd type="arrow"/>
-        </a:ln>
-        <a:effectLst/>
-      </dsp:spPr>
-      <dsp:style>
-        <a:lnRef idx="1">
-          <a:scrgbClr r="0" g="0" b="0"/>
-        </a:lnRef>
-        <a:fillRef idx="0">
-          <a:scrgbClr r="0" g="0" b="0"/>
-        </a:fillRef>
-        <a:effectRef idx="0">
-          <a:scrgbClr r="0" g="0" b="0"/>
-        </a:effectRef>
-        <a:fontRef idx="minor"/>
-      </dsp:style>
-    </dsp:sp>
-    <dsp:sp modelId="{6830C4F8-0F29-428E-9993-01945ED56F24}">
-      <dsp:nvSpPr>
-        <dsp:cNvPr id="0" name=""/>
-        <dsp:cNvSpPr/>
-      </dsp:nvSpPr>
-      <dsp:spPr>
-        <a:xfrm>
-          <a:off x="626608" y="1303280"/>
-          <a:ext cx="1450377" cy="942745"/>
-        </a:xfrm>
-        <a:prstGeom prst="roundRect">
-          <a:avLst/>
-        </a:prstGeom>
-        <a:solidFill>
-          <a:schemeClr val="accent6">
-            <a:hueOff val="0"/>
-            <a:satOff val="0"/>
-            <a:lumOff val="0"/>
-            <a:alphaOff val="0"/>
-          </a:schemeClr>
-        </a:solidFill>
-        <a:ln w="15875" cap="flat" cmpd="sng" algn="ctr">
-          <a:solidFill>
-            <a:schemeClr val="lt1">
-              <a:hueOff val="0"/>
-              <a:satOff val="0"/>
-              <a:lumOff val="0"/>
-              <a:alphaOff val="0"/>
-            </a:schemeClr>
-          </a:solidFill>
-          <a:prstDash val="solid"/>
-        </a:ln>
-        <a:effectLst/>
-      </dsp:spPr>
-      <dsp:style>
-        <a:lnRef idx="2">
-          <a:scrgbClr r="0" g="0" b="0"/>
-        </a:lnRef>
-        <a:fillRef idx="1">
-          <a:scrgbClr r="0" g="0" b="0"/>
-        </a:fillRef>
-        <a:effectRef idx="0">
-          <a:scrgbClr r="0" g="0" b="0"/>
-        </a:effectRef>
-        <a:fontRef idx="minor">
-          <a:schemeClr val="lt1"/>
-        </a:fontRef>
-      </dsp:style>
-      <dsp:txBody>
-        <a:bodyPr spcFirstLastPara="0" vert="horz" wrap="square" lIns="53340" tIns="53340" rIns="53340" bIns="53340" numCol="1" spcCol="1270" anchor="ctr" anchorCtr="0">
-          <a:noAutofit/>
-        </a:bodyPr>
-        <a:lstStyle/>
-        <a:p>
-          <a:pPr lvl="0" algn="ctr" defTabSz="622300">
-            <a:lnSpc>
-              <a:spcPct val="90000"/>
-            </a:lnSpc>
-            <a:spcBef>
-              <a:spcPct val="0"/>
-            </a:spcBef>
-            <a:spcAft>
-              <a:spcPct val="35000"/>
-            </a:spcAft>
-          </a:pPr>
-          <a:r>
-            <a:rPr lang="fr-FR" sz="1400" b="0" i="0" kern="1200" dirty="0" smtClean="0">
-              <a:effectLst/>
-            </a:rPr>
-            <a:t>Etape 5 :</a:t>
-          </a:r>
-        </a:p>
-        <a:p>
-          <a:pPr lvl="0" algn="ctr" defTabSz="622300">
-            <a:lnSpc>
-              <a:spcPct val="90000"/>
-            </a:lnSpc>
-            <a:spcBef>
-              <a:spcPct val="0"/>
-            </a:spcBef>
-            <a:spcAft>
-              <a:spcPct val="35000"/>
-            </a:spcAft>
-          </a:pPr>
-          <a:r>
-            <a:rPr lang="fr-FR" sz="1400" b="0" i="0" kern="1200" dirty="0" smtClean="0">
-              <a:effectLst/>
-            </a:rPr>
-            <a:t> </a:t>
-          </a:r>
-          <a:r>
-            <a:rPr lang="fr-FR" sz="1400" b="0" kern="1200" dirty="0" smtClean="0"/>
-            <a:t>valider / envoyer</a:t>
-          </a:r>
-          <a:endParaRPr lang="fr-FR" sz="1400" b="0" kern="1200" dirty="0"/>
-        </a:p>
-      </dsp:txBody>
-      <dsp:txXfrm>
-        <a:off x="672629" y="1349301"/>
-        <a:ext cx="1358335" cy="850703"/>
-      </dsp:txXfrm>
-    </dsp:sp>
-    <dsp:sp modelId="{BFD287F0-33B0-489A-9EEC-062382A8DE94}">
-      <dsp:nvSpPr>
-        <dsp:cNvPr id="0" name=""/>
-        <dsp:cNvSpPr/>
-      </dsp:nvSpPr>
-      <dsp:spPr>
-        <a:xfrm>
-          <a:off x="1259604" y="473085"/>
-          <a:ext cx="3767293" cy="3767293"/>
-        </a:xfrm>
-        <a:custGeom>
-          <a:avLst/>
-          <a:gdLst/>
-          <a:ahLst/>
-          <a:cxnLst/>
-          <a:rect l="0" t="0" r="0" b="0"/>
-          <a:pathLst>
-            <a:path>
-              <a:moveTo>
-                <a:pt x="453049" y="658282"/>
-              </a:moveTo>
-              <a:arcTo wR="1883646" hR="1883646" stAng="13234883" swAng="1211926"/>
-            </a:path>
-          </a:pathLst>
-        </a:custGeom>
-        <a:noFill/>
-        <a:ln w="12700" cap="flat" cmpd="sng" algn="ctr">
-          <a:solidFill>
-            <a:schemeClr val="accent6">
-              <a:hueOff val="0"/>
-              <a:satOff val="0"/>
-              <a:lumOff val="0"/>
-              <a:alphaOff val="0"/>
-            </a:schemeClr>
-          </a:solidFill>
-          <a:prstDash val="solid"/>
-          <a:tailEnd type="arrow"/>
-        </a:ln>
-        <a:effectLst/>
-      </dsp:spPr>
-      <dsp:style>
-        <a:lnRef idx="1">
-          <a:scrgbClr r="0" g="0" b="0"/>
-        </a:lnRef>
-        <a:fillRef idx="0">
-          <a:scrgbClr r="0" g="0" b="0"/>
-        </a:fillRef>
-        <a:effectRef idx="0">
-          <a:scrgbClr r="0" g="0" b="0"/>
-        </a:effectRef>
-        <a:fontRef idx="minor"/>
-      </dsp:style>
-    </dsp:sp>
   </dsp:spTree>
 </dsp:drawing>
 </file>
@@ -22337,15 +19576,7 @@
           <a:p>
             <a:r>
               <a:rPr lang="fr-FR" dirty="0" smtClean="0"/>
-              <a:t>Sprint </a:t>
-            </a:r>
-            <a:r>
-              <a:rPr lang="fr-FR" dirty="0" smtClean="0"/>
-              <a:t>0 </a:t>
-            </a:r>
-            <a:r>
-              <a:rPr lang="fr-FR" dirty="0" smtClean="0"/>
-              <a:t>: </a:t>
+              <a:t>Sprint 0 : </a:t>
             </a:r>
             <a:endParaRPr lang="fr-FR" dirty="0"/>
           </a:p>
@@ -22508,7 +19739,6 @@
               <a:rPr lang="fr-FR" dirty="0" smtClean="0"/>
               <a:t>Décisions pour les sprints suivants</a:t>
             </a:r>
-            <a:endParaRPr lang="fr-FR" dirty="0" smtClean="0"/>
           </a:p>
           <a:p>
             <a:pPr>
@@ -22848,11 +20078,7 @@
                       <a:pPr algn="ctr"/>
                       <a:r>
                         <a:rPr lang="fr-FR" dirty="0" smtClean="0"/>
-                        <a:t>Docteur en </a:t>
-                      </a:r>
-                      <a:r>
-                        <a:rPr lang="fr-FR" dirty="0" smtClean="0"/>
-                        <a:t>chimie</a:t>
+                        <a:t>Docteur en chimie</a:t>
                       </a:r>
                       <a:endParaRPr lang="fr-FR" dirty="0"/>
                     </a:p>
@@ -23302,11 +20528,7 @@
             </a:r>
             <a:r>
               <a:rPr lang="fr-FR" dirty="0" smtClean="0"/>
-              <a:t>Annotations </a:t>
-            </a:r>
-            <a:r>
-              <a:rPr lang="fr-FR" dirty="0" smtClean="0"/>
-              <a:t>des Java </a:t>
+              <a:t>Annotations des Java </a:t>
             </a:r>
             <a:r>
               <a:rPr lang="fr-FR" dirty="0" err="1" smtClean="0"/>
@@ -23328,11 +20550,7 @@
             </a:r>
             <a:r>
               <a:rPr lang="fr-FR" dirty="0" smtClean="0"/>
-              <a:t>Intégration à la base de données</a:t>
-            </a:r>
-            <a:r>
-              <a:rPr lang="fr-FR" dirty="0" smtClean="0"/>
-              <a:t> </a:t>
+              <a:t>Intégration à la base de données </a:t>
             </a:r>
           </a:p>
           <a:p>
@@ -23488,11 +20706,7 @@
           <a:p>
             <a:r>
               <a:rPr lang="fr-FR" dirty="0" smtClean="0"/>
-              <a:t>Sprint </a:t>
-            </a:r>
-            <a:r>
-              <a:rPr lang="fr-FR" dirty="0" smtClean="0"/>
-              <a:t>2 :  </a:t>
+              <a:t>Sprint 2 :  </a:t>
             </a:r>
             <a:endParaRPr lang="fr-FR" dirty="0"/>
           </a:p>
@@ -23838,7 +21052,6 @@
               <a:rPr lang="fr-FR" sz="2000" dirty="0" smtClean="0"/>
               <a:t>Ajout d’une feuille de style complète</a:t>
             </a:r>
-            <a:endParaRPr lang="fr-FR" sz="2000" dirty="0" smtClean="0"/>
           </a:p>
           <a:p>
             <a:pPr marL="342900" lvl="1" indent="-342900">
@@ -24428,6 +21641,43 @@
           </a:p>
         </p:txBody>
       </p:sp>
+      <p:pic>
+        <p:nvPicPr>
+          <p:cNvPr id="3" name="Image 2"/>
+          <p:cNvPicPr>
+            <a:picLocks noChangeAspect="1"/>
+          </p:cNvPicPr>
+          <p:nvPr/>
+        </p:nvPicPr>
+        <p:blipFill rotWithShape="1">
+          <a:blip r:embed="rId2"/>
+          <a:srcRect l="22720" t="6018" r="23280" b="45768"/>
+          <a:stretch/>
+        </p:blipFill>
+        <p:spPr>
+          <a:xfrm>
+            <a:off x="2011680" y="1901952"/>
+            <a:ext cx="8229600" cy="4133088"/>
+          </a:xfrm>
+          <a:prstGeom prst="rect">
+            <a:avLst/>
+          </a:prstGeom>
+          <a:ln w="38100" cap="sq">
+            <a:solidFill>
+              <a:srgbClr val="000000"/>
+            </a:solidFill>
+            <a:prstDash val="solid"/>
+            <a:miter lim="800000"/>
+          </a:ln>
+          <a:effectLst>
+            <a:outerShdw blurRad="50800" dist="38100" dir="2700000" algn="tl" rotWithShape="0">
+              <a:srgbClr val="000000">
+                <a:alpha val="43000"/>
+              </a:srgbClr>
+            </a:outerShdw>
+          </a:effectLst>
+        </p:spPr>
+      </p:pic>
     </p:spTree>
     <p:extLst>
       <p:ext uri="{BB962C8B-B14F-4D97-AF65-F5344CB8AC3E}">
@@ -24533,7 +21783,6 @@
               <a:rPr lang="fr-FR" dirty="0" smtClean="0"/>
               <a:t>je souhaite pouvoir ajouter, modifier ou supprimer une matière de mon centre de formation</a:t>
             </a:r>
-            <a:endParaRPr lang="fr-FR" dirty="0" smtClean="0"/>
           </a:p>
           <a:p>
             <a:pPr>
@@ -24591,11 +21840,7 @@
             </a:pPr>
             <a:r>
               <a:rPr lang="fr-FR" dirty="0" smtClean="0"/>
-              <a:t>Critères d’acceptation </a:t>
-            </a:r>
-            <a:r>
-              <a:rPr lang="fr-FR" dirty="0" smtClean="0"/>
-              <a:t>: Ajout et modification possible avec envoi en base de données.</a:t>
+              <a:t>Critères d’acceptation : Ajout et modification possible avec envoi en base de données.</a:t>
             </a:r>
             <a:endParaRPr lang="fr-FR" dirty="0"/>
           </a:p>
@@ -25259,11 +22504,7 @@
             </a:pPr>
             <a:r>
               <a:rPr lang="fr-FR" dirty="0" smtClean="0"/>
-              <a:t>Possibilités </a:t>
-            </a:r>
-            <a:r>
-              <a:rPr lang="fr-FR" dirty="0" smtClean="0"/>
-              <a:t>d’interagir sur toutes les ressources : humaines et matérielles </a:t>
+              <a:t>Possibilités d’interagir sur toutes les ressources : humaines et matérielles </a:t>
             </a:r>
           </a:p>
           <a:p>
@@ -25746,11 +22987,7 @@
             </a:pPr>
             <a:r>
               <a:rPr lang="fr-FR" dirty="0" smtClean="0"/>
-              <a:t> Difficultés à se séparer les tâches correctement ou </a:t>
-            </a:r>
-            <a:r>
-              <a:rPr lang="fr-FR" dirty="0" smtClean="0"/>
-              <a:t>proprement</a:t>
+              <a:t> Difficultés à se séparer les tâches correctement ou proprement</a:t>
             </a:r>
           </a:p>
           <a:p>
@@ -25777,7 +23014,6 @@
               <a:rPr lang="fr-FR" dirty="0" smtClean="0"/>
               <a:t>)</a:t>
             </a:r>
-            <a:endParaRPr lang="fr-FR" dirty="0" smtClean="0"/>
           </a:p>
           <a:p>
             <a:pPr>
@@ -25789,11 +23025,7 @@
             </a:pPr>
             <a:r>
               <a:rPr lang="fr-FR" dirty="0" smtClean="0"/>
-              <a:t> Difficultés à savoir quels outils </a:t>
-            </a:r>
-            <a:r>
-              <a:rPr lang="fr-FR" dirty="0" smtClean="0"/>
-              <a:t>et connaissances utiliser</a:t>
+              <a:t> Difficultés à savoir quels outils et connaissances utiliser</a:t>
             </a:r>
             <a:endParaRPr lang="fr-FR" dirty="0"/>
           </a:p>
@@ -27330,15 +24562,7 @@
           <a:p>
             <a:r>
               <a:rPr lang="fr-FR" dirty="0" smtClean="0"/>
-              <a:t>Exemple </a:t>
-            </a:r>
-            <a:r>
-              <a:rPr lang="fr-FR" dirty="0" smtClean="0"/>
-              <a:t>d’édition </a:t>
-            </a:r>
-            <a:r>
-              <a:rPr lang="fr-FR" dirty="0" smtClean="0"/>
-              <a:t>d’un module </a:t>
+              <a:t>Exemple d’édition d’un module </a:t>
             </a:r>
             <a:endParaRPr lang="fr-FR" dirty="0"/>
           </a:p>
@@ -27365,11 +24589,7 @@
             </a:pPr>
             <a:r>
               <a:rPr lang="fr-FR" dirty="0" smtClean="0"/>
-              <a:t> Choisir </a:t>
-            </a:r>
-            <a:r>
-              <a:rPr lang="fr-FR" dirty="0" smtClean="0"/>
-              <a:t>le prof associé,</a:t>
+              <a:t> Choisir le prof associé,</a:t>
             </a:r>
           </a:p>
           <a:p>
@@ -27379,11 +24599,7 @@
             </a:pPr>
             <a:r>
               <a:rPr lang="fr-FR" dirty="0" smtClean="0"/>
-              <a:t> Choisir </a:t>
-            </a:r>
-            <a:r>
-              <a:rPr lang="fr-FR" dirty="0" smtClean="0"/>
-              <a:t>la salle </a:t>
+              <a:t> Choisir la salle </a:t>
             </a:r>
           </a:p>
           <a:p>
@@ -27393,11 +24609,7 @@
             </a:pPr>
             <a:r>
               <a:rPr lang="fr-FR" dirty="0" smtClean="0"/>
-              <a:t> Choisir </a:t>
-            </a:r>
-            <a:r>
-              <a:rPr lang="fr-FR" dirty="0" smtClean="0"/>
-              <a:t>les élèves </a:t>
+              <a:t> Choisir les élèves </a:t>
             </a:r>
           </a:p>
           <a:p>
@@ -27407,19 +24619,11 @@
             </a:pPr>
             <a:r>
               <a:rPr lang="fr-FR" dirty="0"/>
-              <a:t> </a:t>
-            </a:r>
-            <a:r>
-              <a:rPr lang="fr-FR" dirty="0"/>
-              <a:t>C</a:t>
+              <a:t> C</a:t>
             </a:r>
             <a:r>
               <a:rPr lang="fr-FR" dirty="0" smtClean="0"/>
-              <a:t>hoisir </a:t>
-            </a:r>
-            <a:r>
-              <a:rPr lang="fr-FR" dirty="0" smtClean="0"/>
-              <a:t>la matière </a:t>
+              <a:t>hoisir la matière </a:t>
             </a:r>
           </a:p>
           <a:p>
@@ -27444,19 +24648,11 @@
             </a:pPr>
             <a:r>
               <a:rPr lang="fr-FR" dirty="0"/>
-              <a:t> </a:t>
-            </a:r>
-            <a:r>
-              <a:rPr lang="fr-FR" dirty="0"/>
-              <a:t>D</a:t>
+              <a:t> D</a:t>
             </a:r>
             <a:r>
               <a:rPr lang="fr-FR" dirty="0" smtClean="0"/>
-              <a:t>éfinir </a:t>
-            </a:r>
-            <a:r>
-              <a:rPr lang="fr-FR" dirty="0" smtClean="0"/>
-              <a:t>les dates de début et fin </a:t>
+              <a:t>éfinir les dates de début et fin </a:t>
             </a:r>
           </a:p>
           <a:p>
@@ -27466,19 +24662,11 @@
             </a:pPr>
             <a:r>
               <a:rPr lang="fr-FR" dirty="0"/>
-              <a:t> </a:t>
-            </a:r>
-            <a:r>
-              <a:rPr lang="fr-FR" dirty="0"/>
-              <a:t>D</a:t>
+              <a:t> D</a:t>
             </a:r>
             <a:r>
               <a:rPr lang="fr-FR" dirty="0" smtClean="0"/>
-              <a:t>éfinir </a:t>
-            </a:r>
-            <a:r>
-              <a:rPr lang="fr-FR" dirty="0" smtClean="0"/>
-              <a:t>à quelle formation le module appartient. </a:t>
+              <a:t>éfinir à quelle formation le module appartient. </a:t>
             </a:r>
             <a:endParaRPr lang="fr-FR" dirty="0"/>
           </a:p>
@@ -28023,15 +25211,7 @@
             </a:pPr>
             <a:r>
               <a:rPr lang="fr-FR" sz="2800" dirty="0" smtClean="0"/>
-              <a:t> </a:t>
-            </a:r>
-            <a:r>
-              <a:rPr lang="fr-FR" sz="2800" dirty="0" smtClean="0"/>
-              <a:t>Nécessite </a:t>
-            </a:r>
-            <a:r>
-              <a:rPr lang="fr-FR" sz="2800" dirty="0" smtClean="0"/>
-              <a:t>une informatisation efficace du  </a:t>
+              <a:t> Nécessite une informatisation efficace du  </a:t>
             </a:r>
             <a:r>
               <a:rPr lang="fr-FR" sz="2800" dirty="0"/>
@@ -28199,11 +25379,7 @@
             </a:pPr>
             <a:r>
               <a:rPr lang="fr-FR" sz="2800" dirty="0" smtClean="0"/>
-              <a:t> faciliter </a:t>
-            </a:r>
-            <a:r>
-              <a:rPr lang="fr-FR" sz="2800" dirty="0" smtClean="0"/>
-              <a:t>la gestion des plannings </a:t>
+              <a:t> faciliter la gestion des plannings </a:t>
             </a:r>
           </a:p>
           <a:p>
@@ -28217,11 +25393,7 @@
             </a:r>
             <a:r>
               <a:rPr lang="fr-FR" sz="2800" dirty="0" smtClean="0"/>
-              <a:t>permettre </a:t>
-            </a:r>
-            <a:r>
-              <a:rPr lang="fr-FR" sz="2800" dirty="0" smtClean="0"/>
-              <a:t>d’identifier les utilisateurs </a:t>
+              <a:t>permettre d’identifier les utilisateurs </a:t>
             </a:r>
           </a:p>
           <a:p>
@@ -28235,11 +25407,7 @@
             </a:r>
             <a:r>
               <a:rPr lang="fr-FR" sz="2800" dirty="0" smtClean="0"/>
-              <a:t>permettre l’affichage </a:t>
-            </a:r>
-            <a:r>
-              <a:rPr lang="fr-FR" sz="2800" dirty="0" smtClean="0"/>
-              <a:t>des supports (planning, cours, etc.) </a:t>
+              <a:t>permettre l’affichage des supports (planning, cours, etc.) </a:t>
             </a:r>
           </a:p>
           <a:p>
@@ -28253,11 +25421,7 @@
             </a:r>
             <a:r>
               <a:rPr lang="fr-FR" sz="2800" dirty="0" smtClean="0"/>
-              <a:t>avoir un </a:t>
-            </a:r>
-            <a:r>
-              <a:rPr lang="fr-FR" sz="2800" dirty="0" smtClean="0"/>
-              <a:t>administrateur de l’outil </a:t>
+              <a:t>avoir un administrateur de l’outil </a:t>
             </a:r>
           </a:p>
           <a:p>
@@ -28267,15 +25431,7 @@
             </a:pPr>
             <a:r>
               <a:rPr lang="fr-FR" sz="2800" dirty="0" smtClean="0"/>
-              <a:t> </a:t>
-            </a:r>
-            <a:r>
-              <a:rPr lang="fr-FR" sz="2800" dirty="0" smtClean="0"/>
-              <a:t>avoir différents </a:t>
-            </a:r>
-            <a:r>
-              <a:rPr lang="fr-FR" sz="2800" dirty="0" smtClean="0"/>
-              <a:t>modules pour créer, modifier, supprimer ou juste lire les informations</a:t>
+              <a:t> avoir différents modules pour créer, modifier, supprimer ou juste lire les informations</a:t>
             </a:r>
           </a:p>
           <a:p>
@@ -28303,11 +25459,7 @@
             </a:pPr>
             <a:r>
               <a:rPr lang="fr-FR" sz="2800" dirty="0" smtClean="0"/>
-              <a:t> avoir un outil </a:t>
-            </a:r>
-            <a:r>
-              <a:rPr lang="fr-FR" sz="2800" dirty="0" smtClean="0"/>
-              <a:t>évolutif</a:t>
+              <a:t> avoir un outil évolutif</a:t>
             </a:r>
           </a:p>
         </p:txBody>
@@ -28851,7 +26003,6 @@
               <a:rPr lang="fr-FR" sz="2400" dirty="0" smtClean="0"/>
               <a:t>Temps court et non reconductible : livraison d’un projet incomplet</a:t>
             </a:r>
-            <a:endParaRPr lang="fr-FR" sz="2400" dirty="0" smtClean="0"/>
           </a:p>
           <a:p>
             <a:pPr>
@@ -28876,7 +26027,6 @@
               <a:rPr lang="fr-FR" sz="2400" dirty="0" smtClean="0"/>
               <a:t>Gestion des alertes</a:t>
             </a:r>
-            <a:endParaRPr lang="fr-FR" sz="2400" dirty="0" smtClean="0"/>
           </a:p>
           <a:p>
             <a:pPr>
@@ -28885,11 +26035,7 @@
             </a:pPr>
             <a:r>
               <a:rPr lang="fr-FR" sz="2400" dirty="0" smtClean="0"/>
-              <a:t> </a:t>
-            </a:r>
-            <a:r>
-              <a:rPr lang="fr-FR" sz="2400" dirty="0" smtClean="0"/>
-              <a:t>Intégration et automatisation d’un calendrier (commun)</a:t>
+              <a:t> Intégration et automatisation d’un calendrier (commun)</a:t>
             </a:r>
           </a:p>
           <a:p>
@@ -28901,7 +26047,6 @@
               <a:rPr lang="fr-FR" sz="2400" dirty="0" smtClean="0"/>
               <a:t> Équipe nouvelle sur les technologies employées </a:t>
             </a:r>
-            <a:endParaRPr lang="fr-FR" sz="2400" dirty="0" smtClean="0"/>
           </a:p>
         </p:txBody>
       </p:sp>
